--- a/Abschlusspräsentation.pptx
+++ b/Abschlusspräsentation.pptx
@@ -4,26 +4,40 @@
   <p:sldMasterIdLst>
     <p:sldMasterId id="2147483648" r:id="rId1"/>
   </p:sldMasterIdLst>
+  <p:notesMasterIdLst>
+    <p:notesMasterId r:id="rId32"/>
+  </p:notesMasterIdLst>
   <p:sldIdLst>
     <p:sldId id="256" r:id="rId2"/>
-    <p:sldId id="264" r:id="rId3"/>
-    <p:sldId id="257" r:id="rId4"/>
-    <p:sldId id="258" r:id="rId5"/>
-    <p:sldId id="259" r:id="rId6"/>
-    <p:sldId id="260" r:id="rId7"/>
-    <p:sldId id="261" r:id="rId8"/>
-    <p:sldId id="265" r:id="rId9"/>
-    <p:sldId id="262" r:id="rId10"/>
-    <p:sldId id="266" r:id="rId11"/>
-    <p:sldId id="263" r:id="rId12"/>
-    <p:sldId id="267" r:id="rId13"/>
-    <p:sldId id="268" r:id="rId14"/>
-    <p:sldId id="269" r:id="rId15"/>
-    <p:sldId id="270" r:id="rId16"/>
-    <p:sldId id="271" r:id="rId17"/>
-    <p:sldId id="272" r:id="rId18"/>
-    <p:sldId id="273" r:id="rId19"/>
-    <p:sldId id="274" r:id="rId20"/>
+    <p:sldId id="257" r:id="rId3"/>
+    <p:sldId id="258" r:id="rId4"/>
+    <p:sldId id="259" r:id="rId5"/>
+    <p:sldId id="260" r:id="rId6"/>
+    <p:sldId id="261" r:id="rId7"/>
+    <p:sldId id="265" r:id="rId8"/>
+    <p:sldId id="262" r:id="rId9"/>
+    <p:sldId id="266" r:id="rId10"/>
+    <p:sldId id="263" r:id="rId11"/>
+    <p:sldId id="267" r:id="rId12"/>
+    <p:sldId id="268" r:id="rId13"/>
+    <p:sldId id="269" r:id="rId14"/>
+    <p:sldId id="270" r:id="rId15"/>
+    <p:sldId id="271" r:id="rId16"/>
+    <p:sldId id="272" r:id="rId17"/>
+    <p:sldId id="273" r:id="rId18"/>
+    <p:sldId id="274" r:id="rId19"/>
+    <p:sldId id="279" r:id="rId20"/>
+    <p:sldId id="275" r:id="rId21"/>
+    <p:sldId id="276" r:id="rId22"/>
+    <p:sldId id="277" r:id="rId23"/>
+    <p:sldId id="278" r:id="rId24"/>
+    <p:sldId id="280" r:id="rId25"/>
+    <p:sldId id="281" r:id="rId26"/>
+    <p:sldId id="282" r:id="rId27"/>
+    <p:sldId id="283" r:id="rId28"/>
+    <p:sldId id="284" r:id="rId29"/>
+    <p:sldId id="285" r:id="rId30"/>
+    <p:sldId id="286" r:id="rId31"/>
   </p:sldIdLst>
   <p:sldSz cx="12192000" cy="6858000"/>
   <p:notesSz cx="6858000" cy="9144000"/>
@@ -130,6 +144,356 @@
 </p:presentation>
 </file>
 
+<file path=ppt/notesMasters/notesMaster1.xml><?xml version="1.0" encoding="utf-8"?>
+<p:notesMaster xmlns:a="http://schemas.openxmlformats.org/drawingml/2006/main" xmlns:r="http://schemas.openxmlformats.org/officeDocument/2006/relationships" xmlns:p="http://schemas.openxmlformats.org/presentationml/2006/main">
+  <p:cSld>
+    <p:bg>
+      <p:bgRef idx="1001">
+        <a:schemeClr val="bg1"/>
+      </p:bgRef>
+    </p:bg>
+    <p:spTree>
+      <p:nvGrpSpPr>
+        <p:cNvPr id="1" name=""/>
+        <p:cNvGrpSpPr/>
+        <p:nvPr/>
+      </p:nvGrpSpPr>
+      <p:grpSpPr>
+        <a:xfrm>
+          <a:off x="0" y="0"/>
+          <a:ext cx="0" cy="0"/>
+          <a:chOff x="0" y="0"/>
+          <a:chExt cx="0" cy="0"/>
+        </a:xfrm>
+      </p:grpSpPr>
+      <p:sp>
+        <p:nvSpPr>
+          <p:cNvPr id="2" name="Kopfzeilenplatzhalter 1"/>
+          <p:cNvSpPr>
+            <a:spLocks noGrp="1"/>
+          </p:cNvSpPr>
+          <p:nvPr>
+            <p:ph type="hdr" sz="quarter"/>
+          </p:nvPr>
+        </p:nvSpPr>
+        <p:spPr>
+          <a:xfrm>
+            <a:off x="0" y="0"/>
+            <a:ext cx="2971800" cy="458788"/>
+          </a:xfrm>
+          <a:prstGeom prst="rect">
+            <a:avLst/>
+          </a:prstGeom>
+        </p:spPr>
+        <p:txBody>
+          <a:bodyPr vert="horz" lIns="91440" tIns="45720" rIns="91440" bIns="45720" rtlCol="0"/>
+          <a:lstStyle>
+            <a:lvl1pPr algn="l">
+              <a:defRPr sz="1200"/>
+            </a:lvl1pPr>
+          </a:lstStyle>
+          <a:p>
+            <a:endParaRPr lang="de-DE"/>
+          </a:p>
+        </p:txBody>
+      </p:sp>
+      <p:sp>
+        <p:nvSpPr>
+          <p:cNvPr id="3" name="Datumsplatzhalter 2"/>
+          <p:cNvSpPr>
+            <a:spLocks noGrp="1"/>
+          </p:cNvSpPr>
+          <p:nvPr>
+            <p:ph type="dt" idx="1"/>
+          </p:nvPr>
+        </p:nvSpPr>
+        <p:spPr>
+          <a:xfrm>
+            <a:off x="3884613" y="0"/>
+            <a:ext cx="2971800" cy="458788"/>
+          </a:xfrm>
+          <a:prstGeom prst="rect">
+            <a:avLst/>
+          </a:prstGeom>
+        </p:spPr>
+        <p:txBody>
+          <a:bodyPr vert="horz" lIns="91440" tIns="45720" rIns="91440" bIns="45720" rtlCol="0"/>
+          <a:lstStyle>
+            <a:lvl1pPr algn="r">
+              <a:defRPr sz="1200"/>
+            </a:lvl1pPr>
+          </a:lstStyle>
+          <a:p>
+            <a:fld id="{36C8458D-1C1D-F94D-9DC9-4F9335323F06}" type="datetimeFigureOut">
+              <a:rPr lang="de-DE" smtClean="0"/>
+              <a:t>20.11.17</a:t>
+            </a:fld>
+            <a:endParaRPr lang="de-DE"/>
+          </a:p>
+        </p:txBody>
+      </p:sp>
+      <p:sp>
+        <p:nvSpPr>
+          <p:cNvPr id="4" name="Folienbildplatzhalter 3"/>
+          <p:cNvSpPr>
+            <a:spLocks noGrp="1" noRot="1" noChangeAspect="1"/>
+          </p:cNvSpPr>
+          <p:nvPr>
+            <p:ph type="sldImg" idx="2"/>
+          </p:nvPr>
+        </p:nvSpPr>
+        <p:spPr>
+          <a:xfrm>
+            <a:off x="685800" y="1143000"/>
+            <a:ext cx="5486400" cy="3086100"/>
+          </a:xfrm>
+          <a:prstGeom prst="rect">
+            <a:avLst/>
+          </a:prstGeom>
+          <a:noFill/>
+          <a:ln w="12700">
+            <a:solidFill>
+              <a:prstClr val="black"/>
+            </a:solidFill>
+          </a:ln>
+        </p:spPr>
+        <p:txBody>
+          <a:bodyPr vert="horz" lIns="91440" tIns="45720" rIns="91440" bIns="45720" rtlCol="0" anchor="ctr"/>
+          <a:lstStyle/>
+          <a:p>
+            <a:endParaRPr lang="de-DE"/>
+          </a:p>
+        </p:txBody>
+      </p:sp>
+      <p:sp>
+        <p:nvSpPr>
+          <p:cNvPr id="5" name="Notizenplatzhalter 4"/>
+          <p:cNvSpPr>
+            <a:spLocks noGrp="1"/>
+          </p:cNvSpPr>
+          <p:nvPr>
+            <p:ph type="body" sz="quarter" idx="3"/>
+          </p:nvPr>
+        </p:nvSpPr>
+        <p:spPr>
+          <a:xfrm>
+            <a:off x="685800" y="4400550"/>
+            <a:ext cx="5486400" cy="3600450"/>
+          </a:xfrm>
+          <a:prstGeom prst="rect">
+            <a:avLst/>
+          </a:prstGeom>
+        </p:spPr>
+        <p:txBody>
+          <a:bodyPr vert="horz" lIns="91440" tIns="45720" rIns="91440" bIns="45720" rtlCol="0"/>
+          <a:lstStyle/>
+          <a:p>
+            <a:pPr lvl="0"/>
+            <a:r>
+              <a:rPr lang="de-DE" smtClean="0"/>
+              <a:t>Mastertextformat bearbeiten</a:t>
+            </a:r>
+          </a:p>
+          <a:p>
+            <a:pPr lvl="1"/>
+            <a:r>
+              <a:rPr lang="de-DE" smtClean="0"/>
+              <a:t>Zweite Ebene</a:t>
+            </a:r>
+          </a:p>
+          <a:p>
+            <a:pPr lvl="2"/>
+            <a:r>
+              <a:rPr lang="de-DE" smtClean="0"/>
+              <a:t>Dritte Ebene</a:t>
+            </a:r>
+          </a:p>
+          <a:p>
+            <a:pPr lvl="3"/>
+            <a:r>
+              <a:rPr lang="de-DE" smtClean="0"/>
+              <a:t>Vierte Ebene</a:t>
+            </a:r>
+          </a:p>
+          <a:p>
+            <a:pPr lvl="4"/>
+            <a:r>
+              <a:rPr lang="de-DE" smtClean="0"/>
+              <a:t>Fünfte Ebene</a:t>
+            </a:r>
+            <a:endParaRPr lang="de-DE"/>
+          </a:p>
+        </p:txBody>
+      </p:sp>
+      <p:sp>
+        <p:nvSpPr>
+          <p:cNvPr id="6" name="Fußzeilenplatzhalter 5"/>
+          <p:cNvSpPr>
+            <a:spLocks noGrp="1"/>
+          </p:cNvSpPr>
+          <p:nvPr>
+            <p:ph type="ftr" sz="quarter" idx="4"/>
+          </p:nvPr>
+        </p:nvSpPr>
+        <p:spPr>
+          <a:xfrm>
+            <a:off x="0" y="8685213"/>
+            <a:ext cx="2971800" cy="458787"/>
+          </a:xfrm>
+          <a:prstGeom prst="rect">
+            <a:avLst/>
+          </a:prstGeom>
+        </p:spPr>
+        <p:txBody>
+          <a:bodyPr vert="horz" lIns="91440" tIns="45720" rIns="91440" bIns="45720" rtlCol="0" anchor="b"/>
+          <a:lstStyle>
+            <a:lvl1pPr algn="l">
+              <a:defRPr sz="1200"/>
+            </a:lvl1pPr>
+          </a:lstStyle>
+          <a:p>
+            <a:endParaRPr lang="de-DE"/>
+          </a:p>
+        </p:txBody>
+      </p:sp>
+      <p:sp>
+        <p:nvSpPr>
+          <p:cNvPr id="7" name="Foliennummernplatzhalter 6"/>
+          <p:cNvSpPr>
+            <a:spLocks noGrp="1"/>
+          </p:cNvSpPr>
+          <p:nvPr>
+            <p:ph type="sldNum" sz="quarter" idx="5"/>
+          </p:nvPr>
+        </p:nvSpPr>
+        <p:spPr>
+          <a:xfrm>
+            <a:off x="3884613" y="8685213"/>
+            <a:ext cx="2971800" cy="458787"/>
+          </a:xfrm>
+          <a:prstGeom prst="rect">
+            <a:avLst/>
+          </a:prstGeom>
+        </p:spPr>
+        <p:txBody>
+          <a:bodyPr vert="horz" lIns="91440" tIns="45720" rIns="91440" bIns="45720" rtlCol="0" anchor="b"/>
+          <a:lstStyle>
+            <a:lvl1pPr algn="r">
+              <a:defRPr sz="1200"/>
+            </a:lvl1pPr>
+          </a:lstStyle>
+          <a:p>
+            <a:fld id="{11835A85-A571-6244-8FB7-D1829C1AA164}" type="slidenum">
+              <a:rPr lang="de-DE" smtClean="0"/>
+              <a:t>‹Nr.›</a:t>
+            </a:fld>
+            <a:endParaRPr lang="de-DE"/>
+          </a:p>
+        </p:txBody>
+      </p:sp>
+    </p:spTree>
+    <p:extLst>
+      <p:ext uri="{BB962C8B-B14F-4D97-AF65-F5344CB8AC3E}">
+        <p14:creationId xmlns:p14="http://schemas.microsoft.com/office/powerpoint/2010/main" val="468604104"/>
+      </p:ext>
+    </p:extLst>
+  </p:cSld>
+  <p:clrMap bg1="lt1" tx1="dk1" bg2="lt2" tx2="dk2" accent1="accent1" accent2="accent2" accent3="accent3" accent4="accent4" accent5="accent5" accent6="accent6" hlink="hlink" folHlink="folHlink"/>
+  <p:notesStyle>
+    <a:lvl1pPr marL="0" algn="l" defTabSz="914400" rtl="0" eaLnBrk="1" latinLnBrk="0" hangingPunct="1">
+      <a:defRPr sz="1200" kern="1200">
+        <a:solidFill>
+          <a:schemeClr val="tx1"/>
+        </a:solidFill>
+        <a:latin typeface="+mn-lt"/>
+        <a:ea typeface="+mn-ea"/>
+        <a:cs typeface="+mn-cs"/>
+      </a:defRPr>
+    </a:lvl1pPr>
+    <a:lvl2pPr marL="457200" algn="l" defTabSz="914400" rtl="0" eaLnBrk="1" latinLnBrk="0" hangingPunct="1">
+      <a:defRPr sz="1200" kern="1200">
+        <a:solidFill>
+          <a:schemeClr val="tx1"/>
+        </a:solidFill>
+        <a:latin typeface="+mn-lt"/>
+        <a:ea typeface="+mn-ea"/>
+        <a:cs typeface="+mn-cs"/>
+      </a:defRPr>
+    </a:lvl2pPr>
+    <a:lvl3pPr marL="914400" algn="l" defTabSz="914400" rtl="0" eaLnBrk="1" latinLnBrk="0" hangingPunct="1">
+      <a:defRPr sz="1200" kern="1200">
+        <a:solidFill>
+          <a:schemeClr val="tx1"/>
+        </a:solidFill>
+        <a:latin typeface="+mn-lt"/>
+        <a:ea typeface="+mn-ea"/>
+        <a:cs typeface="+mn-cs"/>
+      </a:defRPr>
+    </a:lvl3pPr>
+    <a:lvl4pPr marL="1371600" algn="l" defTabSz="914400" rtl="0" eaLnBrk="1" latinLnBrk="0" hangingPunct="1">
+      <a:defRPr sz="1200" kern="1200">
+        <a:solidFill>
+          <a:schemeClr val="tx1"/>
+        </a:solidFill>
+        <a:latin typeface="+mn-lt"/>
+        <a:ea typeface="+mn-ea"/>
+        <a:cs typeface="+mn-cs"/>
+      </a:defRPr>
+    </a:lvl4pPr>
+    <a:lvl5pPr marL="1828800" algn="l" defTabSz="914400" rtl="0" eaLnBrk="1" latinLnBrk="0" hangingPunct="1">
+      <a:defRPr sz="1200" kern="1200">
+        <a:solidFill>
+          <a:schemeClr val="tx1"/>
+        </a:solidFill>
+        <a:latin typeface="+mn-lt"/>
+        <a:ea typeface="+mn-ea"/>
+        <a:cs typeface="+mn-cs"/>
+      </a:defRPr>
+    </a:lvl5pPr>
+    <a:lvl6pPr marL="2286000" algn="l" defTabSz="914400" rtl="0" eaLnBrk="1" latinLnBrk="0" hangingPunct="1">
+      <a:defRPr sz="1200" kern="1200">
+        <a:solidFill>
+          <a:schemeClr val="tx1"/>
+        </a:solidFill>
+        <a:latin typeface="+mn-lt"/>
+        <a:ea typeface="+mn-ea"/>
+        <a:cs typeface="+mn-cs"/>
+      </a:defRPr>
+    </a:lvl6pPr>
+    <a:lvl7pPr marL="2743200" algn="l" defTabSz="914400" rtl="0" eaLnBrk="1" latinLnBrk="0" hangingPunct="1">
+      <a:defRPr sz="1200" kern="1200">
+        <a:solidFill>
+          <a:schemeClr val="tx1"/>
+        </a:solidFill>
+        <a:latin typeface="+mn-lt"/>
+        <a:ea typeface="+mn-ea"/>
+        <a:cs typeface="+mn-cs"/>
+      </a:defRPr>
+    </a:lvl7pPr>
+    <a:lvl8pPr marL="3200400" algn="l" defTabSz="914400" rtl="0" eaLnBrk="1" latinLnBrk="0" hangingPunct="1">
+      <a:defRPr sz="1200" kern="1200">
+        <a:solidFill>
+          <a:schemeClr val="tx1"/>
+        </a:solidFill>
+        <a:latin typeface="+mn-lt"/>
+        <a:ea typeface="+mn-ea"/>
+        <a:cs typeface="+mn-cs"/>
+      </a:defRPr>
+    </a:lvl8pPr>
+    <a:lvl9pPr marL="3657600" algn="l" defTabSz="914400" rtl="0" eaLnBrk="1" latinLnBrk="0" hangingPunct="1">
+      <a:defRPr sz="1200" kern="1200">
+        <a:solidFill>
+          <a:schemeClr val="tx1"/>
+        </a:solidFill>
+        <a:latin typeface="+mn-lt"/>
+        <a:ea typeface="+mn-ea"/>
+        <a:cs typeface="+mn-cs"/>
+      </a:defRPr>
+    </a:lvl9pPr>
+  </p:notesStyle>
+</p:notesMaster>
+</file>
+
 <file path=ppt/slideLayouts/slideLayout1.xml><?xml version="1.0" encoding="utf-8"?>
 <p:sldLayout xmlns:a="http://schemas.openxmlformats.org/drawingml/2006/main" xmlns:r="http://schemas.openxmlformats.org/officeDocument/2006/relationships" xmlns:p="http://schemas.openxmlformats.org/presentationml/2006/main" type="title" preserve="1">
   <p:cSld name="Titelfolie">
@@ -261,7 +625,7 @@
           <a:p>
             <a:fld id="{24B7D1C4-DA52-A848-89B1-2FA146A36D39}" type="datetimeFigureOut">
               <a:rPr lang="de-DE" smtClean="0"/>
-              <a:t>19.11.17</a:t>
+              <a:t>20.11.17</a:t>
             </a:fld>
             <a:endParaRPr lang="de-DE"/>
           </a:p>
@@ -431,7 +795,7 @@
           <a:p>
             <a:fld id="{24B7D1C4-DA52-A848-89B1-2FA146A36D39}" type="datetimeFigureOut">
               <a:rPr lang="de-DE" smtClean="0"/>
-              <a:t>19.11.17</a:t>
+              <a:t>20.11.17</a:t>
             </a:fld>
             <a:endParaRPr lang="de-DE"/>
           </a:p>
@@ -611,7 +975,7 @@
           <a:p>
             <a:fld id="{24B7D1C4-DA52-A848-89B1-2FA146A36D39}" type="datetimeFigureOut">
               <a:rPr lang="de-DE" smtClean="0"/>
-              <a:t>19.11.17</a:t>
+              <a:t>20.11.17</a:t>
             </a:fld>
             <a:endParaRPr lang="de-DE"/>
           </a:p>
@@ -781,7 +1145,7 @@
           <a:p>
             <a:fld id="{24B7D1C4-DA52-A848-89B1-2FA146A36D39}" type="datetimeFigureOut">
               <a:rPr lang="de-DE" smtClean="0"/>
-              <a:t>19.11.17</a:t>
+              <a:t>20.11.17</a:t>
             </a:fld>
             <a:endParaRPr lang="de-DE"/>
           </a:p>
@@ -1027,7 +1391,7 @@
           <a:p>
             <a:fld id="{24B7D1C4-DA52-A848-89B1-2FA146A36D39}" type="datetimeFigureOut">
               <a:rPr lang="de-DE" smtClean="0"/>
-              <a:t>19.11.17</a:t>
+              <a:t>20.11.17</a:t>
             </a:fld>
             <a:endParaRPr lang="de-DE"/>
           </a:p>
@@ -1259,7 +1623,7 @@
           <a:p>
             <a:fld id="{24B7D1C4-DA52-A848-89B1-2FA146A36D39}" type="datetimeFigureOut">
               <a:rPr lang="de-DE" smtClean="0"/>
-              <a:t>19.11.17</a:t>
+              <a:t>20.11.17</a:t>
             </a:fld>
             <a:endParaRPr lang="de-DE"/>
           </a:p>
@@ -1626,7 +1990,7 @@
           <a:p>
             <a:fld id="{24B7D1C4-DA52-A848-89B1-2FA146A36D39}" type="datetimeFigureOut">
               <a:rPr lang="de-DE" smtClean="0"/>
-              <a:t>19.11.17</a:t>
+              <a:t>20.11.17</a:t>
             </a:fld>
             <a:endParaRPr lang="de-DE"/>
           </a:p>
@@ -1744,7 +2108,7 @@
           <a:p>
             <a:fld id="{24B7D1C4-DA52-A848-89B1-2FA146A36D39}" type="datetimeFigureOut">
               <a:rPr lang="de-DE" smtClean="0"/>
-              <a:t>19.11.17</a:t>
+              <a:t>20.11.17</a:t>
             </a:fld>
             <a:endParaRPr lang="de-DE"/>
           </a:p>
@@ -1839,7 +2203,7 @@
           <a:p>
             <a:fld id="{24B7D1C4-DA52-A848-89B1-2FA146A36D39}" type="datetimeFigureOut">
               <a:rPr lang="de-DE" smtClean="0"/>
-              <a:t>19.11.17</a:t>
+              <a:t>20.11.17</a:t>
             </a:fld>
             <a:endParaRPr lang="de-DE"/>
           </a:p>
@@ -2116,7 +2480,7 @@
           <a:p>
             <a:fld id="{24B7D1C4-DA52-A848-89B1-2FA146A36D39}" type="datetimeFigureOut">
               <a:rPr lang="de-DE" smtClean="0"/>
-              <a:t>19.11.17</a:t>
+              <a:t>20.11.17</a:t>
             </a:fld>
             <a:endParaRPr lang="de-DE"/>
           </a:p>
@@ -2369,7 +2733,7 @@
           <a:p>
             <a:fld id="{24B7D1C4-DA52-A848-89B1-2FA146A36D39}" type="datetimeFigureOut">
               <a:rPr lang="de-DE" smtClean="0"/>
-              <a:t>19.11.17</a:t>
+              <a:t>20.11.17</a:t>
             </a:fld>
             <a:endParaRPr lang="de-DE"/>
           </a:p>
@@ -2582,7 +2946,7 @@
           <a:p>
             <a:fld id="{24B7D1C4-DA52-A848-89B1-2FA146A36D39}" type="datetimeFigureOut">
               <a:rPr lang="de-DE" smtClean="0"/>
-              <a:t>19.11.17</a:t>
+              <a:t>20.11.17</a:t>
             </a:fld>
             <a:endParaRPr lang="de-DE"/>
           </a:p>
@@ -3096,989 +3460,7 @@
           <a:p>
             <a:r>
               <a:rPr lang="de-DE" dirty="0" smtClean="0"/>
-              <a:t>Umsetzung</a:t>
-            </a:r>
-            <a:endParaRPr lang="de-DE" dirty="0"/>
-          </a:p>
-        </p:txBody>
-      </p:sp>
-      <p:sp>
-        <p:nvSpPr>
-          <p:cNvPr id="4" name="Rechteck 3"/>
-          <p:cNvSpPr/>
-          <p:nvPr/>
-        </p:nvSpPr>
-        <p:spPr>
-          <a:xfrm>
-            <a:off x="838200" y="2253275"/>
-            <a:ext cx="10515600" cy="3416320"/>
-          </a:xfrm>
-          <a:prstGeom prst="rect">
-            <a:avLst/>
-          </a:prstGeom>
-        </p:spPr>
-        <p:txBody>
-          <a:bodyPr wrap="square">
-            <a:spAutoFit/>
-          </a:bodyPr>
-          <a:lstStyle/>
-          <a:p>
-            <a:r>
-              <a:rPr lang="mr-IN" b="1" dirty="0">
-                <a:solidFill>
-                  <a:srgbClr val="000080"/>
-                </a:solidFill>
-                <a:latin typeface="Menlo" charset="0"/>
-                <a:ea typeface="Menlo" charset="0"/>
-                <a:cs typeface="Menlo" charset="0"/>
-              </a:rPr>
-              <a:t>def </a:t>
-            </a:r>
-            <a:r>
-              <a:rPr lang="mr-IN" dirty="0" err="1">
-                <a:latin typeface="Menlo" charset="0"/>
-                <a:ea typeface="Menlo" charset="0"/>
-                <a:cs typeface="Menlo" charset="0"/>
-              </a:rPr>
-              <a:t>operate_on_matrix</a:t>
-            </a:r>
-            <a:r>
-              <a:rPr lang="mr-IN" dirty="0">
-                <a:latin typeface="Menlo" charset="0"/>
-                <a:ea typeface="Menlo" charset="0"/>
-                <a:cs typeface="Menlo" charset="0"/>
-              </a:rPr>
-              <a:t>(matrix):</a:t>
-            </a:r>
-            <a:br>
-              <a:rPr lang="mr-IN" dirty="0">
-                <a:latin typeface="Menlo" charset="0"/>
-                <a:ea typeface="Menlo" charset="0"/>
-                <a:cs typeface="Menlo" charset="0"/>
-              </a:rPr>
-            </a:br>
-            <a:r>
-              <a:rPr lang="mr-IN" dirty="0">
-                <a:latin typeface="Menlo" charset="0"/>
-                <a:ea typeface="Menlo" charset="0"/>
-                <a:cs typeface="Menlo" charset="0"/>
-              </a:rPr>
-              <a:t>    </a:t>
-            </a:r>
-            <a:r>
-              <a:rPr lang="mr-IN" dirty="0" err="1">
-                <a:latin typeface="Menlo" charset="0"/>
-                <a:ea typeface="Menlo" charset="0"/>
-                <a:cs typeface="Menlo" charset="0"/>
-              </a:rPr>
-              <a:t>size</a:t>
-            </a:r>
-            <a:r>
-              <a:rPr lang="mr-IN" dirty="0">
-                <a:latin typeface="Menlo" charset="0"/>
-                <a:ea typeface="Menlo" charset="0"/>
-                <a:cs typeface="Menlo" charset="0"/>
-              </a:rPr>
-              <a:t> = </a:t>
-            </a:r>
-            <a:r>
-              <a:rPr lang="mr-IN" dirty="0" err="1">
-                <a:solidFill>
-                  <a:srgbClr val="000080"/>
-                </a:solidFill>
-                <a:latin typeface="Menlo" charset="0"/>
-                <a:ea typeface="Menlo" charset="0"/>
-                <a:cs typeface="Menlo" charset="0"/>
-              </a:rPr>
-              <a:t>len</a:t>
-            </a:r>
-            <a:r>
-              <a:rPr lang="mr-IN" dirty="0">
-                <a:latin typeface="Menlo" charset="0"/>
-                <a:ea typeface="Menlo" charset="0"/>
-                <a:cs typeface="Menlo" charset="0"/>
-              </a:rPr>
-              <a:t>(matrix)</a:t>
-            </a:r>
-            <a:br>
-              <a:rPr lang="mr-IN" dirty="0">
-                <a:latin typeface="Menlo" charset="0"/>
-                <a:ea typeface="Menlo" charset="0"/>
-                <a:cs typeface="Menlo" charset="0"/>
-              </a:rPr>
-            </a:br>
-            <a:r>
-              <a:rPr lang="mr-IN" dirty="0">
-                <a:latin typeface="Menlo" charset="0"/>
-                <a:ea typeface="Menlo" charset="0"/>
-                <a:cs typeface="Menlo" charset="0"/>
-              </a:rPr>
-              <a:t>    </a:t>
-            </a:r>
-            <a:r>
-              <a:rPr lang="mr-IN" b="1" dirty="0">
-                <a:solidFill>
-                  <a:srgbClr val="000080"/>
-                </a:solidFill>
-                <a:latin typeface="Menlo" charset="0"/>
-                <a:ea typeface="Menlo" charset="0"/>
-                <a:cs typeface="Menlo" charset="0"/>
-              </a:rPr>
-              <a:t>for </a:t>
-            </a:r>
-            <a:r>
-              <a:rPr lang="mr-IN" dirty="0" err="1">
-                <a:latin typeface="Menlo" charset="0"/>
-                <a:ea typeface="Menlo" charset="0"/>
-                <a:cs typeface="Menlo" charset="0"/>
-              </a:rPr>
-              <a:t>y</a:t>
-            </a:r>
-            <a:r>
-              <a:rPr lang="mr-IN" dirty="0">
-                <a:latin typeface="Menlo" charset="0"/>
-                <a:ea typeface="Menlo" charset="0"/>
-                <a:cs typeface="Menlo" charset="0"/>
-              </a:rPr>
-              <a:t> </a:t>
-            </a:r>
-            <a:r>
-              <a:rPr lang="mr-IN" b="1" dirty="0" err="1">
-                <a:solidFill>
-                  <a:srgbClr val="000080"/>
-                </a:solidFill>
-                <a:latin typeface="Menlo" charset="0"/>
-                <a:ea typeface="Menlo" charset="0"/>
-                <a:cs typeface="Menlo" charset="0"/>
-              </a:rPr>
-              <a:t>in</a:t>
-            </a:r>
-            <a:r>
-              <a:rPr lang="mr-IN" b="1" dirty="0">
-                <a:solidFill>
-                  <a:srgbClr val="000080"/>
-                </a:solidFill>
-                <a:latin typeface="Menlo" charset="0"/>
-                <a:ea typeface="Menlo" charset="0"/>
-                <a:cs typeface="Menlo" charset="0"/>
-              </a:rPr>
-              <a:t> </a:t>
-            </a:r>
-            <a:r>
-              <a:rPr lang="mr-IN" dirty="0" err="1">
-                <a:solidFill>
-                  <a:srgbClr val="000080"/>
-                </a:solidFill>
-                <a:latin typeface="Menlo" charset="0"/>
-                <a:ea typeface="Menlo" charset="0"/>
-                <a:cs typeface="Menlo" charset="0"/>
-              </a:rPr>
-              <a:t>range</a:t>
-            </a:r>
-            <a:r>
-              <a:rPr lang="mr-IN" dirty="0">
-                <a:latin typeface="Menlo" charset="0"/>
-                <a:ea typeface="Menlo" charset="0"/>
-                <a:cs typeface="Menlo" charset="0"/>
-              </a:rPr>
-              <a:t>(</a:t>
-            </a:r>
-            <a:r>
-              <a:rPr lang="mr-IN" dirty="0" err="1">
-                <a:latin typeface="Menlo" charset="0"/>
-                <a:ea typeface="Menlo" charset="0"/>
-                <a:cs typeface="Menlo" charset="0"/>
-              </a:rPr>
-              <a:t>size</a:t>
-            </a:r>
-            <a:r>
-              <a:rPr lang="mr-IN" dirty="0">
-                <a:latin typeface="Menlo" charset="0"/>
-                <a:ea typeface="Menlo" charset="0"/>
-                <a:cs typeface="Menlo" charset="0"/>
-              </a:rPr>
-              <a:t>):</a:t>
-            </a:r>
-            <a:br>
-              <a:rPr lang="mr-IN" dirty="0">
-                <a:latin typeface="Menlo" charset="0"/>
-                <a:ea typeface="Menlo" charset="0"/>
-                <a:cs typeface="Menlo" charset="0"/>
-              </a:rPr>
-            </a:br>
-            <a:r>
-              <a:rPr lang="mr-IN" dirty="0">
-                <a:latin typeface="Menlo" charset="0"/>
-                <a:ea typeface="Menlo" charset="0"/>
-                <a:cs typeface="Menlo" charset="0"/>
-              </a:rPr>
-              <a:t>        </a:t>
-            </a:r>
-            <a:r>
-              <a:rPr lang="mr-IN" b="1" dirty="0">
-                <a:solidFill>
-                  <a:srgbClr val="000080"/>
-                </a:solidFill>
-                <a:latin typeface="Menlo" charset="0"/>
-                <a:ea typeface="Menlo" charset="0"/>
-                <a:cs typeface="Menlo" charset="0"/>
-              </a:rPr>
-              <a:t>for </a:t>
-            </a:r>
-            <a:r>
-              <a:rPr lang="mr-IN" dirty="0" err="1">
-                <a:latin typeface="Menlo" charset="0"/>
-                <a:ea typeface="Menlo" charset="0"/>
-                <a:cs typeface="Menlo" charset="0"/>
-              </a:rPr>
-              <a:t>x</a:t>
-            </a:r>
-            <a:r>
-              <a:rPr lang="mr-IN" dirty="0">
-                <a:latin typeface="Menlo" charset="0"/>
-                <a:ea typeface="Menlo" charset="0"/>
-                <a:cs typeface="Menlo" charset="0"/>
-              </a:rPr>
-              <a:t> </a:t>
-            </a:r>
-            <a:r>
-              <a:rPr lang="mr-IN" b="1" dirty="0" err="1">
-                <a:solidFill>
-                  <a:srgbClr val="000080"/>
-                </a:solidFill>
-                <a:latin typeface="Menlo" charset="0"/>
-                <a:ea typeface="Menlo" charset="0"/>
-                <a:cs typeface="Menlo" charset="0"/>
-              </a:rPr>
-              <a:t>in</a:t>
-            </a:r>
-            <a:r>
-              <a:rPr lang="mr-IN" b="1" dirty="0">
-                <a:solidFill>
-                  <a:srgbClr val="000080"/>
-                </a:solidFill>
-                <a:latin typeface="Menlo" charset="0"/>
-                <a:ea typeface="Menlo" charset="0"/>
-                <a:cs typeface="Menlo" charset="0"/>
-              </a:rPr>
-              <a:t> </a:t>
-            </a:r>
-            <a:r>
-              <a:rPr lang="mr-IN" dirty="0" err="1">
-                <a:solidFill>
-                  <a:srgbClr val="000080"/>
-                </a:solidFill>
-                <a:latin typeface="Menlo" charset="0"/>
-                <a:ea typeface="Menlo" charset="0"/>
-                <a:cs typeface="Menlo" charset="0"/>
-              </a:rPr>
-              <a:t>range</a:t>
-            </a:r>
-            <a:r>
-              <a:rPr lang="mr-IN" dirty="0">
-                <a:latin typeface="Menlo" charset="0"/>
-                <a:ea typeface="Menlo" charset="0"/>
-                <a:cs typeface="Menlo" charset="0"/>
-              </a:rPr>
-              <a:t>(</a:t>
-            </a:r>
-            <a:r>
-              <a:rPr lang="mr-IN" dirty="0" err="1">
-                <a:latin typeface="Menlo" charset="0"/>
-                <a:ea typeface="Menlo" charset="0"/>
-                <a:cs typeface="Menlo" charset="0"/>
-              </a:rPr>
-              <a:t>size</a:t>
-            </a:r>
-            <a:r>
-              <a:rPr lang="mr-IN" dirty="0">
-                <a:latin typeface="Menlo" charset="0"/>
-                <a:ea typeface="Menlo" charset="0"/>
-                <a:cs typeface="Menlo" charset="0"/>
-              </a:rPr>
-              <a:t>):</a:t>
-            </a:r>
-            <a:br>
-              <a:rPr lang="mr-IN" dirty="0">
-                <a:latin typeface="Menlo" charset="0"/>
-                <a:ea typeface="Menlo" charset="0"/>
-                <a:cs typeface="Menlo" charset="0"/>
-              </a:rPr>
-            </a:br>
-            <a:r>
-              <a:rPr lang="mr-IN" dirty="0">
-                <a:latin typeface="Menlo" charset="0"/>
-                <a:ea typeface="Menlo" charset="0"/>
-                <a:cs typeface="Menlo" charset="0"/>
-              </a:rPr>
-              <a:t>            </a:t>
-            </a:r>
-            <a:r>
-              <a:rPr lang="mr-IN" b="1" dirty="0">
-                <a:solidFill>
-                  <a:srgbClr val="000080"/>
-                </a:solidFill>
-                <a:latin typeface="Menlo" charset="0"/>
-                <a:ea typeface="Menlo" charset="0"/>
-                <a:cs typeface="Menlo" charset="0"/>
-              </a:rPr>
-              <a:t>if </a:t>
-            </a:r>
-            <a:r>
-              <a:rPr lang="mr-IN" dirty="0">
-                <a:latin typeface="Menlo" charset="0"/>
-                <a:ea typeface="Menlo" charset="0"/>
-                <a:cs typeface="Menlo" charset="0"/>
-              </a:rPr>
-              <a:t>matrix[</a:t>
-            </a:r>
-            <a:r>
-              <a:rPr lang="mr-IN" dirty="0" err="1">
-                <a:latin typeface="Menlo" charset="0"/>
-                <a:ea typeface="Menlo" charset="0"/>
-                <a:cs typeface="Menlo" charset="0"/>
-              </a:rPr>
-              <a:t>y</a:t>
-            </a:r>
-            <a:r>
-              <a:rPr lang="mr-IN" dirty="0">
-                <a:latin typeface="Menlo" charset="0"/>
-                <a:ea typeface="Menlo" charset="0"/>
-                <a:cs typeface="Menlo" charset="0"/>
-              </a:rPr>
-              <a:t>][</a:t>
-            </a:r>
-            <a:r>
-              <a:rPr lang="mr-IN" dirty="0" err="1">
-                <a:latin typeface="Menlo" charset="0"/>
-                <a:ea typeface="Menlo" charset="0"/>
-                <a:cs typeface="Menlo" charset="0"/>
-              </a:rPr>
-              <a:t>x</a:t>
-            </a:r>
-            <a:r>
-              <a:rPr lang="mr-IN" dirty="0">
-                <a:latin typeface="Menlo" charset="0"/>
-                <a:ea typeface="Menlo" charset="0"/>
-                <a:cs typeface="Menlo" charset="0"/>
-              </a:rPr>
-              <a:t>] == </a:t>
-            </a:r>
-            <a:r>
-              <a:rPr lang="mr-IN" dirty="0">
-                <a:solidFill>
-                  <a:srgbClr val="0000FF"/>
-                </a:solidFill>
-                <a:latin typeface="Menlo" charset="0"/>
-                <a:ea typeface="Menlo" charset="0"/>
-                <a:cs typeface="Menlo" charset="0"/>
-              </a:rPr>
-              <a:t>1 </a:t>
-            </a:r>
-            <a:r>
-              <a:rPr lang="mr-IN" b="1" dirty="0">
-                <a:solidFill>
-                  <a:srgbClr val="000080"/>
-                </a:solidFill>
-                <a:latin typeface="Menlo" charset="0"/>
-                <a:ea typeface="Menlo" charset="0"/>
-                <a:cs typeface="Menlo" charset="0"/>
-              </a:rPr>
-              <a:t>and </a:t>
-            </a:r>
-            <a:r>
-              <a:rPr lang="mr-IN" dirty="0">
-                <a:latin typeface="Menlo" charset="0"/>
-                <a:ea typeface="Menlo" charset="0"/>
-                <a:cs typeface="Menlo" charset="0"/>
-              </a:rPr>
-              <a:t>matrix[</a:t>
-            </a:r>
-            <a:r>
-              <a:rPr lang="mr-IN" dirty="0" err="1">
-                <a:latin typeface="Menlo" charset="0"/>
-                <a:ea typeface="Menlo" charset="0"/>
-                <a:cs typeface="Menlo" charset="0"/>
-              </a:rPr>
-              <a:t>x</a:t>
-            </a:r>
-            <a:r>
-              <a:rPr lang="mr-IN" dirty="0">
-                <a:latin typeface="Menlo" charset="0"/>
-                <a:ea typeface="Menlo" charset="0"/>
-                <a:cs typeface="Menlo" charset="0"/>
-              </a:rPr>
-              <a:t>][</a:t>
-            </a:r>
-            <a:r>
-              <a:rPr lang="mr-IN" dirty="0" err="1">
-                <a:latin typeface="Menlo" charset="0"/>
-                <a:ea typeface="Menlo" charset="0"/>
-                <a:cs typeface="Menlo" charset="0"/>
-              </a:rPr>
-              <a:t>y</a:t>
-            </a:r>
-            <a:r>
-              <a:rPr lang="mr-IN" dirty="0">
-                <a:latin typeface="Menlo" charset="0"/>
-                <a:ea typeface="Menlo" charset="0"/>
-                <a:cs typeface="Menlo" charset="0"/>
-              </a:rPr>
-              <a:t>] == -</a:t>
-            </a:r>
-            <a:r>
-              <a:rPr lang="mr-IN" dirty="0">
-                <a:solidFill>
-                  <a:srgbClr val="0000FF"/>
-                </a:solidFill>
-                <a:latin typeface="Menlo" charset="0"/>
-                <a:ea typeface="Menlo" charset="0"/>
-                <a:cs typeface="Menlo" charset="0"/>
-              </a:rPr>
-              <a:t>1</a:t>
-            </a:r>
-            <a:r>
-              <a:rPr lang="mr-IN" dirty="0">
-                <a:latin typeface="Menlo" charset="0"/>
-                <a:ea typeface="Menlo" charset="0"/>
-                <a:cs typeface="Menlo" charset="0"/>
-              </a:rPr>
-              <a:t>:</a:t>
-            </a:r>
-            <a:br>
-              <a:rPr lang="mr-IN" dirty="0">
-                <a:latin typeface="Menlo" charset="0"/>
-                <a:ea typeface="Menlo" charset="0"/>
-                <a:cs typeface="Menlo" charset="0"/>
-              </a:rPr>
-            </a:br>
-            <a:r>
-              <a:rPr lang="mr-IN" dirty="0">
-                <a:latin typeface="Menlo" charset="0"/>
-                <a:ea typeface="Menlo" charset="0"/>
-                <a:cs typeface="Menlo" charset="0"/>
-              </a:rPr>
-              <a:t>                </a:t>
-            </a:r>
-            <a:r>
-              <a:rPr lang="mr-IN" dirty="0" err="1">
-                <a:solidFill>
-                  <a:srgbClr val="000080"/>
-                </a:solidFill>
-                <a:latin typeface="Menlo" charset="0"/>
-                <a:ea typeface="Menlo" charset="0"/>
-                <a:cs typeface="Menlo" charset="0"/>
-              </a:rPr>
-              <a:t>print</a:t>
-            </a:r>
-            <a:r>
-              <a:rPr lang="mr-IN" dirty="0">
-                <a:latin typeface="Menlo" charset="0"/>
-                <a:ea typeface="Menlo" charset="0"/>
-                <a:cs typeface="Menlo" charset="0"/>
-              </a:rPr>
-              <a:t>(</a:t>
-            </a:r>
-            <a:r>
-              <a:rPr lang="mr-IN" b="1" dirty="0">
-                <a:solidFill>
-                  <a:srgbClr val="008080"/>
-                </a:solidFill>
-                <a:latin typeface="Menlo" charset="0"/>
-                <a:ea typeface="Menlo" charset="0"/>
-                <a:cs typeface="Menlo" charset="0"/>
-              </a:rPr>
-              <a:t>"</a:t>
-            </a:r>
-            <a:r>
-              <a:rPr lang="mr-IN" b="1" dirty="0" err="1">
-                <a:solidFill>
-                  <a:srgbClr val="008080"/>
-                </a:solidFill>
-                <a:latin typeface="Menlo" charset="0"/>
-                <a:ea typeface="Menlo" charset="0"/>
-                <a:cs typeface="Menlo" charset="0"/>
-              </a:rPr>
-              <a:t>Zimmerverteilung</a:t>
-            </a:r>
-            <a:r>
-              <a:rPr lang="mr-IN" b="1" dirty="0">
-                <a:solidFill>
-                  <a:srgbClr val="008080"/>
-                </a:solidFill>
-                <a:latin typeface="Menlo" charset="0"/>
-                <a:ea typeface="Menlo" charset="0"/>
-                <a:cs typeface="Menlo" charset="0"/>
-              </a:rPr>
-              <a:t> </a:t>
-            </a:r>
-            <a:r>
-              <a:rPr lang="mr-IN" b="1" dirty="0" err="1">
-                <a:solidFill>
-                  <a:srgbClr val="008080"/>
-                </a:solidFill>
-                <a:latin typeface="Menlo" charset="0"/>
-                <a:ea typeface="Menlo" charset="0"/>
-                <a:cs typeface="Menlo" charset="0"/>
-              </a:rPr>
-              <a:t>nicht</a:t>
-            </a:r>
-            <a:r>
-              <a:rPr lang="mr-IN" b="1" dirty="0">
-                <a:solidFill>
-                  <a:srgbClr val="008080"/>
-                </a:solidFill>
-                <a:latin typeface="Menlo" charset="0"/>
-                <a:ea typeface="Menlo" charset="0"/>
-                <a:cs typeface="Menlo" charset="0"/>
-              </a:rPr>
-              <a:t> </a:t>
-            </a:r>
-            <a:r>
-              <a:rPr lang="mr-IN" b="1" dirty="0" err="1">
-                <a:solidFill>
-                  <a:srgbClr val="008080"/>
-                </a:solidFill>
-                <a:latin typeface="Menlo" charset="0"/>
-                <a:ea typeface="Menlo" charset="0"/>
-                <a:cs typeface="Menlo" charset="0"/>
-              </a:rPr>
-              <a:t>möglich</a:t>
-            </a:r>
-            <a:r>
-              <a:rPr lang="mr-IN" b="1" dirty="0">
-                <a:solidFill>
-                  <a:srgbClr val="008080"/>
-                </a:solidFill>
-                <a:latin typeface="Menlo" charset="0"/>
-                <a:ea typeface="Menlo" charset="0"/>
-                <a:cs typeface="Menlo" charset="0"/>
-              </a:rPr>
-              <a:t>!"</a:t>
-            </a:r>
-            <a:r>
-              <a:rPr lang="mr-IN" dirty="0">
-                <a:latin typeface="Menlo" charset="0"/>
-                <a:ea typeface="Menlo" charset="0"/>
-                <a:cs typeface="Menlo" charset="0"/>
-              </a:rPr>
-              <a:t>)</a:t>
-            </a:r>
-            <a:br>
-              <a:rPr lang="mr-IN" dirty="0">
-                <a:latin typeface="Menlo" charset="0"/>
-                <a:ea typeface="Menlo" charset="0"/>
-                <a:cs typeface="Menlo" charset="0"/>
-              </a:rPr>
-            </a:br>
-            <a:r>
-              <a:rPr lang="mr-IN" dirty="0">
-                <a:latin typeface="Menlo" charset="0"/>
-                <a:ea typeface="Menlo" charset="0"/>
-                <a:cs typeface="Menlo" charset="0"/>
-              </a:rPr>
-              <a:t>                </a:t>
-            </a:r>
-            <a:r>
-              <a:rPr lang="mr-IN" dirty="0" err="1">
-                <a:latin typeface="Menlo" charset="0"/>
-                <a:ea typeface="Menlo" charset="0"/>
-                <a:cs typeface="Menlo" charset="0"/>
-              </a:rPr>
-              <a:t>sys.exit</a:t>
-            </a:r>
-            <a:r>
-              <a:rPr lang="mr-IN" dirty="0">
-                <a:latin typeface="Menlo" charset="0"/>
-                <a:ea typeface="Menlo" charset="0"/>
-                <a:cs typeface="Menlo" charset="0"/>
-              </a:rPr>
-              <a:t>(</a:t>
-            </a:r>
-            <a:r>
-              <a:rPr lang="mr-IN" dirty="0">
-                <a:solidFill>
-                  <a:srgbClr val="0000FF"/>
-                </a:solidFill>
-                <a:latin typeface="Menlo" charset="0"/>
-                <a:ea typeface="Menlo" charset="0"/>
-                <a:cs typeface="Menlo" charset="0"/>
-              </a:rPr>
-              <a:t>0</a:t>
-            </a:r>
-            <a:r>
-              <a:rPr lang="mr-IN" dirty="0">
-                <a:latin typeface="Menlo" charset="0"/>
-                <a:ea typeface="Menlo" charset="0"/>
-                <a:cs typeface="Menlo" charset="0"/>
-              </a:rPr>
-              <a:t>)</a:t>
-            </a:r>
-            <a:br>
-              <a:rPr lang="mr-IN" dirty="0">
-                <a:latin typeface="Menlo" charset="0"/>
-                <a:ea typeface="Menlo" charset="0"/>
-                <a:cs typeface="Menlo" charset="0"/>
-              </a:rPr>
-            </a:br>
-            <a:r>
-              <a:rPr lang="mr-IN" dirty="0">
-                <a:latin typeface="Menlo" charset="0"/>
-                <a:ea typeface="Menlo" charset="0"/>
-                <a:cs typeface="Menlo" charset="0"/>
-              </a:rPr>
-              <a:t>            </a:t>
-            </a:r>
-            <a:r>
-              <a:rPr lang="mr-IN" b="1" dirty="0">
-                <a:solidFill>
-                  <a:srgbClr val="000080"/>
-                </a:solidFill>
-                <a:latin typeface="Menlo" charset="0"/>
-                <a:ea typeface="Menlo" charset="0"/>
-                <a:cs typeface="Menlo" charset="0"/>
-              </a:rPr>
-              <a:t>if </a:t>
-            </a:r>
-            <a:r>
-              <a:rPr lang="mr-IN" dirty="0">
-                <a:latin typeface="Menlo" charset="0"/>
-                <a:ea typeface="Menlo" charset="0"/>
-                <a:cs typeface="Menlo" charset="0"/>
-              </a:rPr>
-              <a:t>matrix[</a:t>
-            </a:r>
-            <a:r>
-              <a:rPr lang="mr-IN" dirty="0" err="1">
-                <a:latin typeface="Menlo" charset="0"/>
-                <a:ea typeface="Menlo" charset="0"/>
-                <a:cs typeface="Menlo" charset="0"/>
-              </a:rPr>
-              <a:t>y</a:t>
-            </a:r>
-            <a:r>
-              <a:rPr lang="mr-IN" dirty="0">
-                <a:latin typeface="Menlo" charset="0"/>
-                <a:ea typeface="Menlo" charset="0"/>
-                <a:cs typeface="Menlo" charset="0"/>
-              </a:rPr>
-              <a:t>][</a:t>
-            </a:r>
-            <a:r>
-              <a:rPr lang="mr-IN" dirty="0" err="1">
-                <a:latin typeface="Menlo" charset="0"/>
-                <a:ea typeface="Menlo" charset="0"/>
-                <a:cs typeface="Menlo" charset="0"/>
-              </a:rPr>
-              <a:t>x</a:t>
-            </a:r>
-            <a:r>
-              <a:rPr lang="mr-IN" dirty="0">
-                <a:latin typeface="Menlo" charset="0"/>
-                <a:ea typeface="Menlo" charset="0"/>
-                <a:cs typeface="Menlo" charset="0"/>
-              </a:rPr>
-              <a:t>] == </a:t>
-            </a:r>
-            <a:r>
-              <a:rPr lang="mr-IN" dirty="0">
-                <a:solidFill>
-                  <a:srgbClr val="0000FF"/>
-                </a:solidFill>
-                <a:latin typeface="Menlo" charset="0"/>
-                <a:ea typeface="Menlo" charset="0"/>
-                <a:cs typeface="Menlo" charset="0"/>
-              </a:rPr>
-              <a:t>1</a:t>
-            </a:r>
-            <a:r>
-              <a:rPr lang="mr-IN" dirty="0">
-                <a:latin typeface="Menlo" charset="0"/>
-                <a:ea typeface="Menlo" charset="0"/>
-                <a:cs typeface="Menlo" charset="0"/>
-              </a:rPr>
-              <a:t>:</a:t>
-            </a:r>
-            <a:br>
-              <a:rPr lang="mr-IN" dirty="0">
-                <a:latin typeface="Menlo" charset="0"/>
-                <a:ea typeface="Menlo" charset="0"/>
-                <a:cs typeface="Menlo" charset="0"/>
-              </a:rPr>
-            </a:br>
-            <a:r>
-              <a:rPr lang="mr-IN" dirty="0">
-                <a:latin typeface="Menlo" charset="0"/>
-                <a:ea typeface="Menlo" charset="0"/>
-                <a:cs typeface="Menlo" charset="0"/>
-              </a:rPr>
-              <a:t>                matrix[</a:t>
-            </a:r>
-            <a:r>
-              <a:rPr lang="mr-IN" dirty="0" err="1">
-                <a:latin typeface="Menlo" charset="0"/>
-                <a:ea typeface="Menlo" charset="0"/>
-                <a:cs typeface="Menlo" charset="0"/>
-              </a:rPr>
-              <a:t>x</a:t>
-            </a:r>
-            <a:r>
-              <a:rPr lang="mr-IN" dirty="0">
-                <a:latin typeface="Menlo" charset="0"/>
-                <a:ea typeface="Menlo" charset="0"/>
-                <a:cs typeface="Menlo" charset="0"/>
-              </a:rPr>
-              <a:t>][</a:t>
-            </a:r>
-            <a:r>
-              <a:rPr lang="mr-IN" dirty="0" err="1">
-                <a:latin typeface="Menlo" charset="0"/>
-                <a:ea typeface="Menlo" charset="0"/>
-                <a:cs typeface="Menlo" charset="0"/>
-              </a:rPr>
-              <a:t>y</a:t>
-            </a:r>
-            <a:r>
-              <a:rPr lang="mr-IN" dirty="0">
-                <a:latin typeface="Menlo" charset="0"/>
-                <a:ea typeface="Menlo" charset="0"/>
-                <a:cs typeface="Menlo" charset="0"/>
-              </a:rPr>
-              <a:t>] = </a:t>
-            </a:r>
-            <a:r>
-              <a:rPr lang="mr-IN" dirty="0">
-                <a:solidFill>
-                  <a:srgbClr val="0000FF"/>
-                </a:solidFill>
-                <a:latin typeface="Menlo" charset="0"/>
-                <a:ea typeface="Menlo" charset="0"/>
-                <a:cs typeface="Menlo" charset="0"/>
-              </a:rPr>
-              <a:t>1</a:t>
-            </a:r>
-            <a:br>
-              <a:rPr lang="mr-IN" dirty="0">
-                <a:solidFill>
-                  <a:srgbClr val="0000FF"/>
-                </a:solidFill>
-                <a:latin typeface="Menlo" charset="0"/>
-                <a:ea typeface="Menlo" charset="0"/>
-                <a:cs typeface="Menlo" charset="0"/>
-              </a:rPr>
-            </a:br>
-            <a:r>
-              <a:rPr lang="mr-IN" dirty="0">
-                <a:solidFill>
-                  <a:srgbClr val="0000FF"/>
-                </a:solidFill>
-                <a:latin typeface="Menlo" charset="0"/>
-                <a:ea typeface="Menlo" charset="0"/>
-                <a:cs typeface="Menlo" charset="0"/>
-              </a:rPr>
-              <a:t>            </a:t>
-            </a:r>
-            <a:r>
-              <a:rPr lang="mr-IN" b="1" dirty="0">
-                <a:solidFill>
-                  <a:srgbClr val="000080"/>
-                </a:solidFill>
-                <a:latin typeface="Menlo" charset="0"/>
-                <a:ea typeface="Menlo" charset="0"/>
-                <a:cs typeface="Menlo" charset="0"/>
-              </a:rPr>
-              <a:t>if </a:t>
-            </a:r>
-            <a:r>
-              <a:rPr lang="mr-IN" dirty="0">
-                <a:latin typeface="Menlo" charset="0"/>
-                <a:ea typeface="Menlo" charset="0"/>
-                <a:cs typeface="Menlo" charset="0"/>
-              </a:rPr>
-              <a:t>matrix[</a:t>
-            </a:r>
-            <a:r>
-              <a:rPr lang="mr-IN" dirty="0" err="1">
-                <a:latin typeface="Menlo" charset="0"/>
-                <a:ea typeface="Menlo" charset="0"/>
-                <a:cs typeface="Menlo" charset="0"/>
-              </a:rPr>
-              <a:t>y</a:t>
-            </a:r>
-            <a:r>
-              <a:rPr lang="mr-IN" dirty="0">
-                <a:latin typeface="Menlo" charset="0"/>
-                <a:ea typeface="Menlo" charset="0"/>
-                <a:cs typeface="Menlo" charset="0"/>
-              </a:rPr>
-              <a:t>][</a:t>
-            </a:r>
-            <a:r>
-              <a:rPr lang="mr-IN" dirty="0" err="1">
-                <a:latin typeface="Menlo" charset="0"/>
-                <a:ea typeface="Menlo" charset="0"/>
-                <a:cs typeface="Menlo" charset="0"/>
-              </a:rPr>
-              <a:t>x</a:t>
-            </a:r>
-            <a:r>
-              <a:rPr lang="mr-IN" dirty="0">
-                <a:latin typeface="Menlo" charset="0"/>
-                <a:ea typeface="Menlo" charset="0"/>
-                <a:cs typeface="Menlo" charset="0"/>
-              </a:rPr>
-              <a:t>] == -</a:t>
-            </a:r>
-            <a:r>
-              <a:rPr lang="mr-IN" dirty="0">
-                <a:solidFill>
-                  <a:srgbClr val="0000FF"/>
-                </a:solidFill>
-                <a:latin typeface="Menlo" charset="0"/>
-                <a:ea typeface="Menlo" charset="0"/>
-                <a:cs typeface="Menlo" charset="0"/>
-              </a:rPr>
-              <a:t>1</a:t>
-            </a:r>
-            <a:r>
-              <a:rPr lang="mr-IN" dirty="0">
-                <a:latin typeface="Menlo" charset="0"/>
-                <a:ea typeface="Menlo" charset="0"/>
-                <a:cs typeface="Menlo" charset="0"/>
-              </a:rPr>
-              <a:t>:</a:t>
-            </a:r>
-            <a:br>
-              <a:rPr lang="mr-IN" dirty="0">
-                <a:latin typeface="Menlo" charset="0"/>
-                <a:ea typeface="Menlo" charset="0"/>
-                <a:cs typeface="Menlo" charset="0"/>
-              </a:rPr>
-            </a:br>
-            <a:r>
-              <a:rPr lang="mr-IN" dirty="0">
-                <a:latin typeface="Menlo" charset="0"/>
-                <a:ea typeface="Menlo" charset="0"/>
-                <a:cs typeface="Menlo" charset="0"/>
-              </a:rPr>
-              <a:t>                matrix[</a:t>
-            </a:r>
-            <a:r>
-              <a:rPr lang="mr-IN" dirty="0" err="1">
-                <a:latin typeface="Menlo" charset="0"/>
-                <a:ea typeface="Menlo" charset="0"/>
-                <a:cs typeface="Menlo" charset="0"/>
-              </a:rPr>
-              <a:t>x</a:t>
-            </a:r>
-            <a:r>
-              <a:rPr lang="mr-IN" dirty="0">
-                <a:latin typeface="Menlo" charset="0"/>
-                <a:ea typeface="Menlo" charset="0"/>
-                <a:cs typeface="Menlo" charset="0"/>
-              </a:rPr>
-              <a:t>][</a:t>
-            </a:r>
-            <a:r>
-              <a:rPr lang="mr-IN" dirty="0" err="1">
-                <a:latin typeface="Menlo" charset="0"/>
-                <a:ea typeface="Menlo" charset="0"/>
-                <a:cs typeface="Menlo" charset="0"/>
-              </a:rPr>
-              <a:t>y</a:t>
-            </a:r>
-            <a:r>
-              <a:rPr lang="mr-IN" dirty="0">
-                <a:latin typeface="Menlo" charset="0"/>
-                <a:ea typeface="Menlo" charset="0"/>
-                <a:cs typeface="Menlo" charset="0"/>
-              </a:rPr>
-              <a:t>] = -</a:t>
-            </a:r>
-            <a:r>
-              <a:rPr lang="mr-IN" dirty="0">
-                <a:solidFill>
-                  <a:srgbClr val="0000FF"/>
-                </a:solidFill>
-                <a:latin typeface="Menlo" charset="0"/>
-                <a:ea typeface="Menlo" charset="0"/>
-                <a:cs typeface="Menlo" charset="0"/>
-              </a:rPr>
-              <a:t>1</a:t>
-            </a:r>
-            <a:br>
-              <a:rPr lang="mr-IN" dirty="0">
-                <a:solidFill>
-                  <a:srgbClr val="0000FF"/>
-                </a:solidFill>
-                <a:latin typeface="Menlo" charset="0"/>
-                <a:ea typeface="Menlo" charset="0"/>
-                <a:cs typeface="Menlo" charset="0"/>
-              </a:rPr>
-            </a:br>
-            <a:endParaRPr lang="de-DE" dirty="0">
-              <a:latin typeface="Menlo" charset="0"/>
-              <a:ea typeface="Menlo" charset="0"/>
-              <a:cs typeface="Menlo" charset="0"/>
-            </a:endParaRPr>
-          </a:p>
-        </p:txBody>
-      </p:sp>
-    </p:spTree>
-    <p:extLst>
-      <p:ext uri="{BB962C8B-B14F-4D97-AF65-F5344CB8AC3E}">
-        <p14:creationId xmlns:p14="http://schemas.microsoft.com/office/powerpoint/2010/main" val="375538728"/>
-      </p:ext>
-    </p:extLst>
-  </p:cSld>
-  <p:clrMapOvr>
-    <a:masterClrMapping/>
-  </p:clrMapOvr>
-  <p:timing>
-    <p:tnLst>
-      <p:par>
-        <p:cTn id="1" dur="indefinite" restart="never" nodeType="tmRoot"/>
-      </p:par>
-    </p:tnLst>
-  </p:timing>
-</p:sld>
-</file>
-
-<file path=ppt/slides/slide11.xml><?xml version="1.0" encoding="utf-8"?>
-<p:sld xmlns:a="http://schemas.openxmlformats.org/drawingml/2006/main" xmlns:r="http://schemas.openxmlformats.org/officeDocument/2006/relationships" xmlns:p="http://schemas.openxmlformats.org/presentationml/2006/main">
-  <p:cSld>
-    <p:spTree>
-      <p:nvGrpSpPr>
-        <p:cNvPr id="1" name=""/>
-        <p:cNvGrpSpPr/>
-        <p:nvPr/>
-      </p:nvGrpSpPr>
-      <p:grpSpPr>
-        <a:xfrm>
-          <a:off x="0" y="0"/>
-          <a:ext cx="0" cy="0"/>
-          <a:chOff x="0" y="0"/>
-          <a:chExt cx="0" cy="0"/>
-        </a:xfrm>
-      </p:grpSpPr>
-      <p:sp>
-        <p:nvSpPr>
-          <p:cNvPr id="2" name="Titel 1"/>
-          <p:cNvSpPr>
-            <a:spLocks noGrp="1"/>
-          </p:cNvSpPr>
-          <p:nvPr>
-            <p:ph type="title"/>
-          </p:nvPr>
-        </p:nvSpPr>
-        <p:spPr/>
-        <p:txBody>
-          <a:bodyPr/>
-          <a:lstStyle/>
-          <a:p>
-            <a:r>
-              <a:rPr lang="de-DE" dirty="0" smtClean="0"/>
-              <a:t>Umsetzung</a:t>
+              <a:t>Zimmerverteilung / Umsetzung</a:t>
             </a:r>
             <a:endParaRPr lang="de-DE" dirty="0"/>
           </a:p>
@@ -4118,8 +3500,8 @@
           </a:p>
         </p:txBody>
       </p:sp>
-      <mc:AlternateContent xmlns:mc="http://schemas.openxmlformats.org/markup-compatibility/2006">
-        <mc:Choice xmlns:a14="http://schemas.microsoft.com/office/drawing/2010/main" Requires="a14">
+      <mc:AlternateContent xmlns:mc="http://schemas.openxmlformats.org/markup-compatibility/2006" xmlns:a14="http://schemas.microsoft.com/office/drawing/2010/main">
+        <mc:Choice Requires="a14">
           <p:sp>
             <p:nvSpPr>
               <p:cNvPr id="4" name="Rechteck 3"/>
@@ -4487,7 +3869,7 @@
             </p:txBody>
           </p:sp>
         </mc:Choice>
-        <mc:Fallback>
+        <mc:Fallback xmlns="">
           <p:sp>
             <p:nvSpPr>
               <p:cNvPr id="4" name="Rechteck 3"/>
@@ -4526,8 +3908,8 @@
           </p:sp>
         </mc:Fallback>
       </mc:AlternateContent>
-      <mc:AlternateContent xmlns:mc="http://schemas.openxmlformats.org/markup-compatibility/2006">
-        <mc:Choice xmlns:a14="http://schemas.microsoft.com/office/drawing/2010/main" Requires="a14">
+      <mc:AlternateContent xmlns:mc="http://schemas.openxmlformats.org/markup-compatibility/2006" xmlns:a14="http://schemas.microsoft.com/office/drawing/2010/main">
+        <mc:Choice Requires="a14">
           <p:sp>
             <p:nvSpPr>
               <p:cNvPr id="5" name="Rechteck 4"/>
@@ -4549,6 +3931,7 @@
               </a:bodyPr>
               <a:lstStyle/>
               <a:p>
+                <a:pPr/>
                 <a14:m>
                   <m:oMathPara xmlns:m="http://schemas.openxmlformats.org/officeDocument/2006/math">
                     <m:oMathParaPr>
@@ -4558,7 +3941,7 @@
                       <m:sSub>
                         <m:sSubPr>
                           <m:ctrlPr>
-                            <a:rPr lang="de-DE">
+                            <a:rPr lang="de-DE" i="1">
                               <a:latin typeface="Cambria Math" charset="0"/>
                             </a:rPr>
                           </m:ctrlPr>
@@ -4785,7 +4168,7 @@
             </p:txBody>
           </p:sp>
         </mc:Choice>
-        <mc:Fallback>
+        <mc:Fallback xmlns="">
           <p:sp>
             <p:nvSpPr>
               <p:cNvPr id="5" name="Rechteck 4"/>
@@ -4824,8 +4207,8 @@
           </p:sp>
         </mc:Fallback>
       </mc:AlternateContent>
-      <mc:AlternateContent xmlns:mc="http://schemas.openxmlformats.org/markup-compatibility/2006">
-        <mc:Choice xmlns:a14="http://schemas.microsoft.com/office/drawing/2010/main" Requires="a14">
+      <mc:AlternateContent xmlns:mc="http://schemas.openxmlformats.org/markup-compatibility/2006" xmlns:a14="http://schemas.microsoft.com/office/drawing/2010/main">
+        <mc:Choice Requires="a14">
           <p:sp>
             <p:nvSpPr>
               <p:cNvPr id="6" name="Rechteck 5"/>
@@ -4847,6 +4230,7 @@
               </a:bodyPr>
               <a:lstStyle/>
               <a:p>
+                <a:pPr/>
                 <a14:m>
                   <m:oMathPara xmlns:m="http://schemas.openxmlformats.org/officeDocument/2006/math">
                     <m:oMathParaPr>
@@ -5076,7 +4460,7 @@
             </p:txBody>
           </p:sp>
         </mc:Choice>
-        <mc:Fallback>
+        <mc:Fallback xmlns="">
           <p:sp>
             <p:nvSpPr>
               <p:cNvPr id="6" name="Rechteck 5"/>
@@ -5163,7 +4547,7 @@
 </p:sld>
 </file>
 
-<file path=ppt/slides/slide12.xml><?xml version="1.0" encoding="utf-8"?>
+<file path=ppt/slides/slide11.xml><?xml version="1.0" encoding="utf-8"?>
 <p:sld xmlns:a="http://schemas.openxmlformats.org/drawingml/2006/main" xmlns:r="http://schemas.openxmlformats.org/officeDocument/2006/relationships" xmlns:p="http://schemas.openxmlformats.org/presentationml/2006/main">
   <p:cSld>
     <p:spTree>
@@ -5197,7 +4581,7 @@
           <a:p>
             <a:r>
               <a:rPr lang="de-DE" dirty="0" smtClean="0"/>
-              <a:t>Umsetzung</a:t>
+              <a:t>Zimmerverteilung / Umsetzung</a:t>
             </a:r>
             <a:endParaRPr lang="de-DE" dirty="0"/>
           </a:p>
@@ -5728,8 +5112,8 @@
           </p:style>
         </p:cxnSp>
       </p:grpSp>
-      <mc:AlternateContent xmlns:mc="http://schemas.openxmlformats.org/markup-compatibility/2006">
-        <mc:Choice xmlns:a14="http://schemas.microsoft.com/office/drawing/2010/main" Requires="a14">
+      <mc:AlternateContent xmlns:mc="http://schemas.openxmlformats.org/markup-compatibility/2006" xmlns:a14="http://schemas.microsoft.com/office/drawing/2010/main">
+        <mc:Choice Requires="a14">
           <p:sp>
             <p:nvSpPr>
               <p:cNvPr id="16" name="Rechteck 15"/>
@@ -5751,6 +5135,7 @@
               </a:bodyPr>
               <a:lstStyle/>
               <a:p>
+                <a:pPr/>
                 <a14:m>
                   <m:oMathPara xmlns:m="http://schemas.openxmlformats.org/officeDocument/2006/math">
                     <m:oMathParaPr>
@@ -5760,7 +5145,7 @@
                       <m:sSub>
                         <m:sSubPr>
                           <m:ctrlPr>
-                            <a:rPr lang="de-DE">
+                            <a:rPr lang="de-DE" i="1">
                               <a:latin typeface="Cambria Math" charset="0"/>
                             </a:rPr>
                           </m:ctrlPr>
@@ -5987,7 +5372,7 @@
             </p:txBody>
           </p:sp>
         </mc:Choice>
-        <mc:Fallback>
+        <mc:Fallback xmlns="">
           <p:sp>
             <p:nvSpPr>
               <p:cNvPr id="16" name="Rechteck 15"/>
@@ -6471,7 +5856,7 @@
 </p:sld>
 </file>
 
-<file path=ppt/slides/slide13.xml><?xml version="1.0" encoding="utf-8"?>
+<file path=ppt/slides/slide12.xml><?xml version="1.0" encoding="utf-8"?>
 <p:sld xmlns:a="http://schemas.openxmlformats.org/drawingml/2006/main" xmlns:r="http://schemas.openxmlformats.org/officeDocument/2006/relationships" xmlns:p="http://schemas.openxmlformats.org/presentationml/2006/main">
   <p:cSld>
     <p:spTree>
@@ -6505,7 +5890,7 @@
           <a:p>
             <a:r>
               <a:rPr lang="de-DE" dirty="0" smtClean="0"/>
-              <a:t>Umsetzung</a:t>
+              <a:t>Zimmerverteilung / Umsetzung</a:t>
             </a:r>
             <a:endParaRPr lang="de-DE" dirty="0"/>
           </a:p>
@@ -7036,8 +6421,8 @@
           </p:style>
         </p:cxnSp>
       </p:grpSp>
-      <mc:AlternateContent xmlns:mc="http://schemas.openxmlformats.org/markup-compatibility/2006">
-        <mc:Choice xmlns:a14="http://schemas.microsoft.com/office/drawing/2010/main" Requires="a14">
+      <mc:AlternateContent xmlns:mc="http://schemas.openxmlformats.org/markup-compatibility/2006" xmlns:a14="http://schemas.microsoft.com/office/drawing/2010/main">
+        <mc:Choice Requires="a14">
           <p:sp>
             <p:nvSpPr>
               <p:cNvPr id="36" name="Rechteck 35"/>
@@ -7059,6 +6444,7 @@
               </a:bodyPr>
               <a:lstStyle/>
               <a:p>
+                <a:pPr/>
                 <a14:m>
                   <m:oMathPara xmlns:m="http://schemas.openxmlformats.org/officeDocument/2006/math">
                     <m:oMathParaPr>
@@ -7068,7 +6454,7 @@
                       <m:sSub>
                         <m:sSubPr>
                           <m:ctrlPr>
-                            <a:rPr lang="de-DE">
+                            <a:rPr lang="de-DE" i="1">
                               <a:latin typeface="Cambria Math" charset="0"/>
                             </a:rPr>
                           </m:ctrlPr>
@@ -7295,7 +6681,7 @@
             </p:txBody>
           </p:sp>
         </mc:Choice>
-        <mc:Fallback>
+        <mc:Fallback xmlns="">
           <p:sp>
             <p:nvSpPr>
               <p:cNvPr id="36" name="Rechteck 35"/>
@@ -8157,7 +7543,7 @@
 </p:sld>
 </file>
 
-<file path=ppt/slides/slide14.xml><?xml version="1.0" encoding="utf-8"?>
+<file path=ppt/slides/slide13.xml><?xml version="1.0" encoding="utf-8"?>
 <p:sld xmlns:a="http://schemas.openxmlformats.org/drawingml/2006/main" xmlns:r="http://schemas.openxmlformats.org/officeDocument/2006/relationships" xmlns:p="http://schemas.openxmlformats.org/presentationml/2006/main">
   <p:cSld>
     <p:spTree>
@@ -8191,7 +7577,7 @@
           <a:p>
             <a:r>
               <a:rPr lang="de-DE" dirty="0" smtClean="0"/>
-              <a:t>Umsetzung</a:t>
+              <a:t>Zimmerverteilung / Umsetzung</a:t>
             </a:r>
             <a:endParaRPr lang="de-DE" dirty="0"/>
           </a:p>
@@ -9067,8 +8453,8 @@
           </a:p>
         </p:txBody>
       </p:sp>
-      <mc:AlternateContent xmlns:mc="http://schemas.openxmlformats.org/markup-compatibility/2006">
-        <mc:Choice xmlns:a14="http://schemas.microsoft.com/office/drawing/2010/main" Requires="a14">
+      <mc:AlternateContent xmlns:mc="http://schemas.openxmlformats.org/markup-compatibility/2006" xmlns:a14="http://schemas.microsoft.com/office/drawing/2010/main">
+        <mc:Choice Requires="a14">
           <p:sp>
             <p:nvSpPr>
               <p:cNvPr id="25" name="Rechteck 24"/>
@@ -9090,6 +8476,7 @@
               </a:bodyPr>
               <a:lstStyle/>
               <a:p>
+                <a:pPr/>
                 <a14:m>
                   <m:oMathPara xmlns:m="http://schemas.openxmlformats.org/officeDocument/2006/math">
                     <m:oMathParaPr>
@@ -9099,7 +8486,7 @@
                       <m:sSub>
                         <m:sSubPr>
                           <m:ctrlPr>
-                            <a:rPr lang="de-DE">
+                            <a:rPr lang="de-DE" i="1">
                               <a:latin typeface="Cambria Math" charset="0"/>
                             </a:rPr>
                           </m:ctrlPr>
@@ -9326,7 +8713,7 @@
             </p:txBody>
           </p:sp>
         </mc:Choice>
-        <mc:Fallback>
+        <mc:Fallback xmlns="">
           <p:sp>
             <p:nvSpPr>
               <p:cNvPr id="25" name="Rechteck 24"/>
@@ -9803,7 +9190,7 @@
 </p:sld>
 </file>
 
-<file path=ppt/slides/slide15.xml><?xml version="1.0" encoding="utf-8"?>
+<file path=ppt/slides/slide14.xml><?xml version="1.0" encoding="utf-8"?>
 <p:sld xmlns:a="http://schemas.openxmlformats.org/drawingml/2006/main" xmlns:r="http://schemas.openxmlformats.org/officeDocument/2006/relationships" xmlns:p="http://schemas.openxmlformats.org/presentationml/2006/main">
   <p:cSld>
     <p:spTree>
@@ -9837,7 +9224,7 @@
           <a:p>
             <a:r>
               <a:rPr lang="de-DE" dirty="0" smtClean="0"/>
-              <a:t>Umsetzung</a:t>
+              <a:t>Zimmerverteilung / Umsetzung</a:t>
             </a:r>
             <a:endParaRPr lang="de-DE" dirty="0"/>
           </a:p>
@@ -10588,8 +9975,8 @@
           </a:p>
         </p:txBody>
       </p:sp>
-      <mc:AlternateContent xmlns:mc="http://schemas.openxmlformats.org/markup-compatibility/2006">
-        <mc:Choice xmlns:a14="http://schemas.microsoft.com/office/drawing/2010/main" Requires="a14">
+      <mc:AlternateContent xmlns:mc="http://schemas.openxmlformats.org/markup-compatibility/2006" xmlns:a14="http://schemas.microsoft.com/office/drawing/2010/main">
+        <mc:Choice Requires="a14">
           <p:sp>
             <p:nvSpPr>
               <p:cNvPr id="21" name="Rechteck 20"/>
@@ -10611,6 +9998,7 @@
               </a:bodyPr>
               <a:lstStyle/>
               <a:p>
+                <a:pPr/>
                 <a14:m>
                   <m:oMathPara xmlns:m="http://schemas.openxmlformats.org/officeDocument/2006/math">
                     <m:oMathParaPr>
@@ -10620,7 +10008,7 @@
                       <m:sSub>
                         <m:sSubPr>
                           <m:ctrlPr>
-                            <a:rPr lang="de-DE">
+                            <a:rPr lang="de-DE" i="1">
                               <a:latin typeface="Cambria Math" charset="0"/>
                             </a:rPr>
                           </m:ctrlPr>
@@ -10847,7 +10235,7 @@
             </p:txBody>
           </p:sp>
         </mc:Choice>
-        <mc:Fallback>
+        <mc:Fallback xmlns="">
           <p:sp>
             <p:nvSpPr>
               <p:cNvPr id="21" name="Rechteck 20"/>
@@ -11173,7 +10561,7 @@
 </p:sld>
 </file>
 
-<file path=ppt/slides/slide16.xml><?xml version="1.0" encoding="utf-8"?>
+<file path=ppt/slides/slide15.xml><?xml version="1.0" encoding="utf-8"?>
 <p:sld xmlns:a="http://schemas.openxmlformats.org/drawingml/2006/main" xmlns:r="http://schemas.openxmlformats.org/officeDocument/2006/relationships" xmlns:p="http://schemas.openxmlformats.org/presentationml/2006/main">
   <p:cSld>
     <p:spTree>
@@ -11207,7 +10595,7 @@
           <a:p>
             <a:r>
               <a:rPr lang="de-DE" dirty="0" smtClean="0"/>
-              <a:t>Umsetzung</a:t>
+              <a:t>Zimmerverteilung / Umsetzung</a:t>
             </a:r>
             <a:endParaRPr lang="de-DE" dirty="0"/>
           </a:p>
@@ -11958,8 +11346,8 @@
           </a:p>
         </p:txBody>
       </p:sp>
-      <mc:AlternateContent xmlns:mc="http://schemas.openxmlformats.org/markup-compatibility/2006">
-        <mc:Choice xmlns:a14="http://schemas.microsoft.com/office/drawing/2010/main" Requires="a14">
+      <mc:AlternateContent xmlns:mc="http://schemas.openxmlformats.org/markup-compatibility/2006" xmlns:a14="http://schemas.microsoft.com/office/drawing/2010/main">
+        <mc:Choice Requires="a14">
           <p:sp>
             <p:nvSpPr>
               <p:cNvPr id="19" name="Rechteck 18"/>
@@ -11981,6 +11369,7 @@
               </a:bodyPr>
               <a:lstStyle/>
               <a:p>
+                <a:pPr/>
                 <a14:m>
                   <m:oMathPara xmlns:m="http://schemas.openxmlformats.org/officeDocument/2006/math">
                     <m:oMathParaPr>
@@ -11990,7 +11379,7 @@
                       <m:sSub>
                         <m:sSubPr>
                           <m:ctrlPr>
-                            <a:rPr lang="de-DE">
+                            <a:rPr lang="de-DE" i="1">
                               <a:latin typeface="Cambria Math" charset="0"/>
                             </a:rPr>
                           </m:ctrlPr>
@@ -12217,7 +11606,7 @@
             </p:txBody>
           </p:sp>
         </mc:Choice>
-        <mc:Fallback>
+        <mc:Fallback xmlns="">
           <p:sp>
             <p:nvSpPr>
               <p:cNvPr id="19" name="Rechteck 18"/>
@@ -12972,7 +12361,7 @@
 </p:sld>
 </file>
 
-<file path=ppt/slides/slide17.xml><?xml version="1.0" encoding="utf-8"?>
+<file path=ppt/slides/slide16.xml><?xml version="1.0" encoding="utf-8"?>
 <p:sld xmlns:a="http://schemas.openxmlformats.org/drawingml/2006/main" xmlns:r="http://schemas.openxmlformats.org/officeDocument/2006/relationships" xmlns:p="http://schemas.openxmlformats.org/presentationml/2006/main">
   <p:cSld>
     <p:spTree>
@@ -13737,8 +13126,8 @@
           </a:p>
         </p:txBody>
       </p:sp>
-      <mc:AlternateContent xmlns:mc="http://schemas.openxmlformats.org/markup-compatibility/2006">
-        <mc:Choice xmlns:a14="http://schemas.microsoft.com/office/drawing/2010/main" Requires="a14">
+      <mc:AlternateContent xmlns:mc="http://schemas.openxmlformats.org/markup-compatibility/2006" xmlns:a14="http://schemas.microsoft.com/office/drawing/2010/main">
+        <mc:Choice Requires="a14">
           <p:sp>
             <p:nvSpPr>
               <p:cNvPr id="19" name="Rechteck 18"/>
@@ -13760,6 +13149,7 @@
               </a:bodyPr>
               <a:lstStyle/>
               <a:p>
+                <a:pPr/>
                 <a14:m>
                   <m:oMathPara xmlns:m="http://schemas.openxmlformats.org/officeDocument/2006/math">
                     <m:oMathParaPr>
@@ -13769,7 +13159,7 @@
                       <m:sSub>
                         <m:sSubPr>
                           <m:ctrlPr>
-                            <a:rPr lang="de-DE">
+                            <a:rPr lang="de-DE" i="1">
                               <a:latin typeface="Cambria Math" charset="0"/>
                             </a:rPr>
                           </m:ctrlPr>
@@ -13996,7 +13386,7 @@
             </p:txBody>
           </p:sp>
         </mc:Choice>
-        <mc:Fallback>
+        <mc:Fallback xmlns="">
           <p:sp>
             <p:nvSpPr>
               <p:cNvPr id="19" name="Rechteck 18"/>
@@ -14321,7 +13711,7 @@
           <a:p>
             <a:r>
               <a:rPr lang="de-DE" dirty="0" smtClean="0"/>
-              <a:t>Umsetzung</a:t>
+              <a:t>Zimmerverteilung / Umsetzung</a:t>
             </a:r>
             <a:endParaRPr lang="de-DE" dirty="0"/>
           </a:p>
@@ -14990,7 +14380,7 @@
 </p:sld>
 </file>
 
-<file path=ppt/slides/slide18.xml><?xml version="1.0" encoding="utf-8"?>
+<file path=ppt/slides/slide17.xml><?xml version="1.0" encoding="utf-8"?>
 <p:sld xmlns:a="http://schemas.openxmlformats.org/drawingml/2006/main" xmlns:r="http://schemas.openxmlformats.org/officeDocument/2006/relationships" xmlns:p="http://schemas.openxmlformats.org/presentationml/2006/main">
   <p:cSld>
     <p:spTree>
@@ -15758,8 +15148,8 @@
           </a:p>
         </p:txBody>
       </p:sp>
-      <mc:AlternateContent xmlns:mc="http://schemas.openxmlformats.org/markup-compatibility/2006">
-        <mc:Choice xmlns:a14="http://schemas.microsoft.com/office/drawing/2010/main" Requires="a14">
+      <mc:AlternateContent xmlns:mc="http://schemas.openxmlformats.org/markup-compatibility/2006" xmlns:a14="http://schemas.microsoft.com/office/drawing/2010/main">
+        <mc:Choice Requires="a14">
           <p:sp>
             <p:nvSpPr>
               <p:cNvPr id="19" name="Rechteck 18"/>
@@ -15781,6 +15171,7 @@
               </a:bodyPr>
               <a:lstStyle/>
               <a:p>
+                <a:pPr/>
                 <a14:m>
                   <m:oMathPara xmlns:m="http://schemas.openxmlformats.org/officeDocument/2006/math">
                     <m:oMathParaPr>
@@ -15790,7 +15181,7 @@
                       <m:sSub>
                         <m:sSubPr>
                           <m:ctrlPr>
-                            <a:rPr lang="de-DE">
+                            <a:rPr lang="de-DE" i="1">
                               <a:latin typeface="Cambria Math" charset="0"/>
                             </a:rPr>
                           </m:ctrlPr>
@@ -16017,7 +15408,7 @@
             </p:txBody>
           </p:sp>
         </mc:Choice>
-        <mc:Fallback>
+        <mc:Fallback xmlns="">
           <p:sp>
             <p:nvSpPr>
               <p:cNvPr id="19" name="Rechteck 18"/>
@@ -16278,7 +15669,7 @@
           <a:p>
             <a:r>
               <a:rPr lang="de-DE" dirty="0" smtClean="0"/>
-              <a:t>Umsetzung</a:t>
+              <a:t>Zimmerverteilung / Umsetzung</a:t>
             </a:r>
             <a:endParaRPr lang="de-DE" dirty="0"/>
           </a:p>
@@ -16914,7 +16305,7 @@
 </p:sld>
 </file>
 
-<file path=ppt/slides/slide19.xml><?xml version="1.0" encoding="utf-8"?>
+<file path=ppt/slides/slide18.xml><?xml version="1.0" encoding="utf-8"?>
 <p:sld xmlns:a="http://schemas.openxmlformats.org/drawingml/2006/main" xmlns:r="http://schemas.openxmlformats.org/officeDocument/2006/relationships" xmlns:p="http://schemas.openxmlformats.org/presentationml/2006/main">
   <p:cSld>
     <p:spTree>
@@ -17753,7 +17144,7 @@
           <a:p>
             <a:r>
               <a:rPr lang="de-DE" dirty="0" smtClean="0"/>
-              <a:t>Umsetzung</a:t>
+              <a:t>Zimmerverteilung / Umsetzung</a:t>
             </a:r>
             <a:endParaRPr lang="de-DE" dirty="0"/>
           </a:p>
@@ -17904,8 +17295,8 @@
           </a:p>
         </p:txBody>
       </p:sp>
-      <mc:AlternateContent xmlns:mc="http://schemas.openxmlformats.org/markup-compatibility/2006">
-        <mc:Choice xmlns:a14="http://schemas.microsoft.com/office/drawing/2010/main" Requires="a14">
+      <mc:AlternateContent xmlns:mc="http://schemas.openxmlformats.org/markup-compatibility/2006" xmlns:a14="http://schemas.microsoft.com/office/drawing/2010/main">
+        <mc:Choice Requires="a14">
           <p:sp>
             <p:nvSpPr>
               <p:cNvPr id="33" name="Rechteck 32"/>
@@ -17927,6 +17318,7 @@
               </a:bodyPr>
               <a:lstStyle/>
               <a:p>
+                <a:pPr/>
                 <a14:m>
                   <m:oMathPara xmlns:m="http://schemas.openxmlformats.org/officeDocument/2006/math">
                     <m:oMathParaPr>
@@ -17936,7 +17328,7 @@
                       <m:sSub>
                         <m:sSubPr>
                           <m:ctrlPr>
-                            <a:rPr lang="de-DE">
+                            <a:rPr lang="de-DE" i="1">
                               <a:latin typeface="Cambria Math" charset="0"/>
                             </a:rPr>
                           </m:ctrlPr>
@@ -18163,7 +17555,7 @@
             </p:txBody>
           </p:sp>
         </mc:Choice>
-        <mc:Fallback>
+        <mc:Fallback xmlns="">
           <p:sp>
             <p:nvSpPr>
               <p:cNvPr id="33" name="Rechteck 32"/>
@@ -18562,7 +17954,7 @@
                             </p:stCondLst>
                             <p:childTnLst>
                               <p:par>
-                                <p:cTn id="5" presetID="1" presetClass="entr" presetSubtype="0" fill="hold" grpId="0" nodeType="clickEffect">
+                                <p:cTn id="5" presetID="1" presetClass="entr" presetSubtype="0" fill="hold" nodeType="clickEffect">
                                   <p:stCondLst>
                                     <p:cond delay="0"/>
                                   </p:stCondLst>
@@ -18575,7 +17967,7 @@
                                           </p:stCondLst>
                                         </p:cTn>
                                         <p:tgtEl>
-                                          <p:spTgt spid="38"/>
+                                          <p:spTgt spid="40"/>
                                         </p:tgtEl>
                                         <p:attrNameLst>
                                           <p:attrName>style.visibility</p:attrName>
@@ -18588,26 +17980,35 @@
                                   </p:childTnLst>
                                 </p:cTn>
                               </p:par>
-                            </p:childTnLst>
-                          </p:cTn>
-                        </p:par>
-                      </p:childTnLst>
-                    </p:cTn>
-                  </p:par>
-                  <p:par>
-                    <p:cTn id="7" fill="hold">
-                      <p:stCondLst>
-                        <p:cond delay="indefinite"/>
-                      </p:stCondLst>
-                      <p:childTnLst>
-                        <p:par>
-                          <p:cTn id="8" fill="hold">
-                            <p:stCondLst>
-                              <p:cond delay="0"/>
-                            </p:stCondLst>
-                            <p:childTnLst>
                               <p:par>
-                                <p:cTn id="9" presetID="1" presetClass="entr" presetSubtype="0" fill="hold" nodeType="clickEffect">
+                                <p:cTn id="7" presetID="1" presetClass="entr" presetSubtype="0" fill="hold" grpId="0" nodeType="withEffect">
+                                  <p:stCondLst>
+                                    <p:cond delay="0"/>
+                                  </p:stCondLst>
+                                  <p:childTnLst>
+                                    <p:set>
+                                      <p:cBhvr>
+                                        <p:cTn id="8" dur="1" fill="hold">
+                                          <p:stCondLst>
+                                            <p:cond delay="0"/>
+                                          </p:stCondLst>
+                                        </p:cTn>
+                                        <p:tgtEl>
+                                          <p:spTgt spid="42"/>
+                                        </p:tgtEl>
+                                        <p:attrNameLst>
+                                          <p:attrName>style.visibility</p:attrName>
+                                        </p:attrNameLst>
+                                      </p:cBhvr>
+                                      <p:to>
+                                        <p:strVal val="visible"/>
+                                      </p:to>
+                                    </p:set>
+                                  </p:childTnLst>
+                                </p:cTn>
+                              </p:par>
+                              <p:par>
+                                <p:cTn id="9" presetID="1" presetClass="entr" presetSubtype="0" fill="hold" grpId="0" nodeType="withEffect">
                                   <p:stCondLst>
                                     <p:cond delay="0"/>
                                   </p:stCondLst>
@@ -18620,7 +18021,7 @@
                                           </p:stCondLst>
                                         </p:cTn>
                                         <p:tgtEl>
-                                          <p:spTgt spid="40"/>
+                                          <p:spTgt spid="41"/>
                                         </p:tgtEl>
                                         <p:attrNameLst>
                                           <p:attrName>style.visibility</p:attrName>
@@ -18661,8 +18062,69 @@
       </p:par>
     </p:tnLst>
     <p:bldLst>
-      <p:bldP spid="38" grpId="0"/>
+      <p:bldP spid="41" grpId="0" animBg="1"/>
+      <p:bldP spid="42" grpId="0" animBg="1"/>
     </p:bldLst>
+  </p:timing>
+</p:sld>
+</file>
+
+<file path=ppt/slides/slide19.xml><?xml version="1.0" encoding="utf-8"?>
+<p:sld xmlns:a="http://schemas.openxmlformats.org/drawingml/2006/main" xmlns:r="http://schemas.openxmlformats.org/officeDocument/2006/relationships" xmlns:p="http://schemas.openxmlformats.org/presentationml/2006/main">
+  <p:cSld>
+    <p:spTree>
+      <p:nvGrpSpPr>
+        <p:cNvPr id="1" name=""/>
+        <p:cNvGrpSpPr/>
+        <p:nvPr/>
+      </p:nvGrpSpPr>
+      <p:grpSpPr>
+        <a:xfrm>
+          <a:off x="0" y="0"/>
+          <a:ext cx="0" cy="0"/>
+          <a:chOff x="0" y="0"/>
+          <a:chExt cx="0" cy="0"/>
+        </a:xfrm>
+      </p:grpSpPr>
+      <p:sp>
+        <p:nvSpPr>
+          <p:cNvPr id="2" name="Titel 1"/>
+          <p:cNvSpPr>
+            <a:spLocks noGrp="1"/>
+          </p:cNvSpPr>
+          <p:nvPr>
+            <p:ph type="title"/>
+          </p:nvPr>
+        </p:nvSpPr>
+        <p:spPr/>
+        <p:txBody>
+          <a:bodyPr/>
+          <a:lstStyle/>
+          <a:p>
+            <a:r>
+              <a:rPr lang="de-DE" dirty="0" smtClean="0"/>
+              <a:t>Zusammenfassung / Beispiel</a:t>
+            </a:r>
+            <a:endParaRPr lang="de-DE" dirty="0"/>
+          </a:p>
+        </p:txBody>
+      </p:sp>
+    </p:spTree>
+    <p:extLst>
+      <p:ext uri="{BB962C8B-B14F-4D97-AF65-F5344CB8AC3E}">
+        <p14:creationId xmlns:p14="http://schemas.microsoft.com/office/powerpoint/2010/main" val="1054932760"/>
+      </p:ext>
+    </p:extLst>
+  </p:cSld>
+  <p:clrMapOvr>
+    <a:masterClrMapping/>
+  </p:clrMapOvr>
+  <p:timing>
+    <p:tnLst>
+      <p:par>
+        <p:cTn id="1" dur="indefinite" restart="never" nodeType="tmRoot"/>
+      </p:par>
+    </p:tnLst>
   </p:timing>
 </p:sld>
 </file>
@@ -18701,7 +18163,2272 @@
           <a:p>
             <a:r>
               <a:rPr lang="de-DE" dirty="0" smtClean="0"/>
-              <a:t>Crashkurs Programmieren (Python)</a:t>
+              <a:t>Zimmerverteilung / Aufgabe</a:t>
+            </a:r>
+            <a:endParaRPr lang="de-DE" dirty="0"/>
+          </a:p>
+        </p:txBody>
+      </p:sp>
+      <p:sp>
+        <p:nvSpPr>
+          <p:cNvPr id="5" name="Rechteck 4"/>
+          <p:cNvSpPr/>
+          <p:nvPr/>
+        </p:nvSpPr>
+        <p:spPr>
+          <a:xfrm>
+            <a:off x="838200" y="1801833"/>
+            <a:ext cx="10515600" cy="1754326"/>
+          </a:xfrm>
+          <a:prstGeom prst="rect">
+            <a:avLst/>
+          </a:prstGeom>
+        </p:spPr>
+        <p:txBody>
+          <a:bodyPr wrap="square">
+            <a:spAutoFit/>
+          </a:bodyPr>
+          <a:lstStyle/>
+          <a:p>
+            <a:pPr algn="just"/>
+            <a:r>
+              <a:rPr lang="de-DE" dirty="0" smtClean="0"/>
+              <a:t>Schreibe </a:t>
+            </a:r>
+            <a:r>
+              <a:rPr lang="de-DE" dirty="0"/>
+              <a:t>ein Programm, das ermittelt, ob alle Wünsche erfüllt werden können, wenn es genug Zimmer jeder Größe gibt. Als Eingabe erhält es für jede Schülerin zwei Listen der Mitschülerinnen, mit denen sie auf jeden Fall (+) bzw. auf keinen Fall (–) ein Zimmer teilen möchte.</a:t>
+            </a:r>
+          </a:p>
+          <a:p>
+            <a:pPr algn="just"/>
+            <a:r>
+              <a:rPr lang="de-DE" dirty="0"/>
+              <a:t>Dein Programm soll ausgeben, ob eine Zimmerbelegung möglich ist, die alle Wünsche erfüllt. Falls ja, soll es zusätzlich eine solche Zimmerbelegung ausgeben. </a:t>
+            </a:r>
+          </a:p>
+          <a:p>
+            <a:pPr algn="just"/>
+            <a:endParaRPr lang="de-DE" dirty="0"/>
+          </a:p>
+        </p:txBody>
+      </p:sp>
+    </p:spTree>
+    <p:extLst>
+      <p:ext uri="{BB962C8B-B14F-4D97-AF65-F5344CB8AC3E}">
+        <p14:creationId xmlns:p14="http://schemas.microsoft.com/office/powerpoint/2010/main" val="544784250"/>
+      </p:ext>
+    </p:extLst>
+  </p:cSld>
+  <p:clrMapOvr>
+    <a:masterClrMapping/>
+  </p:clrMapOvr>
+  <p:timing>
+    <p:tnLst>
+      <p:par>
+        <p:cTn id="1" dur="indefinite" restart="never" nodeType="tmRoot"/>
+      </p:par>
+    </p:tnLst>
+  </p:timing>
+</p:sld>
+</file>
+
+<file path=ppt/slides/slide20.xml><?xml version="1.0" encoding="utf-8"?>
+<p:sld xmlns:a="http://schemas.openxmlformats.org/drawingml/2006/main" xmlns:r="http://schemas.openxmlformats.org/officeDocument/2006/relationships" xmlns:p="http://schemas.openxmlformats.org/presentationml/2006/main">
+  <p:cSld>
+    <p:spTree>
+      <p:nvGrpSpPr>
+        <p:cNvPr id="1" name=""/>
+        <p:cNvGrpSpPr/>
+        <p:nvPr/>
+      </p:nvGrpSpPr>
+      <p:grpSpPr>
+        <a:xfrm>
+          <a:off x="0" y="0"/>
+          <a:ext cx="0" cy="0"/>
+          <a:chOff x="0" y="0"/>
+          <a:chExt cx="0" cy="0"/>
+        </a:xfrm>
+      </p:grpSpPr>
+      <p:sp>
+        <p:nvSpPr>
+          <p:cNvPr id="2" name="Titel 1"/>
+          <p:cNvSpPr>
+            <a:spLocks noGrp="1"/>
+          </p:cNvSpPr>
+          <p:nvPr>
+            <p:ph type="title"/>
+          </p:nvPr>
+        </p:nvSpPr>
+        <p:spPr/>
+        <p:txBody>
+          <a:bodyPr/>
+          <a:lstStyle/>
+          <a:p>
+            <a:r>
+              <a:rPr lang="de-DE" dirty="0" smtClean="0"/>
+              <a:t>Dreiecke / Aufgabe</a:t>
+            </a:r>
+            <a:endParaRPr lang="de-DE" dirty="0"/>
+          </a:p>
+        </p:txBody>
+      </p:sp>
+      <p:sp>
+        <p:nvSpPr>
+          <p:cNvPr id="4" name="Textfeld 3"/>
+          <p:cNvSpPr txBox="1"/>
+          <p:nvPr/>
+        </p:nvSpPr>
+        <p:spPr>
+          <a:xfrm>
+            <a:off x="838200" y="1690688"/>
+            <a:ext cx="10515600" cy="1200329"/>
+          </a:xfrm>
+          <a:prstGeom prst="rect">
+            <a:avLst/>
+          </a:prstGeom>
+          <a:noFill/>
+        </p:spPr>
+        <p:txBody>
+          <a:bodyPr wrap="square" rtlCol="0">
+            <a:spAutoFit/>
+          </a:bodyPr>
+          <a:lstStyle/>
+          <a:p>
+            <a:pPr algn="just"/>
+            <a:r>
+              <a:rPr lang="de-DE" dirty="0"/>
+              <a:t>Schreibe ein Programm, das die Dreiecke in einer Rätsel-Zeichnung zählt. Eine Zeichnung besteht aus einigen Strecken. Du kannst davon ausgehen, dass keine zwei Strecken auf derselben Geraden liegen und dass sich nie mehr als zwei Strecken im gleichen Punkt schneiden. </a:t>
+            </a:r>
+            <a:endParaRPr lang="de-DE" b="1" i="1" dirty="0"/>
+          </a:p>
+          <a:p>
+            <a:pPr algn="just"/>
+            <a:r>
+              <a:rPr lang="de-DE" dirty="0"/>
+              <a:t>Wende dein Programm auf die Beispiele an, die du auf den BwInf-Webseiten findest.</a:t>
+            </a:r>
+            <a:endParaRPr lang="de-DE" b="1" i="1" dirty="0"/>
+          </a:p>
+        </p:txBody>
+      </p:sp>
+    </p:spTree>
+    <p:extLst>
+      <p:ext uri="{BB962C8B-B14F-4D97-AF65-F5344CB8AC3E}">
+        <p14:creationId xmlns:p14="http://schemas.microsoft.com/office/powerpoint/2010/main" val="1434904544"/>
+      </p:ext>
+    </p:extLst>
+  </p:cSld>
+  <p:clrMapOvr>
+    <a:masterClrMapping/>
+  </p:clrMapOvr>
+  <p:timing>
+    <p:tnLst>
+      <p:par>
+        <p:cTn id="1" dur="indefinite" restart="never" nodeType="tmRoot"/>
+      </p:par>
+    </p:tnLst>
+  </p:timing>
+</p:sld>
+</file>
+
+<file path=ppt/slides/slide21.xml><?xml version="1.0" encoding="utf-8"?>
+<p:sld xmlns:a="http://schemas.openxmlformats.org/drawingml/2006/main" xmlns:r="http://schemas.openxmlformats.org/officeDocument/2006/relationships" xmlns:p="http://schemas.openxmlformats.org/presentationml/2006/main">
+  <p:cSld>
+    <p:spTree>
+      <p:nvGrpSpPr>
+        <p:cNvPr id="1" name=""/>
+        <p:cNvGrpSpPr/>
+        <p:nvPr/>
+      </p:nvGrpSpPr>
+      <p:grpSpPr>
+        <a:xfrm>
+          <a:off x="0" y="0"/>
+          <a:ext cx="0" cy="0"/>
+          <a:chOff x="0" y="0"/>
+          <a:chExt cx="0" cy="0"/>
+        </a:xfrm>
+      </p:grpSpPr>
+      <p:sp>
+        <p:nvSpPr>
+          <p:cNvPr id="2" name="Titel 1"/>
+          <p:cNvSpPr>
+            <a:spLocks noGrp="1"/>
+          </p:cNvSpPr>
+          <p:nvPr>
+            <p:ph type="title"/>
+          </p:nvPr>
+        </p:nvSpPr>
+        <p:spPr/>
+        <p:txBody>
+          <a:bodyPr/>
+          <a:lstStyle/>
+          <a:p>
+            <a:r>
+              <a:rPr lang="de-DE" dirty="0" smtClean="0"/>
+              <a:t>Dreiecke / Lösungsidee</a:t>
+            </a:r>
+            <a:endParaRPr lang="de-DE" dirty="0"/>
+          </a:p>
+        </p:txBody>
+      </p:sp>
+      <p:sp>
+        <p:nvSpPr>
+          <p:cNvPr id="4" name="Textfeld 3"/>
+          <p:cNvSpPr txBox="1"/>
+          <p:nvPr/>
+        </p:nvSpPr>
+        <p:spPr>
+          <a:xfrm>
+            <a:off x="838200" y="2180183"/>
+            <a:ext cx="5121915" cy="2308324"/>
+          </a:xfrm>
+          <a:prstGeom prst="rect">
+            <a:avLst/>
+          </a:prstGeom>
+          <a:noFill/>
+        </p:spPr>
+        <p:txBody>
+          <a:bodyPr wrap="none" rtlCol="0">
+            <a:spAutoFit/>
+          </a:bodyPr>
+          <a:lstStyle/>
+          <a:p>
+            <a:r>
+              <a:rPr lang="sk-SK" sz="1600" dirty="0">
+                <a:latin typeface="Menlo" charset="0"/>
+                <a:ea typeface="Menlo" charset="0"/>
+                <a:cs typeface="Menlo" charset="0"/>
+              </a:rPr>
+              <a:t>6</a:t>
+            </a:r>
+            <a:br>
+              <a:rPr lang="sk-SK" sz="1600" dirty="0">
+                <a:latin typeface="Menlo" charset="0"/>
+                <a:ea typeface="Menlo" charset="0"/>
+                <a:cs typeface="Menlo" charset="0"/>
+              </a:rPr>
+            </a:br>
+            <a:r>
+              <a:rPr lang="sk-SK" sz="1600" dirty="0">
+                <a:latin typeface="Menlo" charset="0"/>
+                <a:ea typeface="Menlo" charset="0"/>
+                <a:cs typeface="Menlo" charset="0"/>
+              </a:rPr>
+              <a:t>0.000000 0.000000 0.000000 200.000000</a:t>
+            </a:r>
+            <a:br>
+              <a:rPr lang="sk-SK" sz="1600" dirty="0">
+                <a:latin typeface="Menlo" charset="0"/>
+                <a:ea typeface="Menlo" charset="0"/>
+                <a:cs typeface="Menlo" charset="0"/>
+              </a:rPr>
+            </a:br>
+            <a:r>
+              <a:rPr lang="sk-SK" sz="1600" dirty="0">
+                <a:latin typeface="Menlo" charset="0"/>
+                <a:ea typeface="Menlo" charset="0"/>
+                <a:cs typeface="Menlo" charset="0"/>
+              </a:rPr>
+              <a:t>0.000000 0.000000 120.000000 0.000000</a:t>
+            </a:r>
+            <a:br>
+              <a:rPr lang="sk-SK" sz="1600" dirty="0">
+                <a:latin typeface="Menlo" charset="0"/>
+                <a:ea typeface="Menlo" charset="0"/>
+                <a:cs typeface="Menlo" charset="0"/>
+              </a:rPr>
+            </a:br>
+            <a:r>
+              <a:rPr lang="sk-SK" sz="1600" dirty="0">
+                <a:latin typeface="Menlo" charset="0"/>
+                <a:ea typeface="Menlo" charset="0"/>
+                <a:cs typeface="Menlo" charset="0"/>
+              </a:rPr>
+              <a:t>120.000000 0.000000 0.000000 200.000000</a:t>
+            </a:r>
+            <a:br>
+              <a:rPr lang="sk-SK" sz="1600" dirty="0">
+                <a:latin typeface="Menlo" charset="0"/>
+                <a:ea typeface="Menlo" charset="0"/>
+                <a:cs typeface="Menlo" charset="0"/>
+              </a:rPr>
+            </a:br>
+            <a:r>
+              <a:rPr lang="sk-SK" sz="1600" dirty="0">
+                <a:latin typeface="Menlo" charset="0"/>
+                <a:ea typeface="Menlo" charset="0"/>
+                <a:cs typeface="Menlo" charset="0"/>
+              </a:rPr>
+              <a:t>0.000000 20.000000 100.000000 180.000000</a:t>
+            </a:r>
+            <a:br>
+              <a:rPr lang="sk-SK" sz="1600" dirty="0">
+                <a:latin typeface="Menlo" charset="0"/>
+                <a:ea typeface="Menlo" charset="0"/>
+                <a:cs typeface="Menlo" charset="0"/>
+              </a:rPr>
+            </a:br>
+            <a:r>
+              <a:rPr lang="sk-SK" sz="1600" dirty="0">
+                <a:latin typeface="Menlo" charset="0"/>
+                <a:ea typeface="Menlo" charset="0"/>
+                <a:cs typeface="Menlo" charset="0"/>
+              </a:rPr>
+              <a:t>20.000000 0.000000 50.000000 180.000000</a:t>
+            </a:r>
+            <a:br>
+              <a:rPr lang="sk-SK" sz="1600" dirty="0">
+                <a:latin typeface="Menlo" charset="0"/>
+                <a:ea typeface="Menlo" charset="0"/>
+                <a:cs typeface="Menlo" charset="0"/>
+              </a:rPr>
+            </a:br>
+            <a:r>
+              <a:rPr lang="sk-SK" sz="1600" dirty="0">
+                <a:latin typeface="Menlo" charset="0"/>
+                <a:ea typeface="Menlo" charset="0"/>
+                <a:cs typeface="Menlo" charset="0"/>
+              </a:rPr>
+              <a:t>100.000000 0.000000 50.000000 180.000000</a:t>
+            </a:r>
+            <a:br>
+              <a:rPr lang="sk-SK" sz="1600" dirty="0">
+                <a:latin typeface="Menlo" charset="0"/>
+                <a:ea typeface="Menlo" charset="0"/>
+                <a:cs typeface="Menlo" charset="0"/>
+              </a:rPr>
+            </a:br>
+            <a:r>
+              <a:rPr lang="sk-SK" sz="1600" dirty="0">
+                <a:latin typeface="Menlo" charset="0"/>
+                <a:ea typeface="Menlo" charset="0"/>
+                <a:cs typeface="Menlo" charset="0"/>
+              </a:rPr>
+              <a:t/>
+            </a:r>
+            <a:br>
+              <a:rPr lang="sk-SK" sz="1600" dirty="0">
+                <a:latin typeface="Menlo" charset="0"/>
+                <a:ea typeface="Menlo" charset="0"/>
+                <a:cs typeface="Menlo" charset="0"/>
+              </a:rPr>
+            </a:br>
+            <a:endParaRPr lang="de-DE" sz="1600" dirty="0">
+              <a:latin typeface="Menlo" charset="0"/>
+              <a:ea typeface="Menlo" charset="0"/>
+              <a:cs typeface="Menlo" charset="0"/>
+            </a:endParaRPr>
+          </a:p>
+        </p:txBody>
+      </p:sp>
+      <p:pic>
+        <p:nvPicPr>
+          <p:cNvPr id="5" name="Bild 4" descr="../Desktop/screenshots/Bildschirmfoto%202017-11-01%20um%2012.50.14.png"/>
+          <p:cNvPicPr/>
+          <p:nvPr/>
+        </p:nvPicPr>
+        <p:blipFill rotWithShape="1">
+          <a:blip r:embed="rId2" cstate="print">
+            <a:extLst>
+              <a:ext uri="{28A0092B-C50C-407E-A947-70E740481C1C}">
+                <a14:useLocalDpi xmlns:a14="http://schemas.microsoft.com/office/drawing/2010/main" val="0"/>
+              </a:ext>
+            </a:extLst>
+          </a:blip>
+          <a:srcRect l="1266" t="2975" r="4498" b="3947"/>
+          <a:stretch/>
+        </p:blipFill>
+        <p:spPr bwMode="auto">
+          <a:xfrm>
+            <a:off x="6980286" y="2180183"/>
+            <a:ext cx="4373514" cy="3214901"/>
+          </a:xfrm>
+          <a:prstGeom prst="rect">
+            <a:avLst/>
+          </a:prstGeom>
+          <a:noFill/>
+          <a:ln>
+            <a:noFill/>
+          </a:ln>
+          <a:extLst>
+            <a:ext uri="{53640926-AAD7-44D8-BBD7-CCE9431645EC}">
+              <a14:shadowObscured xmlns:a14="http://schemas.microsoft.com/office/drawing/2010/main"/>
+            </a:ext>
+          </a:extLst>
+        </p:spPr>
+      </p:pic>
+    </p:spTree>
+    <p:extLst>
+      <p:ext uri="{BB962C8B-B14F-4D97-AF65-F5344CB8AC3E}">
+        <p14:creationId xmlns:p14="http://schemas.microsoft.com/office/powerpoint/2010/main" val="1213798475"/>
+      </p:ext>
+    </p:extLst>
+  </p:cSld>
+  <p:clrMapOvr>
+    <a:masterClrMapping/>
+  </p:clrMapOvr>
+  <p:timing>
+    <p:tnLst>
+      <p:par>
+        <p:cTn id="1" dur="indefinite" restart="never" nodeType="tmRoot"/>
+      </p:par>
+    </p:tnLst>
+  </p:timing>
+</p:sld>
+</file>
+
+<file path=ppt/slides/slide22.xml><?xml version="1.0" encoding="utf-8"?>
+<p:sld xmlns:a="http://schemas.openxmlformats.org/drawingml/2006/main" xmlns:r="http://schemas.openxmlformats.org/officeDocument/2006/relationships" xmlns:p="http://schemas.openxmlformats.org/presentationml/2006/main">
+  <p:cSld>
+    <p:spTree>
+      <p:nvGrpSpPr>
+        <p:cNvPr id="1" name=""/>
+        <p:cNvGrpSpPr/>
+        <p:nvPr/>
+      </p:nvGrpSpPr>
+      <p:grpSpPr>
+        <a:xfrm>
+          <a:off x="0" y="0"/>
+          <a:ext cx="0" cy="0"/>
+          <a:chOff x="0" y="0"/>
+          <a:chExt cx="0" cy="0"/>
+        </a:xfrm>
+      </p:grpSpPr>
+      <p:sp>
+        <p:nvSpPr>
+          <p:cNvPr id="2" name="Titel 1"/>
+          <p:cNvSpPr>
+            <a:spLocks noGrp="1"/>
+          </p:cNvSpPr>
+          <p:nvPr>
+            <p:ph type="title"/>
+          </p:nvPr>
+        </p:nvSpPr>
+        <p:spPr/>
+        <p:txBody>
+          <a:bodyPr/>
+          <a:lstStyle/>
+          <a:p>
+            <a:r>
+              <a:rPr lang="de-DE" dirty="0" smtClean="0"/>
+              <a:t>Dreiecke / Lösungsidee</a:t>
+            </a:r>
+            <a:endParaRPr lang="de-DE" dirty="0"/>
+          </a:p>
+        </p:txBody>
+      </p:sp>
+      <p:sp>
+        <p:nvSpPr>
+          <p:cNvPr id="3" name="Inhaltsplatzhalter 2"/>
+          <p:cNvSpPr>
+            <a:spLocks noGrp="1"/>
+          </p:cNvSpPr>
+          <p:nvPr>
+            <p:ph idx="1"/>
+          </p:nvPr>
+        </p:nvSpPr>
+        <p:spPr>
+          <a:xfrm>
+            <a:off x="838200" y="1825625"/>
+            <a:ext cx="10515600" cy="454279"/>
+          </a:xfrm>
+        </p:spPr>
+        <p:txBody>
+          <a:bodyPr>
+            <a:normAutofit lnSpcReduction="10000"/>
+          </a:bodyPr>
+          <a:lstStyle/>
+          <a:p>
+            <a:r>
+              <a:rPr lang="de-DE" smtClean="0"/>
+              <a:t>Schnittpunkte bestimmen:</a:t>
+            </a:r>
+            <a:endParaRPr lang="de-DE" dirty="0"/>
+          </a:p>
+        </p:txBody>
+      </p:sp>
+      <mc:AlternateContent xmlns:mc="http://schemas.openxmlformats.org/markup-compatibility/2006">
+        <mc:Choice xmlns:a14="http://schemas.microsoft.com/office/drawing/2010/main" Requires="a14">
+          <p:sp>
+            <p:nvSpPr>
+              <p:cNvPr id="4" name="Rechteck 3"/>
+              <p:cNvSpPr/>
+              <p:nvPr/>
+            </p:nvSpPr>
+            <p:spPr>
+              <a:xfrm>
+                <a:off x="838200" y="2414841"/>
+                <a:ext cx="5622950" cy="677173"/>
+              </a:xfrm>
+              <a:prstGeom prst="rect">
+                <a:avLst/>
+              </a:prstGeom>
+            </p:spPr>
+            <p:txBody>
+              <a:bodyPr wrap="none">
+                <a:spAutoFit/>
+              </a:bodyPr>
+              <a:lstStyle/>
+              <a:p>
+                <a14:m>
+                  <m:oMathPara xmlns:m="http://schemas.openxmlformats.org/officeDocument/2006/math">
+                    <m:oMathParaPr>
+                      <m:jc m:val="centerGroup"/>
+                    </m:oMathParaPr>
+                    <m:oMath xmlns:m="http://schemas.openxmlformats.org/officeDocument/2006/math">
+                      <m:sSub>
+                        <m:sSubPr>
+                          <m:ctrlPr>
+                            <a:rPr lang="de-DE">
+                              <a:latin typeface="Cambria Math" charset="0"/>
+                            </a:rPr>
+                          </m:ctrlPr>
+                        </m:sSubPr>
+                        <m:e>
+                          <m:r>
+                            <a:rPr lang="de-DE" i="1">
+                              <a:latin typeface="Cambria Math" charset="0"/>
+                            </a:rPr>
+                            <m:t>𝑥</m:t>
+                          </m:r>
+                        </m:e>
+                        <m:sub>
+                          <m:r>
+                            <a:rPr lang="de-DE" i="1">
+                              <a:latin typeface="Cambria Math" charset="0"/>
+                            </a:rPr>
+                            <m:t>𝑠</m:t>
+                          </m:r>
+                        </m:sub>
+                      </m:sSub>
+                      <m:r>
+                        <a:rPr lang="de-DE" i="0">
+                          <a:latin typeface="Cambria Math" charset="0"/>
+                        </a:rPr>
+                        <m:t>=</m:t>
+                      </m:r>
+                      <m:f>
+                        <m:fPr>
+                          <m:ctrlPr>
+                            <a:rPr lang="de-DE" i="1">
+                              <a:latin typeface="Cambria Math" charset="0"/>
+                            </a:rPr>
+                          </m:ctrlPr>
+                        </m:fPr>
+                        <m:num>
+                          <m:d>
+                            <m:dPr>
+                              <m:ctrlPr>
+                                <a:rPr lang="de-DE" i="1">
+                                  <a:latin typeface="Cambria Math" charset="0"/>
+                                </a:rPr>
+                              </m:ctrlPr>
+                            </m:dPr>
+                            <m:e>
+                              <m:sSub>
+                                <m:sSubPr>
+                                  <m:ctrlPr>
+                                    <a:rPr lang="de-DE" i="1">
+                                      <a:latin typeface="Cambria Math" charset="0"/>
+                                    </a:rPr>
+                                  </m:ctrlPr>
+                                </m:sSubPr>
+                                <m:e>
+                                  <m:r>
+                                    <a:rPr lang="de-DE" i="1">
+                                      <a:latin typeface="Cambria Math" charset="0"/>
+                                    </a:rPr>
+                                    <m:t>𝑥</m:t>
+                                  </m:r>
+                                </m:e>
+                                <m:sub>
+                                  <m:r>
+                                    <a:rPr lang="de-DE" i="0">
+                                      <a:latin typeface="Cambria Math" charset="0"/>
+                                    </a:rPr>
+                                    <m:t>4</m:t>
+                                  </m:r>
+                                </m:sub>
+                              </m:sSub>
+                              <m:r>
+                                <a:rPr lang="de-DE" i="0">
+                                  <a:latin typeface="Cambria Math" charset="0"/>
+                                </a:rPr>
+                                <m:t>−</m:t>
+                              </m:r>
+                              <m:sSub>
+                                <m:sSubPr>
+                                  <m:ctrlPr>
+                                    <a:rPr lang="de-DE" i="1">
+                                      <a:latin typeface="Cambria Math" charset="0"/>
+                                    </a:rPr>
+                                  </m:ctrlPr>
+                                </m:sSubPr>
+                                <m:e>
+                                  <m:r>
+                                    <a:rPr lang="de-DE" i="1">
+                                      <a:latin typeface="Cambria Math" charset="0"/>
+                                    </a:rPr>
+                                    <m:t>𝑥</m:t>
+                                  </m:r>
+                                </m:e>
+                                <m:sub>
+                                  <m:r>
+                                    <a:rPr lang="de-DE" i="0">
+                                      <a:latin typeface="Cambria Math" charset="0"/>
+                                    </a:rPr>
+                                    <m:t>3</m:t>
+                                  </m:r>
+                                </m:sub>
+                              </m:sSub>
+                            </m:e>
+                          </m:d>
+                          <m:d>
+                            <m:dPr>
+                              <m:ctrlPr>
+                                <a:rPr lang="de-DE" i="1">
+                                  <a:latin typeface="Cambria Math" charset="0"/>
+                                </a:rPr>
+                              </m:ctrlPr>
+                            </m:dPr>
+                            <m:e>
+                              <m:sSub>
+                                <m:sSubPr>
+                                  <m:ctrlPr>
+                                    <a:rPr lang="de-DE" i="1">
+                                      <a:latin typeface="Cambria Math" charset="0"/>
+                                    </a:rPr>
+                                  </m:ctrlPr>
+                                </m:sSubPr>
+                                <m:e>
+                                  <m:r>
+                                    <a:rPr lang="de-DE" i="1">
+                                      <a:latin typeface="Cambria Math" charset="0"/>
+                                    </a:rPr>
+                                    <m:t>𝑥</m:t>
+                                  </m:r>
+                                </m:e>
+                                <m:sub>
+                                  <m:r>
+                                    <a:rPr lang="de-DE" i="0">
+                                      <a:latin typeface="Cambria Math" charset="0"/>
+                                    </a:rPr>
+                                    <m:t>2</m:t>
+                                  </m:r>
+                                </m:sub>
+                              </m:sSub>
+                              <m:sSub>
+                                <m:sSubPr>
+                                  <m:ctrlPr>
+                                    <a:rPr lang="de-DE" i="1">
+                                      <a:latin typeface="Cambria Math" charset="0"/>
+                                    </a:rPr>
+                                  </m:ctrlPr>
+                                </m:sSubPr>
+                                <m:e>
+                                  <m:r>
+                                    <a:rPr lang="de-DE" i="1">
+                                      <a:latin typeface="Cambria Math" charset="0"/>
+                                    </a:rPr>
+                                    <m:t>𝑦</m:t>
+                                  </m:r>
+                                </m:e>
+                                <m:sub>
+                                  <m:r>
+                                    <a:rPr lang="de-DE" i="0">
+                                      <a:latin typeface="Cambria Math" charset="0"/>
+                                    </a:rPr>
+                                    <m:t>1</m:t>
+                                  </m:r>
+                                </m:sub>
+                              </m:sSub>
+                              <m:r>
+                                <a:rPr lang="de-DE" i="0">
+                                  <a:latin typeface="Cambria Math" charset="0"/>
+                                </a:rPr>
+                                <m:t>−</m:t>
+                              </m:r>
+                              <m:sSub>
+                                <m:sSubPr>
+                                  <m:ctrlPr>
+                                    <a:rPr lang="de-DE" i="1">
+                                      <a:latin typeface="Cambria Math" charset="0"/>
+                                    </a:rPr>
+                                  </m:ctrlPr>
+                                </m:sSubPr>
+                                <m:e>
+                                  <m:r>
+                                    <a:rPr lang="de-DE" i="1">
+                                      <a:latin typeface="Cambria Math" charset="0"/>
+                                    </a:rPr>
+                                    <m:t>𝑥</m:t>
+                                  </m:r>
+                                </m:e>
+                                <m:sub>
+                                  <m:r>
+                                    <a:rPr lang="de-DE" i="0">
+                                      <a:latin typeface="Cambria Math" charset="0"/>
+                                    </a:rPr>
+                                    <m:t>1</m:t>
+                                  </m:r>
+                                </m:sub>
+                              </m:sSub>
+                              <m:sSub>
+                                <m:sSubPr>
+                                  <m:ctrlPr>
+                                    <a:rPr lang="de-DE" i="1">
+                                      <a:latin typeface="Cambria Math" charset="0"/>
+                                    </a:rPr>
+                                  </m:ctrlPr>
+                                </m:sSubPr>
+                                <m:e>
+                                  <m:r>
+                                    <a:rPr lang="de-DE" i="1">
+                                      <a:latin typeface="Cambria Math" charset="0"/>
+                                    </a:rPr>
+                                    <m:t>𝑦</m:t>
+                                  </m:r>
+                                </m:e>
+                                <m:sub>
+                                  <m:r>
+                                    <a:rPr lang="de-DE" i="0">
+                                      <a:latin typeface="Cambria Math" charset="0"/>
+                                    </a:rPr>
+                                    <m:t>2</m:t>
+                                  </m:r>
+                                </m:sub>
+                              </m:sSub>
+                            </m:e>
+                          </m:d>
+                          <m:r>
+                            <a:rPr lang="de-DE" i="0">
+                              <a:latin typeface="Cambria Math" charset="0"/>
+                            </a:rPr>
+                            <m:t>−</m:t>
+                          </m:r>
+                          <m:d>
+                            <m:dPr>
+                              <m:ctrlPr>
+                                <a:rPr lang="de-DE" i="1">
+                                  <a:latin typeface="Cambria Math" charset="0"/>
+                                </a:rPr>
+                              </m:ctrlPr>
+                            </m:dPr>
+                            <m:e>
+                              <m:sSub>
+                                <m:sSubPr>
+                                  <m:ctrlPr>
+                                    <a:rPr lang="de-DE" i="1">
+                                      <a:latin typeface="Cambria Math" charset="0"/>
+                                    </a:rPr>
+                                  </m:ctrlPr>
+                                </m:sSubPr>
+                                <m:e>
+                                  <m:r>
+                                    <a:rPr lang="de-DE" i="1">
+                                      <a:latin typeface="Cambria Math" charset="0"/>
+                                    </a:rPr>
+                                    <m:t>𝑥</m:t>
+                                  </m:r>
+                                </m:e>
+                                <m:sub>
+                                  <m:r>
+                                    <a:rPr lang="de-DE" i="0">
+                                      <a:latin typeface="Cambria Math" charset="0"/>
+                                    </a:rPr>
+                                    <m:t>2</m:t>
+                                  </m:r>
+                                </m:sub>
+                              </m:sSub>
+                              <m:r>
+                                <a:rPr lang="de-DE" i="0">
+                                  <a:latin typeface="Cambria Math" charset="0"/>
+                                </a:rPr>
+                                <m:t>−</m:t>
+                              </m:r>
+                              <m:sSub>
+                                <m:sSubPr>
+                                  <m:ctrlPr>
+                                    <a:rPr lang="de-DE" i="1">
+                                      <a:latin typeface="Cambria Math" charset="0"/>
+                                    </a:rPr>
+                                  </m:ctrlPr>
+                                </m:sSubPr>
+                                <m:e>
+                                  <m:r>
+                                    <a:rPr lang="de-DE" i="1">
+                                      <a:latin typeface="Cambria Math" charset="0"/>
+                                    </a:rPr>
+                                    <m:t>𝑥</m:t>
+                                  </m:r>
+                                </m:e>
+                                <m:sub>
+                                  <m:r>
+                                    <a:rPr lang="de-DE" i="0">
+                                      <a:latin typeface="Cambria Math" charset="0"/>
+                                    </a:rPr>
+                                    <m:t>1</m:t>
+                                  </m:r>
+                                </m:sub>
+                              </m:sSub>
+                            </m:e>
+                          </m:d>
+                          <m:d>
+                            <m:dPr>
+                              <m:ctrlPr>
+                                <a:rPr lang="de-DE" i="1">
+                                  <a:latin typeface="Cambria Math" charset="0"/>
+                                </a:rPr>
+                              </m:ctrlPr>
+                            </m:dPr>
+                            <m:e>
+                              <m:sSub>
+                                <m:sSubPr>
+                                  <m:ctrlPr>
+                                    <a:rPr lang="de-DE" i="1">
+                                      <a:latin typeface="Cambria Math" charset="0"/>
+                                    </a:rPr>
+                                  </m:ctrlPr>
+                                </m:sSubPr>
+                                <m:e>
+                                  <m:r>
+                                    <a:rPr lang="de-DE" i="1">
+                                      <a:latin typeface="Cambria Math" charset="0"/>
+                                    </a:rPr>
+                                    <m:t>𝑥</m:t>
+                                  </m:r>
+                                </m:e>
+                                <m:sub>
+                                  <m:r>
+                                    <a:rPr lang="de-DE" i="0">
+                                      <a:latin typeface="Cambria Math" charset="0"/>
+                                    </a:rPr>
+                                    <m:t>4</m:t>
+                                  </m:r>
+                                </m:sub>
+                              </m:sSub>
+                              <m:sSub>
+                                <m:sSubPr>
+                                  <m:ctrlPr>
+                                    <a:rPr lang="de-DE" i="1">
+                                      <a:latin typeface="Cambria Math" charset="0"/>
+                                    </a:rPr>
+                                  </m:ctrlPr>
+                                </m:sSubPr>
+                                <m:e>
+                                  <m:r>
+                                    <a:rPr lang="de-DE" i="1">
+                                      <a:latin typeface="Cambria Math" charset="0"/>
+                                    </a:rPr>
+                                    <m:t>𝑦</m:t>
+                                  </m:r>
+                                </m:e>
+                                <m:sub>
+                                  <m:r>
+                                    <a:rPr lang="de-DE" i="0">
+                                      <a:latin typeface="Cambria Math" charset="0"/>
+                                    </a:rPr>
+                                    <m:t>3</m:t>
+                                  </m:r>
+                                </m:sub>
+                              </m:sSub>
+                              <m:r>
+                                <a:rPr lang="de-DE" i="0">
+                                  <a:latin typeface="Cambria Math" charset="0"/>
+                                </a:rPr>
+                                <m:t>−</m:t>
+                              </m:r>
+                              <m:sSub>
+                                <m:sSubPr>
+                                  <m:ctrlPr>
+                                    <a:rPr lang="de-DE" i="1">
+                                      <a:latin typeface="Cambria Math" charset="0"/>
+                                    </a:rPr>
+                                  </m:ctrlPr>
+                                </m:sSubPr>
+                                <m:e>
+                                  <m:r>
+                                    <a:rPr lang="de-DE" i="1">
+                                      <a:latin typeface="Cambria Math" charset="0"/>
+                                    </a:rPr>
+                                    <m:t>𝑥</m:t>
+                                  </m:r>
+                                </m:e>
+                                <m:sub>
+                                  <m:r>
+                                    <a:rPr lang="de-DE" i="0">
+                                      <a:latin typeface="Cambria Math" charset="0"/>
+                                    </a:rPr>
+                                    <m:t>3</m:t>
+                                  </m:r>
+                                </m:sub>
+                              </m:sSub>
+                              <m:sSub>
+                                <m:sSubPr>
+                                  <m:ctrlPr>
+                                    <a:rPr lang="de-DE" i="1">
+                                      <a:latin typeface="Cambria Math" charset="0"/>
+                                    </a:rPr>
+                                  </m:ctrlPr>
+                                </m:sSubPr>
+                                <m:e>
+                                  <m:r>
+                                    <a:rPr lang="de-DE" i="1">
+                                      <a:latin typeface="Cambria Math" charset="0"/>
+                                    </a:rPr>
+                                    <m:t>𝑦</m:t>
+                                  </m:r>
+                                </m:e>
+                                <m:sub>
+                                  <m:r>
+                                    <a:rPr lang="de-DE" i="0">
+                                      <a:latin typeface="Cambria Math" charset="0"/>
+                                    </a:rPr>
+                                    <m:t>4</m:t>
+                                  </m:r>
+                                </m:sub>
+                              </m:sSub>
+                            </m:e>
+                          </m:d>
+                        </m:num>
+                        <m:den>
+                          <m:d>
+                            <m:dPr>
+                              <m:ctrlPr>
+                                <a:rPr lang="de-DE" i="1">
+                                  <a:latin typeface="Cambria Math" charset="0"/>
+                                </a:rPr>
+                              </m:ctrlPr>
+                            </m:dPr>
+                            <m:e>
+                              <m:sSub>
+                                <m:sSubPr>
+                                  <m:ctrlPr>
+                                    <a:rPr lang="de-DE" i="1">
+                                      <a:latin typeface="Cambria Math" charset="0"/>
+                                    </a:rPr>
+                                  </m:ctrlPr>
+                                </m:sSubPr>
+                                <m:e>
+                                  <m:r>
+                                    <a:rPr lang="de-DE" i="1">
+                                      <a:latin typeface="Cambria Math" charset="0"/>
+                                    </a:rPr>
+                                    <m:t>𝑦</m:t>
+                                  </m:r>
+                                </m:e>
+                                <m:sub>
+                                  <m:r>
+                                    <a:rPr lang="de-DE" i="0">
+                                      <a:latin typeface="Cambria Math" charset="0"/>
+                                    </a:rPr>
+                                    <m:t>4</m:t>
+                                  </m:r>
+                                </m:sub>
+                              </m:sSub>
+                              <m:r>
+                                <a:rPr lang="de-DE" i="0">
+                                  <a:latin typeface="Cambria Math" charset="0"/>
+                                </a:rPr>
+                                <m:t>−</m:t>
+                              </m:r>
+                              <m:sSub>
+                                <m:sSubPr>
+                                  <m:ctrlPr>
+                                    <a:rPr lang="de-DE" i="1">
+                                      <a:latin typeface="Cambria Math" charset="0"/>
+                                    </a:rPr>
+                                  </m:ctrlPr>
+                                </m:sSubPr>
+                                <m:e>
+                                  <m:r>
+                                    <a:rPr lang="de-DE" i="1">
+                                      <a:latin typeface="Cambria Math" charset="0"/>
+                                    </a:rPr>
+                                    <m:t>𝑦</m:t>
+                                  </m:r>
+                                </m:e>
+                                <m:sub>
+                                  <m:r>
+                                    <a:rPr lang="de-DE" i="0">
+                                      <a:latin typeface="Cambria Math" charset="0"/>
+                                    </a:rPr>
+                                    <m:t>3</m:t>
+                                  </m:r>
+                                </m:sub>
+                              </m:sSub>
+                            </m:e>
+                          </m:d>
+                          <m:d>
+                            <m:dPr>
+                              <m:ctrlPr>
+                                <a:rPr lang="de-DE" i="1">
+                                  <a:latin typeface="Cambria Math" charset="0"/>
+                                </a:rPr>
+                              </m:ctrlPr>
+                            </m:dPr>
+                            <m:e>
+                              <m:sSub>
+                                <m:sSubPr>
+                                  <m:ctrlPr>
+                                    <a:rPr lang="de-DE" i="1">
+                                      <a:latin typeface="Cambria Math" charset="0"/>
+                                    </a:rPr>
+                                  </m:ctrlPr>
+                                </m:sSubPr>
+                                <m:e>
+                                  <m:r>
+                                    <a:rPr lang="de-DE" i="1">
+                                      <a:latin typeface="Cambria Math" charset="0"/>
+                                    </a:rPr>
+                                    <m:t>𝑥</m:t>
+                                  </m:r>
+                                </m:e>
+                                <m:sub>
+                                  <m:r>
+                                    <a:rPr lang="de-DE" i="0">
+                                      <a:latin typeface="Cambria Math" charset="0"/>
+                                    </a:rPr>
+                                    <m:t>2</m:t>
+                                  </m:r>
+                                </m:sub>
+                              </m:sSub>
+                              <m:r>
+                                <a:rPr lang="de-DE" i="0">
+                                  <a:latin typeface="Cambria Math" charset="0"/>
+                                </a:rPr>
+                                <m:t>−</m:t>
+                              </m:r>
+                              <m:sSub>
+                                <m:sSubPr>
+                                  <m:ctrlPr>
+                                    <a:rPr lang="de-DE" i="1">
+                                      <a:latin typeface="Cambria Math" charset="0"/>
+                                    </a:rPr>
+                                  </m:ctrlPr>
+                                </m:sSubPr>
+                                <m:e>
+                                  <m:r>
+                                    <a:rPr lang="de-DE" i="1">
+                                      <a:latin typeface="Cambria Math" charset="0"/>
+                                    </a:rPr>
+                                    <m:t>𝑥</m:t>
+                                  </m:r>
+                                </m:e>
+                                <m:sub>
+                                  <m:r>
+                                    <a:rPr lang="de-DE" i="0">
+                                      <a:latin typeface="Cambria Math" charset="0"/>
+                                    </a:rPr>
+                                    <m:t>1</m:t>
+                                  </m:r>
+                                </m:sub>
+                              </m:sSub>
+                            </m:e>
+                          </m:d>
+                          <m:r>
+                            <a:rPr lang="de-DE" i="0">
+                              <a:latin typeface="Cambria Math" charset="0"/>
+                            </a:rPr>
+                            <m:t>−</m:t>
+                          </m:r>
+                          <m:d>
+                            <m:dPr>
+                              <m:ctrlPr>
+                                <a:rPr lang="de-DE" i="1">
+                                  <a:latin typeface="Cambria Math" charset="0"/>
+                                </a:rPr>
+                              </m:ctrlPr>
+                            </m:dPr>
+                            <m:e>
+                              <m:sSub>
+                                <m:sSubPr>
+                                  <m:ctrlPr>
+                                    <a:rPr lang="de-DE" i="1">
+                                      <a:latin typeface="Cambria Math" charset="0"/>
+                                    </a:rPr>
+                                  </m:ctrlPr>
+                                </m:sSubPr>
+                                <m:e>
+                                  <m:r>
+                                    <a:rPr lang="de-DE" i="1">
+                                      <a:latin typeface="Cambria Math" charset="0"/>
+                                    </a:rPr>
+                                    <m:t>𝑦</m:t>
+                                  </m:r>
+                                </m:e>
+                                <m:sub>
+                                  <m:r>
+                                    <a:rPr lang="de-DE" i="0">
+                                      <a:latin typeface="Cambria Math" charset="0"/>
+                                    </a:rPr>
+                                    <m:t>2</m:t>
+                                  </m:r>
+                                </m:sub>
+                              </m:sSub>
+                              <m:r>
+                                <a:rPr lang="de-DE" i="0">
+                                  <a:latin typeface="Cambria Math" charset="0"/>
+                                </a:rPr>
+                                <m:t>−</m:t>
+                              </m:r>
+                              <m:sSub>
+                                <m:sSubPr>
+                                  <m:ctrlPr>
+                                    <a:rPr lang="de-DE" i="1">
+                                      <a:latin typeface="Cambria Math" charset="0"/>
+                                    </a:rPr>
+                                  </m:ctrlPr>
+                                </m:sSubPr>
+                                <m:e>
+                                  <m:r>
+                                    <a:rPr lang="de-DE" i="1">
+                                      <a:latin typeface="Cambria Math" charset="0"/>
+                                    </a:rPr>
+                                    <m:t>𝑦</m:t>
+                                  </m:r>
+                                </m:e>
+                                <m:sub>
+                                  <m:r>
+                                    <a:rPr lang="de-DE" i="0">
+                                      <a:latin typeface="Cambria Math" charset="0"/>
+                                    </a:rPr>
+                                    <m:t>1</m:t>
+                                  </m:r>
+                                </m:sub>
+                              </m:sSub>
+                            </m:e>
+                          </m:d>
+                          <m:d>
+                            <m:dPr>
+                              <m:ctrlPr>
+                                <a:rPr lang="de-DE" i="1">
+                                  <a:latin typeface="Cambria Math" charset="0"/>
+                                </a:rPr>
+                              </m:ctrlPr>
+                            </m:dPr>
+                            <m:e>
+                              <m:sSub>
+                                <m:sSubPr>
+                                  <m:ctrlPr>
+                                    <a:rPr lang="de-DE" i="1">
+                                      <a:latin typeface="Cambria Math" charset="0"/>
+                                    </a:rPr>
+                                  </m:ctrlPr>
+                                </m:sSubPr>
+                                <m:e>
+                                  <m:r>
+                                    <a:rPr lang="de-DE" i="1">
+                                      <a:latin typeface="Cambria Math" charset="0"/>
+                                    </a:rPr>
+                                    <m:t>𝑥</m:t>
+                                  </m:r>
+                                </m:e>
+                                <m:sub>
+                                  <m:r>
+                                    <a:rPr lang="de-DE" i="0">
+                                      <a:latin typeface="Cambria Math" charset="0"/>
+                                    </a:rPr>
+                                    <m:t>4</m:t>
+                                  </m:r>
+                                </m:sub>
+                              </m:sSub>
+                              <m:r>
+                                <a:rPr lang="de-DE" i="0">
+                                  <a:latin typeface="Cambria Math" charset="0"/>
+                                </a:rPr>
+                                <m:t>−</m:t>
+                              </m:r>
+                              <m:sSub>
+                                <m:sSubPr>
+                                  <m:ctrlPr>
+                                    <a:rPr lang="de-DE" i="1">
+                                      <a:latin typeface="Cambria Math" charset="0"/>
+                                    </a:rPr>
+                                  </m:ctrlPr>
+                                </m:sSubPr>
+                                <m:e>
+                                  <m:r>
+                                    <a:rPr lang="de-DE" i="1">
+                                      <a:latin typeface="Cambria Math" charset="0"/>
+                                    </a:rPr>
+                                    <m:t>𝑥</m:t>
+                                  </m:r>
+                                </m:e>
+                                <m:sub>
+                                  <m:r>
+                                    <a:rPr lang="de-DE" i="0">
+                                      <a:latin typeface="Cambria Math" charset="0"/>
+                                    </a:rPr>
+                                    <m:t>3</m:t>
+                                  </m:r>
+                                </m:sub>
+                              </m:sSub>
+                            </m:e>
+                          </m:d>
+                        </m:den>
+                      </m:f>
+                    </m:oMath>
+                  </m:oMathPara>
+                </a14:m>
+                <a:endParaRPr lang="de-DE" dirty="0"/>
+              </a:p>
+            </p:txBody>
+          </p:sp>
+        </mc:Choice>
+        <mc:Fallback>
+          <p:sp>
+            <p:nvSpPr>
+              <p:cNvPr id="4" name="Rechteck 3"/>
+              <p:cNvSpPr>
+                <a:spLocks noRot="1" noChangeAspect="1" noMove="1" noResize="1" noEditPoints="1" noAdjustHandles="1" noChangeArrowheads="1" noChangeShapeType="1" noTextEdit="1"/>
+              </p:cNvSpPr>
+              <p:nvPr/>
+            </p:nvSpPr>
+            <p:spPr>
+              <a:xfrm>
+                <a:off x="838200" y="2414841"/>
+                <a:ext cx="5622950" cy="677173"/>
+              </a:xfrm>
+              <a:prstGeom prst="rect">
+                <a:avLst/>
+              </a:prstGeom>
+              <a:blipFill rotWithShape="0">
+                <a:blip r:embed="rId2"/>
+                <a:stretch>
+                  <a:fillRect/>
+                </a:stretch>
+              </a:blipFill>
+            </p:spPr>
+            <p:txBody>
+              <a:bodyPr/>
+              <a:lstStyle/>
+              <a:p>
+                <a:r>
+                  <a:rPr lang="de-DE">
+                    <a:noFill/>
+                  </a:rPr>
+                  <a:t> </a:t>
+                </a:r>
+              </a:p>
+            </p:txBody>
+          </p:sp>
+        </mc:Fallback>
+      </mc:AlternateContent>
+      <mc:AlternateContent xmlns:mc="http://schemas.openxmlformats.org/markup-compatibility/2006">
+        <mc:Choice xmlns:a14="http://schemas.microsoft.com/office/drawing/2010/main" Requires="a14">
+          <p:sp>
+            <p:nvSpPr>
+              <p:cNvPr id="5" name="Rechteck 4"/>
+              <p:cNvSpPr/>
+              <p:nvPr/>
+            </p:nvSpPr>
+            <p:spPr>
+              <a:xfrm>
+                <a:off x="838200" y="3434215"/>
+                <a:ext cx="5608137" cy="677173"/>
+              </a:xfrm>
+              <a:prstGeom prst="rect">
+                <a:avLst/>
+              </a:prstGeom>
+            </p:spPr>
+            <p:txBody>
+              <a:bodyPr wrap="none">
+                <a:spAutoFit/>
+              </a:bodyPr>
+              <a:lstStyle/>
+              <a:p>
+                <a14:m>
+                  <m:oMathPara xmlns:m="http://schemas.openxmlformats.org/officeDocument/2006/math">
+                    <m:oMathParaPr>
+                      <m:jc m:val="centerGroup"/>
+                    </m:oMathParaPr>
+                    <m:oMath xmlns:m="http://schemas.openxmlformats.org/officeDocument/2006/math">
+                      <m:sSub>
+                        <m:sSubPr>
+                          <m:ctrlPr>
+                            <a:rPr lang="de-DE">
+                              <a:latin typeface="Cambria Math" charset="0"/>
+                            </a:rPr>
+                          </m:ctrlPr>
+                        </m:sSubPr>
+                        <m:e>
+                          <m:r>
+                            <a:rPr lang="de-DE" i="1">
+                              <a:latin typeface="Cambria Math" charset="0"/>
+                            </a:rPr>
+                            <m:t>𝑦</m:t>
+                          </m:r>
+                        </m:e>
+                        <m:sub>
+                          <m:r>
+                            <a:rPr lang="de-DE" i="1">
+                              <a:latin typeface="Cambria Math" charset="0"/>
+                            </a:rPr>
+                            <m:t>𝑠</m:t>
+                          </m:r>
+                        </m:sub>
+                      </m:sSub>
+                      <m:r>
+                        <a:rPr lang="de-DE" i="0">
+                          <a:latin typeface="Cambria Math" charset="0"/>
+                        </a:rPr>
+                        <m:t>=</m:t>
+                      </m:r>
+                      <m:f>
+                        <m:fPr>
+                          <m:ctrlPr>
+                            <a:rPr lang="de-DE" i="1">
+                              <a:latin typeface="Cambria Math" charset="0"/>
+                            </a:rPr>
+                          </m:ctrlPr>
+                        </m:fPr>
+                        <m:num>
+                          <m:d>
+                            <m:dPr>
+                              <m:ctrlPr>
+                                <a:rPr lang="de-DE" i="1">
+                                  <a:latin typeface="Cambria Math" charset="0"/>
+                                </a:rPr>
+                              </m:ctrlPr>
+                            </m:dPr>
+                            <m:e>
+                              <m:sSub>
+                                <m:sSubPr>
+                                  <m:ctrlPr>
+                                    <a:rPr lang="de-DE" i="1">
+                                      <a:latin typeface="Cambria Math" charset="0"/>
+                                    </a:rPr>
+                                  </m:ctrlPr>
+                                </m:sSubPr>
+                                <m:e>
+                                  <m:r>
+                                    <a:rPr lang="de-DE" i="1">
+                                      <a:latin typeface="Cambria Math" charset="0"/>
+                                    </a:rPr>
+                                    <m:t>𝑦</m:t>
+                                  </m:r>
+                                </m:e>
+                                <m:sub>
+                                  <m:r>
+                                    <a:rPr lang="de-DE" i="0">
+                                      <a:latin typeface="Cambria Math" charset="0"/>
+                                    </a:rPr>
+                                    <m:t>1</m:t>
+                                  </m:r>
+                                </m:sub>
+                              </m:sSub>
+                              <m:r>
+                                <a:rPr lang="de-DE" i="0">
+                                  <a:latin typeface="Cambria Math" charset="0"/>
+                                </a:rPr>
+                                <m:t>−</m:t>
+                              </m:r>
+                              <m:sSub>
+                                <m:sSubPr>
+                                  <m:ctrlPr>
+                                    <a:rPr lang="de-DE" i="1">
+                                      <a:latin typeface="Cambria Math" charset="0"/>
+                                    </a:rPr>
+                                  </m:ctrlPr>
+                                </m:sSubPr>
+                                <m:e>
+                                  <m:r>
+                                    <a:rPr lang="de-DE" i="1">
+                                      <a:latin typeface="Cambria Math" charset="0"/>
+                                    </a:rPr>
+                                    <m:t>𝑦</m:t>
+                                  </m:r>
+                                </m:e>
+                                <m:sub>
+                                  <m:r>
+                                    <a:rPr lang="de-DE" i="0">
+                                      <a:latin typeface="Cambria Math" charset="0"/>
+                                    </a:rPr>
+                                    <m:t>2</m:t>
+                                  </m:r>
+                                </m:sub>
+                              </m:sSub>
+                            </m:e>
+                          </m:d>
+                          <m:d>
+                            <m:dPr>
+                              <m:ctrlPr>
+                                <a:rPr lang="de-DE" i="1">
+                                  <a:latin typeface="Cambria Math" charset="0"/>
+                                </a:rPr>
+                              </m:ctrlPr>
+                            </m:dPr>
+                            <m:e>
+                              <m:sSub>
+                                <m:sSubPr>
+                                  <m:ctrlPr>
+                                    <a:rPr lang="de-DE" i="1">
+                                      <a:latin typeface="Cambria Math" charset="0"/>
+                                    </a:rPr>
+                                  </m:ctrlPr>
+                                </m:sSubPr>
+                                <m:e>
+                                  <m:r>
+                                    <a:rPr lang="de-DE" i="1">
+                                      <a:latin typeface="Cambria Math" charset="0"/>
+                                    </a:rPr>
+                                    <m:t>𝑥</m:t>
+                                  </m:r>
+                                </m:e>
+                                <m:sub>
+                                  <m:r>
+                                    <a:rPr lang="de-DE" i="0">
+                                      <a:latin typeface="Cambria Math" charset="0"/>
+                                    </a:rPr>
+                                    <m:t>4</m:t>
+                                  </m:r>
+                                </m:sub>
+                              </m:sSub>
+                              <m:sSub>
+                                <m:sSubPr>
+                                  <m:ctrlPr>
+                                    <a:rPr lang="de-DE" i="1">
+                                      <a:latin typeface="Cambria Math" charset="0"/>
+                                    </a:rPr>
+                                  </m:ctrlPr>
+                                </m:sSubPr>
+                                <m:e>
+                                  <m:r>
+                                    <a:rPr lang="de-DE" i="1">
+                                      <a:latin typeface="Cambria Math" charset="0"/>
+                                    </a:rPr>
+                                    <m:t>𝑦</m:t>
+                                  </m:r>
+                                </m:e>
+                                <m:sub>
+                                  <m:r>
+                                    <a:rPr lang="de-DE" i="0">
+                                      <a:latin typeface="Cambria Math" charset="0"/>
+                                    </a:rPr>
+                                    <m:t>3</m:t>
+                                  </m:r>
+                                </m:sub>
+                              </m:sSub>
+                              <m:r>
+                                <a:rPr lang="de-DE" i="0">
+                                  <a:latin typeface="Cambria Math" charset="0"/>
+                                </a:rPr>
+                                <m:t>−</m:t>
+                              </m:r>
+                              <m:sSub>
+                                <m:sSubPr>
+                                  <m:ctrlPr>
+                                    <a:rPr lang="de-DE" i="1">
+                                      <a:latin typeface="Cambria Math" charset="0"/>
+                                    </a:rPr>
+                                  </m:ctrlPr>
+                                </m:sSubPr>
+                                <m:e>
+                                  <m:r>
+                                    <a:rPr lang="de-DE" i="1">
+                                      <a:latin typeface="Cambria Math" charset="0"/>
+                                    </a:rPr>
+                                    <m:t>𝑥</m:t>
+                                  </m:r>
+                                </m:e>
+                                <m:sub>
+                                  <m:r>
+                                    <a:rPr lang="de-DE" i="0">
+                                      <a:latin typeface="Cambria Math" charset="0"/>
+                                    </a:rPr>
+                                    <m:t>3</m:t>
+                                  </m:r>
+                                </m:sub>
+                              </m:sSub>
+                              <m:sSub>
+                                <m:sSubPr>
+                                  <m:ctrlPr>
+                                    <a:rPr lang="de-DE" i="1">
+                                      <a:latin typeface="Cambria Math" charset="0"/>
+                                    </a:rPr>
+                                  </m:ctrlPr>
+                                </m:sSubPr>
+                                <m:e>
+                                  <m:r>
+                                    <a:rPr lang="de-DE" i="1">
+                                      <a:latin typeface="Cambria Math" charset="0"/>
+                                    </a:rPr>
+                                    <m:t>𝑦</m:t>
+                                  </m:r>
+                                </m:e>
+                                <m:sub>
+                                  <m:r>
+                                    <a:rPr lang="de-DE" i="0">
+                                      <a:latin typeface="Cambria Math" charset="0"/>
+                                    </a:rPr>
+                                    <m:t>4</m:t>
+                                  </m:r>
+                                </m:sub>
+                              </m:sSub>
+                            </m:e>
+                          </m:d>
+                          <m:r>
+                            <a:rPr lang="de-DE" i="0">
+                              <a:latin typeface="Cambria Math" charset="0"/>
+                            </a:rPr>
+                            <m:t>−</m:t>
+                          </m:r>
+                          <m:d>
+                            <m:dPr>
+                              <m:ctrlPr>
+                                <a:rPr lang="de-DE" i="1">
+                                  <a:latin typeface="Cambria Math" charset="0"/>
+                                </a:rPr>
+                              </m:ctrlPr>
+                            </m:dPr>
+                            <m:e>
+                              <m:sSub>
+                                <m:sSubPr>
+                                  <m:ctrlPr>
+                                    <a:rPr lang="de-DE" i="1">
+                                      <a:latin typeface="Cambria Math" charset="0"/>
+                                    </a:rPr>
+                                  </m:ctrlPr>
+                                </m:sSubPr>
+                                <m:e>
+                                  <m:r>
+                                    <a:rPr lang="de-DE" i="1">
+                                      <a:latin typeface="Cambria Math" charset="0"/>
+                                    </a:rPr>
+                                    <m:t>𝑦</m:t>
+                                  </m:r>
+                                </m:e>
+                                <m:sub>
+                                  <m:r>
+                                    <a:rPr lang="de-DE" i="0">
+                                      <a:latin typeface="Cambria Math" charset="0"/>
+                                    </a:rPr>
+                                    <m:t>3</m:t>
+                                  </m:r>
+                                </m:sub>
+                              </m:sSub>
+                              <m:r>
+                                <a:rPr lang="de-DE" i="0">
+                                  <a:latin typeface="Cambria Math" charset="0"/>
+                                </a:rPr>
+                                <m:t>−</m:t>
+                              </m:r>
+                              <m:sSub>
+                                <m:sSubPr>
+                                  <m:ctrlPr>
+                                    <a:rPr lang="de-DE" i="1">
+                                      <a:latin typeface="Cambria Math" charset="0"/>
+                                    </a:rPr>
+                                  </m:ctrlPr>
+                                </m:sSubPr>
+                                <m:e>
+                                  <m:r>
+                                    <a:rPr lang="de-DE" i="1">
+                                      <a:latin typeface="Cambria Math" charset="0"/>
+                                    </a:rPr>
+                                    <m:t>𝑦</m:t>
+                                  </m:r>
+                                </m:e>
+                                <m:sub>
+                                  <m:r>
+                                    <a:rPr lang="de-DE" i="0">
+                                      <a:latin typeface="Cambria Math" charset="0"/>
+                                    </a:rPr>
+                                    <m:t>4</m:t>
+                                  </m:r>
+                                </m:sub>
+                              </m:sSub>
+                            </m:e>
+                          </m:d>
+                          <m:d>
+                            <m:dPr>
+                              <m:ctrlPr>
+                                <a:rPr lang="de-DE" i="1">
+                                  <a:latin typeface="Cambria Math" charset="0"/>
+                                </a:rPr>
+                              </m:ctrlPr>
+                            </m:dPr>
+                            <m:e>
+                              <m:sSub>
+                                <m:sSubPr>
+                                  <m:ctrlPr>
+                                    <a:rPr lang="de-DE" i="1">
+                                      <a:latin typeface="Cambria Math" charset="0"/>
+                                    </a:rPr>
+                                  </m:ctrlPr>
+                                </m:sSubPr>
+                                <m:e>
+                                  <m:r>
+                                    <a:rPr lang="de-DE" i="1">
+                                      <a:latin typeface="Cambria Math" charset="0"/>
+                                    </a:rPr>
+                                    <m:t>𝑥</m:t>
+                                  </m:r>
+                                </m:e>
+                                <m:sub>
+                                  <m:r>
+                                    <a:rPr lang="de-DE" i="0">
+                                      <a:latin typeface="Cambria Math" charset="0"/>
+                                    </a:rPr>
+                                    <m:t>2</m:t>
+                                  </m:r>
+                                </m:sub>
+                              </m:sSub>
+                              <m:sSub>
+                                <m:sSubPr>
+                                  <m:ctrlPr>
+                                    <a:rPr lang="de-DE" i="1">
+                                      <a:latin typeface="Cambria Math" charset="0"/>
+                                    </a:rPr>
+                                  </m:ctrlPr>
+                                </m:sSubPr>
+                                <m:e>
+                                  <m:r>
+                                    <a:rPr lang="de-DE" i="1">
+                                      <a:latin typeface="Cambria Math" charset="0"/>
+                                    </a:rPr>
+                                    <m:t>𝑦</m:t>
+                                  </m:r>
+                                </m:e>
+                                <m:sub>
+                                  <m:r>
+                                    <a:rPr lang="de-DE" i="0">
+                                      <a:latin typeface="Cambria Math" charset="0"/>
+                                    </a:rPr>
+                                    <m:t>1</m:t>
+                                  </m:r>
+                                </m:sub>
+                              </m:sSub>
+                              <m:r>
+                                <a:rPr lang="de-DE" i="0">
+                                  <a:latin typeface="Cambria Math" charset="0"/>
+                                </a:rPr>
+                                <m:t>−</m:t>
+                              </m:r>
+                              <m:sSub>
+                                <m:sSubPr>
+                                  <m:ctrlPr>
+                                    <a:rPr lang="de-DE" i="1">
+                                      <a:latin typeface="Cambria Math" charset="0"/>
+                                    </a:rPr>
+                                  </m:ctrlPr>
+                                </m:sSubPr>
+                                <m:e>
+                                  <m:r>
+                                    <a:rPr lang="de-DE" i="1">
+                                      <a:latin typeface="Cambria Math" charset="0"/>
+                                    </a:rPr>
+                                    <m:t>𝑥</m:t>
+                                  </m:r>
+                                </m:e>
+                                <m:sub>
+                                  <m:r>
+                                    <a:rPr lang="de-DE" i="0">
+                                      <a:latin typeface="Cambria Math" charset="0"/>
+                                    </a:rPr>
+                                    <m:t>1</m:t>
+                                  </m:r>
+                                </m:sub>
+                              </m:sSub>
+                              <m:sSub>
+                                <m:sSubPr>
+                                  <m:ctrlPr>
+                                    <a:rPr lang="de-DE" i="1">
+                                      <a:latin typeface="Cambria Math" charset="0"/>
+                                    </a:rPr>
+                                  </m:ctrlPr>
+                                </m:sSubPr>
+                                <m:e>
+                                  <m:r>
+                                    <a:rPr lang="de-DE" i="1">
+                                      <a:latin typeface="Cambria Math" charset="0"/>
+                                    </a:rPr>
+                                    <m:t>𝑦</m:t>
+                                  </m:r>
+                                </m:e>
+                                <m:sub>
+                                  <m:r>
+                                    <a:rPr lang="de-DE" i="0">
+                                      <a:latin typeface="Cambria Math" charset="0"/>
+                                    </a:rPr>
+                                    <m:t>2</m:t>
+                                  </m:r>
+                                </m:sub>
+                              </m:sSub>
+                            </m:e>
+                          </m:d>
+                        </m:num>
+                        <m:den>
+                          <m:d>
+                            <m:dPr>
+                              <m:ctrlPr>
+                                <a:rPr lang="de-DE" i="1">
+                                  <a:latin typeface="Cambria Math" charset="0"/>
+                                </a:rPr>
+                              </m:ctrlPr>
+                            </m:dPr>
+                            <m:e>
+                              <m:sSub>
+                                <m:sSubPr>
+                                  <m:ctrlPr>
+                                    <a:rPr lang="de-DE" i="1">
+                                      <a:latin typeface="Cambria Math" charset="0"/>
+                                    </a:rPr>
+                                  </m:ctrlPr>
+                                </m:sSubPr>
+                                <m:e>
+                                  <m:r>
+                                    <a:rPr lang="de-DE" i="1">
+                                      <a:latin typeface="Cambria Math" charset="0"/>
+                                    </a:rPr>
+                                    <m:t>𝑦</m:t>
+                                  </m:r>
+                                </m:e>
+                                <m:sub>
+                                  <m:r>
+                                    <a:rPr lang="de-DE" i="0">
+                                      <a:latin typeface="Cambria Math" charset="0"/>
+                                    </a:rPr>
+                                    <m:t>4</m:t>
+                                  </m:r>
+                                </m:sub>
+                              </m:sSub>
+                              <m:r>
+                                <a:rPr lang="de-DE" i="0">
+                                  <a:latin typeface="Cambria Math" charset="0"/>
+                                </a:rPr>
+                                <m:t>−</m:t>
+                              </m:r>
+                              <m:sSub>
+                                <m:sSubPr>
+                                  <m:ctrlPr>
+                                    <a:rPr lang="de-DE" i="1">
+                                      <a:latin typeface="Cambria Math" charset="0"/>
+                                    </a:rPr>
+                                  </m:ctrlPr>
+                                </m:sSubPr>
+                                <m:e>
+                                  <m:r>
+                                    <a:rPr lang="de-DE" i="1">
+                                      <a:latin typeface="Cambria Math" charset="0"/>
+                                    </a:rPr>
+                                    <m:t>𝑦</m:t>
+                                  </m:r>
+                                </m:e>
+                                <m:sub>
+                                  <m:r>
+                                    <a:rPr lang="de-DE" i="0">
+                                      <a:latin typeface="Cambria Math" charset="0"/>
+                                    </a:rPr>
+                                    <m:t>3</m:t>
+                                  </m:r>
+                                </m:sub>
+                              </m:sSub>
+                            </m:e>
+                          </m:d>
+                          <m:d>
+                            <m:dPr>
+                              <m:ctrlPr>
+                                <a:rPr lang="de-DE" i="1">
+                                  <a:latin typeface="Cambria Math" charset="0"/>
+                                </a:rPr>
+                              </m:ctrlPr>
+                            </m:dPr>
+                            <m:e>
+                              <m:sSub>
+                                <m:sSubPr>
+                                  <m:ctrlPr>
+                                    <a:rPr lang="de-DE" i="1">
+                                      <a:latin typeface="Cambria Math" charset="0"/>
+                                    </a:rPr>
+                                  </m:ctrlPr>
+                                </m:sSubPr>
+                                <m:e>
+                                  <m:r>
+                                    <a:rPr lang="de-DE" i="1">
+                                      <a:latin typeface="Cambria Math" charset="0"/>
+                                    </a:rPr>
+                                    <m:t>𝑥</m:t>
+                                  </m:r>
+                                </m:e>
+                                <m:sub>
+                                  <m:r>
+                                    <a:rPr lang="de-DE" i="0">
+                                      <a:latin typeface="Cambria Math" charset="0"/>
+                                    </a:rPr>
+                                    <m:t>2</m:t>
+                                  </m:r>
+                                </m:sub>
+                              </m:sSub>
+                              <m:r>
+                                <a:rPr lang="de-DE" i="0">
+                                  <a:latin typeface="Cambria Math" charset="0"/>
+                                </a:rPr>
+                                <m:t>−</m:t>
+                              </m:r>
+                              <m:sSub>
+                                <m:sSubPr>
+                                  <m:ctrlPr>
+                                    <a:rPr lang="de-DE" i="1">
+                                      <a:latin typeface="Cambria Math" charset="0"/>
+                                    </a:rPr>
+                                  </m:ctrlPr>
+                                </m:sSubPr>
+                                <m:e>
+                                  <m:r>
+                                    <a:rPr lang="de-DE" i="1">
+                                      <a:latin typeface="Cambria Math" charset="0"/>
+                                    </a:rPr>
+                                    <m:t>𝑥</m:t>
+                                  </m:r>
+                                </m:e>
+                                <m:sub>
+                                  <m:r>
+                                    <a:rPr lang="de-DE" i="0">
+                                      <a:latin typeface="Cambria Math" charset="0"/>
+                                    </a:rPr>
+                                    <m:t>1</m:t>
+                                  </m:r>
+                                </m:sub>
+                              </m:sSub>
+                            </m:e>
+                          </m:d>
+                          <m:r>
+                            <a:rPr lang="de-DE" i="0">
+                              <a:latin typeface="Cambria Math" charset="0"/>
+                            </a:rPr>
+                            <m:t>−</m:t>
+                          </m:r>
+                          <m:d>
+                            <m:dPr>
+                              <m:ctrlPr>
+                                <a:rPr lang="de-DE" i="1">
+                                  <a:latin typeface="Cambria Math" charset="0"/>
+                                </a:rPr>
+                              </m:ctrlPr>
+                            </m:dPr>
+                            <m:e>
+                              <m:sSub>
+                                <m:sSubPr>
+                                  <m:ctrlPr>
+                                    <a:rPr lang="de-DE" i="1">
+                                      <a:latin typeface="Cambria Math" charset="0"/>
+                                    </a:rPr>
+                                  </m:ctrlPr>
+                                </m:sSubPr>
+                                <m:e>
+                                  <m:r>
+                                    <a:rPr lang="de-DE" i="1">
+                                      <a:latin typeface="Cambria Math" charset="0"/>
+                                    </a:rPr>
+                                    <m:t>𝑦</m:t>
+                                  </m:r>
+                                </m:e>
+                                <m:sub>
+                                  <m:r>
+                                    <a:rPr lang="de-DE" i="0">
+                                      <a:latin typeface="Cambria Math" charset="0"/>
+                                    </a:rPr>
+                                    <m:t>2</m:t>
+                                  </m:r>
+                                </m:sub>
+                              </m:sSub>
+                              <m:r>
+                                <a:rPr lang="de-DE" i="0">
+                                  <a:latin typeface="Cambria Math" charset="0"/>
+                                </a:rPr>
+                                <m:t>−</m:t>
+                              </m:r>
+                              <m:sSub>
+                                <m:sSubPr>
+                                  <m:ctrlPr>
+                                    <a:rPr lang="de-DE" i="1">
+                                      <a:latin typeface="Cambria Math" charset="0"/>
+                                    </a:rPr>
+                                  </m:ctrlPr>
+                                </m:sSubPr>
+                                <m:e>
+                                  <m:r>
+                                    <a:rPr lang="de-DE" i="1">
+                                      <a:latin typeface="Cambria Math" charset="0"/>
+                                    </a:rPr>
+                                    <m:t>𝑦</m:t>
+                                  </m:r>
+                                </m:e>
+                                <m:sub>
+                                  <m:r>
+                                    <a:rPr lang="de-DE" i="0">
+                                      <a:latin typeface="Cambria Math" charset="0"/>
+                                    </a:rPr>
+                                    <m:t>1</m:t>
+                                  </m:r>
+                                </m:sub>
+                              </m:sSub>
+                            </m:e>
+                          </m:d>
+                          <m:d>
+                            <m:dPr>
+                              <m:ctrlPr>
+                                <a:rPr lang="de-DE" i="1">
+                                  <a:latin typeface="Cambria Math" charset="0"/>
+                                </a:rPr>
+                              </m:ctrlPr>
+                            </m:dPr>
+                            <m:e>
+                              <m:sSub>
+                                <m:sSubPr>
+                                  <m:ctrlPr>
+                                    <a:rPr lang="de-DE" i="1">
+                                      <a:latin typeface="Cambria Math" charset="0"/>
+                                    </a:rPr>
+                                  </m:ctrlPr>
+                                </m:sSubPr>
+                                <m:e>
+                                  <m:r>
+                                    <a:rPr lang="de-DE" i="1">
+                                      <a:latin typeface="Cambria Math" charset="0"/>
+                                    </a:rPr>
+                                    <m:t>𝑥</m:t>
+                                  </m:r>
+                                </m:e>
+                                <m:sub>
+                                  <m:r>
+                                    <a:rPr lang="de-DE" i="0">
+                                      <a:latin typeface="Cambria Math" charset="0"/>
+                                    </a:rPr>
+                                    <m:t>4</m:t>
+                                  </m:r>
+                                </m:sub>
+                              </m:sSub>
+                              <m:r>
+                                <a:rPr lang="de-DE" i="0">
+                                  <a:latin typeface="Cambria Math" charset="0"/>
+                                </a:rPr>
+                                <m:t>−</m:t>
+                              </m:r>
+                              <m:sSub>
+                                <m:sSubPr>
+                                  <m:ctrlPr>
+                                    <a:rPr lang="de-DE" i="1">
+                                      <a:latin typeface="Cambria Math" charset="0"/>
+                                    </a:rPr>
+                                  </m:ctrlPr>
+                                </m:sSubPr>
+                                <m:e>
+                                  <m:r>
+                                    <a:rPr lang="de-DE" i="1">
+                                      <a:latin typeface="Cambria Math" charset="0"/>
+                                    </a:rPr>
+                                    <m:t>𝑥</m:t>
+                                  </m:r>
+                                </m:e>
+                                <m:sub>
+                                  <m:r>
+                                    <a:rPr lang="de-DE" i="0">
+                                      <a:latin typeface="Cambria Math" charset="0"/>
+                                    </a:rPr>
+                                    <m:t>3</m:t>
+                                  </m:r>
+                                </m:sub>
+                              </m:sSub>
+                            </m:e>
+                          </m:d>
+                        </m:den>
+                      </m:f>
+                    </m:oMath>
+                  </m:oMathPara>
+                </a14:m>
+                <a:endParaRPr lang="de-DE" dirty="0"/>
+              </a:p>
+            </p:txBody>
+          </p:sp>
+        </mc:Choice>
+        <mc:Fallback>
+          <p:sp>
+            <p:nvSpPr>
+              <p:cNvPr id="5" name="Rechteck 4"/>
+              <p:cNvSpPr>
+                <a:spLocks noRot="1" noChangeAspect="1" noMove="1" noResize="1" noEditPoints="1" noAdjustHandles="1" noChangeArrowheads="1" noChangeShapeType="1" noTextEdit="1"/>
+              </p:cNvSpPr>
+              <p:nvPr/>
+            </p:nvSpPr>
+            <p:spPr>
+              <a:xfrm>
+                <a:off x="838200" y="3434215"/>
+                <a:ext cx="5608137" cy="677173"/>
+              </a:xfrm>
+              <a:prstGeom prst="rect">
+                <a:avLst/>
+              </a:prstGeom>
+              <a:blipFill rotWithShape="0">
+                <a:blip r:embed="rId3"/>
+                <a:stretch>
+                  <a:fillRect/>
+                </a:stretch>
+              </a:blipFill>
+            </p:spPr>
+            <p:txBody>
+              <a:bodyPr/>
+              <a:lstStyle/>
+              <a:p>
+                <a:r>
+                  <a:rPr lang="de-DE">
+                    <a:noFill/>
+                  </a:rPr>
+                  <a:t> </a:t>
+                </a:r>
+              </a:p>
+            </p:txBody>
+          </p:sp>
+        </mc:Fallback>
+      </mc:AlternateContent>
+    </p:spTree>
+    <p:extLst>
+      <p:ext uri="{BB962C8B-B14F-4D97-AF65-F5344CB8AC3E}">
+        <p14:creationId xmlns:p14="http://schemas.microsoft.com/office/powerpoint/2010/main" val="2114916754"/>
+      </p:ext>
+    </p:extLst>
+  </p:cSld>
+  <p:clrMapOvr>
+    <a:masterClrMapping/>
+  </p:clrMapOvr>
+  <p:timing>
+    <p:tnLst>
+      <p:par>
+        <p:cTn id="1" dur="indefinite" restart="never" nodeType="tmRoot"/>
+      </p:par>
+    </p:tnLst>
+  </p:timing>
+</p:sld>
+</file>
+
+<file path=ppt/slides/slide23.xml><?xml version="1.0" encoding="utf-8"?>
+<p:sld xmlns:a="http://schemas.openxmlformats.org/drawingml/2006/main" xmlns:r="http://schemas.openxmlformats.org/officeDocument/2006/relationships" xmlns:p="http://schemas.openxmlformats.org/presentationml/2006/main">
+  <p:cSld>
+    <p:spTree>
+      <p:nvGrpSpPr>
+        <p:cNvPr id="1" name=""/>
+        <p:cNvGrpSpPr/>
+        <p:nvPr/>
+      </p:nvGrpSpPr>
+      <p:grpSpPr>
+        <a:xfrm>
+          <a:off x="0" y="0"/>
+          <a:ext cx="0" cy="0"/>
+          <a:chOff x="0" y="0"/>
+          <a:chExt cx="0" cy="0"/>
+        </a:xfrm>
+      </p:grpSpPr>
+      <p:sp>
+        <p:nvSpPr>
+          <p:cNvPr id="2" name="Titel 1"/>
+          <p:cNvSpPr>
+            <a:spLocks noGrp="1"/>
+          </p:cNvSpPr>
+          <p:nvPr>
+            <p:ph type="title"/>
+          </p:nvPr>
+        </p:nvSpPr>
+        <p:spPr/>
+        <p:txBody>
+          <a:bodyPr/>
+          <a:lstStyle/>
+          <a:p>
+            <a:r>
+              <a:rPr lang="de-DE" dirty="0" smtClean="0"/>
+              <a:t>Dreiecke / Lösungsidee</a:t>
+            </a:r>
+            <a:endParaRPr lang="de-DE" dirty="0"/>
+          </a:p>
+        </p:txBody>
+      </p:sp>
+      <p:sp>
+        <p:nvSpPr>
+          <p:cNvPr id="3" name="Inhaltsplatzhalter 2"/>
+          <p:cNvSpPr>
+            <a:spLocks noGrp="1"/>
+          </p:cNvSpPr>
+          <p:nvPr>
+            <p:ph idx="1"/>
+          </p:nvPr>
+        </p:nvSpPr>
+        <p:spPr>
+          <a:xfrm>
+            <a:off x="838200" y="1825625"/>
+            <a:ext cx="10515600" cy="466471"/>
+          </a:xfrm>
+        </p:spPr>
+        <p:txBody>
+          <a:bodyPr>
+            <a:normAutofit lnSpcReduction="10000"/>
+          </a:bodyPr>
+          <a:lstStyle/>
+          <a:p>
+            <a:r>
+              <a:rPr lang="de-DE" dirty="0" smtClean="0"/>
+              <a:t>Dreiecke im </a:t>
+            </a:r>
+            <a:r>
+              <a:rPr lang="de-DE" smtClean="0"/>
+              <a:t>Graphen suchen</a:t>
+            </a:r>
+            <a:endParaRPr lang="de-DE"/>
+          </a:p>
+        </p:txBody>
+      </p:sp>
+      <p:pic>
+        <p:nvPicPr>
+          <p:cNvPr id="4" name="Bild 3" descr="../Desktop/screenshots/Bildschirmfoto%202017-11-01%20um%2012.50.14.png"/>
+          <p:cNvPicPr/>
+          <p:nvPr/>
+        </p:nvPicPr>
+        <p:blipFill rotWithShape="1">
+          <a:blip r:embed="rId2" cstate="print">
+            <a:extLst>
+              <a:ext uri="{28A0092B-C50C-407E-A947-70E740481C1C}">
+                <a14:useLocalDpi xmlns:a14="http://schemas.microsoft.com/office/drawing/2010/main" val="0"/>
+              </a:ext>
+            </a:extLst>
+          </a:blip>
+          <a:srcRect l="1266" t="2975" r="4498" b="3947"/>
+          <a:stretch/>
+        </p:blipFill>
+        <p:spPr bwMode="auto">
+          <a:xfrm>
+            <a:off x="3423087" y="2427033"/>
+            <a:ext cx="5345826" cy="3929632"/>
+          </a:xfrm>
+          <a:prstGeom prst="rect">
+            <a:avLst/>
+          </a:prstGeom>
+          <a:noFill/>
+          <a:ln>
+            <a:noFill/>
+          </a:ln>
+          <a:extLst>
+            <a:ext uri="{53640926-AAD7-44D8-BBD7-CCE9431645EC}">
+              <a14:shadowObscured xmlns:a14="http://schemas.microsoft.com/office/drawing/2010/main"/>
+            </a:ext>
+          </a:extLst>
+        </p:spPr>
+      </p:pic>
+    </p:spTree>
+    <p:extLst>
+      <p:ext uri="{BB962C8B-B14F-4D97-AF65-F5344CB8AC3E}">
+        <p14:creationId xmlns:p14="http://schemas.microsoft.com/office/powerpoint/2010/main" val="1847449291"/>
+      </p:ext>
+    </p:extLst>
+  </p:cSld>
+  <p:clrMapOvr>
+    <a:masterClrMapping/>
+  </p:clrMapOvr>
+  <p:timing>
+    <p:tnLst>
+      <p:par>
+        <p:cTn id="1" dur="indefinite" restart="never" nodeType="tmRoot"/>
+      </p:par>
+    </p:tnLst>
+  </p:timing>
+</p:sld>
+</file>
+
+<file path=ppt/slides/slide24.xml><?xml version="1.0" encoding="utf-8"?>
+<p:sld xmlns:a="http://schemas.openxmlformats.org/drawingml/2006/main" xmlns:r="http://schemas.openxmlformats.org/officeDocument/2006/relationships" xmlns:p="http://schemas.openxmlformats.org/presentationml/2006/main">
+  <p:cSld>
+    <p:spTree>
+      <p:nvGrpSpPr>
+        <p:cNvPr id="1" name=""/>
+        <p:cNvGrpSpPr/>
+        <p:nvPr/>
+      </p:nvGrpSpPr>
+      <p:grpSpPr>
+        <a:xfrm>
+          <a:off x="0" y="0"/>
+          <a:ext cx="0" cy="0"/>
+          <a:chOff x="0" y="0"/>
+          <a:chExt cx="0" cy="0"/>
+        </a:xfrm>
+      </p:grpSpPr>
+      <p:sp>
+        <p:nvSpPr>
+          <p:cNvPr id="2" name="Titel 1"/>
+          <p:cNvSpPr>
+            <a:spLocks noGrp="1"/>
+          </p:cNvSpPr>
+          <p:nvPr>
+            <p:ph type="title"/>
+          </p:nvPr>
+        </p:nvSpPr>
+        <p:spPr/>
+        <p:txBody>
+          <a:bodyPr/>
+          <a:lstStyle/>
+          <a:p>
+            <a:r>
+              <a:rPr lang="de-DE" dirty="0" smtClean="0"/>
+              <a:t>Dreiecke / Beispiel</a:t>
+            </a:r>
+            <a:endParaRPr lang="de-DE" dirty="0"/>
+          </a:p>
+        </p:txBody>
+      </p:sp>
+    </p:spTree>
+    <p:extLst>
+      <p:ext uri="{BB962C8B-B14F-4D97-AF65-F5344CB8AC3E}">
+        <p14:creationId xmlns:p14="http://schemas.microsoft.com/office/powerpoint/2010/main" val="1369394193"/>
+      </p:ext>
+    </p:extLst>
+  </p:cSld>
+  <p:clrMapOvr>
+    <a:masterClrMapping/>
+  </p:clrMapOvr>
+  <p:timing>
+    <p:tnLst>
+      <p:par>
+        <p:cTn id="1" dur="indefinite" restart="never" nodeType="tmRoot"/>
+      </p:par>
+    </p:tnLst>
+  </p:timing>
+</p:sld>
+</file>
+
+<file path=ppt/slides/slide25.xml><?xml version="1.0" encoding="utf-8"?>
+<p:sld xmlns:a="http://schemas.openxmlformats.org/drawingml/2006/main" xmlns:r="http://schemas.openxmlformats.org/officeDocument/2006/relationships" xmlns:p="http://schemas.openxmlformats.org/presentationml/2006/main">
+  <p:cSld>
+    <p:spTree>
+      <p:nvGrpSpPr>
+        <p:cNvPr id="1" name=""/>
+        <p:cNvGrpSpPr/>
+        <p:nvPr/>
+      </p:nvGrpSpPr>
+      <p:grpSpPr>
+        <a:xfrm>
+          <a:off x="0" y="0"/>
+          <a:ext cx="0" cy="0"/>
+          <a:chOff x="0" y="0"/>
+          <a:chExt cx="0" cy="0"/>
+        </a:xfrm>
+      </p:grpSpPr>
+      <p:sp>
+        <p:nvSpPr>
+          <p:cNvPr id="2" name="Titel 1"/>
+          <p:cNvSpPr>
+            <a:spLocks noGrp="1"/>
+          </p:cNvSpPr>
+          <p:nvPr>
+            <p:ph type="title"/>
+          </p:nvPr>
+        </p:nvSpPr>
+        <p:spPr/>
+        <p:txBody>
+          <a:bodyPr/>
+          <a:lstStyle/>
+          <a:p>
+            <a:r>
+              <a:rPr lang="de-DE" dirty="0" smtClean="0"/>
+              <a:t>Bauernopfer / Aufgabe</a:t>
             </a:r>
             <a:endParaRPr lang="de-DE" dirty="0"/>
           </a:p>
@@ -18722,6 +20449,50 @@
           <a:bodyPr/>
           <a:lstStyle/>
           <a:p>
+            <a:pPr marL="514350" marR="0" lvl="0" indent="-514350" defTabSz="914400" eaLnBrk="1" fontAlgn="auto" latinLnBrk="0" hangingPunct="1">
+              <a:lnSpc>
+                <a:spcPct val="100000"/>
+              </a:lnSpc>
+              <a:spcBef>
+                <a:spcPts val="0"/>
+              </a:spcBef>
+              <a:spcAft>
+                <a:spcPts val="0"/>
+              </a:spcAft>
+              <a:buClrTx/>
+              <a:buSzTx/>
+              <a:buFontTx/>
+              <a:buAutoNum type="arabicPeriod"/>
+              <a:tabLst/>
+              <a:defRPr/>
+            </a:pPr>
+            <a:r>
+              <a:rPr lang="de-DE" dirty="0" smtClean="0"/>
+              <a:t>Simuliere Spiel (8 Bauern gegen 1 Turm)</a:t>
+            </a:r>
+          </a:p>
+          <a:p>
+            <a:pPr marL="514350" marR="0" lvl="0" indent="-514350" defTabSz="914400" eaLnBrk="1" fontAlgn="auto" latinLnBrk="0" hangingPunct="1">
+              <a:lnSpc>
+                <a:spcPct val="100000"/>
+              </a:lnSpc>
+              <a:spcBef>
+                <a:spcPts val="0"/>
+              </a:spcBef>
+              <a:spcAft>
+                <a:spcPts val="0"/>
+              </a:spcAft>
+              <a:buClrTx/>
+              <a:buSzTx/>
+              <a:buFontTx/>
+              <a:buAutoNum type="arabicPeriod"/>
+              <a:tabLst/>
+              <a:defRPr/>
+            </a:pPr>
+            <a:r>
+              <a:rPr lang="de-DE" dirty="0" smtClean="0"/>
+              <a:t>Simuliere Spiel (7 Bauern gegen 1 Turm)</a:t>
+            </a:r>
             <a:endParaRPr lang="de-DE" dirty="0"/>
           </a:p>
         </p:txBody>
@@ -18729,7 +20500,1502 @@
     </p:spTree>
     <p:extLst>
       <p:ext uri="{BB962C8B-B14F-4D97-AF65-F5344CB8AC3E}">
-        <p14:creationId xmlns:p14="http://schemas.microsoft.com/office/powerpoint/2010/main" val="1961021219"/>
+        <p14:creationId xmlns:p14="http://schemas.microsoft.com/office/powerpoint/2010/main" val="367878258"/>
+      </p:ext>
+    </p:extLst>
+  </p:cSld>
+  <p:clrMapOvr>
+    <a:masterClrMapping/>
+  </p:clrMapOvr>
+  <p:timing>
+    <p:tnLst>
+      <p:par>
+        <p:cTn id="1" dur="indefinite" restart="never" nodeType="tmRoot"/>
+      </p:par>
+    </p:tnLst>
+  </p:timing>
+</p:sld>
+</file>
+
+<file path=ppt/slides/slide26.xml><?xml version="1.0" encoding="utf-8"?>
+<p:sld xmlns:a="http://schemas.openxmlformats.org/drawingml/2006/main" xmlns:r="http://schemas.openxmlformats.org/officeDocument/2006/relationships" xmlns:p="http://schemas.openxmlformats.org/presentationml/2006/main">
+  <p:cSld>
+    <p:spTree>
+      <p:nvGrpSpPr>
+        <p:cNvPr id="1" name=""/>
+        <p:cNvGrpSpPr/>
+        <p:nvPr/>
+      </p:nvGrpSpPr>
+      <p:grpSpPr>
+        <a:xfrm>
+          <a:off x="0" y="0"/>
+          <a:ext cx="0" cy="0"/>
+          <a:chOff x="0" y="0"/>
+          <a:chExt cx="0" cy="0"/>
+        </a:xfrm>
+      </p:grpSpPr>
+      <p:sp>
+        <p:nvSpPr>
+          <p:cNvPr id="2" name="Titel 1"/>
+          <p:cNvSpPr>
+            <a:spLocks noGrp="1"/>
+          </p:cNvSpPr>
+          <p:nvPr>
+            <p:ph type="title"/>
+          </p:nvPr>
+        </p:nvSpPr>
+        <p:spPr/>
+        <p:txBody>
+          <a:bodyPr/>
+          <a:lstStyle/>
+          <a:p>
+            <a:r>
+              <a:rPr lang="de-DE" dirty="0" smtClean="0"/>
+              <a:t>Bauernopfer / Lösungsidee</a:t>
+            </a:r>
+            <a:endParaRPr lang="de-DE" dirty="0"/>
+          </a:p>
+        </p:txBody>
+      </p:sp>
+      <p:sp>
+        <p:nvSpPr>
+          <p:cNvPr id="4" name="Rechteck 3"/>
+          <p:cNvSpPr/>
+          <p:nvPr/>
+        </p:nvSpPr>
+        <p:spPr>
+          <a:xfrm>
+            <a:off x="7970520" y="2197299"/>
+            <a:ext cx="3383280" cy="3416320"/>
+          </a:xfrm>
+          <a:prstGeom prst="rect">
+            <a:avLst/>
+          </a:prstGeom>
+        </p:spPr>
+        <p:txBody>
+          <a:bodyPr wrap="square">
+            <a:spAutoFit/>
+          </a:bodyPr>
+          <a:lstStyle/>
+          <a:p>
+            <a:pPr>
+              <a:spcAft>
+                <a:spcPts val="0"/>
+              </a:spcAft>
+            </a:pPr>
+            <a:r>
+              <a:rPr lang="de-DE" sz="2400" dirty="0">
+                <a:solidFill>
+                  <a:srgbClr val="0D0D0D"/>
+                </a:solidFill>
+                <a:latin typeface="Menlo" charset="0"/>
+                <a:ea typeface="Menlo" charset="0"/>
+                <a:cs typeface="Menlo" charset="0"/>
+              </a:rPr>
+              <a:t>8 . . . . . . . ♜ </a:t>
+            </a:r>
+            <a:endParaRPr lang="de-DE" sz="2400" dirty="0">
+              <a:latin typeface="Menlo" charset="0"/>
+              <a:ea typeface="Menlo" charset="0"/>
+              <a:cs typeface="Menlo" charset="0"/>
+            </a:endParaRPr>
+          </a:p>
+          <a:p>
+            <a:pPr>
+              <a:spcAft>
+                <a:spcPts val="0"/>
+              </a:spcAft>
+            </a:pPr>
+            <a:r>
+              <a:rPr lang="de-DE" sz="2400" dirty="0">
+                <a:solidFill>
+                  <a:srgbClr val="0D0D0D"/>
+                </a:solidFill>
+                <a:latin typeface="Menlo" charset="0"/>
+                <a:ea typeface="Menlo" charset="0"/>
+                <a:cs typeface="Menlo" charset="0"/>
+              </a:rPr>
+              <a:t>7 . . . . . . . . </a:t>
+            </a:r>
+            <a:endParaRPr lang="de-DE" sz="2400" dirty="0">
+              <a:latin typeface="Menlo" charset="0"/>
+              <a:ea typeface="Menlo" charset="0"/>
+              <a:cs typeface="Menlo" charset="0"/>
+            </a:endParaRPr>
+          </a:p>
+          <a:p>
+            <a:pPr>
+              <a:spcAft>
+                <a:spcPts val="0"/>
+              </a:spcAft>
+            </a:pPr>
+            <a:r>
+              <a:rPr lang="de-DE" sz="2400" dirty="0">
+                <a:solidFill>
+                  <a:srgbClr val="0D0D0D"/>
+                </a:solidFill>
+                <a:latin typeface="Menlo" charset="0"/>
+                <a:ea typeface="Menlo" charset="0"/>
+                <a:cs typeface="Menlo" charset="0"/>
+              </a:rPr>
+              <a:t>6 . . . . . . . . </a:t>
+            </a:r>
+            <a:endParaRPr lang="de-DE" sz="2400" dirty="0">
+              <a:latin typeface="Menlo" charset="0"/>
+              <a:ea typeface="Menlo" charset="0"/>
+              <a:cs typeface="Menlo" charset="0"/>
+            </a:endParaRPr>
+          </a:p>
+          <a:p>
+            <a:pPr>
+              <a:spcAft>
+                <a:spcPts val="0"/>
+              </a:spcAft>
+            </a:pPr>
+            <a:r>
+              <a:rPr lang="de-DE" sz="2400" dirty="0">
+                <a:solidFill>
+                  <a:srgbClr val="0D0D0D"/>
+                </a:solidFill>
+                <a:latin typeface="Menlo" charset="0"/>
+                <a:ea typeface="Menlo" charset="0"/>
+                <a:cs typeface="Menlo" charset="0"/>
+              </a:rPr>
+              <a:t>5 . . . . . . . . </a:t>
+            </a:r>
+            <a:endParaRPr lang="de-DE" sz="2400" dirty="0">
+              <a:latin typeface="Menlo" charset="0"/>
+              <a:ea typeface="Menlo" charset="0"/>
+              <a:cs typeface="Menlo" charset="0"/>
+            </a:endParaRPr>
+          </a:p>
+          <a:p>
+            <a:pPr>
+              <a:spcAft>
+                <a:spcPts val="0"/>
+              </a:spcAft>
+            </a:pPr>
+            <a:r>
+              <a:rPr lang="de-DE" sz="2400" dirty="0">
+                <a:solidFill>
+                  <a:srgbClr val="0D0D0D"/>
+                </a:solidFill>
+                <a:latin typeface="Menlo" charset="0"/>
+                <a:ea typeface="Menlo" charset="0"/>
+                <a:cs typeface="Menlo" charset="0"/>
+              </a:rPr>
+              <a:t>4 ♙ ♙ ♙ ♙ ♙ ♙ ♙ ♙ </a:t>
+            </a:r>
+            <a:endParaRPr lang="de-DE" sz="2400" dirty="0">
+              <a:latin typeface="Menlo" charset="0"/>
+              <a:ea typeface="Menlo" charset="0"/>
+              <a:cs typeface="Menlo" charset="0"/>
+            </a:endParaRPr>
+          </a:p>
+          <a:p>
+            <a:pPr>
+              <a:spcAft>
+                <a:spcPts val="0"/>
+              </a:spcAft>
+            </a:pPr>
+            <a:r>
+              <a:rPr lang="de-DE" sz="2400" dirty="0">
+                <a:solidFill>
+                  <a:srgbClr val="0D0D0D"/>
+                </a:solidFill>
+                <a:latin typeface="Menlo" charset="0"/>
+                <a:ea typeface="Menlo" charset="0"/>
+                <a:cs typeface="Menlo" charset="0"/>
+              </a:rPr>
+              <a:t>3 . . . . . . . . </a:t>
+            </a:r>
+            <a:endParaRPr lang="de-DE" sz="2400" dirty="0">
+              <a:latin typeface="Menlo" charset="0"/>
+              <a:ea typeface="Menlo" charset="0"/>
+              <a:cs typeface="Menlo" charset="0"/>
+            </a:endParaRPr>
+          </a:p>
+          <a:p>
+            <a:pPr>
+              <a:spcAft>
+                <a:spcPts val="0"/>
+              </a:spcAft>
+            </a:pPr>
+            <a:r>
+              <a:rPr lang="de-DE" sz="2400" dirty="0">
+                <a:solidFill>
+                  <a:srgbClr val="0D0D0D"/>
+                </a:solidFill>
+                <a:latin typeface="Menlo" charset="0"/>
+                <a:ea typeface="Menlo" charset="0"/>
+                <a:cs typeface="Menlo" charset="0"/>
+              </a:rPr>
+              <a:t>2 . . . . . . . . </a:t>
+            </a:r>
+            <a:endParaRPr lang="de-DE" sz="2400" dirty="0">
+              <a:latin typeface="Menlo" charset="0"/>
+              <a:ea typeface="Menlo" charset="0"/>
+              <a:cs typeface="Menlo" charset="0"/>
+            </a:endParaRPr>
+          </a:p>
+          <a:p>
+            <a:pPr>
+              <a:spcAft>
+                <a:spcPts val="0"/>
+              </a:spcAft>
+            </a:pPr>
+            <a:r>
+              <a:rPr lang="de-DE" sz="2400" dirty="0">
+                <a:solidFill>
+                  <a:srgbClr val="0D0D0D"/>
+                </a:solidFill>
+                <a:latin typeface="Menlo" charset="0"/>
+                <a:ea typeface="Menlo" charset="0"/>
+                <a:cs typeface="Menlo" charset="0"/>
+              </a:rPr>
+              <a:t>1 . . . . . . . . </a:t>
+            </a:r>
+            <a:endParaRPr lang="de-DE" sz="2400" dirty="0">
+              <a:latin typeface="Menlo" charset="0"/>
+              <a:ea typeface="Menlo" charset="0"/>
+              <a:cs typeface="Menlo" charset="0"/>
+            </a:endParaRPr>
+          </a:p>
+          <a:p>
+            <a:pPr>
+              <a:spcAft>
+                <a:spcPts val="0"/>
+              </a:spcAft>
+            </a:pPr>
+            <a:r>
+              <a:rPr lang="de-DE" sz="2400" dirty="0">
+                <a:solidFill>
+                  <a:srgbClr val="0D0D0D"/>
+                </a:solidFill>
+                <a:latin typeface="Menlo" charset="0"/>
+                <a:ea typeface="Menlo" charset="0"/>
+                <a:cs typeface="Menlo" charset="0"/>
+              </a:rPr>
+              <a:t>  A B C D E F G H</a:t>
+            </a:r>
+            <a:endParaRPr lang="de-DE" sz="2400" dirty="0">
+              <a:effectLst/>
+              <a:latin typeface="Menlo" charset="0"/>
+              <a:ea typeface="Menlo" charset="0"/>
+              <a:cs typeface="Menlo" charset="0"/>
+            </a:endParaRPr>
+          </a:p>
+        </p:txBody>
+      </p:sp>
+      <p:sp>
+        <p:nvSpPr>
+          <p:cNvPr id="5" name="Textfeld 4"/>
+          <p:cNvSpPr txBox="1"/>
+          <p:nvPr/>
+        </p:nvSpPr>
+        <p:spPr>
+          <a:xfrm>
+            <a:off x="838200" y="2197299"/>
+            <a:ext cx="6355080" cy="369332"/>
+          </a:xfrm>
+          <a:prstGeom prst="rect">
+            <a:avLst/>
+          </a:prstGeom>
+          <a:noFill/>
+        </p:spPr>
+        <p:txBody>
+          <a:bodyPr wrap="square" rtlCol="0">
+            <a:spAutoFit/>
+          </a:bodyPr>
+          <a:lstStyle/>
+          <a:p>
+            <a:r>
+              <a:rPr lang="de-DE" dirty="0" smtClean="0"/>
+              <a:t>Bester Zug für Bauern:</a:t>
+            </a:r>
+          </a:p>
+        </p:txBody>
+      </p:sp>
+    </p:spTree>
+    <p:extLst>
+      <p:ext uri="{BB962C8B-B14F-4D97-AF65-F5344CB8AC3E}">
+        <p14:creationId xmlns:p14="http://schemas.microsoft.com/office/powerpoint/2010/main" val="1536913683"/>
+      </p:ext>
+    </p:extLst>
+  </p:cSld>
+  <p:clrMapOvr>
+    <a:masterClrMapping/>
+  </p:clrMapOvr>
+  <p:timing>
+    <p:tnLst>
+      <p:par>
+        <p:cTn id="1" dur="indefinite" restart="never" nodeType="tmRoot"/>
+      </p:par>
+    </p:tnLst>
+  </p:timing>
+</p:sld>
+</file>
+
+<file path=ppt/slides/slide27.xml><?xml version="1.0" encoding="utf-8"?>
+<p:sld xmlns:a="http://schemas.openxmlformats.org/drawingml/2006/main" xmlns:r="http://schemas.openxmlformats.org/officeDocument/2006/relationships" xmlns:p="http://schemas.openxmlformats.org/presentationml/2006/main">
+  <p:cSld>
+    <p:spTree>
+      <p:nvGrpSpPr>
+        <p:cNvPr id="1" name=""/>
+        <p:cNvGrpSpPr/>
+        <p:nvPr/>
+      </p:nvGrpSpPr>
+      <p:grpSpPr>
+        <a:xfrm>
+          <a:off x="0" y="0"/>
+          <a:ext cx="0" cy="0"/>
+          <a:chOff x="0" y="0"/>
+          <a:chExt cx="0" cy="0"/>
+        </a:xfrm>
+      </p:grpSpPr>
+      <p:sp>
+        <p:nvSpPr>
+          <p:cNvPr id="5" name="Titel 1"/>
+          <p:cNvSpPr>
+            <a:spLocks noGrp="1"/>
+          </p:cNvSpPr>
+          <p:nvPr>
+            <p:ph type="title"/>
+          </p:nvPr>
+        </p:nvSpPr>
+        <p:spPr>
+          <a:xfrm>
+            <a:off x="838200" y="365125"/>
+            <a:ext cx="10515600" cy="1325563"/>
+          </a:xfrm>
+        </p:spPr>
+        <p:txBody>
+          <a:bodyPr/>
+          <a:lstStyle/>
+          <a:p>
+            <a:r>
+              <a:rPr lang="de-DE" dirty="0" smtClean="0"/>
+              <a:t>Bauernopfer / Lösungsidee</a:t>
+            </a:r>
+            <a:endParaRPr lang="de-DE" dirty="0"/>
+          </a:p>
+        </p:txBody>
+      </p:sp>
+      <p:sp>
+        <p:nvSpPr>
+          <p:cNvPr id="6" name="Rechteck 5"/>
+          <p:cNvSpPr/>
+          <p:nvPr/>
+        </p:nvSpPr>
+        <p:spPr>
+          <a:xfrm>
+            <a:off x="7970520" y="2197299"/>
+            <a:ext cx="3383280" cy="3416320"/>
+          </a:xfrm>
+          <a:prstGeom prst="rect">
+            <a:avLst/>
+          </a:prstGeom>
+        </p:spPr>
+        <p:txBody>
+          <a:bodyPr wrap="square">
+            <a:spAutoFit/>
+          </a:bodyPr>
+          <a:lstStyle/>
+          <a:p>
+            <a:pPr>
+              <a:spcAft>
+                <a:spcPts val="0"/>
+              </a:spcAft>
+            </a:pPr>
+            <a:r>
+              <a:rPr lang="de-DE" sz="2400" dirty="0">
+                <a:solidFill>
+                  <a:srgbClr val="0D0D0D"/>
+                </a:solidFill>
+                <a:latin typeface="Menlo" charset="0"/>
+                <a:ea typeface="Menlo" charset="0"/>
+                <a:cs typeface="Menlo" charset="0"/>
+              </a:rPr>
+              <a:t>8 . . . . . . . ♜ </a:t>
+            </a:r>
+            <a:endParaRPr lang="de-DE" sz="2400" dirty="0">
+              <a:latin typeface="Menlo" charset="0"/>
+              <a:ea typeface="Menlo" charset="0"/>
+              <a:cs typeface="Menlo" charset="0"/>
+            </a:endParaRPr>
+          </a:p>
+          <a:p>
+            <a:pPr>
+              <a:spcAft>
+                <a:spcPts val="0"/>
+              </a:spcAft>
+            </a:pPr>
+            <a:r>
+              <a:rPr lang="de-DE" sz="2400" dirty="0">
+                <a:solidFill>
+                  <a:srgbClr val="0D0D0D"/>
+                </a:solidFill>
+                <a:latin typeface="Menlo" charset="0"/>
+                <a:ea typeface="Menlo" charset="0"/>
+                <a:cs typeface="Menlo" charset="0"/>
+              </a:rPr>
+              <a:t>7 . . . . . . . . </a:t>
+            </a:r>
+            <a:endParaRPr lang="de-DE" sz="2400" dirty="0">
+              <a:latin typeface="Menlo" charset="0"/>
+              <a:ea typeface="Menlo" charset="0"/>
+              <a:cs typeface="Menlo" charset="0"/>
+            </a:endParaRPr>
+          </a:p>
+          <a:p>
+            <a:pPr>
+              <a:spcAft>
+                <a:spcPts val="0"/>
+              </a:spcAft>
+            </a:pPr>
+            <a:r>
+              <a:rPr lang="de-DE" sz="2400" dirty="0">
+                <a:solidFill>
+                  <a:srgbClr val="0D0D0D"/>
+                </a:solidFill>
+                <a:latin typeface="Menlo" charset="0"/>
+                <a:ea typeface="Menlo" charset="0"/>
+                <a:cs typeface="Menlo" charset="0"/>
+              </a:rPr>
+              <a:t>6 . . . . . . . . </a:t>
+            </a:r>
+            <a:endParaRPr lang="de-DE" sz="2400" dirty="0">
+              <a:latin typeface="Menlo" charset="0"/>
+              <a:ea typeface="Menlo" charset="0"/>
+              <a:cs typeface="Menlo" charset="0"/>
+            </a:endParaRPr>
+          </a:p>
+          <a:p>
+            <a:pPr>
+              <a:spcAft>
+                <a:spcPts val="0"/>
+              </a:spcAft>
+            </a:pPr>
+            <a:r>
+              <a:rPr lang="de-DE" sz="2400" dirty="0">
+                <a:solidFill>
+                  <a:srgbClr val="0D0D0D"/>
+                </a:solidFill>
+                <a:latin typeface="Menlo" charset="0"/>
+                <a:ea typeface="Menlo" charset="0"/>
+                <a:cs typeface="Menlo" charset="0"/>
+              </a:rPr>
+              <a:t>5 . . . . . . . ♙</a:t>
+            </a:r>
+            <a:r>
+              <a:rPr lang="de-DE" sz="2400" dirty="0" smtClean="0">
+                <a:solidFill>
+                  <a:srgbClr val="0D0D0D"/>
+                </a:solidFill>
+                <a:latin typeface="Menlo" charset="0"/>
+                <a:ea typeface="Menlo" charset="0"/>
+                <a:cs typeface="Menlo" charset="0"/>
+              </a:rPr>
+              <a:t> </a:t>
+            </a:r>
+            <a:endParaRPr lang="de-DE" sz="2400" dirty="0">
+              <a:latin typeface="Menlo" charset="0"/>
+              <a:ea typeface="Menlo" charset="0"/>
+              <a:cs typeface="Menlo" charset="0"/>
+            </a:endParaRPr>
+          </a:p>
+          <a:p>
+            <a:pPr>
+              <a:spcAft>
+                <a:spcPts val="0"/>
+              </a:spcAft>
+            </a:pPr>
+            <a:r>
+              <a:rPr lang="de-DE" sz="2400" dirty="0">
+                <a:solidFill>
+                  <a:srgbClr val="0D0D0D"/>
+                </a:solidFill>
+                <a:latin typeface="Menlo" charset="0"/>
+                <a:ea typeface="Menlo" charset="0"/>
+                <a:cs typeface="Menlo" charset="0"/>
+              </a:rPr>
+              <a:t>4 ♙ ♙ ♙ ♙ ♙ ♙ </a:t>
+            </a:r>
+            <a:r>
+              <a:rPr lang="de-DE" sz="2400" dirty="0" smtClean="0">
+                <a:solidFill>
+                  <a:srgbClr val="0D0D0D"/>
+                </a:solidFill>
+                <a:latin typeface="Menlo" charset="0"/>
+                <a:ea typeface="Menlo" charset="0"/>
+                <a:cs typeface="Menlo" charset="0"/>
+              </a:rPr>
+              <a:t>♙ .</a:t>
+            </a:r>
+            <a:endParaRPr lang="de-DE" sz="2400" dirty="0">
+              <a:latin typeface="Menlo" charset="0"/>
+              <a:ea typeface="Menlo" charset="0"/>
+              <a:cs typeface="Menlo" charset="0"/>
+            </a:endParaRPr>
+          </a:p>
+          <a:p>
+            <a:pPr>
+              <a:spcAft>
+                <a:spcPts val="0"/>
+              </a:spcAft>
+            </a:pPr>
+            <a:r>
+              <a:rPr lang="de-DE" sz="2400" dirty="0">
+                <a:solidFill>
+                  <a:srgbClr val="0D0D0D"/>
+                </a:solidFill>
+                <a:latin typeface="Menlo" charset="0"/>
+                <a:ea typeface="Menlo" charset="0"/>
+                <a:cs typeface="Menlo" charset="0"/>
+              </a:rPr>
+              <a:t>3 . . . . . . . . </a:t>
+            </a:r>
+            <a:endParaRPr lang="de-DE" sz="2400" dirty="0">
+              <a:latin typeface="Menlo" charset="0"/>
+              <a:ea typeface="Menlo" charset="0"/>
+              <a:cs typeface="Menlo" charset="0"/>
+            </a:endParaRPr>
+          </a:p>
+          <a:p>
+            <a:pPr>
+              <a:spcAft>
+                <a:spcPts val="0"/>
+              </a:spcAft>
+            </a:pPr>
+            <a:r>
+              <a:rPr lang="de-DE" sz="2400" dirty="0">
+                <a:solidFill>
+                  <a:srgbClr val="0D0D0D"/>
+                </a:solidFill>
+                <a:latin typeface="Menlo" charset="0"/>
+                <a:ea typeface="Menlo" charset="0"/>
+                <a:cs typeface="Menlo" charset="0"/>
+              </a:rPr>
+              <a:t>2 . . . . . . . . </a:t>
+            </a:r>
+            <a:endParaRPr lang="de-DE" sz="2400" dirty="0">
+              <a:latin typeface="Menlo" charset="0"/>
+              <a:ea typeface="Menlo" charset="0"/>
+              <a:cs typeface="Menlo" charset="0"/>
+            </a:endParaRPr>
+          </a:p>
+          <a:p>
+            <a:pPr>
+              <a:spcAft>
+                <a:spcPts val="0"/>
+              </a:spcAft>
+            </a:pPr>
+            <a:r>
+              <a:rPr lang="de-DE" sz="2400" dirty="0">
+                <a:solidFill>
+                  <a:srgbClr val="0D0D0D"/>
+                </a:solidFill>
+                <a:latin typeface="Menlo" charset="0"/>
+                <a:ea typeface="Menlo" charset="0"/>
+                <a:cs typeface="Menlo" charset="0"/>
+              </a:rPr>
+              <a:t>1 . . . . . . . . </a:t>
+            </a:r>
+            <a:endParaRPr lang="de-DE" sz="2400" dirty="0">
+              <a:latin typeface="Menlo" charset="0"/>
+              <a:ea typeface="Menlo" charset="0"/>
+              <a:cs typeface="Menlo" charset="0"/>
+            </a:endParaRPr>
+          </a:p>
+          <a:p>
+            <a:pPr>
+              <a:spcAft>
+                <a:spcPts val="0"/>
+              </a:spcAft>
+            </a:pPr>
+            <a:r>
+              <a:rPr lang="de-DE" sz="2400" dirty="0">
+                <a:solidFill>
+                  <a:srgbClr val="0D0D0D"/>
+                </a:solidFill>
+                <a:latin typeface="Menlo" charset="0"/>
+                <a:ea typeface="Menlo" charset="0"/>
+                <a:cs typeface="Menlo" charset="0"/>
+              </a:rPr>
+              <a:t>  A B C D E F G H</a:t>
+            </a:r>
+            <a:endParaRPr lang="de-DE" sz="2400" dirty="0">
+              <a:effectLst/>
+              <a:latin typeface="Menlo" charset="0"/>
+              <a:ea typeface="Menlo" charset="0"/>
+              <a:cs typeface="Menlo" charset="0"/>
+            </a:endParaRPr>
+          </a:p>
+        </p:txBody>
+      </p:sp>
+      <p:sp>
+        <p:nvSpPr>
+          <p:cNvPr id="7" name="Textfeld 6"/>
+          <p:cNvSpPr txBox="1"/>
+          <p:nvPr/>
+        </p:nvSpPr>
+        <p:spPr>
+          <a:xfrm>
+            <a:off x="838200" y="2197299"/>
+            <a:ext cx="6355080" cy="369332"/>
+          </a:xfrm>
+          <a:prstGeom prst="rect">
+            <a:avLst/>
+          </a:prstGeom>
+          <a:noFill/>
+        </p:spPr>
+        <p:txBody>
+          <a:bodyPr wrap="square" rtlCol="0">
+            <a:spAutoFit/>
+          </a:bodyPr>
+          <a:lstStyle/>
+          <a:p>
+            <a:r>
+              <a:rPr lang="de-DE" dirty="0" smtClean="0"/>
+              <a:t>Bester Zug für Bauern:</a:t>
+            </a:r>
+          </a:p>
+        </p:txBody>
+      </p:sp>
+      <p:sp>
+        <p:nvSpPr>
+          <p:cNvPr id="8" name="Rechteck 7"/>
+          <p:cNvSpPr/>
+          <p:nvPr/>
+        </p:nvSpPr>
+        <p:spPr>
+          <a:xfrm>
+            <a:off x="838200" y="2566631"/>
+            <a:ext cx="6548438" cy="923330"/>
+          </a:xfrm>
+          <a:prstGeom prst="rect">
+            <a:avLst/>
+          </a:prstGeom>
+        </p:spPr>
+        <p:txBody>
+          <a:bodyPr wrap="square">
+            <a:spAutoFit/>
+          </a:bodyPr>
+          <a:lstStyle/>
+          <a:p>
+            <a:r>
+              <a:rPr lang="de-DE" dirty="0"/>
+              <a:t>H4 </a:t>
+            </a:r>
+            <a:r>
+              <a:rPr lang="mr-IN" dirty="0"/>
+              <a:t>–</a:t>
+            </a:r>
+            <a:r>
+              <a:rPr lang="de-DE" dirty="0"/>
+              <a:t> H5 </a:t>
+            </a:r>
+          </a:p>
+          <a:p>
+            <a:r>
+              <a:rPr lang="de-DE" dirty="0"/>
+              <a:t>-&gt; Zugmöglichkeiten für Turm werden am stärksten </a:t>
+            </a:r>
+            <a:r>
+              <a:rPr lang="de-DE" dirty="0" smtClean="0"/>
+              <a:t>eingeschränkt</a:t>
+            </a:r>
+          </a:p>
+          <a:p>
+            <a:r>
+              <a:rPr lang="de-DE" dirty="0" smtClean="0"/>
+              <a:t>-&gt; Turm kann Bauern-Reihe nicht durchschreiten</a:t>
+            </a:r>
+            <a:endParaRPr lang="de-DE" dirty="0"/>
+          </a:p>
+        </p:txBody>
+      </p:sp>
+    </p:spTree>
+    <p:extLst>
+      <p:ext uri="{BB962C8B-B14F-4D97-AF65-F5344CB8AC3E}">
+        <p14:creationId xmlns:p14="http://schemas.microsoft.com/office/powerpoint/2010/main" val="721921969"/>
+      </p:ext>
+    </p:extLst>
+  </p:cSld>
+  <p:clrMapOvr>
+    <a:masterClrMapping/>
+  </p:clrMapOvr>
+  <p:timing>
+    <p:tnLst>
+      <p:par>
+        <p:cTn id="1" dur="indefinite" restart="never" nodeType="tmRoot"/>
+      </p:par>
+    </p:tnLst>
+  </p:timing>
+</p:sld>
+</file>
+
+<file path=ppt/slides/slide28.xml><?xml version="1.0" encoding="utf-8"?>
+<p:sld xmlns:a="http://schemas.openxmlformats.org/drawingml/2006/main" xmlns:r="http://schemas.openxmlformats.org/officeDocument/2006/relationships" xmlns:p="http://schemas.openxmlformats.org/presentationml/2006/main">
+  <p:cSld>
+    <p:spTree>
+      <p:nvGrpSpPr>
+        <p:cNvPr id="1" name=""/>
+        <p:cNvGrpSpPr/>
+        <p:nvPr/>
+      </p:nvGrpSpPr>
+      <p:grpSpPr>
+        <a:xfrm>
+          <a:off x="0" y="0"/>
+          <a:ext cx="0" cy="0"/>
+          <a:chOff x="0" y="0"/>
+          <a:chExt cx="0" cy="0"/>
+        </a:xfrm>
+      </p:grpSpPr>
+      <p:sp>
+        <p:nvSpPr>
+          <p:cNvPr id="4" name="Titel 1"/>
+          <p:cNvSpPr>
+            <a:spLocks noGrp="1"/>
+          </p:cNvSpPr>
+          <p:nvPr>
+            <p:ph type="title"/>
+          </p:nvPr>
+        </p:nvSpPr>
+        <p:spPr>
+          <a:xfrm>
+            <a:off x="838200" y="365125"/>
+            <a:ext cx="10515600" cy="1325563"/>
+          </a:xfrm>
+        </p:spPr>
+        <p:txBody>
+          <a:bodyPr/>
+          <a:lstStyle/>
+          <a:p>
+            <a:r>
+              <a:rPr lang="de-DE" dirty="0" smtClean="0"/>
+              <a:t>Bauernopfer / Lösungsidee</a:t>
+            </a:r>
+            <a:endParaRPr lang="de-DE" dirty="0"/>
+          </a:p>
+        </p:txBody>
+      </p:sp>
+      <p:sp>
+        <p:nvSpPr>
+          <p:cNvPr id="5" name="Rechteck 4"/>
+          <p:cNvSpPr/>
+          <p:nvPr/>
+        </p:nvSpPr>
+        <p:spPr>
+          <a:xfrm>
+            <a:off x="7970520" y="2197299"/>
+            <a:ext cx="3383280" cy="3416320"/>
+          </a:xfrm>
+          <a:prstGeom prst="rect">
+            <a:avLst/>
+          </a:prstGeom>
+        </p:spPr>
+        <p:txBody>
+          <a:bodyPr wrap="square">
+            <a:spAutoFit/>
+          </a:bodyPr>
+          <a:lstStyle/>
+          <a:p>
+            <a:pPr>
+              <a:spcAft>
+                <a:spcPts val="0"/>
+              </a:spcAft>
+            </a:pPr>
+            <a:r>
+              <a:rPr lang="de-DE" sz="2400" dirty="0">
+                <a:solidFill>
+                  <a:srgbClr val="0D0D0D"/>
+                </a:solidFill>
+                <a:latin typeface="Menlo" charset="0"/>
+                <a:ea typeface="Menlo" charset="0"/>
+                <a:cs typeface="Menlo" charset="0"/>
+              </a:rPr>
+              <a:t>8 . . . . . . . ♜ </a:t>
+            </a:r>
+            <a:endParaRPr lang="de-DE" sz="2400" dirty="0">
+              <a:latin typeface="Menlo" charset="0"/>
+              <a:ea typeface="Menlo" charset="0"/>
+              <a:cs typeface="Menlo" charset="0"/>
+            </a:endParaRPr>
+          </a:p>
+          <a:p>
+            <a:pPr>
+              <a:spcAft>
+                <a:spcPts val="0"/>
+              </a:spcAft>
+            </a:pPr>
+            <a:r>
+              <a:rPr lang="de-DE" sz="2400" dirty="0">
+                <a:solidFill>
+                  <a:srgbClr val="0D0D0D"/>
+                </a:solidFill>
+                <a:latin typeface="Menlo" charset="0"/>
+                <a:ea typeface="Menlo" charset="0"/>
+                <a:cs typeface="Menlo" charset="0"/>
+              </a:rPr>
+              <a:t>7 . . . . . . . . </a:t>
+            </a:r>
+            <a:endParaRPr lang="de-DE" sz="2400" dirty="0">
+              <a:latin typeface="Menlo" charset="0"/>
+              <a:ea typeface="Menlo" charset="0"/>
+              <a:cs typeface="Menlo" charset="0"/>
+            </a:endParaRPr>
+          </a:p>
+          <a:p>
+            <a:pPr>
+              <a:spcAft>
+                <a:spcPts val="0"/>
+              </a:spcAft>
+            </a:pPr>
+            <a:r>
+              <a:rPr lang="de-DE" sz="2400" dirty="0">
+                <a:solidFill>
+                  <a:srgbClr val="0D0D0D"/>
+                </a:solidFill>
+                <a:latin typeface="Menlo" charset="0"/>
+                <a:ea typeface="Menlo" charset="0"/>
+                <a:cs typeface="Menlo" charset="0"/>
+              </a:rPr>
+              <a:t>6 . . . . . . . . </a:t>
+            </a:r>
+            <a:endParaRPr lang="de-DE" sz="2400" dirty="0">
+              <a:latin typeface="Menlo" charset="0"/>
+              <a:ea typeface="Menlo" charset="0"/>
+              <a:cs typeface="Menlo" charset="0"/>
+            </a:endParaRPr>
+          </a:p>
+          <a:p>
+            <a:pPr>
+              <a:spcAft>
+                <a:spcPts val="0"/>
+              </a:spcAft>
+            </a:pPr>
+            <a:r>
+              <a:rPr lang="de-DE" sz="2400" dirty="0">
+                <a:solidFill>
+                  <a:srgbClr val="0D0D0D"/>
+                </a:solidFill>
+                <a:latin typeface="Menlo" charset="0"/>
+                <a:ea typeface="Menlo" charset="0"/>
+                <a:cs typeface="Menlo" charset="0"/>
+              </a:rPr>
+              <a:t>5 . . . . . . . ♙</a:t>
+            </a:r>
+            <a:r>
+              <a:rPr lang="de-DE" sz="2400" dirty="0" smtClean="0">
+                <a:solidFill>
+                  <a:srgbClr val="0D0D0D"/>
+                </a:solidFill>
+                <a:latin typeface="Menlo" charset="0"/>
+                <a:ea typeface="Menlo" charset="0"/>
+                <a:cs typeface="Menlo" charset="0"/>
+              </a:rPr>
+              <a:t> </a:t>
+            </a:r>
+            <a:endParaRPr lang="de-DE" sz="2400" dirty="0">
+              <a:latin typeface="Menlo" charset="0"/>
+              <a:ea typeface="Menlo" charset="0"/>
+              <a:cs typeface="Menlo" charset="0"/>
+            </a:endParaRPr>
+          </a:p>
+          <a:p>
+            <a:pPr>
+              <a:spcAft>
+                <a:spcPts val="0"/>
+              </a:spcAft>
+            </a:pPr>
+            <a:r>
+              <a:rPr lang="de-DE" sz="2400" dirty="0">
+                <a:solidFill>
+                  <a:srgbClr val="0D0D0D"/>
+                </a:solidFill>
+                <a:latin typeface="Menlo" charset="0"/>
+                <a:ea typeface="Menlo" charset="0"/>
+                <a:cs typeface="Menlo" charset="0"/>
+              </a:rPr>
+              <a:t>4 ♙ ♙ ♙ ♙ ♙ ♙ </a:t>
+            </a:r>
+            <a:r>
+              <a:rPr lang="de-DE" sz="2400" dirty="0" smtClean="0">
+                <a:solidFill>
+                  <a:srgbClr val="0D0D0D"/>
+                </a:solidFill>
+                <a:latin typeface="Menlo" charset="0"/>
+                <a:ea typeface="Menlo" charset="0"/>
+                <a:cs typeface="Menlo" charset="0"/>
+              </a:rPr>
+              <a:t>♙ .</a:t>
+            </a:r>
+            <a:endParaRPr lang="de-DE" sz="2400" dirty="0">
+              <a:latin typeface="Menlo" charset="0"/>
+              <a:ea typeface="Menlo" charset="0"/>
+              <a:cs typeface="Menlo" charset="0"/>
+            </a:endParaRPr>
+          </a:p>
+          <a:p>
+            <a:pPr>
+              <a:spcAft>
+                <a:spcPts val="0"/>
+              </a:spcAft>
+            </a:pPr>
+            <a:r>
+              <a:rPr lang="de-DE" sz="2400" dirty="0">
+                <a:solidFill>
+                  <a:srgbClr val="0D0D0D"/>
+                </a:solidFill>
+                <a:latin typeface="Menlo" charset="0"/>
+                <a:ea typeface="Menlo" charset="0"/>
+                <a:cs typeface="Menlo" charset="0"/>
+              </a:rPr>
+              <a:t>3 . . . . . . . . </a:t>
+            </a:r>
+            <a:endParaRPr lang="de-DE" sz="2400" dirty="0">
+              <a:latin typeface="Menlo" charset="0"/>
+              <a:ea typeface="Menlo" charset="0"/>
+              <a:cs typeface="Menlo" charset="0"/>
+            </a:endParaRPr>
+          </a:p>
+          <a:p>
+            <a:pPr>
+              <a:spcAft>
+                <a:spcPts val="0"/>
+              </a:spcAft>
+            </a:pPr>
+            <a:r>
+              <a:rPr lang="de-DE" sz="2400" dirty="0">
+                <a:solidFill>
+                  <a:srgbClr val="0D0D0D"/>
+                </a:solidFill>
+                <a:latin typeface="Menlo" charset="0"/>
+                <a:ea typeface="Menlo" charset="0"/>
+                <a:cs typeface="Menlo" charset="0"/>
+              </a:rPr>
+              <a:t>2 . . . . . . . . </a:t>
+            </a:r>
+            <a:endParaRPr lang="de-DE" sz="2400" dirty="0">
+              <a:latin typeface="Menlo" charset="0"/>
+              <a:ea typeface="Menlo" charset="0"/>
+              <a:cs typeface="Menlo" charset="0"/>
+            </a:endParaRPr>
+          </a:p>
+          <a:p>
+            <a:pPr>
+              <a:spcAft>
+                <a:spcPts val="0"/>
+              </a:spcAft>
+            </a:pPr>
+            <a:r>
+              <a:rPr lang="de-DE" sz="2400" dirty="0">
+                <a:solidFill>
+                  <a:srgbClr val="0D0D0D"/>
+                </a:solidFill>
+                <a:latin typeface="Menlo" charset="0"/>
+                <a:ea typeface="Menlo" charset="0"/>
+                <a:cs typeface="Menlo" charset="0"/>
+              </a:rPr>
+              <a:t>1 . . . . . . . . </a:t>
+            </a:r>
+            <a:endParaRPr lang="de-DE" sz="2400" dirty="0">
+              <a:latin typeface="Menlo" charset="0"/>
+              <a:ea typeface="Menlo" charset="0"/>
+              <a:cs typeface="Menlo" charset="0"/>
+            </a:endParaRPr>
+          </a:p>
+          <a:p>
+            <a:pPr>
+              <a:spcAft>
+                <a:spcPts val="0"/>
+              </a:spcAft>
+            </a:pPr>
+            <a:r>
+              <a:rPr lang="de-DE" sz="2400" dirty="0">
+                <a:solidFill>
+                  <a:srgbClr val="0D0D0D"/>
+                </a:solidFill>
+                <a:latin typeface="Menlo" charset="0"/>
+                <a:ea typeface="Menlo" charset="0"/>
+                <a:cs typeface="Menlo" charset="0"/>
+              </a:rPr>
+              <a:t>  A B C D E F G H</a:t>
+            </a:r>
+            <a:endParaRPr lang="de-DE" sz="2400" dirty="0">
+              <a:effectLst/>
+              <a:latin typeface="Menlo" charset="0"/>
+              <a:ea typeface="Menlo" charset="0"/>
+              <a:cs typeface="Menlo" charset="0"/>
+            </a:endParaRPr>
+          </a:p>
+        </p:txBody>
+      </p:sp>
+      <p:sp>
+        <p:nvSpPr>
+          <p:cNvPr id="6" name="Textfeld 5"/>
+          <p:cNvSpPr txBox="1"/>
+          <p:nvPr/>
+        </p:nvSpPr>
+        <p:spPr>
+          <a:xfrm>
+            <a:off x="838200" y="2197299"/>
+            <a:ext cx="6355080" cy="369332"/>
+          </a:xfrm>
+          <a:prstGeom prst="rect">
+            <a:avLst/>
+          </a:prstGeom>
+          <a:noFill/>
+        </p:spPr>
+        <p:txBody>
+          <a:bodyPr wrap="square" rtlCol="0">
+            <a:spAutoFit/>
+          </a:bodyPr>
+          <a:lstStyle/>
+          <a:p>
+            <a:r>
+              <a:rPr lang="de-DE" dirty="0" smtClean="0"/>
+              <a:t>Bester Zug für Turm:</a:t>
+            </a:r>
+          </a:p>
+        </p:txBody>
+      </p:sp>
+    </p:spTree>
+    <p:extLst>
+      <p:ext uri="{BB962C8B-B14F-4D97-AF65-F5344CB8AC3E}">
+        <p14:creationId xmlns:p14="http://schemas.microsoft.com/office/powerpoint/2010/main" val="370064534"/>
+      </p:ext>
+    </p:extLst>
+  </p:cSld>
+  <p:clrMapOvr>
+    <a:masterClrMapping/>
+  </p:clrMapOvr>
+  <p:timing>
+    <p:tnLst>
+      <p:par>
+        <p:cTn id="1" dur="indefinite" restart="never" nodeType="tmRoot"/>
+      </p:par>
+    </p:tnLst>
+  </p:timing>
+</p:sld>
+</file>
+
+<file path=ppt/slides/slide29.xml><?xml version="1.0" encoding="utf-8"?>
+<p:sld xmlns:a="http://schemas.openxmlformats.org/drawingml/2006/main" xmlns:r="http://schemas.openxmlformats.org/officeDocument/2006/relationships" xmlns:p="http://schemas.openxmlformats.org/presentationml/2006/main">
+  <p:cSld>
+    <p:spTree>
+      <p:nvGrpSpPr>
+        <p:cNvPr id="1" name=""/>
+        <p:cNvGrpSpPr/>
+        <p:nvPr/>
+      </p:nvGrpSpPr>
+      <p:grpSpPr>
+        <a:xfrm>
+          <a:off x="0" y="0"/>
+          <a:ext cx="0" cy="0"/>
+          <a:chOff x="0" y="0"/>
+          <a:chExt cx="0" cy="0"/>
+        </a:xfrm>
+      </p:grpSpPr>
+      <p:sp>
+        <p:nvSpPr>
+          <p:cNvPr id="4" name="Titel 1"/>
+          <p:cNvSpPr>
+            <a:spLocks noGrp="1"/>
+          </p:cNvSpPr>
+          <p:nvPr>
+            <p:ph type="title"/>
+          </p:nvPr>
+        </p:nvSpPr>
+        <p:spPr>
+          <a:xfrm>
+            <a:off x="838200" y="365125"/>
+            <a:ext cx="10515600" cy="1325563"/>
+          </a:xfrm>
+        </p:spPr>
+        <p:txBody>
+          <a:bodyPr/>
+          <a:lstStyle/>
+          <a:p>
+            <a:r>
+              <a:rPr lang="de-DE" dirty="0" smtClean="0"/>
+              <a:t>Bauernopfer / Lösungsidee</a:t>
+            </a:r>
+            <a:endParaRPr lang="de-DE" dirty="0"/>
+          </a:p>
+        </p:txBody>
+      </p:sp>
+      <p:sp>
+        <p:nvSpPr>
+          <p:cNvPr id="5" name="Rechteck 4"/>
+          <p:cNvSpPr/>
+          <p:nvPr/>
+        </p:nvSpPr>
+        <p:spPr>
+          <a:xfrm>
+            <a:off x="7970520" y="2197299"/>
+            <a:ext cx="3383280" cy="3416320"/>
+          </a:xfrm>
+          <a:prstGeom prst="rect">
+            <a:avLst/>
+          </a:prstGeom>
+        </p:spPr>
+        <p:txBody>
+          <a:bodyPr wrap="square">
+            <a:spAutoFit/>
+          </a:bodyPr>
+          <a:lstStyle/>
+          <a:p>
+            <a:pPr>
+              <a:spcAft>
+                <a:spcPts val="0"/>
+              </a:spcAft>
+            </a:pPr>
+            <a:r>
+              <a:rPr lang="de-DE" sz="2400" dirty="0">
+                <a:solidFill>
+                  <a:srgbClr val="0D0D0D"/>
+                </a:solidFill>
+                <a:latin typeface="Menlo" charset="0"/>
+                <a:ea typeface="Menlo" charset="0"/>
+                <a:cs typeface="Menlo" charset="0"/>
+              </a:rPr>
+              <a:t>8 ♜</a:t>
+            </a:r>
+            <a:r>
+              <a:rPr lang="de-DE" sz="2400" dirty="0" smtClean="0">
+                <a:solidFill>
+                  <a:srgbClr val="0D0D0D"/>
+                </a:solidFill>
+                <a:latin typeface="Menlo" charset="0"/>
+                <a:ea typeface="Menlo" charset="0"/>
+                <a:cs typeface="Menlo" charset="0"/>
+              </a:rPr>
+              <a:t> </a:t>
+            </a:r>
+            <a:r>
+              <a:rPr lang="de-DE" sz="2400" dirty="0">
+                <a:solidFill>
+                  <a:srgbClr val="0D0D0D"/>
+                </a:solidFill>
+                <a:latin typeface="Menlo" charset="0"/>
+                <a:ea typeface="Menlo" charset="0"/>
+                <a:cs typeface="Menlo" charset="0"/>
+              </a:rPr>
+              <a:t>. . . . . . </a:t>
+            </a:r>
+            <a:r>
+              <a:rPr lang="de-DE" sz="2400" dirty="0" smtClean="0">
+                <a:solidFill>
+                  <a:srgbClr val="0D0D0D"/>
+                </a:solidFill>
+                <a:latin typeface="Menlo" charset="0"/>
+                <a:ea typeface="Menlo" charset="0"/>
+                <a:cs typeface="Menlo" charset="0"/>
+              </a:rPr>
+              <a:t>.</a:t>
+            </a:r>
+            <a:endParaRPr lang="de-DE" sz="2400" dirty="0">
+              <a:latin typeface="Menlo" charset="0"/>
+              <a:ea typeface="Menlo" charset="0"/>
+              <a:cs typeface="Menlo" charset="0"/>
+            </a:endParaRPr>
+          </a:p>
+          <a:p>
+            <a:pPr>
+              <a:spcAft>
+                <a:spcPts val="0"/>
+              </a:spcAft>
+            </a:pPr>
+            <a:r>
+              <a:rPr lang="de-DE" sz="2400" dirty="0">
+                <a:solidFill>
+                  <a:srgbClr val="0D0D0D"/>
+                </a:solidFill>
+                <a:latin typeface="Menlo" charset="0"/>
+                <a:ea typeface="Menlo" charset="0"/>
+                <a:cs typeface="Menlo" charset="0"/>
+              </a:rPr>
+              <a:t>7 . . . . . . . . </a:t>
+            </a:r>
+            <a:endParaRPr lang="de-DE" sz="2400" dirty="0">
+              <a:latin typeface="Menlo" charset="0"/>
+              <a:ea typeface="Menlo" charset="0"/>
+              <a:cs typeface="Menlo" charset="0"/>
+            </a:endParaRPr>
+          </a:p>
+          <a:p>
+            <a:pPr>
+              <a:spcAft>
+                <a:spcPts val="0"/>
+              </a:spcAft>
+            </a:pPr>
+            <a:r>
+              <a:rPr lang="de-DE" sz="2400" dirty="0">
+                <a:solidFill>
+                  <a:srgbClr val="0D0D0D"/>
+                </a:solidFill>
+                <a:latin typeface="Menlo" charset="0"/>
+                <a:ea typeface="Menlo" charset="0"/>
+                <a:cs typeface="Menlo" charset="0"/>
+              </a:rPr>
+              <a:t>6 . . . . . . . . </a:t>
+            </a:r>
+            <a:endParaRPr lang="de-DE" sz="2400" dirty="0">
+              <a:latin typeface="Menlo" charset="0"/>
+              <a:ea typeface="Menlo" charset="0"/>
+              <a:cs typeface="Menlo" charset="0"/>
+            </a:endParaRPr>
+          </a:p>
+          <a:p>
+            <a:pPr>
+              <a:spcAft>
+                <a:spcPts val="0"/>
+              </a:spcAft>
+            </a:pPr>
+            <a:r>
+              <a:rPr lang="de-DE" sz="2400" dirty="0">
+                <a:solidFill>
+                  <a:srgbClr val="0D0D0D"/>
+                </a:solidFill>
+                <a:latin typeface="Menlo" charset="0"/>
+                <a:ea typeface="Menlo" charset="0"/>
+                <a:cs typeface="Menlo" charset="0"/>
+              </a:rPr>
+              <a:t>5 . . . . . . . ♙</a:t>
+            </a:r>
+            <a:r>
+              <a:rPr lang="de-DE" sz="2400" dirty="0" smtClean="0">
+                <a:solidFill>
+                  <a:srgbClr val="0D0D0D"/>
+                </a:solidFill>
+                <a:latin typeface="Menlo" charset="0"/>
+                <a:ea typeface="Menlo" charset="0"/>
+                <a:cs typeface="Menlo" charset="0"/>
+              </a:rPr>
+              <a:t> </a:t>
+            </a:r>
+            <a:endParaRPr lang="de-DE" sz="2400" dirty="0">
+              <a:latin typeface="Menlo" charset="0"/>
+              <a:ea typeface="Menlo" charset="0"/>
+              <a:cs typeface="Menlo" charset="0"/>
+            </a:endParaRPr>
+          </a:p>
+          <a:p>
+            <a:pPr>
+              <a:spcAft>
+                <a:spcPts val="0"/>
+              </a:spcAft>
+            </a:pPr>
+            <a:r>
+              <a:rPr lang="de-DE" sz="2400" dirty="0">
+                <a:solidFill>
+                  <a:srgbClr val="0D0D0D"/>
+                </a:solidFill>
+                <a:latin typeface="Menlo" charset="0"/>
+                <a:ea typeface="Menlo" charset="0"/>
+                <a:cs typeface="Menlo" charset="0"/>
+              </a:rPr>
+              <a:t>4 ♙ ♙ ♙ ♙ ♙ ♙ </a:t>
+            </a:r>
+            <a:r>
+              <a:rPr lang="de-DE" sz="2400" dirty="0" smtClean="0">
+                <a:solidFill>
+                  <a:srgbClr val="0D0D0D"/>
+                </a:solidFill>
+                <a:latin typeface="Menlo" charset="0"/>
+                <a:ea typeface="Menlo" charset="0"/>
+                <a:cs typeface="Menlo" charset="0"/>
+              </a:rPr>
+              <a:t>♙ .</a:t>
+            </a:r>
+            <a:endParaRPr lang="de-DE" sz="2400" dirty="0">
+              <a:latin typeface="Menlo" charset="0"/>
+              <a:ea typeface="Menlo" charset="0"/>
+              <a:cs typeface="Menlo" charset="0"/>
+            </a:endParaRPr>
+          </a:p>
+          <a:p>
+            <a:pPr>
+              <a:spcAft>
+                <a:spcPts val="0"/>
+              </a:spcAft>
+            </a:pPr>
+            <a:r>
+              <a:rPr lang="de-DE" sz="2400" dirty="0">
+                <a:solidFill>
+                  <a:srgbClr val="0D0D0D"/>
+                </a:solidFill>
+                <a:latin typeface="Menlo" charset="0"/>
+                <a:ea typeface="Menlo" charset="0"/>
+                <a:cs typeface="Menlo" charset="0"/>
+              </a:rPr>
+              <a:t>3 . . . . . . . . </a:t>
+            </a:r>
+            <a:endParaRPr lang="de-DE" sz="2400" dirty="0">
+              <a:latin typeface="Menlo" charset="0"/>
+              <a:ea typeface="Menlo" charset="0"/>
+              <a:cs typeface="Menlo" charset="0"/>
+            </a:endParaRPr>
+          </a:p>
+          <a:p>
+            <a:pPr>
+              <a:spcAft>
+                <a:spcPts val="0"/>
+              </a:spcAft>
+            </a:pPr>
+            <a:r>
+              <a:rPr lang="de-DE" sz="2400" dirty="0">
+                <a:solidFill>
+                  <a:srgbClr val="0D0D0D"/>
+                </a:solidFill>
+                <a:latin typeface="Menlo" charset="0"/>
+                <a:ea typeface="Menlo" charset="0"/>
+                <a:cs typeface="Menlo" charset="0"/>
+              </a:rPr>
+              <a:t>2 . . . . . . . . </a:t>
+            </a:r>
+            <a:endParaRPr lang="de-DE" sz="2400" dirty="0">
+              <a:latin typeface="Menlo" charset="0"/>
+              <a:ea typeface="Menlo" charset="0"/>
+              <a:cs typeface="Menlo" charset="0"/>
+            </a:endParaRPr>
+          </a:p>
+          <a:p>
+            <a:pPr>
+              <a:spcAft>
+                <a:spcPts val="0"/>
+              </a:spcAft>
+            </a:pPr>
+            <a:r>
+              <a:rPr lang="de-DE" sz="2400" dirty="0">
+                <a:solidFill>
+                  <a:srgbClr val="0D0D0D"/>
+                </a:solidFill>
+                <a:latin typeface="Menlo" charset="0"/>
+                <a:ea typeface="Menlo" charset="0"/>
+                <a:cs typeface="Menlo" charset="0"/>
+              </a:rPr>
+              <a:t>1 . . . . . . . . </a:t>
+            </a:r>
+            <a:endParaRPr lang="de-DE" sz="2400" dirty="0">
+              <a:latin typeface="Menlo" charset="0"/>
+              <a:ea typeface="Menlo" charset="0"/>
+              <a:cs typeface="Menlo" charset="0"/>
+            </a:endParaRPr>
+          </a:p>
+          <a:p>
+            <a:pPr>
+              <a:spcAft>
+                <a:spcPts val="0"/>
+              </a:spcAft>
+            </a:pPr>
+            <a:r>
+              <a:rPr lang="de-DE" sz="2400" dirty="0">
+                <a:solidFill>
+                  <a:srgbClr val="0D0D0D"/>
+                </a:solidFill>
+                <a:latin typeface="Menlo" charset="0"/>
+                <a:ea typeface="Menlo" charset="0"/>
+                <a:cs typeface="Menlo" charset="0"/>
+              </a:rPr>
+              <a:t>  A B C D E F G H</a:t>
+            </a:r>
+            <a:endParaRPr lang="de-DE" sz="2400" dirty="0">
+              <a:effectLst/>
+              <a:latin typeface="Menlo" charset="0"/>
+              <a:ea typeface="Menlo" charset="0"/>
+              <a:cs typeface="Menlo" charset="0"/>
+            </a:endParaRPr>
+          </a:p>
+        </p:txBody>
+      </p:sp>
+      <p:sp>
+        <p:nvSpPr>
+          <p:cNvPr id="6" name="Textfeld 5"/>
+          <p:cNvSpPr txBox="1"/>
+          <p:nvPr/>
+        </p:nvSpPr>
+        <p:spPr>
+          <a:xfrm>
+            <a:off x="838200" y="2197299"/>
+            <a:ext cx="6355080" cy="369332"/>
+          </a:xfrm>
+          <a:prstGeom prst="rect">
+            <a:avLst/>
+          </a:prstGeom>
+          <a:noFill/>
+        </p:spPr>
+        <p:txBody>
+          <a:bodyPr wrap="square" rtlCol="0">
+            <a:spAutoFit/>
+          </a:bodyPr>
+          <a:lstStyle/>
+          <a:p>
+            <a:r>
+              <a:rPr lang="de-DE" dirty="0" smtClean="0"/>
+              <a:t>Bester Zug für Turm:</a:t>
+            </a:r>
+          </a:p>
+        </p:txBody>
+      </p:sp>
+      <p:sp>
+        <p:nvSpPr>
+          <p:cNvPr id="7" name="Rechteck 6"/>
+          <p:cNvSpPr/>
+          <p:nvPr/>
+        </p:nvSpPr>
+        <p:spPr>
+          <a:xfrm>
+            <a:off x="838200" y="2566631"/>
+            <a:ext cx="6096000" cy="923330"/>
+          </a:xfrm>
+          <a:prstGeom prst="rect">
+            <a:avLst/>
+          </a:prstGeom>
+        </p:spPr>
+        <p:txBody>
+          <a:bodyPr>
+            <a:spAutoFit/>
+          </a:bodyPr>
+          <a:lstStyle/>
+          <a:p>
+            <a:r>
+              <a:rPr lang="de-DE" dirty="0" smtClean="0"/>
+              <a:t>H8 </a:t>
+            </a:r>
+            <a:r>
+              <a:rPr lang="mr-IN" dirty="0"/>
+              <a:t>–</a:t>
+            </a:r>
+            <a:r>
+              <a:rPr lang="de-DE" dirty="0"/>
+              <a:t> </a:t>
+            </a:r>
+            <a:r>
+              <a:rPr lang="de-DE" dirty="0" smtClean="0"/>
+              <a:t>(A8, B8, C8, D8, E8, F8, G8)</a:t>
+            </a:r>
+            <a:endParaRPr lang="de-DE" dirty="0"/>
+          </a:p>
+          <a:p>
+            <a:r>
+              <a:rPr lang="de-DE" dirty="0"/>
+              <a:t>-&gt; </a:t>
+            </a:r>
+            <a:r>
+              <a:rPr lang="de-DE" dirty="0" smtClean="0"/>
+              <a:t>Turm wählt Zug, der ihm möglichst viele Zugmöglichkeiten verschafft</a:t>
+            </a:r>
+            <a:endParaRPr lang="de-DE" dirty="0"/>
+          </a:p>
+        </p:txBody>
+      </p:sp>
+    </p:spTree>
+    <p:extLst>
+      <p:ext uri="{BB962C8B-B14F-4D97-AF65-F5344CB8AC3E}">
+        <p14:creationId xmlns:p14="http://schemas.microsoft.com/office/powerpoint/2010/main" val="294974368"/>
       </p:ext>
     </p:extLst>
   </p:cSld>
@@ -18780,118 +22046,7 @@
           <a:p>
             <a:r>
               <a:rPr lang="de-DE" dirty="0" smtClean="0"/>
-              <a:t>Zimmerverteilung</a:t>
-            </a:r>
-            <a:endParaRPr lang="de-DE" dirty="0"/>
-          </a:p>
-        </p:txBody>
-      </p:sp>
-      <p:sp>
-        <p:nvSpPr>
-          <p:cNvPr id="5" name="Rechteck 4"/>
-          <p:cNvSpPr/>
-          <p:nvPr/>
-        </p:nvSpPr>
-        <p:spPr>
-          <a:xfrm>
-            <a:off x="838200" y="1690688"/>
-            <a:ext cx="10515600" cy="2308324"/>
-          </a:xfrm>
-          <a:prstGeom prst="rect">
-            <a:avLst/>
-          </a:prstGeom>
-        </p:spPr>
-        <p:txBody>
-          <a:bodyPr wrap="square">
-            <a:spAutoFit/>
-          </a:bodyPr>
-          <a:lstStyle/>
-          <a:p>
-            <a:pPr algn="just"/>
-            <a:r>
-              <a:rPr lang="de-DE" dirty="0" smtClean="0"/>
-              <a:t>Aufgabe:</a:t>
-            </a:r>
-          </a:p>
-          <a:p>
-            <a:pPr algn="just"/>
-            <a:endParaRPr lang="de-DE" dirty="0"/>
-          </a:p>
-          <a:p>
-            <a:pPr algn="just"/>
-            <a:r>
-              <a:rPr lang="de-DE" dirty="0"/>
-              <a:t>Schreibe ein Programm, das ermittelt, ob alle Wünsche erfüllt werden können, wenn es genug Zimmer jeder Größe gibt. Als Eingabe erhält es für jede Schülerin zwei Listen der Mitschülerinnen, mit denen sie auf jeden Fall (+) bzw. auf keinen Fall (–) ein Zimmer teilen möchte.</a:t>
-            </a:r>
-          </a:p>
-          <a:p>
-            <a:pPr algn="just"/>
-            <a:r>
-              <a:rPr lang="de-DE" dirty="0"/>
-              <a:t>Dein Programm soll ausgeben, ob eine Zimmerbelegung möglich ist, die alle Wünsche erfüllt. Falls ja, soll es zusätzlich eine solche Zimmerbelegung ausgeben. </a:t>
-            </a:r>
-          </a:p>
-          <a:p>
-            <a:pPr algn="just"/>
-            <a:endParaRPr lang="de-DE" dirty="0"/>
-          </a:p>
-        </p:txBody>
-      </p:sp>
-    </p:spTree>
-    <p:extLst>
-      <p:ext uri="{BB962C8B-B14F-4D97-AF65-F5344CB8AC3E}">
-        <p14:creationId xmlns:p14="http://schemas.microsoft.com/office/powerpoint/2010/main" val="544784250"/>
-      </p:ext>
-    </p:extLst>
-  </p:cSld>
-  <p:clrMapOvr>
-    <a:masterClrMapping/>
-  </p:clrMapOvr>
-  <p:timing>
-    <p:tnLst>
-      <p:par>
-        <p:cTn id="1" dur="indefinite" restart="never" nodeType="tmRoot"/>
-      </p:par>
-    </p:tnLst>
-  </p:timing>
-</p:sld>
-</file>
-
-<file path=ppt/slides/slide4.xml><?xml version="1.0" encoding="utf-8"?>
-<p:sld xmlns:a="http://schemas.openxmlformats.org/drawingml/2006/main" xmlns:r="http://schemas.openxmlformats.org/officeDocument/2006/relationships" xmlns:p="http://schemas.openxmlformats.org/presentationml/2006/main">
-  <p:cSld>
-    <p:spTree>
-      <p:nvGrpSpPr>
-        <p:cNvPr id="1" name=""/>
-        <p:cNvGrpSpPr/>
-        <p:nvPr/>
-      </p:nvGrpSpPr>
-      <p:grpSpPr>
-        <a:xfrm>
-          <a:off x="0" y="0"/>
-          <a:ext cx="0" cy="0"/>
-          <a:chOff x="0" y="0"/>
-          <a:chExt cx="0" cy="0"/>
-        </a:xfrm>
-      </p:grpSpPr>
-      <p:sp>
-        <p:nvSpPr>
-          <p:cNvPr id="2" name="Titel 1"/>
-          <p:cNvSpPr>
-            <a:spLocks noGrp="1"/>
-          </p:cNvSpPr>
-          <p:nvPr>
-            <p:ph type="title"/>
-          </p:nvPr>
-        </p:nvSpPr>
-        <p:spPr/>
-        <p:txBody>
-          <a:bodyPr/>
-          <a:lstStyle/>
-          <a:p>
-            <a:r>
-              <a:rPr lang="de-DE" dirty="0" smtClean="0"/>
-              <a:t>Lösungsidee</a:t>
+              <a:t>Zimmerverteilung / Lösungsidee</a:t>
             </a:r>
             <a:endParaRPr lang="de-DE" dirty="0"/>
           </a:p>
@@ -19723,7 +22878,7 @@
 </p:sld>
 </file>
 
-<file path=ppt/slides/slide5.xml><?xml version="1.0" encoding="utf-8"?>
+<file path=ppt/slides/slide30.xml><?xml version="1.0" encoding="utf-8"?>
 <p:sld xmlns:a="http://schemas.openxmlformats.org/drawingml/2006/main" xmlns:r="http://schemas.openxmlformats.org/officeDocument/2006/relationships" xmlns:p="http://schemas.openxmlformats.org/presentationml/2006/main">
   <p:cSld>
     <p:spTree>
@@ -19757,7 +22912,67 @@
           <a:p>
             <a:r>
               <a:rPr lang="de-DE" dirty="0" smtClean="0"/>
-              <a:t>Lösungsidee</a:t>
+              <a:t>Bauernopfer / Beispiel</a:t>
+            </a:r>
+            <a:endParaRPr lang="de-DE" dirty="0"/>
+          </a:p>
+        </p:txBody>
+      </p:sp>
+    </p:spTree>
+    <p:extLst>
+      <p:ext uri="{BB962C8B-B14F-4D97-AF65-F5344CB8AC3E}">
+        <p14:creationId xmlns:p14="http://schemas.microsoft.com/office/powerpoint/2010/main" val="460849181"/>
+      </p:ext>
+    </p:extLst>
+  </p:cSld>
+  <p:clrMapOvr>
+    <a:masterClrMapping/>
+  </p:clrMapOvr>
+  <p:timing>
+    <p:tnLst>
+      <p:par>
+        <p:cTn id="1" dur="indefinite" restart="never" nodeType="tmRoot"/>
+      </p:par>
+    </p:tnLst>
+  </p:timing>
+</p:sld>
+</file>
+
+<file path=ppt/slides/slide4.xml><?xml version="1.0" encoding="utf-8"?>
+<p:sld xmlns:a="http://schemas.openxmlformats.org/drawingml/2006/main" xmlns:r="http://schemas.openxmlformats.org/officeDocument/2006/relationships" xmlns:p="http://schemas.openxmlformats.org/presentationml/2006/main">
+  <p:cSld>
+    <p:spTree>
+      <p:nvGrpSpPr>
+        <p:cNvPr id="1" name=""/>
+        <p:cNvGrpSpPr/>
+        <p:nvPr/>
+      </p:nvGrpSpPr>
+      <p:grpSpPr>
+        <a:xfrm>
+          <a:off x="0" y="0"/>
+          <a:ext cx="0" cy="0"/>
+          <a:chOff x="0" y="0"/>
+          <a:chExt cx="0" cy="0"/>
+        </a:xfrm>
+      </p:grpSpPr>
+      <p:sp>
+        <p:nvSpPr>
+          <p:cNvPr id="2" name="Titel 1"/>
+          <p:cNvSpPr>
+            <a:spLocks noGrp="1"/>
+          </p:cNvSpPr>
+          <p:nvPr>
+            <p:ph type="title"/>
+          </p:nvPr>
+        </p:nvSpPr>
+        <p:spPr/>
+        <p:txBody>
+          <a:bodyPr/>
+          <a:lstStyle/>
+          <a:p>
+            <a:r>
+              <a:rPr lang="de-DE" dirty="0" smtClean="0"/>
+              <a:t>Zimmerverteilung / Lösungsidee</a:t>
             </a:r>
             <a:endParaRPr lang="de-DE" dirty="0"/>
           </a:p>
@@ -21527,7 +24742,6 @@
               <a:rPr lang="de-DE" sz="2000" dirty="0" smtClean="0"/>
               <a:t>→</a:t>
             </a:r>
-            <a:endParaRPr lang="de-DE" sz="2000" dirty="0" smtClean="0"/>
           </a:p>
         </p:txBody>
       </p:sp>
@@ -21551,7 +24765,7 @@
 </p:sld>
 </file>
 
-<file path=ppt/slides/slide6.xml><?xml version="1.0" encoding="utf-8"?>
+<file path=ppt/slides/slide5.xml><?xml version="1.0" encoding="utf-8"?>
 <p:sld xmlns:a="http://schemas.openxmlformats.org/drawingml/2006/main" xmlns:r="http://schemas.openxmlformats.org/officeDocument/2006/relationships" xmlns:p="http://schemas.openxmlformats.org/presentationml/2006/main">
   <p:cSld>
     <p:spTree>
@@ -21585,7 +24799,7 @@
           <a:p>
             <a:r>
               <a:rPr lang="de-DE" dirty="0" smtClean="0"/>
-              <a:t>Lösungsidee</a:t>
+              <a:t>Zimmerverteilung / Lösungsidee</a:t>
             </a:r>
             <a:endParaRPr lang="de-DE" dirty="0"/>
           </a:p>
@@ -22804,7 +26018,7 @@
 </p:sld>
 </file>
 
-<file path=ppt/slides/slide7.xml><?xml version="1.0" encoding="utf-8"?>
+<file path=ppt/slides/slide6.xml><?xml version="1.0" encoding="utf-8"?>
 <p:sld xmlns:a="http://schemas.openxmlformats.org/drawingml/2006/main" xmlns:r="http://schemas.openxmlformats.org/officeDocument/2006/relationships" xmlns:p="http://schemas.openxmlformats.org/presentationml/2006/main">
   <p:cSld>
     <p:spTree>
@@ -22838,7 +26052,7 @@
           <a:p>
             <a:r>
               <a:rPr lang="de-DE" dirty="0" smtClean="0"/>
-              <a:t>Umsetzung</a:t>
+              <a:t>Zimmerverteilung / Umsetzung</a:t>
             </a:r>
             <a:endParaRPr lang="de-DE" dirty="0"/>
           </a:p>
@@ -23417,6 +26631,1142 @@
 </p:sld>
 </file>
 
+<file path=ppt/slides/slide7.xml><?xml version="1.0" encoding="utf-8"?>
+<p:sld xmlns:a="http://schemas.openxmlformats.org/drawingml/2006/main" xmlns:r="http://schemas.openxmlformats.org/officeDocument/2006/relationships" xmlns:p="http://schemas.openxmlformats.org/presentationml/2006/main">
+  <p:cSld>
+    <p:spTree>
+      <p:nvGrpSpPr>
+        <p:cNvPr id="1" name=""/>
+        <p:cNvGrpSpPr/>
+        <p:nvPr/>
+      </p:nvGrpSpPr>
+      <p:grpSpPr>
+        <a:xfrm>
+          <a:off x="0" y="0"/>
+          <a:ext cx="0" cy="0"/>
+          <a:chOff x="0" y="0"/>
+          <a:chExt cx="0" cy="0"/>
+        </a:xfrm>
+      </p:grpSpPr>
+      <p:sp>
+        <p:nvSpPr>
+          <p:cNvPr id="2" name="Titel 1"/>
+          <p:cNvSpPr>
+            <a:spLocks noGrp="1"/>
+          </p:cNvSpPr>
+          <p:nvPr>
+            <p:ph type="title"/>
+          </p:nvPr>
+        </p:nvSpPr>
+        <p:spPr/>
+        <p:txBody>
+          <a:bodyPr/>
+          <a:lstStyle/>
+          <a:p>
+            <a:r>
+              <a:rPr lang="de-DE" dirty="0" smtClean="0"/>
+              <a:t>Zimmerverteilung / Umsetzung</a:t>
+            </a:r>
+            <a:endParaRPr lang="de-DE" dirty="0"/>
+          </a:p>
+        </p:txBody>
+      </p:sp>
+      <p:sp>
+        <p:nvSpPr>
+          <p:cNvPr id="4" name="Rechteck 3"/>
+          <p:cNvSpPr/>
+          <p:nvPr/>
+        </p:nvSpPr>
+        <p:spPr>
+          <a:xfrm>
+            <a:off x="838200" y="2230523"/>
+            <a:ext cx="10053577" cy="3693319"/>
+          </a:xfrm>
+          <a:prstGeom prst="rect">
+            <a:avLst/>
+          </a:prstGeom>
+        </p:spPr>
+        <p:txBody>
+          <a:bodyPr wrap="square">
+            <a:spAutoFit/>
+          </a:bodyPr>
+          <a:lstStyle/>
+          <a:p>
+            <a:r>
+              <a:rPr lang="mr-IN" b="1" dirty="0">
+                <a:solidFill>
+                  <a:srgbClr val="000080"/>
+                </a:solidFill>
+                <a:latin typeface="Menlo" charset="0"/>
+                <a:ea typeface="Menlo" charset="0"/>
+                <a:cs typeface="Menlo" charset="0"/>
+              </a:rPr>
+              <a:t>def </a:t>
+            </a:r>
+            <a:r>
+              <a:rPr lang="mr-IN" dirty="0" err="1" smtClean="0">
+                <a:latin typeface="Menlo" charset="0"/>
+                <a:ea typeface="Menlo" charset="0"/>
+                <a:cs typeface="Menlo" charset="0"/>
+              </a:rPr>
+              <a:t>create_matrix</a:t>
+            </a:r>
+            <a:r>
+              <a:rPr lang="mr-IN" dirty="0" smtClean="0">
+                <a:latin typeface="Menlo" charset="0"/>
+                <a:ea typeface="Menlo" charset="0"/>
+                <a:cs typeface="Menlo" charset="0"/>
+              </a:rPr>
+              <a:t>(</a:t>
+            </a:r>
+            <a:r>
+              <a:rPr lang="mr-IN" dirty="0" err="1" smtClean="0">
+                <a:latin typeface="Menlo" charset="0"/>
+                <a:ea typeface="Menlo" charset="0"/>
+                <a:cs typeface="Menlo" charset="0"/>
+              </a:rPr>
+              <a:t>l</a:t>
+            </a:r>
+            <a:r>
+              <a:rPr lang="en-US" dirty="0" err="1" smtClean="0">
+                <a:latin typeface="Menlo" charset="0"/>
+                <a:ea typeface="Menlo" charset="0"/>
+                <a:cs typeface="Menlo" charset="0"/>
+              </a:rPr>
+              <a:t>st</a:t>
+            </a:r>
+            <a:r>
+              <a:rPr lang="mr-IN" dirty="0" smtClean="0">
+                <a:latin typeface="Menlo" charset="0"/>
+                <a:ea typeface="Menlo" charset="0"/>
+                <a:cs typeface="Menlo" charset="0"/>
+              </a:rPr>
+              <a:t>, </a:t>
+            </a:r>
+            <a:r>
+              <a:rPr lang="mr-IN" dirty="0" err="1">
+                <a:latin typeface="Menlo" charset="0"/>
+                <a:ea typeface="Menlo" charset="0"/>
+                <a:cs typeface="Menlo" charset="0"/>
+              </a:rPr>
+              <a:t>names</a:t>
+            </a:r>
+            <a:r>
+              <a:rPr lang="mr-IN" dirty="0">
+                <a:latin typeface="Menlo" charset="0"/>
+                <a:ea typeface="Menlo" charset="0"/>
+                <a:cs typeface="Menlo" charset="0"/>
+              </a:rPr>
+              <a:t>):</a:t>
+            </a:r>
+            <a:br>
+              <a:rPr lang="mr-IN" dirty="0">
+                <a:latin typeface="Menlo" charset="0"/>
+                <a:ea typeface="Menlo" charset="0"/>
+                <a:cs typeface="Menlo" charset="0"/>
+              </a:rPr>
+            </a:br>
+            <a:r>
+              <a:rPr lang="mr-IN" dirty="0">
+                <a:latin typeface="Menlo" charset="0"/>
+                <a:ea typeface="Menlo" charset="0"/>
+                <a:cs typeface="Menlo" charset="0"/>
+              </a:rPr>
+              <a:t>    </a:t>
+            </a:r>
+            <a:r>
+              <a:rPr lang="mr-IN" dirty="0" smtClean="0">
+                <a:latin typeface="Menlo" charset="0"/>
+                <a:ea typeface="Menlo" charset="0"/>
+                <a:cs typeface="Menlo" charset="0"/>
+              </a:rPr>
+              <a:t>matrix </a:t>
+            </a:r>
+            <a:r>
+              <a:rPr lang="mr-IN" dirty="0">
+                <a:latin typeface="Menlo" charset="0"/>
+                <a:ea typeface="Menlo" charset="0"/>
+                <a:cs typeface="Menlo" charset="0"/>
+              </a:rPr>
+              <a:t>= </a:t>
+            </a:r>
+            <a:r>
+              <a:rPr lang="mr-IN" dirty="0" err="1">
+                <a:latin typeface="Menlo" charset="0"/>
+                <a:ea typeface="Menlo" charset="0"/>
+                <a:cs typeface="Menlo" charset="0"/>
+              </a:rPr>
+              <a:t>np.array</a:t>
+            </a:r>
+            <a:r>
+              <a:rPr lang="mr-IN" dirty="0">
+                <a:latin typeface="Menlo" charset="0"/>
+                <a:ea typeface="Menlo" charset="0"/>
+                <a:cs typeface="Menlo" charset="0"/>
+              </a:rPr>
+              <a:t>([[</a:t>
+            </a:r>
+            <a:r>
+              <a:rPr lang="mr-IN" dirty="0">
+                <a:solidFill>
+                  <a:srgbClr val="0000FF"/>
+                </a:solidFill>
+                <a:latin typeface="Menlo" charset="0"/>
+                <a:ea typeface="Menlo" charset="0"/>
+                <a:cs typeface="Menlo" charset="0"/>
+              </a:rPr>
+              <a:t>0</a:t>
+            </a:r>
+            <a:r>
+              <a:rPr lang="mr-IN" dirty="0">
+                <a:latin typeface="Menlo" charset="0"/>
+                <a:ea typeface="Menlo" charset="0"/>
+                <a:cs typeface="Menlo" charset="0"/>
+              </a:rPr>
+              <a:t>] * </a:t>
+            </a:r>
+            <a:r>
+              <a:rPr lang="mr-IN" dirty="0" err="1" smtClean="0">
+                <a:solidFill>
+                  <a:srgbClr val="000080"/>
+                </a:solidFill>
+                <a:latin typeface="Menlo" charset="0"/>
+                <a:ea typeface="Menlo" charset="0"/>
+                <a:cs typeface="Menlo" charset="0"/>
+              </a:rPr>
+              <a:t>len</a:t>
+            </a:r>
+            <a:r>
+              <a:rPr lang="mr-IN" dirty="0" smtClean="0">
+                <a:latin typeface="Menlo" charset="0"/>
+                <a:ea typeface="Menlo" charset="0"/>
+                <a:cs typeface="Menlo" charset="0"/>
+              </a:rPr>
+              <a:t>(</a:t>
+            </a:r>
+            <a:r>
+              <a:rPr lang="mr-IN" dirty="0" err="1" smtClean="0">
+                <a:latin typeface="Menlo" charset="0"/>
+                <a:ea typeface="Menlo" charset="0"/>
+                <a:cs typeface="Menlo" charset="0"/>
+              </a:rPr>
+              <a:t>l</a:t>
+            </a:r>
+            <a:r>
+              <a:rPr lang="en-US" dirty="0" err="1" smtClean="0">
+                <a:latin typeface="Menlo" charset="0"/>
+                <a:ea typeface="Menlo" charset="0"/>
+                <a:cs typeface="Menlo" charset="0"/>
+              </a:rPr>
+              <a:t>st</a:t>
+            </a:r>
+            <a:r>
+              <a:rPr lang="mr-IN" dirty="0" smtClean="0">
+                <a:latin typeface="Menlo" charset="0"/>
+                <a:ea typeface="Menlo" charset="0"/>
+                <a:cs typeface="Menlo" charset="0"/>
+              </a:rPr>
+              <a:t>) </a:t>
+            </a:r>
+            <a:r>
+              <a:rPr lang="mr-IN" b="1" dirty="0">
+                <a:solidFill>
+                  <a:srgbClr val="000080"/>
+                </a:solidFill>
+                <a:latin typeface="Menlo" charset="0"/>
+                <a:ea typeface="Menlo" charset="0"/>
+                <a:cs typeface="Menlo" charset="0"/>
+              </a:rPr>
+              <a:t>for </a:t>
+            </a:r>
+            <a:r>
+              <a:rPr lang="mr-IN" dirty="0">
+                <a:latin typeface="Menlo" charset="0"/>
+                <a:ea typeface="Menlo" charset="0"/>
+                <a:cs typeface="Menlo" charset="0"/>
+              </a:rPr>
+              <a:t>_ </a:t>
+            </a:r>
+            <a:r>
+              <a:rPr lang="mr-IN" b="1" dirty="0" err="1">
+                <a:solidFill>
+                  <a:srgbClr val="000080"/>
+                </a:solidFill>
+                <a:latin typeface="Menlo" charset="0"/>
+                <a:ea typeface="Menlo" charset="0"/>
+                <a:cs typeface="Menlo" charset="0"/>
+              </a:rPr>
+              <a:t>in</a:t>
+            </a:r>
+            <a:r>
+              <a:rPr lang="mr-IN" b="1" dirty="0">
+                <a:solidFill>
+                  <a:srgbClr val="000080"/>
+                </a:solidFill>
+                <a:latin typeface="Menlo" charset="0"/>
+                <a:ea typeface="Menlo" charset="0"/>
+                <a:cs typeface="Menlo" charset="0"/>
+              </a:rPr>
+              <a:t> </a:t>
+            </a:r>
+            <a:r>
+              <a:rPr lang="mr-IN" dirty="0" err="1">
+                <a:solidFill>
+                  <a:srgbClr val="000080"/>
+                </a:solidFill>
+                <a:latin typeface="Menlo" charset="0"/>
+                <a:ea typeface="Menlo" charset="0"/>
+                <a:cs typeface="Menlo" charset="0"/>
+              </a:rPr>
+              <a:t>range</a:t>
+            </a:r>
+            <a:r>
+              <a:rPr lang="mr-IN" dirty="0">
+                <a:latin typeface="Menlo" charset="0"/>
+                <a:ea typeface="Menlo" charset="0"/>
+                <a:cs typeface="Menlo" charset="0"/>
+              </a:rPr>
+              <a:t>(</a:t>
+            </a:r>
+            <a:r>
+              <a:rPr lang="mr-IN" dirty="0" err="1">
+                <a:solidFill>
+                  <a:srgbClr val="000080"/>
+                </a:solidFill>
+                <a:latin typeface="Menlo" charset="0"/>
+                <a:ea typeface="Menlo" charset="0"/>
+                <a:cs typeface="Menlo" charset="0"/>
+              </a:rPr>
+              <a:t>len</a:t>
+            </a:r>
+            <a:r>
+              <a:rPr lang="mr-IN" dirty="0">
+                <a:latin typeface="Menlo" charset="0"/>
+                <a:ea typeface="Menlo" charset="0"/>
+                <a:cs typeface="Menlo" charset="0"/>
+              </a:rPr>
+              <a:t>(</a:t>
+            </a:r>
+            <a:r>
+              <a:rPr lang="mr-IN" dirty="0" err="1">
+                <a:latin typeface="Menlo" charset="0"/>
+                <a:ea typeface="Menlo" charset="0"/>
+                <a:cs typeface="Menlo" charset="0"/>
+              </a:rPr>
+              <a:t>l</a:t>
+            </a:r>
+            <a:r>
+              <a:rPr lang="mr-IN" dirty="0">
+                <a:latin typeface="Menlo" charset="0"/>
+                <a:ea typeface="Menlo" charset="0"/>
+                <a:cs typeface="Menlo" charset="0"/>
+              </a:rPr>
+              <a:t>))])</a:t>
+            </a:r>
+            <a:br>
+              <a:rPr lang="mr-IN" dirty="0">
+                <a:latin typeface="Menlo" charset="0"/>
+                <a:ea typeface="Menlo" charset="0"/>
+                <a:cs typeface="Menlo" charset="0"/>
+              </a:rPr>
+            </a:br>
+            <a:r>
+              <a:rPr lang="mr-IN" dirty="0">
+                <a:latin typeface="Menlo" charset="0"/>
+                <a:ea typeface="Menlo" charset="0"/>
+                <a:cs typeface="Menlo" charset="0"/>
+              </a:rPr>
+              <a:t>    </a:t>
+            </a:r>
+            <a:r>
+              <a:rPr lang="mr-IN" b="1" dirty="0">
+                <a:solidFill>
+                  <a:srgbClr val="000080"/>
+                </a:solidFill>
+                <a:latin typeface="Menlo" charset="0"/>
+                <a:ea typeface="Menlo" charset="0"/>
+                <a:cs typeface="Menlo" charset="0"/>
+              </a:rPr>
+              <a:t>for </a:t>
+            </a:r>
+            <a:r>
+              <a:rPr lang="mr-IN" dirty="0" err="1">
+                <a:latin typeface="Menlo" charset="0"/>
+                <a:ea typeface="Menlo" charset="0"/>
+                <a:cs typeface="Menlo" charset="0"/>
+              </a:rPr>
+              <a:t>i</a:t>
+            </a:r>
+            <a:r>
+              <a:rPr lang="mr-IN" dirty="0">
+                <a:latin typeface="Menlo" charset="0"/>
+                <a:ea typeface="Menlo" charset="0"/>
+                <a:cs typeface="Menlo" charset="0"/>
+              </a:rPr>
+              <a:t> </a:t>
+            </a:r>
+            <a:r>
+              <a:rPr lang="mr-IN" b="1" dirty="0" err="1">
+                <a:solidFill>
+                  <a:srgbClr val="000080"/>
+                </a:solidFill>
+                <a:latin typeface="Menlo" charset="0"/>
+                <a:ea typeface="Menlo" charset="0"/>
+                <a:cs typeface="Menlo" charset="0"/>
+              </a:rPr>
+              <a:t>in</a:t>
+            </a:r>
+            <a:r>
+              <a:rPr lang="mr-IN" b="1" dirty="0">
+                <a:solidFill>
+                  <a:srgbClr val="000080"/>
+                </a:solidFill>
+                <a:latin typeface="Menlo" charset="0"/>
+                <a:ea typeface="Menlo" charset="0"/>
+                <a:cs typeface="Menlo" charset="0"/>
+              </a:rPr>
+              <a:t> </a:t>
+            </a:r>
+            <a:r>
+              <a:rPr lang="mr-IN" dirty="0" err="1" smtClean="0">
+                <a:solidFill>
+                  <a:srgbClr val="000080"/>
+                </a:solidFill>
+                <a:latin typeface="Menlo" charset="0"/>
+                <a:ea typeface="Menlo" charset="0"/>
+                <a:cs typeface="Menlo" charset="0"/>
+              </a:rPr>
+              <a:t>range</a:t>
+            </a:r>
+            <a:r>
+              <a:rPr lang="mr-IN" dirty="0" smtClean="0">
+                <a:latin typeface="Menlo" charset="0"/>
+                <a:ea typeface="Menlo" charset="0"/>
+                <a:cs typeface="Menlo" charset="0"/>
+              </a:rPr>
+              <a:t>(</a:t>
+            </a:r>
+            <a:r>
+              <a:rPr lang="mr-IN" dirty="0" err="1" smtClean="0">
+                <a:solidFill>
+                  <a:srgbClr val="000080"/>
+                </a:solidFill>
+                <a:latin typeface="Menlo" charset="0"/>
+                <a:ea typeface="Menlo" charset="0"/>
+                <a:cs typeface="Menlo" charset="0"/>
+              </a:rPr>
+              <a:t>len</a:t>
+            </a:r>
+            <a:r>
+              <a:rPr lang="mr-IN" dirty="0" smtClean="0">
+                <a:latin typeface="Menlo" charset="0"/>
+                <a:ea typeface="Menlo" charset="0"/>
+                <a:cs typeface="Menlo" charset="0"/>
+              </a:rPr>
+              <a:t>(</a:t>
+            </a:r>
+            <a:r>
+              <a:rPr lang="mr-IN" dirty="0" err="1" smtClean="0">
+                <a:latin typeface="Menlo" charset="0"/>
+                <a:ea typeface="Menlo" charset="0"/>
+                <a:cs typeface="Menlo" charset="0"/>
+              </a:rPr>
+              <a:t>l</a:t>
+            </a:r>
+            <a:r>
+              <a:rPr lang="en-US" dirty="0" err="1" smtClean="0">
+                <a:latin typeface="Menlo" charset="0"/>
+                <a:ea typeface="Menlo" charset="0"/>
+                <a:cs typeface="Menlo" charset="0"/>
+              </a:rPr>
+              <a:t>st</a:t>
+            </a:r>
+            <a:r>
+              <a:rPr lang="mr-IN" dirty="0" smtClean="0">
+                <a:latin typeface="Menlo" charset="0"/>
+                <a:ea typeface="Menlo" charset="0"/>
+                <a:cs typeface="Menlo" charset="0"/>
+              </a:rPr>
+              <a:t>)):</a:t>
+            </a:r>
+            <a:r>
+              <a:rPr lang="mr-IN" dirty="0">
+                <a:latin typeface="Menlo" charset="0"/>
+                <a:ea typeface="Menlo" charset="0"/>
+                <a:cs typeface="Menlo" charset="0"/>
+              </a:rPr>
+              <a:t/>
+            </a:r>
+            <a:br>
+              <a:rPr lang="mr-IN" dirty="0">
+                <a:latin typeface="Menlo" charset="0"/>
+                <a:ea typeface="Menlo" charset="0"/>
+                <a:cs typeface="Menlo" charset="0"/>
+              </a:rPr>
+            </a:br>
+            <a:r>
+              <a:rPr lang="mr-IN" dirty="0">
+                <a:latin typeface="Menlo" charset="0"/>
+                <a:ea typeface="Menlo" charset="0"/>
+                <a:cs typeface="Menlo" charset="0"/>
+              </a:rPr>
+              <a:t>        </a:t>
+            </a:r>
+            <a:r>
+              <a:rPr lang="mr-IN" dirty="0" err="1">
+                <a:latin typeface="Menlo" charset="0"/>
+                <a:ea typeface="Menlo" charset="0"/>
+                <a:cs typeface="Menlo" charset="0"/>
+              </a:rPr>
+              <a:t>pro</a:t>
+            </a:r>
+            <a:r>
+              <a:rPr lang="mr-IN" dirty="0">
+                <a:latin typeface="Menlo" charset="0"/>
+                <a:ea typeface="Menlo" charset="0"/>
+                <a:cs typeface="Menlo" charset="0"/>
+              </a:rPr>
+              <a:t> = </a:t>
+            </a:r>
+            <a:r>
+              <a:rPr lang="mr-IN" dirty="0" err="1" smtClean="0">
+                <a:latin typeface="Menlo" charset="0"/>
+                <a:ea typeface="Menlo" charset="0"/>
+                <a:cs typeface="Menlo" charset="0"/>
+              </a:rPr>
+              <a:t>l</a:t>
+            </a:r>
+            <a:r>
+              <a:rPr lang="en-US" dirty="0" err="1" smtClean="0">
+                <a:latin typeface="Menlo" charset="0"/>
+                <a:ea typeface="Menlo" charset="0"/>
+                <a:cs typeface="Menlo" charset="0"/>
+              </a:rPr>
+              <a:t>st</a:t>
+            </a:r>
+            <a:r>
+              <a:rPr lang="mr-IN" dirty="0" smtClean="0">
+                <a:latin typeface="Menlo" charset="0"/>
+                <a:ea typeface="Menlo" charset="0"/>
+                <a:cs typeface="Menlo" charset="0"/>
+              </a:rPr>
+              <a:t>[</a:t>
+            </a:r>
+            <a:r>
+              <a:rPr lang="mr-IN" dirty="0" err="1" smtClean="0">
+                <a:latin typeface="Menlo" charset="0"/>
+                <a:ea typeface="Menlo" charset="0"/>
+                <a:cs typeface="Menlo" charset="0"/>
+              </a:rPr>
+              <a:t>i</a:t>
+            </a:r>
+            <a:r>
+              <a:rPr lang="mr-IN" dirty="0">
+                <a:latin typeface="Menlo" charset="0"/>
+                <a:ea typeface="Menlo" charset="0"/>
+                <a:cs typeface="Menlo" charset="0"/>
+              </a:rPr>
+              <a:t>][</a:t>
+            </a:r>
+            <a:r>
+              <a:rPr lang="mr-IN" dirty="0">
+                <a:solidFill>
+                  <a:srgbClr val="0000FF"/>
+                </a:solidFill>
+                <a:latin typeface="Menlo" charset="0"/>
+                <a:ea typeface="Menlo" charset="0"/>
+                <a:cs typeface="Menlo" charset="0"/>
+              </a:rPr>
+              <a:t>1</a:t>
+            </a:r>
+            <a:r>
+              <a:rPr lang="mr-IN" dirty="0">
+                <a:latin typeface="Menlo" charset="0"/>
+                <a:ea typeface="Menlo" charset="0"/>
+                <a:cs typeface="Menlo" charset="0"/>
+              </a:rPr>
+              <a:t>]</a:t>
+            </a:r>
+            <a:br>
+              <a:rPr lang="mr-IN" dirty="0">
+                <a:latin typeface="Menlo" charset="0"/>
+                <a:ea typeface="Menlo" charset="0"/>
+                <a:cs typeface="Menlo" charset="0"/>
+              </a:rPr>
+            </a:br>
+            <a:r>
+              <a:rPr lang="mr-IN" dirty="0">
+                <a:latin typeface="Menlo" charset="0"/>
+                <a:ea typeface="Menlo" charset="0"/>
+                <a:cs typeface="Menlo" charset="0"/>
+              </a:rPr>
+              <a:t>        </a:t>
+            </a:r>
+            <a:r>
+              <a:rPr lang="mr-IN" dirty="0" err="1">
+                <a:latin typeface="Menlo" charset="0"/>
+                <a:ea typeface="Menlo" charset="0"/>
+                <a:cs typeface="Menlo" charset="0"/>
+              </a:rPr>
+              <a:t>con</a:t>
+            </a:r>
+            <a:r>
+              <a:rPr lang="mr-IN" dirty="0">
+                <a:latin typeface="Menlo" charset="0"/>
+                <a:ea typeface="Menlo" charset="0"/>
+                <a:cs typeface="Menlo" charset="0"/>
+              </a:rPr>
+              <a:t> = </a:t>
+            </a:r>
+            <a:r>
+              <a:rPr lang="mr-IN" dirty="0" err="1" smtClean="0">
+                <a:latin typeface="Menlo" charset="0"/>
+                <a:ea typeface="Menlo" charset="0"/>
+                <a:cs typeface="Menlo" charset="0"/>
+              </a:rPr>
+              <a:t>l</a:t>
+            </a:r>
+            <a:r>
+              <a:rPr lang="en-US" dirty="0" err="1" smtClean="0">
+                <a:latin typeface="Menlo" charset="0"/>
+                <a:ea typeface="Menlo" charset="0"/>
+                <a:cs typeface="Menlo" charset="0"/>
+              </a:rPr>
+              <a:t>st</a:t>
+            </a:r>
+            <a:r>
+              <a:rPr lang="mr-IN" dirty="0" smtClean="0">
+                <a:latin typeface="Menlo" charset="0"/>
+                <a:ea typeface="Menlo" charset="0"/>
+                <a:cs typeface="Menlo" charset="0"/>
+              </a:rPr>
+              <a:t>[</a:t>
+            </a:r>
+            <a:r>
+              <a:rPr lang="mr-IN" dirty="0" err="1" smtClean="0">
+                <a:latin typeface="Menlo" charset="0"/>
+                <a:ea typeface="Menlo" charset="0"/>
+                <a:cs typeface="Menlo" charset="0"/>
+              </a:rPr>
+              <a:t>i</a:t>
+            </a:r>
+            <a:r>
+              <a:rPr lang="mr-IN" dirty="0">
+                <a:latin typeface="Menlo" charset="0"/>
+                <a:ea typeface="Menlo" charset="0"/>
+                <a:cs typeface="Menlo" charset="0"/>
+              </a:rPr>
+              <a:t>][</a:t>
+            </a:r>
+            <a:r>
+              <a:rPr lang="mr-IN" dirty="0">
+                <a:solidFill>
+                  <a:srgbClr val="0000FF"/>
+                </a:solidFill>
+                <a:latin typeface="Menlo" charset="0"/>
+                <a:ea typeface="Menlo" charset="0"/>
+                <a:cs typeface="Menlo" charset="0"/>
+              </a:rPr>
+              <a:t>2</a:t>
+            </a:r>
+            <a:r>
+              <a:rPr lang="mr-IN" dirty="0">
+                <a:latin typeface="Menlo" charset="0"/>
+                <a:ea typeface="Menlo" charset="0"/>
+                <a:cs typeface="Menlo" charset="0"/>
+              </a:rPr>
+              <a:t>]</a:t>
+            </a:r>
+            <a:br>
+              <a:rPr lang="mr-IN" dirty="0">
+                <a:latin typeface="Menlo" charset="0"/>
+                <a:ea typeface="Menlo" charset="0"/>
+                <a:cs typeface="Menlo" charset="0"/>
+              </a:rPr>
+            </a:br>
+            <a:r>
+              <a:rPr lang="mr-IN" dirty="0">
+                <a:latin typeface="Menlo" charset="0"/>
+                <a:ea typeface="Menlo" charset="0"/>
+                <a:cs typeface="Menlo" charset="0"/>
+              </a:rPr>
+              <a:t>        </a:t>
+            </a:r>
+            <a:r>
+              <a:rPr lang="mr-IN" b="1" dirty="0">
+                <a:solidFill>
+                  <a:srgbClr val="000080"/>
+                </a:solidFill>
+                <a:latin typeface="Menlo" charset="0"/>
+                <a:ea typeface="Menlo" charset="0"/>
+                <a:cs typeface="Menlo" charset="0"/>
+              </a:rPr>
+              <a:t>for </a:t>
+            </a:r>
+            <a:r>
+              <a:rPr lang="mr-IN" dirty="0" err="1">
+                <a:latin typeface="Menlo" charset="0"/>
+                <a:ea typeface="Menlo" charset="0"/>
+                <a:cs typeface="Menlo" charset="0"/>
+              </a:rPr>
+              <a:t>p</a:t>
+            </a:r>
+            <a:r>
+              <a:rPr lang="mr-IN" dirty="0">
+                <a:latin typeface="Menlo" charset="0"/>
+                <a:ea typeface="Menlo" charset="0"/>
+                <a:cs typeface="Menlo" charset="0"/>
+              </a:rPr>
+              <a:t> </a:t>
+            </a:r>
+            <a:r>
+              <a:rPr lang="mr-IN" b="1" dirty="0" err="1">
+                <a:solidFill>
+                  <a:srgbClr val="000080"/>
+                </a:solidFill>
+                <a:latin typeface="Menlo" charset="0"/>
+                <a:ea typeface="Menlo" charset="0"/>
+                <a:cs typeface="Menlo" charset="0"/>
+              </a:rPr>
+              <a:t>in</a:t>
+            </a:r>
+            <a:r>
+              <a:rPr lang="mr-IN" b="1" dirty="0">
+                <a:solidFill>
+                  <a:srgbClr val="000080"/>
+                </a:solidFill>
+                <a:latin typeface="Menlo" charset="0"/>
+                <a:ea typeface="Menlo" charset="0"/>
+                <a:cs typeface="Menlo" charset="0"/>
+              </a:rPr>
+              <a:t> </a:t>
+            </a:r>
+            <a:r>
+              <a:rPr lang="mr-IN" dirty="0" err="1">
+                <a:latin typeface="Menlo" charset="0"/>
+                <a:ea typeface="Menlo" charset="0"/>
+                <a:cs typeface="Menlo" charset="0"/>
+              </a:rPr>
+              <a:t>pro</a:t>
+            </a:r>
+            <a:r>
+              <a:rPr lang="mr-IN" dirty="0">
+                <a:latin typeface="Menlo" charset="0"/>
+                <a:ea typeface="Menlo" charset="0"/>
+                <a:cs typeface="Menlo" charset="0"/>
+              </a:rPr>
+              <a:t>:</a:t>
+            </a:r>
+            <a:br>
+              <a:rPr lang="mr-IN" dirty="0">
+                <a:latin typeface="Menlo" charset="0"/>
+                <a:ea typeface="Menlo" charset="0"/>
+                <a:cs typeface="Menlo" charset="0"/>
+              </a:rPr>
+            </a:br>
+            <a:r>
+              <a:rPr lang="mr-IN" dirty="0">
+                <a:latin typeface="Menlo" charset="0"/>
+                <a:ea typeface="Menlo" charset="0"/>
+                <a:cs typeface="Menlo" charset="0"/>
+              </a:rPr>
+              <a:t>            </a:t>
+            </a:r>
+            <a:r>
+              <a:rPr lang="mr-IN" dirty="0" err="1">
+                <a:latin typeface="Menlo" charset="0"/>
+                <a:ea typeface="Menlo" charset="0"/>
+                <a:cs typeface="Menlo" charset="0"/>
+              </a:rPr>
+              <a:t>ind</a:t>
+            </a:r>
+            <a:r>
+              <a:rPr lang="mr-IN" dirty="0">
+                <a:latin typeface="Menlo" charset="0"/>
+                <a:ea typeface="Menlo" charset="0"/>
+                <a:cs typeface="Menlo" charset="0"/>
+              </a:rPr>
+              <a:t> = </a:t>
+            </a:r>
+            <a:r>
+              <a:rPr lang="mr-IN" dirty="0" err="1">
+                <a:latin typeface="Menlo" charset="0"/>
+                <a:ea typeface="Menlo" charset="0"/>
+                <a:cs typeface="Menlo" charset="0"/>
+              </a:rPr>
+              <a:t>names.index</a:t>
+            </a:r>
+            <a:r>
+              <a:rPr lang="mr-IN" dirty="0">
+                <a:latin typeface="Menlo" charset="0"/>
+                <a:ea typeface="Menlo" charset="0"/>
+                <a:cs typeface="Menlo" charset="0"/>
+              </a:rPr>
+              <a:t>(</a:t>
+            </a:r>
+            <a:r>
+              <a:rPr lang="mr-IN" dirty="0" err="1">
+                <a:latin typeface="Menlo" charset="0"/>
+                <a:ea typeface="Menlo" charset="0"/>
+                <a:cs typeface="Menlo" charset="0"/>
+              </a:rPr>
+              <a:t>p</a:t>
+            </a:r>
+            <a:r>
+              <a:rPr lang="mr-IN" dirty="0">
+                <a:latin typeface="Menlo" charset="0"/>
+                <a:ea typeface="Menlo" charset="0"/>
+                <a:cs typeface="Menlo" charset="0"/>
+              </a:rPr>
+              <a:t>)</a:t>
+            </a:r>
+            <a:br>
+              <a:rPr lang="mr-IN" dirty="0">
+                <a:latin typeface="Menlo" charset="0"/>
+                <a:ea typeface="Menlo" charset="0"/>
+                <a:cs typeface="Menlo" charset="0"/>
+              </a:rPr>
+            </a:br>
+            <a:r>
+              <a:rPr lang="mr-IN" dirty="0">
+                <a:latin typeface="Menlo" charset="0"/>
+                <a:ea typeface="Menlo" charset="0"/>
+                <a:cs typeface="Menlo" charset="0"/>
+              </a:rPr>
+              <a:t>            matrix[</a:t>
+            </a:r>
+            <a:r>
+              <a:rPr lang="mr-IN" dirty="0" err="1">
+                <a:latin typeface="Menlo" charset="0"/>
+                <a:ea typeface="Menlo" charset="0"/>
+                <a:cs typeface="Menlo" charset="0"/>
+              </a:rPr>
+              <a:t>i</a:t>
+            </a:r>
+            <a:r>
+              <a:rPr lang="mr-IN" dirty="0">
+                <a:latin typeface="Menlo" charset="0"/>
+                <a:ea typeface="Menlo" charset="0"/>
+                <a:cs typeface="Menlo" charset="0"/>
+              </a:rPr>
+              <a:t>][</a:t>
+            </a:r>
+            <a:r>
+              <a:rPr lang="mr-IN" dirty="0" err="1">
+                <a:latin typeface="Menlo" charset="0"/>
+                <a:ea typeface="Menlo" charset="0"/>
+                <a:cs typeface="Menlo" charset="0"/>
+              </a:rPr>
+              <a:t>ind</a:t>
+            </a:r>
+            <a:r>
+              <a:rPr lang="mr-IN" dirty="0">
+                <a:latin typeface="Menlo" charset="0"/>
+                <a:ea typeface="Menlo" charset="0"/>
+                <a:cs typeface="Menlo" charset="0"/>
+              </a:rPr>
+              <a:t>] = </a:t>
+            </a:r>
+            <a:r>
+              <a:rPr lang="mr-IN" dirty="0">
+                <a:solidFill>
+                  <a:srgbClr val="0000FF"/>
+                </a:solidFill>
+                <a:latin typeface="Menlo" charset="0"/>
+                <a:ea typeface="Menlo" charset="0"/>
+                <a:cs typeface="Menlo" charset="0"/>
+              </a:rPr>
+              <a:t>1</a:t>
+            </a:r>
+            <a:br>
+              <a:rPr lang="mr-IN" dirty="0">
+                <a:solidFill>
+                  <a:srgbClr val="0000FF"/>
+                </a:solidFill>
+                <a:latin typeface="Menlo" charset="0"/>
+                <a:ea typeface="Menlo" charset="0"/>
+                <a:cs typeface="Menlo" charset="0"/>
+              </a:rPr>
+            </a:br>
+            <a:r>
+              <a:rPr lang="mr-IN" dirty="0">
+                <a:solidFill>
+                  <a:srgbClr val="0000FF"/>
+                </a:solidFill>
+                <a:latin typeface="Menlo" charset="0"/>
+                <a:ea typeface="Menlo" charset="0"/>
+                <a:cs typeface="Menlo" charset="0"/>
+              </a:rPr>
+              <a:t>        </a:t>
+            </a:r>
+            <a:r>
+              <a:rPr lang="mr-IN" b="1" dirty="0">
+                <a:solidFill>
+                  <a:srgbClr val="000080"/>
+                </a:solidFill>
+                <a:latin typeface="Menlo" charset="0"/>
+                <a:ea typeface="Menlo" charset="0"/>
+                <a:cs typeface="Menlo" charset="0"/>
+              </a:rPr>
+              <a:t>for </a:t>
+            </a:r>
+            <a:r>
+              <a:rPr lang="mr-IN" dirty="0" err="1">
+                <a:latin typeface="Menlo" charset="0"/>
+                <a:ea typeface="Menlo" charset="0"/>
+                <a:cs typeface="Menlo" charset="0"/>
+              </a:rPr>
+              <a:t>p</a:t>
+            </a:r>
+            <a:r>
+              <a:rPr lang="mr-IN" dirty="0">
+                <a:latin typeface="Menlo" charset="0"/>
+                <a:ea typeface="Menlo" charset="0"/>
+                <a:cs typeface="Menlo" charset="0"/>
+              </a:rPr>
+              <a:t> </a:t>
+            </a:r>
+            <a:r>
+              <a:rPr lang="mr-IN" b="1" dirty="0" err="1">
+                <a:solidFill>
+                  <a:srgbClr val="000080"/>
+                </a:solidFill>
+                <a:latin typeface="Menlo" charset="0"/>
+                <a:ea typeface="Menlo" charset="0"/>
+                <a:cs typeface="Menlo" charset="0"/>
+              </a:rPr>
+              <a:t>in</a:t>
+            </a:r>
+            <a:r>
+              <a:rPr lang="mr-IN" b="1" dirty="0">
+                <a:solidFill>
+                  <a:srgbClr val="000080"/>
+                </a:solidFill>
+                <a:latin typeface="Menlo" charset="0"/>
+                <a:ea typeface="Menlo" charset="0"/>
+                <a:cs typeface="Menlo" charset="0"/>
+              </a:rPr>
+              <a:t> </a:t>
+            </a:r>
+            <a:r>
+              <a:rPr lang="mr-IN" dirty="0" err="1">
+                <a:latin typeface="Menlo" charset="0"/>
+                <a:ea typeface="Menlo" charset="0"/>
+                <a:cs typeface="Menlo" charset="0"/>
+              </a:rPr>
+              <a:t>con</a:t>
+            </a:r>
+            <a:r>
+              <a:rPr lang="mr-IN" dirty="0">
+                <a:latin typeface="Menlo" charset="0"/>
+                <a:ea typeface="Menlo" charset="0"/>
+                <a:cs typeface="Menlo" charset="0"/>
+              </a:rPr>
+              <a:t>:</a:t>
+            </a:r>
+            <a:br>
+              <a:rPr lang="mr-IN" dirty="0">
+                <a:latin typeface="Menlo" charset="0"/>
+                <a:ea typeface="Menlo" charset="0"/>
+                <a:cs typeface="Menlo" charset="0"/>
+              </a:rPr>
+            </a:br>
+            <a:r>
+              <a:rPr lang="mr-IN" dirty="0">
+                <a:latin typeface="Menlo" charset="0"/>
+                <a:ea typeface="Menlo" charset="0"/>
+                <a:cs typeface="Menlo" charset="0"/>
+              </a:rPr>
+              <a:t>            </a:t>
+            </a:r>
+            <a:r>
+              <a:rPr lang="mr-IN" dirty="0" err="1">
+                <a:latin typeface="Menlo" charset="0"/>
+                <a:ea typeface="Menlo" charset="0"/>
+                <a:cs typeface="Menlo" charset="0"/>
+              </a:rPr>
+              <a:t>ind</a:t>
+            </a:r>
+            <a:r>
+              <a:rPr lang="mr-IN" dirty="0">
+                <a:latin typeface="Menlo" charset="0"/>
+                <a:ea typeface="Menlo" charset="0"/>
+                <a:cs typeface="Menlo" charset="0"/>
+              </a:rPr>
+              <a:t> = </a:t>
+            </a:r>
+            <a:r>
+              <a:rPr lang="mr-IN" dirty="0" err="1">
+                <a:latin typeface="Menlo" charset="0"/>
+                <a:ea typeface="Menlo" charset="0"/>
+                <a:cs typeface="Menlo" charset="0"/>
+              </a:rPr>
+              <a:t>names.index</a:t>
+            </a:r>
+            <a:r>
+              <a:rPr lang="mr-IN" dirty="0">
+                <a:latin typeface="Menlo" charset="0"/>
+                <a:ea typeface="Menlo" charset="0"/>
+                <a:cs typeface="Menlo" charset="0"/>
+              </a:rPr>
+              <a:t>(</a:t>
+            </a:r>
+            <a:r>
+              <a:rPr lang="mr-IN" dirty="0" err="1">
+                <a:latin typeface="Menlo" charset="0"/>
+                <a:ea typeface="Menlo" charset="0"/>
+                <a:cs typeface="Menlo" charset="0"/>
+              </a:rPr>
+              <a:t>p</a:t>
+            </a:r>
+            <a:r>
+              <a:rPr lang="mr-IN" dirty="0">
+                <a:latin typeface="Menlo" charset="0"/>
+                <a:ea typeface="Menlo" charset="0"/>
+                <a:cs typeface="Menlo" charset="0"/>
+              </a:rPr>
+              <a:t>)</a:t>
+            </a:r>
+            <a:br>
+              <a:rPr lang="mr-IN" dirty="0">
+                <a:latin typeface="Menlo" charset="0"/>
+                <a:ea typeface="Menlo" charset="0"/>
+                <a:cs typeface="Menlo" charset="0"/>
+              </a:rPr>
+            </a:br>
+            <a:r>
+              <a:rPr lang="mr-IN" dirty="0">
+                <a:latin typeface="Menlo" charset="0"/>
+                <a:ea typeface="Menlo" charset="0"/>
+                <a:cs typeface="Menlo" charset="0"/>
+              </a:rPr>
+              <a:t>            matrix[</a:t>
+            </a:r>
+            <a:r>
+              <a:rPr lang="mr-IN" dirty="0" err="1">
+                <a:latin typeface="Menlo" charset="0"/>
+                <a:ea typeface="Menlo" charset="0"/>
+                <a:cs typeface="Menlo" charset="0"/>
+              </a:rPr>
+              <a:t>i</a:t>
+            </a:r>
+            <a:r>
+              <a:rPr lang="mr-IN" dirty="0">
+                <a:latin typeface="Menlo" charset="0"/>
+                <a:ea typeface="Menlo" charset="0"/>
+                <a:cs typeface="Menlo" charset="0"/>
+              </a:rPr>
+              <a:t>][</a:t>
+            </a:r>
+            <a:r>
+              <a:rPr lang="mr-IN" dirty="0" err="1">
+                <a:latin typeface="Menlo" charset="0"/>
+                <a:ea typeface="Menlo" charset="0"/>
+                <a:cs typeface="Menlo" charset="0"/>
+              </a:rPr>
+              <a:t>ind</a:t>
+            </a:r>
+            <a:r>
+              <a:rPr lang="mr-IN" dirty="0">
+                <a:latin typeface="Menlo" charset="0"/>
+                <a:ea typeface="Menlo" charset="0"/>
+                <a:cs typeface="Menlo" charset="0"/>
+              </a:rPr>
+              <a:t>] = -</a:t>
+            </a:r>
+            <a:r>
+              <a:rPr lang="mr-IN" dirty="0">
+                <a:solidFill>
+                  <a:srgbClr val="0000FF"/>
+                </a:solidFill>
+                <a:latin typeface="Menlo" charset="0"/>
+                <a:ea typeface="Menlo" charset="0"/>
+                <a:cs typeface="Menlo" charset="0"/>
+              </a:rPr>
+              <a:t>1</a:t>
+            </a:r>
+            <a:br>
+              <a:rPr lang="mr-IN" dirty="0">
+                <a:solidFill>
+                  <a:srgbClr val="0000FF"/>
+                </a:solidFill>
+                <a:latin typeface="Menlo" charset="0"/>
+                <a:ea typeface="Menlo" charset="0"/>
+                <a:cs typeface="Menlo" charset="0"/>
+              </a:rPr>
+            </a:br>
+            <a:r>
+              <a:rPr lang="mr-IN" dirty="0">
+                <a:solidFill>
+                  <a:srgbClr val="0000FF"/>
+                </a:solidFill>
+                <a:latin typeface="Menlo" charset="0"/>
+                <a:ea typeface="Menlo" charset="0"/>
+                <a:cs typeface="Menlo" charset="0"/>
+              </a:rPr>
+              <a:t>    </a:t>
+            </a:r>
+            <a:r>
+              <a:rPr lang="mr-IN" b="1" dirty="0" err="1">
+                <a:solidFill>
+                  <a:srgbClr val="000080"/>
+                </a:solidFill>
+                <a:latin typeface="Menlo" charset="0"/>
+                <a:ea typeface="Menlo" charset="0"/>
+                <a:cs typeface="Menlo" charset="0"/>
+              </a:rPr>
+              <a:t>return</a:t>
+            </a:r>
+            <a:r>
+              <a:rPr lang="mr-IN" b="1" dirty="0">
+                <a:solidFill>
+                  <a:srgbClr val="000080"/>
+                </a:solidFill>
+                <a:latin typeface="Menlo" charset="0"/>
+                <a:ea typeface="Menlo" charset="0"/>
+                <a:cs typeface="Menlo" charset="0"/>
+              </a:rPr>
+              <a:t> </a:t>
+            </a:r>
+            <a:r>
+              <a:rPr lang="mr-IN" dirty="0">
+                <a:latin typeface="Menlo" charset="0"/>
+                <a:ea typeface="Menlo" charset="0"/>
+                <a:cs typeface="Menlo" charset="0"/>
+              </a:rPr>
+              <a:t>matrix</a:t>
+            </a:r>
+            <a:r>
+              <a:rPr lang="mr-IN" dirty="0"/>
+              <a:t/>
+            </a:r>
+            <a:br>
+              <a:rPr lang="mr-IN" dirty="0"/>
+            </a:br>
+            <a:endParaRPr lang="de-DE" dirty="0"/>
+          </a:p>
+        </p:txBody>
+      </p:sp>
+    </p:spTree>
+    <p:extLst>
+      <p:ext uri="{BB962C8B-B14F-4D97-AF65-F5344CB8AC3E}">
+        <p14:creationId xmlns:p14="http://schemas.microsoft.com/office/powerpoint/2010/main" val="1123025975"/>
+      </p:ext>
+    </p:extLst>
+  </p:cSld>
+  <p:clrMapOvr>
+    <a:masterClrMapping/>
+  </p:clrMapOvr>
+  <p:timing>
+    <p:tnLst>
+      <p:par>
+        <p:cTn id="1" dur="indefinite" restart="never" nodeType="tmRoot"/>
+      </p:par>
+    </p:tnLst>
+  </p:timing>
+</p:sld>
+</file>
+
 <file path=ppt/slides/slide8.xml><?xml version="1.0" encoding="utf-8"?>
 <p:sld xmlns:a="http://schemas.openxmlformats.org/drawingml/2006/main" xmlns:r="http://schemas.openxmlformats.org/officeDocument/2006/relationships" xmlns:p="http://schemas.openxmlformats.org/presentationml/2006/main">
   <p:cSld>
@@ -23451,1143 +27801,7 @@
           <a:p>
             <a:r>
               <a:rPr lang="de-DE" dirty="0" smtClean="0"/>
-              <a:t>Umsetzung</a:t>
-            </a:r>
-            <a:endParaRPr lang="de-DE" dirty="0"/>
-          </a:p>
-        </p:txBody>
-      </p:sp>
-      <p:sp>
-        <p:nvSpPr>
-          <p:cNvPr id="4" name="Rechteck 3"/>
-          <p:cNvSpPr/>
-          <p:nvPr/>
-        </p:nvSpPr>
-        <p:spPr>
-          <a:xfrm>
-            <a:off x="838200" y="2230523"/>
-            <a:ext cx="10053577" cy="3693319"/>
-          </a:xfrm>
-          <a:prstGeom prst="rect">
-            <a:avLst/>
-          </a:prstGeom>
-        </p:spPr>
-        <p:txBody>
-          <a:bodyPr wrap="square">
-            <a:spAutoFit/>
-          </a:bodyPr>
-          <a:lstStyle/>
-          <a:p>
-            <a:r>
-              <a:rPr lang="mr-IN" b="1" dirty="0">
-                <a:solidFill>
-                  <a:srgbClr val="000080"/>
-                </a:solidFill>
-                <a:latin typeface="Menlo" charset="0"/>
-                <a:ea typeface="Menlo" charset="0"/>
-                <a:cs typeface="Menlo" charset="0"/>
-              </a:rPr>
-              <a:t>def </a:t>
-            </a:r>
-            <a:r>
-              <a:rPr lang="mr-IN" dirty="0" err="1" smtClean="0">
-                <a:latin typeface="Menlo" charset="0"/>
-                <a:ea typeface="Menlo" charset="0"/>
-                <a:cs typeface="Menlo" charset="0"/>
-              </a:rPr>
-              <a:t>create_matrix</a:t>
-            </a:r>
-            <a:r>
-              <a:rPr lang="mr-IN" dirty="0" smtClean="0">
-                <a:latin typeface="Menlo" charset="0"/>
-                <a:ea typeface="Menlo" charset="0"/>
-                <a:cs typeface="Menlo" charset="0"/>
-              </a:rPr>
-              <a:t>(</a:t>
-            </a:r>
-            <a:r>
-              <a:rPr lang="mr-IN" dirty="0" err="1" smtClean="0">
-                <a:latin typeface="Menlo" charset="0"/>
-                <a:ea typeface="Menlo" charset="0"/>
-                <a:cs typeface="Menlo" charset="0"/>
-              </a:rPr>
-              <a:t>l</a:t>
-            </a:r>
-            <a:r>
-              <a:rPr lang="en-US" dirty="0" err="1" smtClean="0">
-                <a:latin typeface="Menlo" charset="0"/>
-                <a:ea typeface="Menlo" charset="0"/>
-                <a:cs typeface="Menlo" charset="0"/>
-              </a:rPr>
-              <a:t>st</a:t>
-            </a:r>
-            <a:r>
-              <a:rPr lang="mr-IN" dirty="0" smtClean="0">
-                <a:latin typeface="Menlo" charset="0"/>
-                <a:ea typeface="Menlo" charset="0"/>
-                <a:cs typeface="Menlo" charset="0"/>
-              </a:rPr>
-              <a:t>, </a:t>
-            </a:r>
-            <a:r>
-              <a:rPr lang="mr-IN" dirty="0" err="1">
-                <a:latin typeface="Menlo" charset="0"/>
-                <a:ea typeface="Menlo" charset="0"/>
-                <a:cs typeface="Menlo" charset="0"/>
-              </a:rPr>
-              <a:t>names</a:t>
-            </a:r>
-            <a:r>
-              <a:rPr lang="mr-IN" dirty="0">
-                <a:latin typeface="Menlo" charset="0"/>
-                <a:ea typeface="Menlo" charset="0"/>
-                <a:cs typeface="Menlo" charset="0"/>
-              </a:rPr>
-              <a:t>):</a:t>
-            </a:r>
-            <a:br>
-              <a:rPr lang="mr-IN" dirty="0">
-                <a:latin typeface="Menlo" charset="0"/>
-                <a:ea typeface="Menlo" charset="0"/>
-                <a:cs typeface="Menlo" charset="0"/>
-              </a:rPr>
-            </a:br>
-            <a:r>
-              <a:rPr lang="mr-IN" dirty="0">
-                <a:latin typeface="Menlo" charset="0"/>
-                <a:ea typeface="Menlo" charset="0"/>
-                <a:cs typeface="Menlo" charset="0"/>
-              </a:rPr>
-              <a:t>    </a:t>
-            </a:r>
-            <a:r>
-              <a:rPr lang="mr-IN" dirty="0" smtClean="0">
-                <a:latin typeface="Menlo" charset="0"/>
-                <a:ea typeface="Menlo" charset="0"/>
-                <a:cs typeface="Menlo" charset="0"/>
-              </a:rPr>
-              <a:t>matrix </a:t>
-            </a:r>
-            <a:r>
-              <a:rPr lang="mr-IN" dirty="0">
-                <a:latin typeface="Menlo" charset="0"/>
-                <a:ea typeface="Menlo" charset="0"/>
-                <a:cs typeface="Menlo" charset="0"/>
-              </a:rPr>
-              <a:t>= </a:t>
-            </a:r>
-            <a:r>
-              <a:rPr lang="mr-IN" dirty="0" err="1">
-                <a:latin typeface="Menlo" charset="0"/>
-                <a:ea typeface="Menlo" charset="0"/>
-                <a:cs typeface="Menlo" charset="0"/>
-              </a:rPr>
-              <a:t>np.array</a:t>
-            </a:r>
-            <a:r>
-              <a:rPr lang="mr-IN" dirty="0">
-                <a:latin typeface="Menlo" charset="0"/>
-                <a:ea typeface="Menlo" charset="0"/>
-                <a:cs typeface="Menlo" charset="0"/>
-              </a:rPr>
-              <a:t>([[</a:t>
-            </a:r>
-            <a:r>
-              <a:rPr lang="mr-IN" dirty="0">
-                <a:solidFill>
-                  <a:srgbClr val="0000FF"/>
-                </a:solidFill>
-                <a:latin typeface="Menlo" charset="0"/>
-                <a:ea typeface="Menlo" charset="0"/>
-                <a:cs typeface="Menlo" charset="0"/>
-              </a:rPr>
-              <a:t>0</a:t>
-            </a:r>
-            <a:r>
-              <a:rPr lang="mr-IN" dirty="0">
-                <a:latin typeface="Menlo" charset="0"/>
-                <a:ea typeface="Menlo" charset="0"/>
-                <a:cs typeface="Menlo" charset="0"/>
-              </a:rPr>
-              <a:t>] * </a:t>
-            </a:r>
-            <a:r>
-              <a:rPr lang="mr-IN" dirty="0" err="1" smtClean="0">
-                <a:solidFill>
-                  <a:srgbClr val="000080"/>
-                </a:solidFill>
-                <a:latin typeface="Menlo" charset="0"/>
-                <a:ea typeface="Menlo" charset="0"/>
-                <a:cs typeface="Menlo" charset="0"/>
-              </a:rPr>
-              <a:t>len</a:t>
-            </a:r>
-            <a:r>
-              <a:rPr lang="mr-IN" dirty="0" smtClean="0">
-                <a:latin typeface="Menlo" charset="0"/>
-                <a:ea typeface="Menlo" charset="0"/>
-                <a:cs typeface="Menlo" charset="0"/>
-              </a:rPr>
-              <a:t>(</a:t>
-            </a:r>
-            <a:r>
-              <a:rPr lang="mr-IN" dirty="0" err="1" smtClean="0">
-                <a:latin typeface="Menlo" charset="0"/>
-                <a:ea typeface="Menlo" charset="0"/>
-                <a:cs typeface="Menlo" charset="0"/>
-              </a:rPr>
-              <a:t>l</a:t>
-            </a:r>
-            <a:r>
-              <a:rPr lang="en-US" dirty="0" err="1" smtClean="0">
-                <a:latin typeface="Menlo" charset="0"/>
-                <a:ea typeface="Menlo" charset="0"/>
-                <a:cs typeface="Menlo" charset="0"/>
-              </a:rPr>
-              <a:t>st</a:t>
-            </a:r>
-            <a:r>
-              <a:rPr lang="mr-IN" dirty="0" smtClean="0">
-                <a:latin typeface="Menlo" charset="0"/>
-                <a:ea typeface="Menlo" charset="0"/>
-                <a:cs typeface="Menlo" charset="0"/>
-              </a:rPr>
-              <a:t>) </a:t>
-            </a:r>
-            <a:r>
-              <a:rPr lang="mr-IN" b="1" dirty="0">
-                <a:solidFill>
-                  <a:srgbClr val="000080"/>
-                </a:solidFill>
-                <a:latin typeface="Menlo" charset="0"/>
-                <a:ea typeface="Menlo" charset="0"/>
-                <a:cs typeface="Menlo" charset="0"/>
-              </a:rPr>
-              <a:t>for </a:t>
-            </a:r>
-            <a:r>
-              <a:rPr lang="mr-IN" dirty="0">
-                <a:latin typeface="Menlo" charset="0"/>
-                <a:ea typeface="Menlo" charset="0"/>
-                <a:cs typeface="Menlo" charset="0"/>
-              </a:rPr>
-              <a:t>_ </a:t>
-            </a:r>
-            <a:r>
-              <a:rPr lang="mr-IN" b="1" dirty="0" err="1">
-                <a:solidFill>
-                  <a:srgbClr val="000080"/>
-                </a:solidFill>
-                <a:latin typeface="Menlo" charset="0"/>
-                <a:ea typeface="Menlo" charset="0"/>
-                <a:cs typeface="Menlo" charset="0"/>
-              </a:rPr>
-              <a:t>in</a:t>
-            </a:r>
-            <a:r>
-              <a:rPr lang="mr-IN" b="1" dirty="0">
-                <a:solidFill>
-                  <a:srgbClr val="000080"/>
-                </a:solidFill>
-                <a:latin typeface="Menlo" charset="0"/>
-                <a:ea typeface="Menlo" charset="0"/>
-                <a:cs typeface="Menlo" charset="0"/>
-              </a:rPr>
-              <a:t> </a:t>
-            </a:r>
-            <a:r>
-              <a:rPr lang="mr-IN" dirty="0" err="1">
-                <a:solidFill>
-                  <a:srgbClr val="000080"/>
-                </a:solidFill>
-                <a:latin typeface="Menlo" charset="0"/>
-                <a:ea typeface="Menlo" charset="0"/>
-                <a:cs typeface="Menlo" charset="0"/>
-              </a:rPr>
-              <a:t>range</a:t>
-            </a:r>
-            <a:r>
-              <a:rPr lang="mr-IN" dirty="0">
-                <a:latin typeface="Menlo" charset="0"/>
-                <a:ea typeface="Menlo" charset="0"/>
-                <a:cs typeface="Menlo" charset="0"/>
-              </a:rPr>
-              <a:t>(</a:t>
-            </a:r>
-            <a:r>
-              <a:rPr lang="mr-IN" dirty="0" err="1">
-                <a:solidFill>
-                  <a:srgbClr val="000080"/>
-                </a:solidFill>
-                <a:latin typeface="Menlo" charset="0"/>
-                <a:ea typeface="Menlo" charset="0"/>
-                <a:cs typeface="Menlo" charset="0"/>
-              </a:rPr>
-              <a:t>len</a:t>
-            </a:r>
-            <a:r>
-              <a:rPr lang="mr-IN" dirty="0">
-                <a:latin typeface="Menlo" charset="0"/>
-                <a:ea typeface="Menlo" charset="0"/>
-                <a:cs typeface="Menlo" charset="0"/>
-              </a:rPr>
-              <a:t>(</a:t>
-            </a:r>
-            <a:r>
-              <a:rPr lang="mr-IN" dirty="0" err="1">
-                <a:latin typeface="Menlo" charset="0"/>
-                <a:ea typeface="Menlo" charset="0"/>
-                <a:cs typeface="Menlo" charset="0"/>
-              </a:rPr>
-              <a:t>l</a:t>
-            </a:r>
-            <a:r>
-              <a:rPr lang="mr-IN" dirty="0">
-                <a:latin typeface="Menlo" charset="0"/>
-                <a:ea typeface="Menlo" charset="0"/>
-                <a:cs typeface="Menlo" charset="0"/>
-              </a:rPr>
-              <a:t>))])</a:t>
-            </a:r>
-            <a:br>
-              <a:rPr lang="mr-IN" dirty="0">
-                <a:latin typeface="Menlo" charset="0"/>
-                <a:ea typeface="Menlo" charset="0"/>
-                <a:cs typeface="Menlo" charset="0"/>
-              </a:rPr>
-            </a:br>
-            <a:r>
-              <a:rPr lang="mr-IN" dirty="0">
-                <a:latin typeface="Menlo" charset="0"/>
-                <a:ea typeface="Menlo" charset="0"/>
-                <a:cs typeface="Menlo" charset="0"/>
-              </a:rPr>
-              <a:t>    </a:t>
-            </a:r>
-            <a:r>
-              <a:rPr lang="mr-IN" b="1" dirty="0">
-                <a:solidFill>
-                  <a:srgbClr val="000080"/>
-                </a:solidFill>
-                <a:latin typeface="Menlo" charset="0"/>
-                <a:ea typeface="Menlo" charset="0"/>
-                <a:cs typeface="Menlo" charset="0"/>
-              </a:rPr>
-              <a:t>for </a:t>
-            </a:r>
-            <a:r>
-              <a:rPr lang="mr-IN" dirty="0" err="1">
-                <a:latin typeface="Menlo" charset="0"/>
-                <a:ea typeface="Menlo" charset="0"/>
-                <a:cs typeface="Menlo" charset="0"/>
-              </a:rPr>
-              <a:t>i</a:t>
-            </a:r>
-            <a:r>
-              <a:rPr lang="mr-IN" dirty="0">
-                <a:latin typeface="Menlo" charset="0"/>
-                <a:ea typeface="Menlo" charset="0"/>
-                <a:cs typeface="Menlo" charset="0"/>
-              </a:rPr>
-              <a:t> </a:t>
-            </a:r>
-            <a:r>
-              <a:rPr lang="mr-IN" b="1" dirty="0" err="1">
-                <a:solidFill>
-                  <a:srgbClr val="000080"/>
-                </a:solidFill>
-                <a:latin typeface="Menlo" charset="0"/>
-                <a:ea typeface="Menlo" charset="0"/>
-                <a:cs typeface="Menlo" charset="0"/>
-              </a:rPr>
-              <a:t>in</a:t>
-            </a:r>
-            <a:r>
-              <a:rPr lang="mr-IN" b="1" dirty="0">
-                <a:solidFill>
-                  <a:srgbClr val="000080"/>
-                </a:solidFill>
-                <a:latin typeface="Menlo" charset="0"/>
-                <a:ea typeface="Menlo" charset="0"/>
-                <a:cs typeface="Menlo" charset="0"/>
-              </a:rPr>
-              <a:t> </a:t>
-            </a:r>
-            <a:r>
-              <a:rPr lang="mr-IN" dirty="0" err="1" smtClean="0">
-                <a:solidFill>
-                  <a:srgbClr val="000080"/>
-                </a:solidFill>
-                <a:latin typeface="Menlo" charset="0"/>
-                <a:ea typeface="Menlo" charset="0"/>
-                <a:cs typeface="Menlo" charset="0"/>
-              </a:rPr>
-              <a:t>range</a:t>
-            </a:r>
-            <a:r>
-              <a:rPr lang="mr-IN" dirty="0" smtClean="0">
-                <a:latin typeface="Menlo" charset="0"/>
-                <a:ea typeface="Menlo" charset="0"/>
-                <a:cs typeface="Menlo" charset="0"/>
-              </a:rPr>
-              <a:t>(</a:t>
-            </a:r>
-            <a:r>
-              <a:rPr lang="mr-IN" dirty="0" err="1" smtClean="0">
-                <a:solidFill>
-                  <a:srgbClr val="000080"/>
-                </a:solidFill>
-                <a:latin typeface="Menlo" charset="0"/>
-                <a:ea typeface="Menlo" charset="0"/>
-                <a:cs typeface="Menlo" charset="0"/>
-              </a:rPr>
-              <a:t>len</a:t>
-            </a:r>
-            <a:r>
-              <a:rPr lang="mr-IN" dirty="0" smtClean="0">
-                <a:latin typeface="Menlo" charset="0"/>
-                <a:ea typeface="Menlo" charset="0"/>
-                <a:cs typeface="Menlo" charset="0"/>
-              </a:rPr>
-              <a:t>(</a:t>
-            </a:r>
-            <a:r>
-              <a:rPr lang="mr-IN" dirty="0" err="1" smtClean="0">
-                <a:latin typeface="Menlo" charset="0"/>
-                <a:ea typeface="Menlo" charset="0"/>
-                <a:cs typeface="Menlo" charset="0"/>
-              </a:rPr>
-              <a:t>l</a:t>
-            </a:r>
-            <a:r>
-              <a:rPr lang="en-US" dirty="0" err="1" smtClean="0">
-                <a:latin typeface="Menlo" charset="0"/>
-                <a:ea typeface="Menlo" charset="0"/>
-                <a:cs typeface="Menlo" charset="0"/>
-              </a:rPr>
-              <a:t>st</a:t>
-            </a:r>
-            <a:r>
-              <a:rPr lang="mr-IN" dirty="0" smtClean="0">
-                <a:latin typeface="Menlo" charset="0"/>
-                <a:ea typeface="Menlo" charset="0"/>
-                <a:cs typeface="Menlo" charset="0"/>
-              </a:rPr>
-              <a:t>)):</a:t>
-            </a:r>
-            <a:r>
-              <a:rPr lang="mr-IN" dirty="0">
-                <a:latin typeface="Menlo" charset="0"/>
-                <a:ea typeface="Menlo" charset="0"/>
-                <a:cs typeface="Menlo" charset="0"/>
-              </a:rPr>
-              <a:t/>
-            </a:r>
-            <a:br>
-              <a:rPr lang="mr-IN" dirty="0">
-                <a:latin typeface="Menlo" charset="0"/>
-                <a:ea typeface="Menlo" charset="0"/>
-                <a:cs typeface="Menlo" charset="0"/>
-              </a:rPr>
-            </a:br>
-            <a:r>
-              <a:rPr lang="mr-IN" dirty="0">
-                <a:latin typeface="Menlo" charset="0"/>
-                <a:ea typeface="Menlo" charset="0"/>
-                <a:cs typeface="Menlo" charset="0"/>
-              </a:rPr>
-              <a:t>        </a:t>
-            </a:r>
-            <a:r>
-              <a:rPr lang="mr-IN" dirty="0" err="1">
-                <a:latin typeface="Menlo" charset="0"/>
-                <a:ea typeface="Menlo" charset="0"/>
-                <a:cs typeface="Menlo" charset="0"/>
-              </a:rPr>
-              <a:t>pro</a:t>
-            </a:r>
-            <a:r>
-              <a:rPr lang="mr-IN" dirty="0">
-                <a:latin typeface="Menlo" charset="0"/>
-                <a:ea typeface="Menlo" charset="0"/>
-                <a:cs typeface="Menlo" charset="0"/>
-              </a:rPr>
-              <a:t> = </a:t>
-            </a:r>
-            <a:r>
-              <a:rPr lang="mr-IN" dirty="0" err="1" smtClean="0">
-                <a:latin typeface="Menlo" charset="0"/>
-                <a:ea typeface="Menlo" charset="0"/>
-                <a:cs typeface="Menlo" charset="0"/>
-              </a:rPr>
-              <a:t>l</a:t>
-            </a:r>
-            <a:r>
-              <a:rPr lang="en-US" dirty="0" err="1" smtClean="0">
-                <a:latin typeface="Menlo" charset="0"/>
-                <a:ea typeface="Menlo" charset="0"/>
-                <a:cs typeface="Menlo" charset="0"/>
-              </a:rPr>
-              <a:t>st</a:t>
-            </a:r>
-            <a:r>
-              <a:rPr lang="mr-IN" dirty="0" smtClean="0">
-                <a:latin typeface="Menlo" charset="0"/>
-                <a:ea typeface="Menlo" charset="0"/>
-                <a:cs typeface="Menlo" charset="0"/>
-              </a:rPr>
-              <a:t>[</a:t>
-            </a:r>
-            <a:r>
-              <a:rPr lang="mr-IN" dirty="0" err="1" smtClean="0">
-                <a:latin typeface="Menlo" charset="0"/>
-                <a:ea typeface="Menlo" charset="0"/>
-                <a:cs typeface="Menlo" charset="0"/>
-              </a:rPr>
-              <a:t>i</a:t>
-            </a:r>
-            <a:r>
-              <a:rPr lang="mr-IN" dirty="0">
-                <a:latin typeface="Menlo" charset="0"/>
-                <a:ea typeface="Menlo" charset="0"/>
-                <a:cs typeface="Menlo" charset="0"/>
-              </a:rPr>
-              <a:t>][</a:t>
-            </a:r>
-            <a:r>
-              <a:rPr lang="mr-IN" dirty="0">
-                <a:solidFill>
-                  <a:srgbClr val="0000FF"/>
-                </a:solidFill>
-                <a:latin typeface="Menlo" charset="0"/>
-                <a:ea typeface="Menlo" charset="0"/>
-                <a:cs typeface="Menlo" charset="0"/>
-              </a:rPr>
-              <a:t>1</a:t>
-            </a:r>
-            <a:r>
-              <a:rPr lang="mr-IN" dirty="0">
-                <a:latin typeface="Menlo" charset="0"/>
-                <a:ea typeface="Menlo" charset="0"/>
-                <a:cs typeface="Menlo" charset="0"/>
-              </a:rPr>
-              <a:t>]</a:t>
-            </a:r>
-            <a:br>
-              <a:rPr lang="mr-IN" dirty="0">
-                <a:latin typeface="Menlo" charset="0"/>
-                <a:ea typeface="Menlo" charset="0"/>
-                <a:cs typeface="Menlo" charset="0"/>
-              </a:rPr>
-            </a:br>
-            <a:r>
-              <a:rPr lang="mr-IN" dirty="0">
-                <a:latin typeface="Menlo" charset="0"/>
-                <a:ea typeface="Menlo" charset="0"/>
-                <a:cs typeface="Menlo" charset="0"/>
-              </a:rPr>
-              <a:t>        </a:t>
-            </a:r>
-            <a:r>
-              <a:rPr lang="mr-IN" dirty="0" err="1">
-                <a:latin typeface="Menlo" charset="0"/>
-                <a:ea typeface="Menlo" charset="0"/>
-                <a:cs typeface="Menlo" charset="0"/>
-              </a:rPr>
-              <a:t>con</a:t>
-            </a:r>
-            <a:r>
-              <a:rPr lang="mr-IN" dirty="0">
-                <a:latin typeface="Menlo" charset="0"/>
-                <a:ea typeface="Menlo" charset="0"/>
-                <a:cs typeface="Menlo" charset="0"/>
-              </a:rPr>
-              <a:t> = </a:t>
-            </a:r>
-            <a:r>
-              <a:rPr lang="mr-IN" dirty="0" err="1" smtClean="0">
-                <a:latin typeface="Menlo" charset="0"/>
-                <a:ea typeface="Menlo" charset="0"/>
-                <a:cs typeface="Menlo" charset="0"/>
-              </a:rPr>
-              <a:t>l</a:t>
-            </a:r>
-            <a:r>
-              <a:rPr lang="en-US" dirty="0" err="1" smtClean="0">
-                <a:latin typeface="Menlo" charset="0"/>
-                <a:ea typeface="Menlo" charset="0"/>
-                <a:cs typeface="Menlo" charset="0"/>
-              </a:rPr>
-              <a:t>st</a:t>
-            </a:r>
-            <a:r>
-              <a:rPr lang="mr-IN" dirty="0" smtClean="0">
-                <a:latin typeface="Menlo" charset="0"/>
-                <a:ea typeface="Menlo" charset="0"/>
-                <a:cs typeface="Menlo" charset="0"/>
-              </a:rPr>
-              <a:t>[</a:t>
-            </a:r>
-            <a:r>
-              <a:rPr lang="mr-IN" dirty="0" err="1" smtClean="0">
-                <a:latin typeface="Menlo" charset="0"/>
-                <a:ea typeface="Menlo" charset="0"/>
-                <a:cs typeface="Menlo" charset="0"/>
-              </a:rPr>
-              <a:t>i</a:t>
-            </a:r>
-            <a:r>
-              <a:rPr lang="mr-IN" dirty="0">
-                <a:latin typeface="Menlo" charset="0"/>
-                <a:ea typeface="Menlo" charset="0"/>
-                <a:cs typeface="Menlo" charset="0"/>
-              </a:rPr>
-              <a:t>][</a:t>
-            </a:r>
-            <a:r>
-              <a:rPr lang="mr-IN" dirty="0">
-                <a:solidFill>
-                  <a:srgbClr val="0000FF"/>
-                </a:solidFill>
-                <a:latin typeface="Menlo" charset="0"/>
-                <a:ea typeface="Menlo" charset="0"/>
-                <a:cs typeface="Menlo" charset="0"/>
-              </a:rPr>
-              <a:t>2</a:t>
-            </a:r>
-            <a:r>
-              <a:rPr lang="mr-IN" dirty="0">
-                <a:latin typeface="Menlo" charset="0"/>
-                <a:ea typeface="Menlo" charset="0"/>
-                <a:cs typeface="Menlo" charset="0"/>
-              </a:rPr>
-              <a:t>]</a:t>
-            </a:r>
-            <a:br>
-              <a:rPr lang="mr-IN" dirty="0">
-                <a:latin typeface="Menlo" charset="0"/>
-                <a:ea typeface="Menlo" charset="0"/>
-                <a:cs typeface="Menlo" charset="0"/>
-              </a:rPr>
-            </a:br>
-            <a:r>
-              <a:rPr lang="mr-IN" dirty="0">
-                <a:latin typeface="Menlo" charset="0"/>
-                <a:ea typeface="Menlo" charset="0"/>
-                <a:cs typeface="Menlo" charset="0"/>
-              </a:rPr>
-              <a:t>        </a:t>
-            </a:r>
-            <a:r>
-              <a:rPr lang="mr-IN" b="1" dirty="0">
-                <a:solidFill>
-                  <a:srgbClr val="000080"/>
-                </a:solidFill>
-                <a:latin typeface="Menlo" charset="0"/>
-                <a:ea typeface="Menlo" charset="0"/>
-                <a:cs typeface="Menlo" charset="0"/>
-              </a:rPr>
-              <a:t>for </a:t>
-            </a:r>
-            <a:r>
-              <a:rPr lang="mr-IN" dirty="0" err="1">
-                <a:latin typeface="Menlo" charset="0"/>
-                <a:ea typeface="Menlo" charset="0"/>
-                <a:cs typeface="Menlo" charset="0"/>
-              </a:rPr>
-              <a:t>p</a:t>
-            </a:r>
-            <a:r>
-              <a:rPr lang="mr-IN" dirty="0">
-                <a:latin typeface="Menlo" charset="0"/>
-                <a:ea typeface="Menlo" charset="0"/>
-                <a:cs typeface="Menlo" charset="0"/>
-              </a:rPr>
-              <a:t> </a:t>
-            </a:r>
-            <a:r>
-              <a:rPr lang="mr-IN" b="1" dirty="0" err="1">
-                <a:solidFill>
-                  <a:srgbClr val="000080"/>
-                </a:solidFill>
-                <a:latin typeface="Menlo" charset="0"/>
-                <a:ea typeface="Menlo" charset="0"/>
-                <a:cs typeface="Menlo" charset="0"/>
-              </a:rPr>
-              <a:t>in</a:t>
-            </a:r>
-            <a:r>
-              <a:rPr lang="mr-IN" b="1" dirty="0">
-                <a:solidFill>
-                  <a:srgbClr val="000080"/>
-                </a:solidFill>
-                <a:latin typeface="Menlo" charset="0"/>
-                <a:ea typeface="Menlo" charset="0"/>
-                <a:cs typeface="Menlo" charset="0"/>
-              </a:rPr>
-              <a:t> </a:t>
-            </a:r>
-            <a:r>
-              <a:rPr lang="mr-IN" dirty="0" err="1">
-                <a:latin typeface="Menlo" charset="0"/>
-                <a:ea typeface="Menlo" charset="0"/>
-                <a:cs typeface="Menlo" charset="0"/>
-              </a:rPr>
-              <a:t>pro</a:t>
-            </a:r>
-            <a:r>
-              <a:rPr lang="mr-IN" dirty="0">
-                <a:latin typeface="Menlo" charset="0"/>
-                <a:ea typeface="Menlo" charset="0"/>
-                <a:cs typeface="Menlo" charset="0"/>
-              </a:rPr>
-              <a:t>:</a:t>
-            </a:r>
-            <a:br>
-              <a:rPr lang="mr-IN" dirty="0">
-                <a:latin typeface="Menlo" charset="0"/>
-                <a:ea typeface="Menlo" charset="0"/>
-                <a:cs typeface="Menlo" charset="0"/>
-              </a:rPr>
-            </a:br>
-            <a:r>
-              <a:rPr lang="mr-IN" dirty="0">
-                <a:latin typeface="Menlo" charset="0"/>
-                <a:ea typeface="Menlo" charset="0"/>
-                <a:cs typeface="Menlo" charset="0"/>
-              </a:rPr>
-              <a:t>            </a:t>
-            </a:r>
-            <a:r>
-              <a:rPr lang="mr-IN" dirty="0" err="1">
-                <a:latin typeface="Menlo" charset="0"/>
-                <a:ea typeface="Menlo" charset="0"/>
-                <a:cs typeface="Menlo" charset="0"/>
-              </a:rPr>
-              <a:t>ind</a:t>
-            </a:r>
-            <a:r>
-              <a:rPr lang="mr-IN" dirty="0">
-                <a:latin typeface="Menlo" charset="0"/>
-                <a:ea typeface="Menlo" charset="0"/>
-                <a:cs typeface="Menlo" charset="0"/>
-              </a:rPr>
-              <a:t> = </a:t>
-            </a:r>
-            <a:r>
-              <a:rPr lang="mr-IN" dirty="0" err="1">
-                <a:latin typeface="Menlo" charset="0"/>
-                <a:ea typeface="Menlo" charset="0"/>
-                <a:cs typeface="Menlo" charset="0"/>
-              </a:rPr>
-              <a:t>names.index</a:t>
-            </a:r>
-            <a:r>
-              <a:rPr lang="mr-IN" dirty="0">
-                <a:latin typeface="Menlo" charset="0"/>
-                <a:ea typeface="Menlo" charset="0"/>
-                <a:cs typeface="Menlo" charset="0"/>
-              </a:rPr>
-              <a:t>(</a:t>
-            </a:r>
-            <a:r>
-              <a:rPr lang="mr-IN" dirty="0" err="1">
-                <a:latin typeface="Menlo" charset="0"/>
-                <a:ea typeface="Menlo" charset="0"/>
-                <a:cs typeface="Menlo" charset="0"/>
-              </a:rPr>
-              <a:t>p</a:t>
-            </a:r>
-            <a:r>
-              <a:rPr lang="mr-IN" dirty="0">
-                <a:latin typeface="Menlo" charset="0"/>
-                <a:ea typeface="Menlo" charset="0"/>
-                <a:cs typeface="Menlo" charset="0"/>
-              </a:rPr>
-              <a:t>)</a:t>
-            </a:r>
-            <a:br>
-              <a:rPr lang="mr-IN" dirty="0">
-                <a:latin typeface="Menlo" charset="0"/>
-                <a:ea typeface="Menlo" charset="0"/>
-                <a:cs typeface="Menlo" charset="0"/>
-              </a:rPr>
-            </a:br>
-            <a:r>
-              <a:rPr lang="mr-IN" dirty="0">
-                <a:latin typeface="Menlo" charset="0"/>
-                <a:ea typeface="Menlo" charset="0"/>
-                <a:cs typeface="Menlo" charset="0"/>
-              </a:rPr>
-              <a:t>            matrix[</a:t>
-            </a:r>
-            <a:r>
-              <a:rPr lang="mr-IN" dirty="0" err="1">
-                <a:latin typeface="Menlo" charset="0"/>
-                <a:ea typeface="Menlo" charset="0"/>
-                <a:cs typeface="Menlo" charset="0"/>
-              </a:rPr>
-              <a:t>i</a:t>
-            </a:r>
-            <a:r>
-              <a:rPr lang="mr-IN" dirty="0">
-                <a:latin typeface="Menlo" charset="0"/>
-                <a:ea typeface="Menlo" charset="0"/>
-                <a:cs typeface="Menlo" charset="0"/>
-              </a:rPr>
-              <a:t>][</a:t>
-            </a:r>
-            <a:r>
-              <a:rPr lang="mr-IN" dirty="0" err="1">
-                <a:latin typeface="Menlo" charset="0"/>
-                <a:ea typeface="Menlo" charset="0"/>
-                <a:cs typeface="Menlo" charset="0"/>
-              </a:rPr>
-              <a:t>ind</a:t>
-            </a:r>
-            <a:r>
-              <a:rPr lang="mr-IN" dirty="0">
-                <a:latin typeface="Menlo" charset="0"/>
-                <a:ea typeface="Menlo" charset="0"/>
-                <a:cs typeface="Menlo" charset="0"/>
-              </a:rPr>
-              <a:t>] = </a:t>
-            </a:r>
-            <a:r>
-              <a:rPr lang="mr-IN" dirty="0">
-                <a:solidFill>
-                  <a:srgbClr val="0000FF"/>
-                </a:solidFill>
-                <a:latin typeface="Menlo" charset="0"/>
-                <a:ea typeface="Menlo" charset="0"/>
-                <a:cs typeface="Menlo" charset="0"/>
-              </a:rPr>
-              <a:t>1</a:t>
-            </a:r>
-            <a:br>
-              <a:rPr lang="mr-IN" dirty="0">
-                <a:solidFill>
-                  <a:srgbClr val="0000FF"/>
-                </a:solidFill>
-                <a:latin typeface="Menlo" charset="0"/>
-                <a:ea typeface="Menlo" charset="0"/>
-                <a:cs typeface="Menlo" charset="0"/>
-              </a:rPr>
-            </a:br>
-            <a:r>
-              <a:rPr lang="mr-IN" dirty="0">
-                <a:solidFill>
-                  <a:srgbClr val="0000FF"/>
-                </a:solidFill>
-                <a:latin typeface="Menlo" charset="0"/>
-                <a:ea typeface="Menlo" charset="0"/>
-                <a:cs typeface="Menlo" charset="0"/>
-              </a:rPr>
-              <a:t>        </a:t>
-            </a:r>
-            <a:r>
-              <a:rPr lang="mr-IN" b="1" dirty="0">
-                <a:solidFill>
-                  <a:srgbClr val="000080"/>
-                </a:solidFill>
-                <a:latin typeface="Menlo" charset="0"/>
-                <a:ea typeface="Menlo" charset="0"/>
-                <a:cs typeface="Menlo" charset="0"/>
-              </a:rPr>
-              <a:t>for </a:t>
-            </a:r>
-            <a:r>
-              <a:rPr lang="mr-IN" dirty="0" err="1">
-                <a:latin typeface="Menlo" charset="0"/>
-                <a:ea typeface="Menlo" charset="0"/>
-                <a:cs typeface="Menlo" charset="0"/>
-              </a:rPr>
-              <a:t>p</a:t>
-            </a:r>
-            <a:r>
-              <a:rPr lang="mr-IN" dirty="0">
-                <a:latin typeface="Menlo" charset="0"/>
-                <a:ea typeface="Menlo" charset="0"/>
-                <a:cs typeface="Menlo" charset="0"/>
-              </a:rPr>
-              <a:t> </a:t>
-            </a:r>
-            <a:r>
-              <a:rPr lang="mr-IN" b="1" dirty="0" err="1">
-                <a:solidFill>
-                  <a:srgbClr val="000080"/>
-                </a:solidFill>
-                <a:latin typeface="Menlo" charset="0"/>
-                <a:ea typeface="Menlo" charset="0"/>
-                <a:cs typeface="Menlo" charset="0"/>
-              </a:rPr>
-              <a:t>in</a:t>
-            </a:r>
-            <a:r>
-              <a:rPr lang="mr-IN" b="1" dirty="0">
-                <a:solidFill>
-                  <a:srgbClr val="000080"/>
-                </a:solidFill>
-                <a:latin typeface="Menlo" charset="0"/>
-                <a:ea typeface="Menlo" charset="0"/>
-                <a:cs typeface="Menlo" charset="0"/>
-              </a:rPr>
-              <a:t> </a:t>
-            </a:r>
-            <a:r>
-              <a:rPr lang="mr-IN" dirty="0" err="1">
-                <a:latin typeface="Menlo" charset="0"/>
-                <a:ea typeface="Menlo" charset="0"/>
-                <a:cs typeface="Menlo" charset="0"/>
-              </a:rPr>
-              <a:t>con</a:t>
-            </a:r>
-            <a:r>
-              <a:rPr lang="mr-IN" dirty="0">
-                <a:latin typeface="Menlo" charset="0"/>
-                <a:ea typeface="Menlo" charset="0"/>
-                <a:cs typeface="Menlo" charset="0"/>
-              </a:rPr>
-              <a:t>:</a:t>
-            </a:r>
-            <a:br>
-              <a:rPr lang="mr-IN" dirty="0">
-                <a:latin typeface="Menlo" charset="0"/>
-                <a:ea typeface="Menlo" charset="0"/>
-                <a:cs typeface="Menlo" charset="0"/>
-              </a:rPr>
-            </a:br>
-            <a:r>
-              <a:rPr lang="mr-IN" dirty="0">
-                <a:latin typeface="Menlo" charset="0"/>
-                <a:ea typeface="Menlo" charset="0"/>
-                <a:cs typeface="Menlo" charset="0"/>
-              </a:rPr>
-              <a:t>            </a:t>
-            </a:r>
-            <a:r>
-              <a:rPr lang="mr-IN" dirty="0" err="1">
-                <a:latin typeface="Menlo" charset="0"/>
-                <a:ea typeface="Menlo" charset="0"/>
-                <a:cs typeface="Menlo" charset="0"/>
-              </a:rPr>
-              <a:t>ind</a:t>
-            </a:r>
-            <a:r>
-              <a:rPr lang="mr-IN" dirty="0">
-                <a:latin typeface="Menlo" charset="0"/>
-                <a:ea typeface="Menlo" charset="0"/>
-                <a:cs typeface="Menlo" charset="0"/>
-              </a:rPr>
-              <a:t> = </a:t>
-            </a:r>
-            <a:r>
-              <a:rPr lang="mr-IN" dirty="0" err="1">
-                <a:latin typeface="Menlo" charset="0"/>
-                <a:ea typeface="Menlo" charset="0"/>
-                <a:cs typeface="Menlo" charset="0"/>
-              </a:rPr>
-              <a:t>names.index</a:t>
-            </a:r>
-            <a:r>
-              <a:rPr lang="mr-IN" dirty="0">
-                <a:latin typeface="Menlo" charset="0"/>
-                <a:ea typeface="Menlo" charset="0"/>
-                <a:cs typeface="Menlo" charset="0"/>
-              </a:rPr>
-              <a:t>(</a:t>
-            </a:r>
-            <a:r>
-              <a:rPr lang="mr-IN" dirty="0" err="1">
-                <a:latin typeface="Menlo" charset="0"/>
-                <a:ea typeface="Menlo" charset="0"/>
-                <a:cs typeface="Menlo" charset="0"/>
-              </a:rPr>
-              <a:t>p</a:t>
-            </a:r>
-            <a:r>
-              <a:rPr lang="mr-IN" dirty="0">
-                <a:latin typeface="Menlo" charset="0"/>
-                <a:ea typeface="Menlo" charset="0"/>
-                <a:cs typeface="Menlo" charset="0"/>
-              </a:rPr>
-              <a:t>)</a:t>
-            </a:r>
-            <a:br>
-              <a:rPr lang="mr-IN" dirty="0">
-                <a:latin typeface="Menlo" charset="0"/>
-                <a:ea typeface="Menlo" charset="0"/>
-                <a:cs typeface="Menlo" charset="0"/>
-              </a:rPr>
-            </a:br>
-            <a:r>
-              <a:rPr lang="mr-IN" dirty="0">
-                <a:latin typeface="Menlo" charset="0"/>
-                <a:ea typeface="Menlo" charset="0"/>
-                <a:cs typeface="Menlo" charset="0"/>
-              </a:rPr>
-              <a:t>            matrix[</a:t>
-            </a:r>
-            <a:r>
-              <a:rPr lang="mr-IN" dirty="0" err="1">
-                <a:latin typeface="Menlo" charset="0"/>
-                <a:ea typeface="Menlo" charset="0"/>
-                <a:cs typeface="Menlo" charset="0"/>
-              </a:rPr>
-              <a:t>i</a:t>
-            </a:r>
-            <a:r>
-              <a:rPr lang="mr-IN" dirty="0">
-                <a:latin typeface="Menlo" charset="0"/>
-                <a:ea typeface="Menlo" charset="0"/>
-                <a:cs typeface="Menlo" charset="0"/>
-              </a:rPr>
-              <a:t>][</a:t>
-            </a:r>
-            <a:r>
-              <a:rPr lang="mr-IN" dirty="0" err="1">
-                <a:latin typeface="Menlo" charset="0"/>
-                <a:ea typeface="Menlo" charset="0"/>
-                <a:cs typeface="Menlo" charset="0"/>
-              </a:rPr>
-              <a:t>ind</a:t>
-            </a:r>
-            <a:r>
-              <a:rPr lang="mr-IN" dirty="0">
-                <a:latin typeface="Menlo" charset="0"/>
-                <a:ea typeface="Menlo" charset="0"/>
-                <a:cs typeface="Menlo" charset="0"/>
-              </a:rPr>
-              <a:t>] = -</a:t>
-            </a:r>
-            <a:r>
-              <a:rPr lang="mr-IN" dirty="0">
-                <a:solidFill>
-                  <a:srgbClr val="0000FF"/>
-                </a:solidFill>
-                <a:latin typeface="Menlo" charset="0"/>
-                <a:ea typeface="Menlo" charset="0"/>
-                <a:cs typeface="Menlo" charset="0"/>
-              </a:rPr>
-              <a:t>1</a:t>
-            </a:r>
-            <a:br>
-              <a:rPr lang="mr-IN" dirty="0">
-                <a:solidFill>
-                  <a:srgbClr val="0000FF"/>
-                </a:solidFill>
-                <a:latin typeface="Menlo" charset="0"/>
-                <a:ea typeface="Menlo" charset="0"/>
-                <a:cs typeface="Menlo" charset="0"/>
-              </a:rPr>
-            </a:br>
-            <a:r>
-              <a:rPr lang="mr-IN" dirty="0">
-                <a:solidFill>
-                  <a:srgbClr val="0000FF"/>
-                </a:solidFill>
-                <a:latin typeface="Menlo" charset="0"/>
-                <a:ea typeface="Menlo" charset="0"/>
-                <a:cs typeface="Menlo" charset="0"/>
-              </a:rPr>
-              <a:t>    </a:t>
-            </a:r>
-            <a:r>
-              <a:rPr lang="mr-IN" b="1" dirty="0" err="1">
-                <a:solidFill>
-                  <a:srgbClr val="000080"/>
-                </a:solidFill>
-                <a:latin typeface="Menlo" charset="0"/>
-                <a:ea typeface="Menlo" charset="0"/>
-                <a:cs typeface="Menlo" charset="0"/>
-              </a:rPr>
-              <a:t>return</a:t>
-            </a:r>
-            <a:r>
-              <a:rPr lang="mr-IN" b="1" dirty="0">
-                <a:solidFill>
-                  <a:srgbClr val="000080"/>
-                </a:solidFill>
-                <a:latin typeface="Menlo" charset="0"/>
-                <a:ea typeface="Menlo" charset="0"/>
-                <a:cs typeface="Menlo" charset="0"/>
-              </a:rPr>
-              <a:t> </a:t>
-            </a:r>
-            <a:r>
-              <a:rPr lang="mr-IN" dirty="0">
-                <a:latin typeface="Menlo" charset="0"/>
-                <a:ea typeface="Menlo" charset="0"/>
-                <a:cs typeface="Menlo" charset="0"/>
-              </a:rPr>
-              <a:t>matrix</a:t>
-            </a:r>
-            <a:r>
-              <a:rPr lang="mr-IN" dirty="0"/>
-              <a:t/>
-            </a:r>
-            <a:br>
-              <a:rPr lang="mr-IN" dirty="0"/>
-            </a:br>
-            <a:endParaRPr lang="de-DE" dirty="0"/>
-          </a:p>
-        </p:txBody>
-      </p:sp>
-    </p:spTree>
-    <p:extLst>
-      <p:ext uri="{BB962C8B-B14F-4D97-AF65-F5344CB8AC3E}">
-        <p14:creationId xmlns:p14="http://schemas.microsoft.com/office/powerpoint/2010/main" val="1123025975"/>
-      </p:ext>
-    </p:extLst>
-  </p:cSld>
-  <p:clrMapOvr>
-    <a:masterClrMapping/>
-  </p:clrMapOvr>
-  <p:timing>
-    <p:tnLst>
-      <p:par>
-        <p:cTn id="1" dur="indefinite" restart="never" nodeType="tmRoot"/>
-      </p:par>
-    </p:tnLst>
-  </p:timing>
-</p:sld>
-</file>
-
-<file path=ppt/slides/slide9.xml><?xml version="1.0" encoding="utf-8"?>
-<p:sld xmlns:a="http://schemas.openxmlformats.org/drawingml/2006/main" xmlns:r="http://schemas.openxmlformats.org/officeDocument/2006/relationships" xmlns:p="http://schemas.openxmlformats.org/presentationml/2006/main">
-  <p:cSld>
-    <p:spTree>
-      <p:nvGrpSpPr>
-        <p:cNvPr id="1" name=""/>
-        <p:cNvGrpSpPr/>
-        <p:nvPr/>
-      </p:nvGrpSpPr>
-      <p:grpSpPr>
-        <a:xfrm>
-          <a:off x="0" y="0"/>
-          <a:ext cx="0" cy="0"/>
-          <a:chOff x="0" y="0"/>
-          <a:chExt cx="0" cy="0"/>
-        </a:xfrm>
-      </p:grpSpPr>
-      <p:sp>
-        <p:nvSpPr>
-          <p:cNvPr id="2" name="Titel 1"/>
-          <p:cNvSpPr>
-            <a:spLocks noGrp="1"/>
-          </p:cNvSpPr>
-          <p:nvPr>
-            <p:ph type="title"/>
-          </p:nvPr>
-        </p:nvSpPr>
-        <p:spPr/>
-        <p:txBody>
-          <a:bodyPr/>
-          <a:lstStyle/>
-          <a:p>
-            <a:r>
-              <a:rPr lang="de-DE" dirty="0" smtClean="0"/>
-              <a:t>Umsetzung</a:t>
+              <a:t>Zimmerverteilung / Umsetzung</a:t>
             </a:r>
             <a:endParaRPr lang="de-DE" dirty="0"/>
           </a:p>
@@ -26250,6 +29464,988 @@
 </p:sld>
 </file>
 
+<file path=ppt/slides/slide9.xml><?xml version="1.0" encoding="utf-8"?>
+<p:sld xmlns:a="http://schemas.openxmlformats.org/drawingml/2006/main" xmlns:r="http://schemas.openxmlformats.org/officeDocument/2006/relationships" xmlns:p="http://schemas.openxmlformats.org/presentationml/2006/main">
+  <p:cSld>
+    <p:spTree>
+      <p:nvGrpSpPr>
+        <p:cNvPr id="1" name=""/>
+        <p:cNvGrpSpPr/>
+        <p:nvPr/>
+      </p:nvGrpSpPr>
+      <p:grpSpPr>
+        <a:xfrm>
+          <a:off x="0" y="0"/>
+          <a:ext cx="0" cy="0"/>
+          <a:chOff x="0" y="0"/>
+          <a:chExt cx="0" cy="0"/>
+        </a:xfrm>
+      </p:grpSpPr>
+      <p:sp>
+        <p:nvSpPr>
+          <p:cNvPr id="2" name="Titel 1"/>
+          <p:cNvSpPr>
+            <a:spLocks noGrp="1"/>
+          </p:cNvSpPr>
+          <p:nvPr>
+            <p:ph type="title"/>
+          </p:nvPr>
+        </p:nvSpPr>
+        <p:spPr/>
+        <p:txBody>
+          <a:bodyPr/>
+          <a:lstStyle/>
+          <a:p>
+            <a:r>
+              <a:rPr lang="de-DE" dirty="0" smtClean="0"/>
+              <a:t>Zimmerverteilung / Umsetzung</a:t>
+            </a:r>
+            <a:endParaRPr lang="de-DE" dirty="0"/>
+          </a:p>
+        </p:txBody>
+      </p:sp>
+      <p:sp>
+        <p:nvSpPr>
+          <p:cNvPr id="4" name="Rechteck 3"/>
+          <p:cNvSpPr/>
+          <p:nvPr/>
+        </p:nvSpPr>
+        <p:spPr>
+          <a:xfrm>
+            <a:off x="838200" y="2253275"/>
+            <a:ext cx="10515600" cy="3416320"/>
+          </a:xfrm>
+          <a:prstGeom prst="rect">
+            <a:avLst/>
+          </a:prstGeom>
+        </p:spPr>
+        <p:txBody>
+          <a:bodyPr wrap="square">
+            <a:spAutoFit/>
+          </a:bodyPr>
+          <a:lstStyle/>
+          <a:p>
+            <a:r>
+              <a:rPr lang="mr-IN" b="1" dirty="0">
+                <a:solidFill>
+                  <a:srgbClr val="000080"/>
+                </a:solidFill>
+                <a:latin typeface="Menlo" charset="0"/>
+                <a:ea typeface="Menlo" charset="0"/>
+                <a:cs typeface="Menlo" charset="0"/>
+              </a:rPr>
+              <a:t>def </a:t>
+            </a:r>
+            <a:r>
+              <a:rPr lang="mr-IN" dirty="0" err="1">
+                <a:latin typeface="Menlo" charset="0"/>
+                <a:ea typeface="Menlo" charset="0"/>
+                <a:cs typeface="Menlo" charset="0"/>
+              </a:rPr>
+              <a:t>operate_on_matrix</a:t>
+            </a:r>
+            <a:r>
+              <a:rPr lang="mr-IN" dirty="0">
+                <a:latin typeface="Menlo" charset="0"/>
+                <a:ea typeface="Menlo" charset="0"/>
+                <a:cs typeface="Menlo" charset="0"/>
+              </a:rPr>
+              <a:t>(matrix):</a:t>
+            </a:r>
+            <a:br>
+              <a:rPr lang="mr-IN" dirty="0">
+                <a:latin typeface="Menlo" charset="0"/>
+                <a:ea typeface="Menlo" charset="0"/>
+                <a:cs typeface="Menlo" charset="0"/>
+              </a:rPr>
+            </a:br>
+            <a:r>
+              <a:rPr lang="mr-IN" dirty="0">
+                <a:latin typeface="Menlo" charset="0"/>
+                <a:ea typeface="Menlo" charset="0"/>
+                <a:cs typeface="Menlo" charset="0"/>
+              </a:rPr>
+              <a:t>    </a:t>
+            </a:r>
+            <a:r>
+              <a:rPr lang="mr-IN" dirty="0" err="1">
+                <a:latin typeface="Menlo" charset="0"/>
+                <a:ea typeface="Menlo" charset="0"/>
+                <a:cs typeface="Menlo" charset="0"/>
+              </a:rPr>
+              <a:t>size</a:t>
+            </a:r>
+            <a:r>
+              <a:rPr lang="mr-IN" dirty="0">
+                <a:latin typeface="Menlo" charset="0"/>
+                <a:ea typeface="Menlo" charset="0"/>
+                <a:cs typeface="Menlo" charset="0"/>
+              </a:rPr>
+              <a:t> = </a:t>
+            </a:r>
+            <a:r>
+              <a:rPr lang="mr-IN" dirty="0" err="1">
+                <a:solidFill>
+                  <a:srgbClr val="000080"/>
+                </a:solidFill>
+                <a:latin typeface="Menlo" charset="0"/>
+                <a:ea typeface="Menlo" charset="0"/>
+                <a:cs typeface="Menlo" charset="0"/>
+              </a:rPr>
+              <a:t>len</a:t>
+            </a:r>
+            <a:r>
+              <a:rPr lang="mr-IN" dirty="0">
+                <a:latin typeface="Menlo" charset="0"/>
+                <a:ea typeface="Menlo" charset="0"/>
+                <a:cs typeface="Menlo" charset="0"/>
+              </a:rPr>
+              <a:t>(matrix)</a:t>
+            </a:r>
+            <a:br>
+              <a:rPr lang="mr-IN" dirty="0">
+                <a:latin typeface="Menlo" charset="0"/>
+                <a:ea typeface="Menlo" charset="0"/>
+                <a:cs typeface="Menlo" charset="0"/>
+              </a:rPr>
+            </a:br>
+            <a:r>
+              <a:rPr lang="mr-IN" dirty="0">
+                <a:latin typeface="Menlo" charset="0"/>
+                <a:ea typeface="Menlo" charset="0"/>
+                <a:cs typeface="Menlo" charset="0"/>
+              </a:rPr>
+              <a:t>    </a:t>
+            </a:r>
+            <a:r>
+              <a:rPr lang="mr-IN" b="1" dirty="0">
+                <a:solidFill>
+                  <a:srgbClr val="000080"/>
+                </a:solidFill>
+                <a:latin typeface="Menlo" charset="0"/>
+                <a:ea typeface="Menlo" charset="0"/>
+                <a:cs typeface="Menlo" charset="0"/>
+              </a:rPr>
+              <a:t>for </a:t>
+            </a:r>
+            <a:r>
+              <a:rPr lang="mr-IN" dirty="0" err="1">
+                <a:latin typeface="Menlo" charset="0"/>
+                <a:ea typeface="Menlo" charset="0"/>
+                <a:cs typeface="Menlo" charset="0"/>
+              </a:rPr>
+              <a:t>y</a:t>
+            </a:r>
+            <a:r>
+              <a:rPr lang="mr-IN" dirty="0">
+                <a:latin typeface="Menlo" charset="0"/>
+                <a:ea typeface="Menlo" charset="0"/>
+                <a:cs typeface="Menlo" charset="0"/>
+              </a:rPr>
+              <a:t> </a:t>
+            </a:r>
+            <a:r>
+              <a:rPr lang="mr-IN" b="1" dirty="0" err="1">
+                <a:solidFill>
+                  <a:srgbClr val="000080"/>
+                </a:solidFill>
+                <a:latin typeface="Menlo" charset="0"/>
+                <a:ea typeface="Menlo" charset="0"/>
+                <a:cs typeface="Menlo" charset="0"/>
+              </a:rPr>
+              <a:t>in</a:t>
+            </a:r>
+            <a:r>
+              <a:rPr lang="mr-IN" b="1" dirty="0">
+                <a:solidFill>
+                  <a:srgbClr val="000080"/>
+                </a:solidFill>
+                <a:latin typeface="Menlo" charset="0"/>
+                <a:ea typeface="Menlo" charset="0"/>
+                <a:cs typeface="Menlo" charset="0"/>
+              </a:rPr>
+              <a:t> </a:t>
+            </a:r>
+            <a:r>
+              <a:rPr lang="mr-IN" dirty="0" err="1">
+                <a:solidFill>
+                  <a:srgbClr val="000080"/>
+                </a:solidFill>
+                <a:latin typeface="Menlo" charset="0"/>
+                <a:ea typeface="Menlo" charset="0"/>
+                <a:cs typeface="Menlo" charset="0"/>
+              </a:rPr>
+              <a:t>range</a:t>
+            </a:r>
+            <a:r>
+              <a:rPr lang="mr-IN" dirty="0">
+                <a:latin typeface="Menlo" charset="0"/>
+                <a:ea typeface="Menlo" charset="0"/>
+                <a:cs typeface="Menlo" charset="0"/>
+              </a:rPr>
+              <a:t>(</a:t>
+            </a:r>
+            <a:r>
+              <a:rPr lang="mr-IN" dirty="0" err="1">
+                <a:latin typeface="Menlo" charset="0"/>
+                <a:ea typeface="Menlo" charset="0"/>
+                <a:cs typeface="Menlo" charset="0"/>
+              </a:rPr>
+              <a:t>size</a:t>
+            </a:r>
+            <a:r>
+              <a:rPr lang="mr-IN" dirty="0">
+                <a:latin typeface="Menlo" charset="0"/>
+                <a:ea typeface="Menlo" charset="0"/>
+                <a:cs typeface="Menlo" charset="0"/>
+              </a:rPr>
+              <a:t>):</a:t>
+            </a:r>
+            <a:br>
+              <a:rPr lang="mr-IN" dirty="0">
+                <a:latin typeface="Menlo" charset="0"/>
+                <a:ea typeface="Menlo" charset="0"/>
+                <a:cs typeface="Menlo" charset="0"/>
+              </a:rPr>
+            </a:br>
+            <a:r>
+              <a:rPr lang="mr-IN" dirty="0">
+                <a:latin typeface="Menlo" charset="0"/>
+                <a:ea typeface="Menlo" charset="0"/>
+                <a:cs typeface="Menlo" charset="0"/>
+              </a:rPr>
+              <a:t>        </a:t>
+            </a:r>
+            <a:r>
+              <a:rPr lang="mr-IN" b="1" dirty="0">
+                <a:solidFill>
+                  <a:srgbClr val="000080"/>
+                </a:solidFill>
+                <a:latin typeface="Menlo" charset="0"/>
+                <a:ea typeface="Menlo" charset="0"/>
+                <a:cs typeface="Menlo" charset="0"/>
+              </a:rPr>
+              <a:t>for </a:t>
+            </a:r>
+            <a:r>
+              <a:rPr lang="mr-IN" dirty="0" err="1">
+                <a:latin typeface="Menlo" charset="0"/>
+                <a:ea typeface="Menlo" charset="0"/>
+                <a:cs typeface="Menlo" charset="0"/>
+              </a:rPr>
+              <a:t>x</a:t>
+            </a:r>
+            <a:r>
+              <a:rPr lang="mr-IN" dirty="0">
+                <a:latin typeface="Menlo" charset="0"/>
+                <a:ea typeface="Menlo" charset="0"/>
+                <a:cs typeface="Menlo" charset="0"/>
+              </a:rPr>
+              <a:t> </a:t>
+            </a:r>
+            <a:r>
+              <a:rPr lang="mr-IN" b="1" dirty="0" err="1">
+                <a:solidFill>
+                  <a:srgbClr val="000080"/>
+                </a:solidFill>
+                <a:latin typeface="Menlo" charset="0"/>
+                <a:ea typeface="Menlo" charset="0"/>
+                <a:cs typeface="Menlo" charset="0"/>
+              </a:rPr>
+              <a:t>in</a:t>
+            </a:r>
+            <a:r>
+              <a:rPr lang="mr-IN" b="1" dirty="0">
+                <a:solidFill>
+                  <a:srgbClr val="000080"/>
+                </a:solidFill>
+                <a:latin typeface="Menlo" charset="0"/>
+                <a:ea typeface="Menlo" charset="0"/>
+                <a:cs typeface="Menlo" charset="0"/>
+              </a:rPr>
+              <a:t> </a:t>
+            </a:r>
+            <a:r>
+              <a:rPr lang="mr-IN" dirty="0" err="1">
+                <a:solidFill>
+                  <a:srgbClr val="000080"/>
+                </a:solidFill>
+                <a:latin typeface="Menlo" charset="0"/>
+                <a:ea typeface="Menlo" charset="0"/>
+                <a:cs typeface="Menlo" charset="0"/>
+              </a:rPr>
+              <a:t>range</a:t>
+            </a:r>
+            <a:r>
+              <a:rPr lang="mr-IN" dirty="0">
+                <a:latin typeface="Menlo" charset="0"/>
+                <a:ea typeface="Menlo" charset="0"/>
+                <a:cs typeface="Menlo" charset="0"/>
+              </a:rPr>
+              <a:t>(</a:t>
+            </a:r>
+            <a:r>
+              <a:rPr lang="mr-IN" dirty="0" err="1">
+                <a:latin typeface="Menlo" charset="0"/>
+                <a:ea typeface="Menlo" charset="0"/>
+                <a:cs typeface="Menlo" charset="0"/>
+              </a:rPr>
+              <a:t>size</a:t>
+            </a:r>
+            <a:r>
+              <a:rPr lang="mr-IN" dirty="0">
+                <a:latin typeface="Menlo" charset="0"/>
+                <a:ea typeface="Menlo" charset="0"/>
+                <a:cs typeface="Menlo" charset="0"/>
+              </a:rPr>
+              <a:t>):</a:t>
+            </a:r>
+            <a:br>
+              <a:rPr lang="mr-IN" dirty="0">
+                <a:latin typeface="Menlo" charset="0"/>
+                <a:ea typeface="Menlo" charset="0"/>
+                <a:cs typeface="Menlo" charset="0"/>
+              </a:rPr>
+            </a:br>
+            <a:r>
+              <a:rPr lang="mr-IN" dirty="0">
+                <a:latin typeface="Menlo" charset="0"/>
+                <a:ea typeface="Menlo" charset="0"/>
+                <a:cs typeface="Menlo" charset="0"/>
+              </a:rPr>
+              <a:t>            </a:t>
+            </a:r>
+            <a:r>
+              <a:rPr lang="mr-IN" b="1" dirty="0">
+                <a:solidFill>
+                  <a:srgbClr val="000080"/>
+                </a:solidFill>
+                <a:latin typeface="Menlo" charset="0"/>
+                <a:ea typeface="Menlo" charset="0"/>
+                <a:cs typeface="Menlo" charset="0"/>
+              </a:rPr>
+              <a:t>if </a:t>
+            </a:r>
+            <a:r>
+              <a:rPr lang="mr-IN" dirty="0">
+                <a:latin typeface="Menlo" charset="0"/>
+                <a:ea typeface="Menlo" charset="0"/>
+                <a:cs typeface="Menlo" charset="0"/>
+              </a:rPr>
+              <a:t>matrix[</a:t>
+            </a:r>
+            <a:r>
+              <a:rPr lang="mr-IN" dirty="0" err="1">
+                <a:latin typeface="Menlo" charset="0"/>
+                <a:ea typeface="Menlo" charset="0"/>
+                <a:cs typeface="Menlo" charset="0"/>
+              </a:rPr>
+              <a:t>y</a:t>
+            </a:r>
+            <a:r>
+              <a:rPr lang="mr-IN" dirty="0">
+                <a:latin typeface="Menlo" charset="0"/>
+                <a:ea typeface="Menlo" charset="0"/>
+                <a:cs typeface="Menlo" charset="0"/>
+              </a:rPr>
+              <a:t>][</a:t>
+            </a:r>
+            <a:r>
+              <a:rPr lang="mr-IN" dirty="0" err="1">
+                <a:latin typeface="Menlo" charset="0"/>
+                <a:ea typeface="Menlo" charset="0"/>
+                <a:cs typeface="Menlo" charset="0"/>
+              </a:rPr>
+              <a:t>x</a:t>
+            </a:r>
+            <a:r>
+              <a:rPr lang="mr-IN" dirty="0">
+                <a:latin typeface="Menlo" charset="0"/>
+                <a:ea typeface="Menlo" charset="0"/>
+                <a:cs typeface="Menlo" charset="0"/>
+              </a:rPr>
+              <a:t>] == </a:t>
+            </a:r>
+            <a:r>
+              <a:rPr lang="mr-IN" dirty="0">
+                <a:solidFill>
+                  <a:srgbClr val="0000FF"/>
+                </a:solidFill>
+                <a:latin typeface="Menlo" charset="0"/>
+                <a:ea typeface="Menlo" charset="0"/>
+                <a:cs typeface="Menlo" charset="0"/>
+              </a:rPr>
+              <a:t>1 </a:t>
+            </a:r>
+            <a:r>
+              <a:rPr lang="mr-IN" b="1" dirty="0">
+                <a:solidFill>
+                  <a:srgbClr val="000080"/>
+                </a:solidFill>
+                <a:latin typeface="Menlo" charset="0"/>
+                <a:ea typeface="Menlo" charset="0"/>
+                <a:cs typeface="Menlo" charset="0"/>
+              </a:rPr>
+              <a:t>and </a:t>
+            </a:r>
+            <a:r>
+              <a:rPr lang="mr-IN" dirty="0">
+                <a:latin typeface="Menlo" charset="0"/>
+                <a:ea typeface="Menlo" charset="0"/>
+                <a:cs typeface="Menlo" charset="0"/>
+              </a:rPr>
+              <a:t>matrix[</a:t>
+            </a:r>
+            <a:r>
+              <a:rPr lang="mr-IN" dirty="0" err="1">
+                <a:latin typeface="Menlo" charset="0"/>
+                <a:ea typeface="Menlo" charset="0"/>
+                <a:cs typeface="Menlo" charset="0"/>
+              </a:rPr>
+              <a:t>x</a:t>
+            </a:r>
+            <a:r>
+              <a:rPr lang="mr-IN" dirty="0">
+                <a:latin typeface="Menlo" charset="0"/>
+                <a:ea typeface="Menlo" charset="0"/>
+                <a:cs typeface="Menlo" charset="0"/>
+              </a:rPr>
+              <a:t>][</a:t>
+            </a:r>
+            <a:r>
+              <a:rPr lang="mr-IN" dirty="0" err="1">
+                <a:latin typeface="Menlo" charset="0"/>
+                <a:ea typeface="Menlo" charset="0"/>
+                <a:cs typeface="Menlo" charset="0"/>
+              </a:rPr>
+              <a:t>y</a:t>
+            </a:r>
+            <a:r>
+              <a:rPr lang="mr-IN" dirty="0">
+                <a:latin typeface="Menlo" charset="0"/>
+                <a:ea typeface="Menlo" charset="0"/>
+                <a:cs typeface="Menlo" charset="0"/>
+              </a:rPr>
+              <a:t>] == -</a:t>
+            </a:r>
+            <a:r>
+              <a:rPr lang="mr-IN" dirty="0">
+                <a:solidFill>
+                  <a:srgbClr val="0000FF"/>
+                </a:solidFill>
+                <a:latin typeface="Menlo" charset="0"/>
+                <a:ea typeface="Menlo" charset="0"/>
+                <a:cs typeface="Menlo" charset="0"/>
+              </a:rPr>
+              <a:t>1</a:t>
+            </a:r>
+            <a:r>
+              <a:rPr lang="mr-IN" dirty="0">
+                <a:latin typeface="Menlo" charset="0"/>
+                <a:ea typeface="Menlo" charset="0"/>
+                <a:cs typeface="Menlo" charset="0"/>
+              </a:rPr>
+              <a:t>:</a:t>
+            </a:r>
+            <a:br>
+              <a:rPr lang="mr-IN" dirty="0">
+                <a:latin typeface="Menlo" charset="0"/>
+                <a:ea typeface="Menlo" charset="0"/>
+                <a:cs typeface="Menlo" charset="0"/>
+              </a:rPr>
+            </a:br>
+            <a:r>
+              <a:rPr lang="mr-IN" dirty="0">
+                <a:latin typeface="Menlo" charset="0"/>
+                <a:ea typeface="Menlo" charset="0"/>
+                <a:cs typeface="Menlo" charset="0"/>
+              </a:rPr>
+              <a:t>                </a:t>
+            </a:r>
+            <a:r>
+              <a:rPr lang="mr-IN" dirty="0" err="1">
+                <a:solidFill>
+                  <a:srgbClr val="000080"/>
+                </a:solidFill>
+                <a:latin typeface="Menlo" charset="0"/>
+                <a:ea typeface="Menlo" charset="0"/>
+                <a:cs typeface="Menlo" charset="0"/>
+              </a:rPr>
+              <a:t>print</a:t>
+            </a:r>
+            <a:r>
+              <a:rPr lang="mr-IN" dirty="0">
+                <a:latin typeface="Menlo" charset="0"/>
+                <a:ea typeface="Menlo" charset="0"/>
+                <a:cs typeface="Menlo" charset="0"/>
+              </a:rPr>
+              <a:t>(</a:t>
+            </a:r>
+            <a:r>
+              <a:rPr lang="mr-IN" b="1" dirty="0">
+                <a:solidFill>
+                  <a:srgbClr val="008080"/>
+                </a:solidFill>
+                <a:latin typeface="Menlo" charset="0"/>
+                <a:ea typeface="Menlo" charset="0"/>
+                <a:cs typeface="Menlo" charset="0"/>
+              </a:rPr>
+              <a:t>"</a:t>
+            </a:r>
+            <a:r>
+              <a:rPr lang="mr-IN" b="1" dirty="0" err="1">
+                <a:solidFill>
+                  <a:srgbClr val="008080"/>
+                </a:solidFill>
+                <a:latin typeface="Menlo" charset="0"/>
+                <a:ea typeface="Menlo" charset="0"/>
+                <a:cs typeface="Menlo" charset="0"/>
+              </a:rPr>
+              <a:t>Zimmerverteilung</a:t>
+            </a:r>
+            <a:r>
+              <a:rPr lang="mr-IN" b="1" dirty="0">
+                <a:solidFill>
+                  <a:srgbClr val="008080"/>
+                </a:solidFill>
+                <a:latin typeface="Menlo" charset="0"/>
+                <a:ea typeface="Menlo" charset="0"/>
+                <a:cs typeface="Menlo" charset="0"/>
+              </a:rPr>
+              <a:t> </a:t>
+            </a:r>
+            <a:r>
+              <a:rPr lang="mr-IN" b="1" dirty="0" err="1">
+                <a:solidFill>
+                  <a:srgbClr val="008080"/>
+                </a:solidFill>
+                <a:latin typeface="Menlo" charset="0"/>
+                <a:ea typeface="Menlo" charset="0"/>
+                <a:cs typeface="Menlo" charset="0"/>
+              </a:rPr>
+              <a:t>nicht</a:t>
+            </a:r>
+            <a:r>
+              <a:rPr lang="mr-IN" b="1" dirty="0">
+                <a:solidFill>
+                  <a:srgbClr val="008080"/>
+                </a:solidFill>
+                <a:latin typeface="Menlo" charset="0"/>
+                <a:ea typeface="Menlo" charset="0"/>
+                <a:cs typeface="Menlo" charset="0"/>
+              </a:rPr>
+              <a:t> </a:t>
+            </a:r>
+            <a:r>
+              <a:rPr lang="mr-IN" b="1" dirty="0" err="1">
+                <a:solidFill>
+                  <a:srgbClr val="008080"/>
+                </a:solidFill>
+                <a:latin typeface="Menlo" charset="0"/>
+                <a:ea typeface="Menlo" charset="0"/>
+                <a:cs typeface="Menlo" charset="0"/>
+              </a:rPr>
+              <a:t>möglich</a:t>
+            </a:r>
+            <a:r>
+              <a:rPr lang="mr-IN" b="1" dirty="0">
+                <a:solidFill>
+                  <a:srgbClr val="008080"/>
+                </a:solidFill>
+                <a:latin typeface="Menlo" charset="0"/>
+                <a:ea typeface="Menlo" charset="0"/>
+                <a:cs typeface="Menlo" charset="0"/>
+              </a:rPr>
+              <a:t>!"</a:t>
+            </a:r>
+            <a:r>
+              <a:rPr lang="mr-IN" dirty="0">
+                <a:latin typeface="Menlo" charset="0"/>
+                <a:ea typeface="Menlo" charset="0"/>
+                <a:cs typeface="Menlo" charset="0"/>
+              </a:rPr>
+              <a:t>)</a:t>
+            </a:r>
+            <a:br>
+              <a:rPr lang="mr-IN" dirty="0">
+                <a:latin typeface="Menlo" charset="0"/>
+                <a:ea typeface="Menlo" charset="0"/>
+                <a:cs typeface="Menlo" charset="0"/>
+              </a:rPr>
+            </a:br>
+            <a:r>
+              <a:rPr lang="mr-IN" dirty="0">
+                <a:latin typeface="Menlo" charset="0"/>
+                <a:ea typeface="Menlo" charset="0"/>
+                <a:cs typeface="Menlo" charset="0"/>
+              </a:rPr>
+              <a:t>                </a:t>
+            </a:r>
+            <a:r>
+              <a:rPr lang="mr-IN" dirty="0" err="1">
+                <a:latin typeface="Menlo" charset="0"/>
+                <a:ea typeface="Menlo" charset="0"/>
+                <a:cs typeface="Menlo" charset="0"/>
+              </a:rPr>
+              <a:t>sys.exit</a:t>
+            </a:r>
+            <a:r>
+              <a:rPr lang="mr-IN" dirty="0">
+                <a:latin typeface="Menlo" charset="0"/>
+                <a:ea typeface="Menlo" charset="0"/>
+                <a:cs typeface="Menlo" charset="0"/>
+              </a:rPr>
+              <a:t>(</a:t>
+            </a:r>
+            <a:r>
+              <a:rPr lang="mr-IN" dirty="0">
+                <a:solidFill>
+                  <a:srgbClr val="0000FF"/>
+                </a:solidFill>
+                <a:latin typeface="Menlo" charset="0"/>
+                <a:ea typeface="Menlo" charset="0"/>
+                <a:cs typeface="Menlo" charset="0"/>
+              </a:rPr>
+              <a:t>0</a:t>
+            </a:r>
+            <a:r>
+              <a:rPr lang="mr-IN" dirty="0">
+                <a:latin typeface="Menlo" charset="0"/>
+                <a:ea typeface="Menlo" charset="0"/>
+                <a:cs typeface="Menlo" charset="0"/>
+              </a:rPr>
+              <a:t>)</a:t>
+            </a:r>
+            <a:br>
+              <a:rPr lang="mr-IN" dirty="0">
+                <a:latin typeface="Menlo" charset="0"/>
+                <a:ea typeface="Menlo" charset="0"/>
+                <a:cs typeface="Menlo" charset="0"/>
+              </a:rPr>
+            </a:br>
+            <a:r>
+              <a:rPr lang="mr-IN" dirty="0">
+                <a:latin typeface="Menlo" charset="0"/>
+                <a:ea typeface="Menlo" charset="0"/>
+                <a:cs typeface="Menlo" charset="0"/>
+              </a:rPr>
+              <a:t>            </a:t>
+            </a:r>
+            <a:r>
+              <a:rPr lang="mr-IN" b="1" dirty="0">
+                <a:solidFill>
+                  <a:srgbClr val="000080"/>
+                </a:solidFill>
+                <a:latin typeface="Menlo" charset="0"/>
+                <a:ea typeface="Menlo" charset="0"/>
+                <a:cs typeface="Menlo" charset="0"/>
+              </a:rPr>
+              <a:t>if </a:t>
+            </a:r>
+            <a:r>
+              <a:rPr lang="mr-IN" dirty="0">
+                <a:latin typeface="Menlo" charset="0"/>
+                <a:ea typeface="Menlo" charset="0"/>
+                <a:cs typeface="Menlo" charset="0"/>
+              </a:rPr>
+              <a:t>matrix[</a:t>
+            </a:r>
+            <a:r>
+              <a:rPr lang="mr-IN" dirty="0" err="1">
+                <a:latin typeface="Menlo" charset="0"/>
+                <a:ea typeface="Menlo" charset="0"/>
+                <a:cs typeface="Menlo" charset="0"/>
+              </a:rPr>
+              <a:t>y</a:t>
+            </a:r>
+            <a:r>
+              <a:rPr lang="mr-IN" dirty="0">
+                <a:latin typeface="Menlo" charset="0"/>
+                <a:ea typeface="Menlo" charset="0"/>
+                <a:cs typeface="Menlo" charset="0"/>
+              </a:rPr>
+              <a:t>][</a:t>
+            </a:r>
+            <a:r>
+              <a:rPr lang="mr-IN" dirty="0" err="1">
+                <a:latin typeface="Menlo" charset="0"/>
+                <a:ea typeface="Menlo" charset="0"/>
+                <a:cs typeface="Menlo" charset="0"/>
+              </a:rPr>
+              <a:t>x</a:t>
+            </a:r>
+            <a:r>
+              <a:rPr lang="mr-IN" dirty="0">
+                <a:latin typeface="Menlo" charset="0"/>
+                <a:ea typeface="Menlo" charset="0"/>
+                <a:cs typeface="Menlo" charset="0"/>
+              </a:rPr>
+              <a:t>] == </a:t>
+            </a:r>
+            <a:r>
+              <a:rPr lang="mr-IN" dirty="0">
+                <a:solidFill>
+                  <a:srgbClr val="0000FF"/>
+                </a:solidFill>
+                <a:latin typeface="Menlo" charset="0"/>
+                <a:ea typeface="Menlo" charset="0"/>
+                <a:cs typeface="Menlo" charset="0"/>
+              </a:rPr>
+              <a:t>1</a:t>
+            </a:r>
+            <a:r>
+              <a:rPr lang="mr-IN" dirty="0">
+                <a:latin typeface="Menlo" charset="0"/>
+                <a:ea typeface="Menlo" charset="0"/>
+                <a:cs typeface="Menlo" charset="0"/>
+              </a:rPr>
+              <a:t>:</a:t>
+            </a:r>
+            <a:br>
+              <a:rPr lang="mr-IN" dirty="0">
+                <a:latin typeface="Menlo" charset="0"/>
+                <a:ea typeface="Menlo" charset="0"/>
+                <a:cs typeface="Menlo" charset="0"/>
+              </a:rPr>
+            </a:br>
+            <a:r>
+              <a:rPr lang="mr-IN" dirty="0">
+                <a:latin typeface="Menlo" charset="0"/>
+                <a:ea typeface="Menlo" charset="0"/>
+                <a:cs typeface="Menlo" charset="0"/>
+              </a:rPr>
+              <a:t>                matrix[</a:t>
+            </a:r>
+            <a:r>
+              <a:rPr lang="mr-IN" dirty="0" err="1">
+                <a:latin typeface="Menlo" charset="0"/>
+                <a:ea typeface="Menlo" charset="0"/>
+                <a:cs typeface="Menlo" charset="0"/>
+              </a:rPr>
+              <a:t>x</a:t>
+            </a:r>
+            <a:r>
+              <a:rPr lang="mr-IN" dirty="0">
+                <a:latin typeface="Menlo" charset="0"/>
+                <a:ea typeface="Menlo" charset="0"/>
+                <a:cs typeface="Menlo" charset="0"/>
+              </a:rPr>
+              <a:t>][</a:t>
+            </a:r>
+            <a:r>
+              <a:rPr lang="mr-IN" dirty="0" err="1">
+                <a:latin typeface="Menlo" charset="0"/>
+                <a:ea typeface="Menlo" charset="0"/>
+                <a:cs typeface="Menlo" charset="0"/>
+              </a:rPr>
+              <a:t>y</a:t>
+            </a:r>
+            <a:r>
+              <a:rPr lang="mr-IN" dirty="0">
+                <a:latin typeface="Menlo" charset="0"/>
+                <a:ea typeface="Menlo" charset="0"/>
+                <a:cs typeface="Menlo" charset="0"/>
+              </a:rPr>
+              <a:t>] = </a:t>
+            </a:r>
+            <a:r>
+              <a:rPr lang="mr-IN" dirty="0">
+                <a:solidFill>
+                  <a:srgbClr val="0000FF"/>
+                </a:solidFill>
+                <a:latin typeface="Menlo" charset="0"/>
+                <a:ea typeface="Menlo" charset="0"/>
+                <a:cs typeface="Menlo" charset="0"/>
+              </a:rPr>
+              <a:t>1</a:t>
+            </a:r>
+            <a:br>
+              <a:rPr lang="mr-IN" dirty="0">
+                <a:solidFill>
+                  <a:srgbClr val="0000FF"/>
+                </a:solidFill>
+                <a:latin typeface="Menlo" charset="0"/>
+                <a:ea typeface="Menlo" charset="0"/>
+                <a:cs typeface="Menlo" charset="0"/>
+              </a:rPr>
+            </a:br>
+            <a:r>
+              <a:rPr lang="mr-IN" dirty="0">
+                <a:solidFill>
+                  <a:srgbClr val="0000FF"/>
+                </a:solidFill>
+                <a:latin typeface="Menlo" charset="0"/>
+                <a:ea typeface="Menlo" charset="0"/>
+                <a:cs typeface="Menlo" charset="0"/>
+              </a:rPr>
+              <a:t>            </a:t>
+            </a:r>
+            <a:r>
+              <a:rPr lang="mr-IN" b="1" dirty="0">
+                <a:solidFill>
+                  <a:srgbClr val="000080"/>
+                </a:solidFill>
+                <a:latin typeface="Menlo" charset="0"/>
+                <a:ea typeface="Menlo" charset="0"/>
+                <a:cs typeface="Menlo" charset="0"/>
+              </a:rPr>
+              <a:t>if </a:t>
+            </a:r>
+            <a:r>
+              <a:rPr lang="mr-IN" dirty="0">
+                <a:latin typeface="Menlo" charset="0"/>
+                <a:ea typeface="Menlo" charset="0"/>
+                <a:cs typeface="Menlo" charset="0"/>
+              </a:rPr>
+              <a:t>matrix[</a:t>
+            </a:r>
+            <a:r>
+              <a:rPr lang="mr-IN" dirty="0" err="1">
+                <a:latin typeface="Menlo" charset="0"/>
+                <a:ea typeface="Menlo" charset="0"/>
+                <a:cs typeface="Menlo" charset="0"/>
+              </a:rPr>
+              <a:t>y</a:t>
+            </a:r>
+            <a:r>
+              <a:rPr lang="mr-IN" dirty="0">
+                <a:latin typeface="Menlo" charset="0"/>
+                <a:ea typeface="Menlo" charset="0"/>
+                <a:cs typeface="Menlo" charset="0"/>
+              </a:rPr>
+              <a:t>][</a:t>
+            </a:r>
+            <a:r>
+              <a:rPr lang="mr-IN" dirty="0" err="1">
+                <a:latin typeface="Menlo" charset="0"/>
+                <a:ea typeface="Menlo" charset="0"/>
+                <a:cs typeface="Menlo" charset="0"/>
+              </a:rPr>
+              <a:t>x</a:t>
+            </a:r>
+            <a:r>
+              <a:rPr lang="mr-IN" dirty="0">
+                <a:latin typeface="Menlo" charset="0"/>
+                <a:ea typeface="Menlo" charset="0"/>
+                <a:cs typeface="Menlo" charset="0"/>
+              </a:rPr>
+              <a:t>] == -</a:t>
+            </a:r>
+            <a:r>
+              <a:rPr lang="mr-IN" dirty="0">
+                <a:solidFill>
+                  <a:srgbClr val="0000FF"/>
+                </a:solidFill>
+                <a:latin typeface="Menlo" charset="0"/>
+                <a:ea typeface="Menlo" charset="0"/>
+                <a:cs typeface="Menlo" charset="0"/>
+              </a:rPr>
+              <a:t>1</a:t>
+            </a:r>
+            <a:r>
+              <a:rPr lang="mr-IN" dirty="0">
+                <a:latin typeface="Menlo" charset="0"/>
+                <a:ea typeface="Menlo" charset="0"/>
+                <a:cs typeface="Menlo" charset="0"/>
+              </a:rPr>
+              <a:t>:</a:t>
+            </a:r>
+            <a:br>
+              <a:rPr lang="mr-IN" dirty="0">
+                <a:latin typeface="Menlo" charset="0"/>
+                <a:ea typeface="Menlo" charset="0"/>
+                <a:cs typeface="Menlo" charset="0"/>
+              </a:rPr>
+            </a:br>
+            <a:r>
+              <a:rPr lang="mr-IN" dirty="0">
+                <a:latin typeface="Menlo" charset="0"/>
+                <a:ea typeface="Menlo" charset="0"/>
+                <a:cs typeface="Menlo" charset="0"/>
+              </a:rPr>
+              <a:t>                matrix[</a:t>
+            </a:r>
+            <a:r>
+              <a:rPr lang="mr-IN" dirty="0" err="1">
+                <a:latin typeface="Menlo" charset="0"/>
+                <a:ea typeface="Menlo" charset="0"/>
+                <a:cs typeface="Menlo" charset="0"/>
+              </a:rPr>
+              <a:t>x</a:t>
+            </a:r>
+            <a:r>
+              <a:rPr lang="mr-IN" dirty="0">
+                <a:latin typeface="Menlo" charset="0"/>
+                <a:ea typeface="Menlo" charset="0"/>
+                <a:cs typeface="Menlo" charset="0"/>
+              </a:rPr>
+              <a:t>][</a:t>
+            </a:r>
+            <a:r>
+              <a:rPr lang="mr-IN" dirty="0" err="1">
+                <a:latin typeface="Menlo" charset="0"/>
+                <a:ea typeface="Menlo" charset="0"/>
+                <a:cs typeface="Menlo" charset="0"/>
+              </a:rPr>
+              <a:t>y</a:t>
+            </a:r>
+            <a:r>
+              <a:rPr lang="mr-IN" dirty="0">
+                <a:latin typeface="Menlo" charset="0"/>
+                <a:ea typeface="Menlo" charset="0"/>
+                <a:cs typeface="Menlo" charset="0"/>
+              </a:rPr>
+              <a:t>] = -</a:t>
+            </a:r>
+            <a:r>
+              <a:rPr lang="mr-IN" dirty="0">
+                <a:solidFill>
+                  <a:srgbClr val="0000FF"/>
+                </a:solidFill>
+                <a:latin typeface="Menlo" charset="0"/>
+                <a:ea typeface="Menlo" charset="0"/>
+                <a:cs typeface="Menlo" charset="0"/>
+              </a:rPr>
+              <a:t>1</a:t>
+            </a:r>
+            <a:br>
+              <a:rPr lang="mr-IN" dirty="0">
+                <a:solidFill>
+                  <a:srgbClr val="0000FF"/>
+                </a:solidFill>
+                <a:latin typeface="Menlo" charset="0"/>
+                <a:ea typeface="Menlo" charset="0"/>
+                <a:cs typeface="Menlo" charset="0"/>
+              </a:rPr>
+            </a:br>
+            <a:endParaRPr lang="de-DE" dirty="0">
+              <a:latin typeface="Menlo" charset="0"/>
+              <a:ea typeface="Menlo" charset="0"/>
+              <a:cs typeface="Menlo" charset="0"/>
+            </a:endParaRPr>
+          </a:p>
+        </p:txBody>
+      </p:sp>
+    </p:spTree>
+    <p:extLst>
+      <p:ext uri="{BB962C8B-B14F-4D97-AF65-F5344CB8AC3E}">
+        <p14:creationId xmlns:p14="http://schemas.microsoft.com/office/powerpoint/2010/main" val="375538728"/>
+      </p:ext>
+    </p:extLst>
+  </p:cSld>
+  <p:clrMapOvr>
+    <a:masterClrMapping/>
+  </p:clrMapOvr>
+  <p:timing>
+    <p:tnLst>
+      <p:par>
+        <p:cTn id="1" dur="indefinite" restart="never" nodeType="tmRoot"/>
+      </p:par>
+    </p:tnLst>
+  </p:timing>
+</p:sld>
+</file>
+
 <file path=ppt/theme/theme1.xml><?xml version="1.0" encoding="utf-8"?>
 <a:theme xmlns:a="http://schemas.openxmlformats.org/drawingml/2006/main" name="Office-Design">
   <a:themeElements>
@@ -26509,4 +30705,265 @@
     </a:ext>
   </a:extLst>
 </a:theme>
+</file>
+
+<file path=ppt/theme/theme2.xml><?xml version="1.0" encoding="utf-8"?>
+<a:theme xmlns:a="http://schemas.openxmlformats.org/drawingml/2006/main" name="Office-Design">
+  <a:themeElements>
+    <a:clrScheme name="Office">
+      <a:dk1>
+        <a:sysClr val="windowText" lastClr="000000"/>
+      </a:dk1>
+      <a:lt1>
+        <a:sysClr val="window" lastClr="FFFFFF"/>
+      </a:lt1>
+      <a:dk2>
+        <a:srgbClr val="44546A"/>
+      </a:dk2>
+      <a:lt2>
+        <a:srgbClr val="E7E6E6"/>
+      </a:lt2>
+      <a:accent1>
+        <a:srgbClr val="4472C4"/>
+      </a:accent1>
+      <a:accent2>
+        <a:srgbClr val="ED7D31"/>
+      </a:accent2>
+      <a:accent3>
+        <a:srgbClr val="A5A5A5"/>
+      </a:accent3>
+      <a:accent4>
+        <a:srgbClr val="FFC000"/>
+      </a:accent4>
+      <a:accent5>
+        <a:srgbClr val="5B9BD5"/>
+      </a:accent5>
+      <a:accent6>
+        <a:srgbClr val="70AD47"/>
+      </a:accent6>
+      <a:hlink>
+        <a:srgbClr val="0563C1"/>
+      </a:hlink>
+      <a:folHlink>
+        <a:srgbClr val="954F72"/>
+      </a:folHlink>
+    </a:clrScheme>
+    <a:fontScheme name="Office">
+      <a:majorFont>
+        <a:latin typeface="Calibri Light" panose="020F0302020204030204"/>
+        <a:ea typeface=""/>
+        <a:cs typeface=""/>
+        <a:font script="Jpan" typeface="Yu Gothic Light"/>
+        <a:font script="Hang" typeface="맑은 고딕"/>
+        <a:font script="Hans" typeface="DengXian Light"/>
+        <a:font script="Hant" typeface="新細明體"/>
+        <a:font script="Arab" typeface="Times New Roman"/>
+        <a:font script="Hebr" typeface="Times New Roman"/>
+        <a:font script="Thai" typeface="Angsana New"/>
+        <a:font script="Ethi" typeface="Nyala"/>
+        <a:font script="Beng" typeface="Vrinda"/>
+        <a:font script="Gujr" typeface="Shruti"/>
+        <a:font script="Khmr" typeface="MoolBoran"/>
+        <a:font script="Knda" typeface="Tunga"/>
+        <a:font script="Guru" typeface="Raavi"/>
+        <a:font script="Cans" typeface="Euphemia"/>
+        <a:font script="Cher" typeface="Plantagenet Cherokee"/>
+        <a:font script="Yiii" typeface="Microsoft Yi Baiti"/>
+        <a:font script="Tibt" typeface="Microsoft Himalaya"/>
+        <a:font script="Thaa" typeface="MV Boli"/>
+        <a:font script="Deva" typeface="Mangal"/>
+        <a:font script="Telu" typeface="Gautami"/>
+        <a:font script="Taml" typeface="Latha"/>
+        <a:font script="Syrc" typeface="Estrangelo Edessa"/>
+        <a:font script="Orya" typeface="Kalinga"/>
+        <a:font script="Mlym" typeface="Kartika"/>
+        <a:font script="Laoo" typeface="DokChampa"/>
+        <a:font script="Sinh" typeface="Iskoola Pota"/>
+        <a:font script="Mong" typeface="Mongolian Baiti"/>
+        <a:font script="Viet" typeface="Times New Roman"/>
+        <a:font script="Uigh" typeface="Microsoft Uighur"/>
+        <a:font script="Geor" typeface="Sylfaen"/>
+      </a:majorFont>
+      <a:minorFont>
+        <a:latin typeface="Calibri" panose="020F0502020204030204"/>
+        <a:ea typeface=""/>
+        <a:cs typeface=""/>
+        <a:font script="Jpan" typeface="Yu Gothic"/>
+        <a:font script="Hang" typeface="맑은 고딕"/>
+        <a:font script="Hans" typeface="DengXian"/>
+        <a:font script="Hant" typeface="新細明體"/>
+        <a:font script="Arab" typeface="Arial"/>
+        <a:font script="Hebr" typeface="Arial"/>
+        <a:font script="Thai" typeface="Cordia New"/>
+        <a:font script="Ethi" typeface="Nyala"/>
+        <a:font script="Beng" typeface="Vrinda"/>
+        <a:font script="Gujr" typeface="Shruti"/>
+        <a:font script="Khmr" typeface="DaunPenh"/>
+        <a:font script="Knda" typeface="Tunga"/>
+        <a:font script="Guru" typeface="Raavi"/>
+        <a:font script="Cans" typeface="Euphemia"/>
+        <a:font script="Cher" typeface="Plantagenet Cherokee"/>
+        <a:font script="Yiii" typeface="Microsoft Yi Baiti"/>
+        <a:font script="Tibt" typeface="Microsoft Himalaya"/>
+        <a:font script="Thaa" typeface="MV Boli"/>
+        <a:font script="Deva" typeface="Mangal"/>
+        <a:font script="Telu" typeface="Gautami"/>
+        <a:font script="Taml" typeface="Latha"/>
+        <a:font script="Syrc" typeface="Estrangelo Edessa"/>
+        <a:font script="Orya" typeface="Kalinga"/>
+        <a:font script="Mlym" typeface="Kartika"/>
+        <a:font script="Laoo" typeface="DokChampa"/>
+        <a:font script="Sinh" typeface="Iskoola Pota"/>
+        <a:font script="Mong" typeface="Mongolian Baiti"/>
+        <a:font script="Viet" typeface="Arial"/>
+        <a:font script="Uigh" typeface="Microsoft Uighur"/>
+        <a:font script="Geor" typeface="Sylfaen"/>
+      </a:minorFont>
+    </a:fontScheme>
+    <a:fmtScheme name="Office">
+      <a:fillStyleLst>
+        <a:solidFill>
+          <a:schemeClr val="phClr"/>
+        </a:solidFill>
+        <a:gradFill rotWithShape="1">
+          <a:gsLst>
+            <a:gs pos="0">
+              <a:schemeClr val="phClr">
+                <a:lumMod val="110000"/>
+                <a:satMod val="105000"/>
+                <a:tint val="67000"/>
+              </a:schemeClr>
+            </a:gs>
+            <a:gs pos="50000">
+              <a:schemeClr val="phClr">
+                <a:lumMod val="105000"/>
+                <a:satMod val="103000"/>
+                <a:tint val="73000"/>
+              </a:schemeClr>
+            </a:gs>
+            <a:gs pos="100000">
+              <a:schemeClr val="phClr">
+                <a:lumMod val="105000"/>
+                <a:satMod val="109000"/>
+                <a:tint val="81000"/>
+              </a:schemeClr>
+            </a:gs>
+          </a:gsLst>
+          <a:lin ang="5400000" scaled="0"/>
+        </a:gradFill>
+        <a:gradFill rotWithShape="1">
+          <a:gsLst>
+            <a:gs pos="0">
+              <a:schemeClr val="phClr">
+                <a:satMod val="103000"/>
+                <a:lumMod val="102000"/>
+                <a:tint val="94000"/>
+              </a:schemeClr>
+            </a:gs>
+            <a:gs pos="50000">
+              <a:schemeClr val="phClr">
+                <a:satMod val="110000"/>
+                <a:lumMod val="100000"/>
+                <a:shade val="100000"/>
+              </a:schemeClr>
+            </a:gs>
+            <a:gs pos="100000">
+              <a:schemeClr val="phClr">
+                <a:lumMod val="99000"/>
+                <a:satMod val="120000"/>
+                <a:shade val="78000"/>
+              </a:schemeClr>
+            </a:gs>
+          </a:gsLst>
+          <a:lin ang="5400000" scaled="0"/>
+        </a:gradFill>
+      </a:fillStyleLst>
+      <a:lnStyleLst>
+        <a:ln w="6350" cap="flat" cmpd="sng" algn="ctr">
+          <a:solidFill>
+            <a:schemeClr val="phClr"/>
+          </a:solidFill>
+          <a:prstDash val="solid"/>
+          <a:miter lim="800000"/>
+        </a:ln>
+        <a:ln w="12700" cap="flat" cmpd="sng" algn="ctr">
+          <a:solidFill>
+            <a:schemeClr val="phClr"/>
+          </a:solidFill>
+          <a:prstDash val="solid"/>
+          <a:miter lim="800000"/>
+        </a:ln>
+        <a:ln w="19050" cap="flat" cmpd="sng" algn="ctr">
+          <a:solidFill>
+            <a:schemeClr val="phClr"/>
+          </a:solidFill>
+          <a:prstDash val="solid"/>
+          <a:miter lim="800000"/>
+        </a:ln>
+      </a:lnStyleLst>
+      <a:effectStyleLst>
+        <a:effectStyle>
+          <a:effectLst/>
+        </a:effectStyle>
+        <a:effectStyle>
+          <a:effectLst/>
+        </a:effectStyle>
+        <a:effectStyle>
+          <a:effectLst>
+            <a:outerShdw blurRad="57150" dist="19050" dir="5400000" algn="ctr" rotWithShape="0">
+              <a:srgbClr val="000000">
+                <a:alpha val="63000"/>
+              </a:srgbClr>
+            </a:outerShdw>
+          </a:effectLst>
+        </a:effectStyle>
+      </a:effectStyleLst>
+      <a:bgFillStyleLst>
+        <a:solidFill>
+          <a:schemeClr val="phClr"/>
+        </a:solidFill>
+        <a:solidFill>
+          <a:schemeClr val="phClr">
+            <a:tint val="95000"/>
+            <a:satMod val="170000"/>
+          </a:schemeClr>
+        </a:solidFill>
+        <a:gradFill rotWithShape="1">
+          <a:gsLst>
+            <a:gs pos="0">
+              <a:schemeClr val="phClr">
+                <a:tint val="93000"/>
+                <a:satMod val="150000"/>
+                <a:shade val="98000"/>
+                <a:lumMod val="102000"/>
+              </a:schemeClr>
+            </a:gs>
+            <a:gs pos="50000">
+              <a:schemeClr val="phClr">
+                <a:tint val="98000"/>
+                <a:satMod val="130000"/>
+                <a:shade val="90000"/>
+                <a:lumMod val="103000"/>
+              </a:schemeClr>
+            </a:gs>
+            <a:gs pos="100000">
+              <a:schemeClr val="phClr">
+                <a:shade val="63000"/>
+                <a:satMod val="120000"/>
+              </a:schemeClr>
+            </a:gs>
+          </a:gsLst>
+          <a:lin ang="5400000" scaled="0"/>
+        </a:gradFill>
+      </a:bgFillStyleLst>
+    </a:fmtScheme>
+  </a:themeElements>
+  <a:objectDefaults/>
+  <a:extraClrSchemeLst/>
+  <a:extLst>
+    <a:ext uri="{05A4C25C-085E-4340-85A3-A5531E510DB2}">
+      <thm15:themeFamily xmlns:thm15="http://schemas.microsoft.com/office/thememl/2012/main" name="Office Theme" id="{62F939B6-93AF-4DB8-9C6B-D6C7DFDC589F}" vid="{4A3C46E8-61CC-4603-A589-7422A47A8E4A}"/>
+    </a:ext>
+  </a:extLst>
+</a:theme>
 </file>
--- a/Abschlusspräsentation.pptx
+++ b/Abschlusspräsentation.pptx
@@ -5,7 +5,7 @@
     <p:sldMasterId id="2147483648" r:id="rId1"/>
   </p:sldMasterIdLst>
   <p:notesMasterIdLst>
-    <p:notesMasterId r:id="rId32"/>
+    <p:notesMasterId r:id="rId30"/>
   </p:notesMasterIdLst>
   <p:sldIdLst>
     <p:sldId id="256" r:id="rId2"/>
@@ -14,30 +14,28 @@
     <p:sldId id="259" r:id="rId5"/>
     <p:sldId id="260" r:id="rId6"/>
     <p:sldId id="261" r:id="rId7"/>
-    <p:sldId id="265" r:id="rId8"/>
-    <p:sldId id="262" r:id="rId9"/>
-    <p:sldId id="266" r:id="rId10"/>
-    <p:sldId id="263" r:id="rId11"/>
-    <p:sldId id="267" r:id="rId12"/>
-    <p:sldId id="268" r:id="rId13"/>
-    <p:sldId id="269" r:id="rId14"/>
-    <p:sldId id="270" r:id="rId15"/>
-    <p:sldId id="271" r:id="rId16"/>
-    <p:sldId id="272" r:id="rId17"/>
-    <p:sldId id="273" r:id="rId18"/>
-    <p:sldId id="274" r:id="rId19"/>
-    <p:sldId id="279" r:id="rId20"/>
-    <p:sldId id="275" r:id="rId21"/>
-    <p:sldId id="276" r:id="rId22"/>
-    <p:sldId id="277" r:id="rId23"/>
-    <p:sldId id="278" r:id="rId24"/>
-    <p:sldId id="280" r:id="rId25"/>
-    <p:sldId id="281" r:id="rId26"/>
-    <p:sldId id="282" r:id="rId27"/>
-    <p:sldId id="283" r:id="rId28"/>
-    <p:sldId id="284" r:id="rId29"/>
-    <p:sldId id="285" r:id="rId30"/>
-    <p:sldId id="286" r:id="rId31"/>
+    <p:sldId id="262" r:id="rId8"/>
+    <p:sldId id="263" r:id="rId9"/>
+    <p:sldId id="267" r:id="rId10"/>
+    <p:sldId id="268" r:id="rId11"/>
+    <p:sldId id="269" r:id="rId12"/>
+    <p:sldId id="270" r:id="rId13"/>
+    <p:sldId id="271" r:id="rId14"/>
+    <p:sldId id="272" r:id="rId15"/>
+    <p:sldId id="273" r:id="rId16"/>
+    <p:sldId id="274" r:id="rId17"/>
+    <p:sldId id="279" r:id="rId18"/>
+    <p:sldId id="275" r:id="rId19"/>
+    <p:sldId id="276" r:id="rId20"/>
+    <p:sldId id="277" r:id="rId21"/>
+    <p:sldId id="278" r:id="rId22"/>
+    <p:sldId id="280" r:id="rId23"/>
+    <p:sldId id="281" r:id="rId24"/>
+    <p:sldId id="282" r:id="rId25"/>
+    <p:sldId id="283" r:id="rId26"/>
+    <p:sldId id="284" r:id="rId27"/>
+    <p:sldId id="285" r:id="rId28"/>
+    <p:sldId id="286" r:id="rId29"/>
   </p:sldIdLst>
   <p:sldSz cx="12192000" cy="6858000"/>
   <p:notesSz cx="6858000" cy="9144000"/>
@@ -3427,2436 +3425,6 @@
 </file>
 
 <file path=ppt/slides/slide10.xml><?xml version="1.0" encoding="utf-8"?>
-<p:sld xmlns:a="http://schemas.openxmlformats.org/drawingml/2006/main" xmlns:r="http://schemas.openxmlformats.org/officeDocument/2006/relationships" xmlns:p="http://schemas.openxmlformats.org/presentationml/2006/main">
-  <p:cSld>
-    <p:spTree>
-      <p:nvGrpSpPr>
-        <p:cNvPr id="1" name=""/>
-        <p:cNvGrpSpPr/>
-        <p:nvPr/>
-      </p:nvGrpSpPr>
-      <p:grpSpPr>
-        <a:xfrm>
-          <a:off x="0" y="0"/>
-          <a:ext cx="0" cy="0"/>
-          <a:chOff x="0" y="0"/>
-          <a:chExt cx="0" cy="0"/>
-        </a:xfrm>
-      </p:grpSpPr>
-      <p:sp>
-        <p:nvSpPr>
-          <p:cNvPr id="2" name="Titel 1"/>
-          <p:cNvSpPr>
-            <a:spLocks noGrp="1"/>
-          </p:cNvSpPr>
-          <p:nvPr>
-            <p:ph type="title"/>
-          </p:nvPr>
-        </p:nvSpPr>
-        <p:spPr/>
-        <p:txBody>
-          <a:bodyPr/>
-          <a:lstStyle/>
-          <a:p>
-            <a:r>
-              <a:rPr lang="de-DE" dirty="0" smtClean="0"/>
-              <a:t>Zimmerverteilung / Umsetzung</a:t>
-            </a:r>
-            <a:endParaRPr lang="de-DE" dirty="0"/>
-          </a:p>
-        </p:txBody>
-      </p:sp>
-      <p:sp>
-        <p:nvSpPr>
-          <p:cNvPr id="3" name="Inhaltsplatzhalter 2"/>
-          <p:cNvSpPr>
-            <a:spLocks noGrp="1"/>
-          </p:cNvSpPr>
-          <p:nvPr>
-            <p:ph idx="1"/>
-          </p:nvPr>
-        </p:nvSpPr>
-        <p:spPr>
-          <a:xfrm>
-            <a:off x="838200" y="1825625"/>
-            <a:ext cx="10515600" cy="419864"/>
-          </a:xfrm>
-        </p:spPr>
-        <p:txBody>
-          <a:bodyPr>
-            <a:normAutofit fontScale="92500" lnSpcReduction="10000"/>
-          </a:bodyPr>
-          <a:lstStyle/>
-          <a:p>
-            <a:r>
-              <a:rPr lang="de-DE" dirty="0" smtClean="0"/>
-              <a:t>Umwandlung der Matrix in zwei </a:t>
-            </a:r>
-            <a:r>
-              <a:rPr lang="de-DE" dirty="0" err="1" smtClean="0"/>
-              <a:t>Adjazenzlisten</a:t>
-            </a:r>
-            <a:endParaRPr lang="de-DE" dirty="0"/>
-          </a:p>
-        </p:txBody>
-      </p:sp>
-      <mc:AlternateContent xmlns:mc="http://schemas.openxmlformats.org/markup-compatibility/2006" xmlns:a14="http://schemas.microsoft.com/office/drawing/2010/main">
-        <mc:Choice Requires="a14">
-          <p:sp>
-            <p:nvSpPr>
-              <p:cNvPr id="4" name="Rechteck 3"/>
-              <p:cNvSpPr/>
-              <p:nvPr/>
-            </p:nvSpPr>
-            <p:spPr>
-              <a:xfrm>
-                <a:off x="838200" y="3362926"/>
-                <a:ext cx="3188373" cy="1636858"/>
-              </a:xfrm>
-              <a:prstGeom prst="rect">
-                <a:avLst/>
-              </a:prstGeom>
-            </p:spPr>
-            <p:txBody>
-              <a:bodyPr wrap="none">
-                <a:spAutoFit/>
-              </a:bodyPr>
-              <a:lstStyle/>
-              <a:p>
-                <a:pPr/>
-                <a14:m>
-                  <m:oMathPara xmlns:m="http://schemas.openxmlformats.org/officeDocument/2006/math">
-                    <m:oMathParaPr>
-                      <m:jc m:val="centerGroup"/>
-                    </m:oMathParaPr>
-                    <m:oMath xmlns:m="http://schemas.openxmlformats.org/officeDocument/2006/math">
-                      <m:d>
-                        <m:dPr>
-                          <m:begChr m:val="["/>
-                          <m:endChr m:val="]"/>
-                          <m:ctrlPr>
-                            <a:rPr lang="de-DE" i="1">
-                              <a:latin typeface="Cambria Math" charset="0"/>
-                            </a:rPr>
-                          </m:ctrlPr>
-                        </m:dPr>
-                        <m:e>
-                          <m:m>
-                            <m:mPr>
-                              <m:plcHide m:val="on"/>
-                              <m:mcs>
-                                <m:mc>
-                                  <m:mcPr>
-                                    <m:count m:val="6"/>
-                                    <m:mcJc m:val="center"/>
-                                  </m:mcPr>
-                                </m:mc>
-                              </m:mcs>
-                              <m:ctrlPr>
-                                <a:rPr lang="de-DE" i="1">
-                                  <a:latin typeface="Cambria Math" charset="0"/>
-                                </a:rPr>
-                              </m:ctrlPr>
-                            </m:mPr>
-                            <m:mr>
-                              <m:e>
-                                <m:r>
-                                  <a:rPr lang="de-DE">
-                                    <a:latin typeface="Cambria Math" charset="0"/>
-                                  </a:rPr>
-                                  <m:t>0</m:t>
-                                </m:r>
-                              </m:e>
-                              <m:e>
-                                <m:r>
-                                  <a:rPr lang="de-DE">
-                                    <a:latin typeface="Cambria Math" charset="0"/>
-                                  </a:rPr>
-                                  <m:t>−1</m:t>
-                                </m:r>
-                              </m:e>
-                              <m:e>
-                                <m:r>
-                                  <a:rPr lang="de-DE">
-                                    <a:latin typeface="Cambria Math" charset="0"/>
-                                  </a:rPr>
-                                  <m:t>0</m:t>
-                                </m:r>
-                              </m:e>
-                              <m:e>
-                                <m:r>
-                                  <a:rPr lang="de-DE">
-                                    <a:latin typeface="Cambria Math" charset="0"/>
-                                  </a:rPr>
-                                  <m:t>1</m:t>
-                                </m:r>
-                              </m:e>
-                              <m:e>
-                                <m:r>
-                                  <a:rPr lang="de-DE">
-                                    <a:latin typeface="Cambria Math" charset="0"/>
-                                  </a:rPr>
-                                  <m:t>0</m:t>
-                                </m:r>
-                              </m:e>
-                              <m:e>
-                                <m:r>
-                                  <a:rPr lang="de-DE">
-                                    <a:latin typeface="Cambria Math" charset="0"/>
-                                  </a:rPr>
-                                  <m:t>−1</m:t>
-                                </m:r>
-                              </m:e>
-                            </m:mr>
-                            <m:mr>
-                              <m:e>
-                                <m:r>
-                                  <a:rPr lang="de-DE">
-                                    <a:latin typeface="Cambria Math" charset="0"/>
-                                  </a:rPr>
-                                  <m:t>−1</m:t>
-                                </m:r>
-                              </m:e>
-                              <m:e>
-                                <m:r>
-                                  <a:rPr lang="de-DE">
-                                    <a:latin typeface="Cambria Math" charset="0"/>
-                                  </a:rPr>
-                                  <m:t>0</m:t>
-                                </m:r>
-                              </m:e>
-                              <m:e>
-                                <m:r>
-                                  <a:rPr lang="de-DE">
-                                    <a:latin typeface="Cambria Math" charset="0"/>
-                                  </a:rPr>
-                                  <m:t>−1</m:t>
-                                </m:r>
-                              </m:e>
-                              <m:e>
-                                <m:r>
-                                  <a:rPr lang="de-DE">
-                                    <a:latin typeface="Cambria Math" charset="0"/>
-                                  </a:rPr>
-                                  <m:t>0</m:t>
-                                </m:r>
-                              </m:e>
-                              <m:e>
-                                <m:r>
-                                  <a:rPr lang="de-DE">
-                                    <a:latin typeface="Cambria Math" charset="0"/>
-                                  </a:rPr>
-                                  <m:t>1</m:t>
-                                </m:r>
-                              </m:e>
-                              <m:e>
-                                <m:r>
-                                  <a:rPr lang="de-DE">
-                                    <a:latin typeface="Cambria Math" charset="0"/>
-                                  </a:rPr>
-                                  <m:t>0</m:t>
-                                </m:r>
-                              </m:e>
-                            </m:mr>
-                            <m:mr>
-                              <m:e>
-                                <m:r>
-                                  <a:rPr lang="de-DE">
-                                    <a:latin typeface="Cambria Math" charset="0"/>
-                                  </a:rPr>
-                                  <m:t>0</m:t>
-                                </m:r>
-                              </m:e>
-                              <m:e>
-                                <m:r>
-                                  <a:rPr lang="de-DE">
-                                    <a:latin typeface="Cambria Math" charset="0"/>
-                                  </a:rPr>
-                                  <m:t>−1</m:t>
-                                </m:r>
-                              </m:e>
-                              <m:e>
-                                <m:r>
-                                  <a:rPr lang="de-DE">
-                                    <a:latin typeface="Cambria Math" charset="0"/>
-                                  </a:rPr>
-                                  <m:t>0</m:t>
-                                </m:r>
-                              </m:e>
-                              <m:e>
-                                <m:r>
-                                  <a:rPr lang="de-DE">
-                                    <a:latin typeface="Cambria Math" charset="0"/>
-                                  </a:rPr>
-                                  <m:t>−1</m:t>
-                                </m:r>
-                              </m:e>
-                              <m:e>
-                                <m:r>
-                                  <a:rPr lang="de-DE">
-                                    <a:latin typeface="Cambria Math" charset="0"/>
-                                  </a:rPr>
-                                  <m:t>0</m:t>
-                                </m:r>
-                              </m:e>
-                              <m:e>
-                                <m:r>
-                                  <a:rPr lang="de-DE">
-                                    <a:latin typeface="Cambria Math" charset="0"/>
-                                  </a:rPr>
-                                  <m:t>0</m:t>
-                                </m:r>
-                              </m:e>
-                            </m:mr>
-                            <m:mr>
-                              <m:e>
-                                <m:r>
-                                  <a:rPr lang="de-DE">
-                                    <a:latin typeface="Cambria Math" charset="0"/>
-                                  </a:rPr>
-                                  <m:t>1</m:t>
-                                </m:r>
-                              </m:e>
-                              <m:e>
-                                <m:r>
-                                  <a:rPr lang="de-DE">
-                                    <a:latin typeface="Cambria Math" charset="0"/>
-                                  </a:rPr>
-                                  <m:t>0</m:t>
-                                </m:r>
-                              </m:e>
-                              <m:e>
-                                <m:r>
-                                  <a:rPr lang="de-DE">
-                                    <a:latin typeface="Cambria Math" charset="0"/>
-                                  </a:rPr>
-                                  <m:t>−1</m:t>
-                                </m:r>
-                              </m:e>
-                              <m:e>
-                                <m:r>
-                                  <a:rPr lang="de-DE">
-                                    <a:latin typeface="Cambria Math" charset="0"/>
-                                  </a:rPr>
-                                  <m:t>0</m:t>
-                                </m:r>
-                              </m:e>
-                              <m:e>
-                                <m:r>
-                                  <a:rPr lang="de-DE">
-                                    <a:latin typeface="Cambria Math" charset="0"/>
-                                  </a:rPr>
-                                  <m:t>0</m:t>
-                                </m:r>
-                              </m:e>
-                              <m:e>
-                                <m:r>
-                                  <a:rPr lang="de-DE">
-                                    <a:latin typeface="Cambria Math" charset="0"/>
-                                  </a:rPr>
-                                  <m:t>0</m:t>
-                                </m:r>
-                              </m:e>
-                            </m:mr>
-                            <m:mr>
-                              <m:e>
-                                <m:r>
-                                  <a:rPr lang="de-DE">
-                                    <a:latin typeface="Cambria Math" charset="0"/>
-                                  </a:rPr>
-                                  <m:t>0</m:t>
-                                </m:r>
-                              </m:e>
-                              <m:e>
-                                <m:r>
-                                  <a:rPr lang="de-DE">
-                                    <a:latin typeface="Cambria Math" charset="0"/>
-                                  </a:rPr>
-                                  <m:t>1</m:t>
-                                </m:r>
-                              </m:e>
-                              <m:e>
-                                <m:r>
-                                  <a:rPr lang="de-DE">
-                                    <a:latin typeface="Cambria Math" charset="0"/>
-                                  </a:rPr>
-                                  <m:t>0</m:t>
-                                </m:r>
-                              </m:e>
-                              <m:e>
-                                <m:r>
-                                  <a:rPr lang="de-DE">
-                                    <a:latin typeface="Cambria Math" charset="0"/>
-                                  </a:rPr>
-                                  <m:t>0</m:t>
-                                </m:r>
-                              </m:e>
-                              <m:e>
-                                <m:r>
-                                  <a:rPr lang="de-DE">
-                                    <a:latin typeface="Cambria Math" charset="0"/>
-                                  </a:rPr>
-                                  <m:t>0</m:t>
-                                </m:r>
-                              </m:e>
-                              <m:e>
-                                <m:r>
-                                  <a:rPr lang="de-DE">
-                                    <a:latin typeface="Cambria Math" charset="0"/>
-                                  </a:rPr>
-                                  <m:t>1</m:t>
-                                </m:r>
-                              </m:e>
-                            </m:mr>
-                            <m:mr>
-                              <m:e>
-                                <m:r>
-                                  <a:rPr lang="de-DE">
-                                    <a:latin typeface="Cambria Math" charset="0"/>
-                                  </a:rPr>
-                                  <m:t>−1</m:t>
-                                </m:r>
-                              </m:e>
-                              <m:e>
-                                <m:r>
-                                  <a:rPr lang="de-DE">
-                                    <a:latin typeface="Cambria Math" charset="0"/>
-                                  </a:rPr>
-                                  <m:t>0</m:t>
-                                </m:r>
-                              </m:e>
-                              <m:e>
-                                <m:r>
-                                  <a:rPr lang="de-DE">
-                                    <a:latin typeface="Cambria Math" charset="0"/>
-                                  </a:rPr>
-                                  <m:t>0</m:t>
-                                </m:r>
-                              </m:e>
-                              <m:e>
-                                <m:r>
-                                  <a:rPr lang="de-DE">
-                                    <a:latin typeface="Cambria Math" charset="0"/>
-                                  </a:rPr>
-                                  <m:t>0</m:t>
-                                </m:r>
-                              </m:e>
-                              <m:e>
-                                <m:r>
-                                  <a:rPr lang="de-DE">
-                                    <a:latin typeface="Cambria Math" charset="0"/>
-                                  </a:rPr>
-                                  <m:t>1</m:t>
-                                </m:r>
-                              </m:e>
-                              <m:e>
-                                <m:r>
-                                  <a:rPr lang="de-DE">
-                                    <a:latin typeface="Cambria Math" charset="0"/>
-                                  </a:rPr>
-                                  <m:t>0</m:t>
-                                </m:r>
-                              </m:e>
-                            </m:mr>
-                          </m:m>
-                        </m:e>
-                      </m:d>
-                    </m:oMath>
-                  </m:oMathPara>
-                </a14:m>
-                <a:endParaRPr lang="de-DE" dirty="0"/>
-              </a:p>
-            </p:txBody>
-          </p:sp>
-        </mc:Choice>
-        <mc:Fallback xmlns="">
-          <p:sp>
-            <p:nvSpPr>
-              <p:cNvPr id="4" name="Rechteck 3"/>
-              <p:cNvSpPr>
-                <a:spLocks noRot="1" noChangeAspect="1" noMove="1" noResize="1" noEditPoints="1" noAdjustHandles="1" noChangeArrowheads="1" noChangeShapeType="1" noTextEdit="1"/>
-              </p:cNvSpPr>
-              <p:nvPr/>
-            </p:nvSpPr>
-            <p:spPr>
-              <a:xfrm>
-                <a:off x="838200" y="3362926"/>
-                <a:ext cx="3188373" cy="1636858"/>
-              </a:xfrm>
-              <a:prstGeom prst="rect">
-                <a:avLst/>
-              </a:prstGeom>
-              <a:blipFill rotWithShape="0">
-                <a:blip r:embed="rId2"/>
-                <a:stretch>
-                  <a:fillRect/>
-                </a:stretch>
-              </a:blipFill>
-            </p:spPr>
-            <p:txBody>
-              <a:bodyPr/>
-              <a:lstStyle/>
-              <a:p>
-                <a:r>
-                  <a:rPr lang="de-DE">
-                    <a:noFill/>
-                  </a:rPr>
-                  <a:t> </a:t>
-                </a:r>
-              </a:p>
-            </p:txBody>
-          </p:sp>
-        </mc:Fallback>
-      </mc:AlternateContent>
-      <mc:AlternateContent xmlns:mc="http://schemas.openxmlformats.org/markup-compatibility/2006" xmlns:a14="http://schemas.microsoft.com/office/drawing/2010/main">
-        <mc:Choice Requires="a14">
-          <p:sp>
-            <p:nvSpPr>
-              <p:cNvPr id="5" name="Rechteck 4"/>
-              <p:cNvSpPr/>
-              <p:nvPr/>
-            </p:nvSpPr>
-            <p:spPr>
-              <a:xfrm>
-                <a:off x="5810657" y="3362926"/>
-                <a:ext cx="1867050" cy="1793824"/>
-              </a:xfrm>
-              <a:prstGeom prst="rect">
-                <a:avLst/>
-              </a:prstGeom>
-            </p:spPr>
-            <p:txBody>
-              <a:bodyPr wrap="none">
-                <a:spAutoFit/>
-              </a:bodyPr>
-              <a:lstStyle/>
-              <a:p>
-                <a:pPr/>
-                <a14:m>
-                  <m:oMathPara xmlns:m="http://schemas.openxmlformats.org/officeDocument/2006/math">
-                    <m:oMathParaPr>
-                      <m:jc m:val="centerGroup"/>
-                    </m:oMathParaPr>
-                    <m:oMath xmlns:m="http://schemas.openxmlformats.org/officeDocument/2006/math">
-                      <m:sSub>
-                        <m:sSubPr>
-                          <m:ctrlPr>
-                            <a:rPr lang="de-DE" i="1">
-                              <a:latin typeface="Cambria Math" charset="0"/>
-                            </a:rPr>
-                          </m:ctrlPr>
-                        </m:sSubPr>
-                        <m:e>
-                          <m:r>
-                            <a:rPr lang="de-DE" i="1">
-                              <a:latin typeface="Cambria Math" charset="0"/>
-                            </a:rPr>
-                            <m:t>𝐿</m:t>
-                          </m:r>
-                        </m:e>
-                        <m:sub>
-                          <m:r>
-                            <a:rPr lang="de-DE" i="1">
-                              <a:latin typeface="Cambria Math" charset="0"/>
-                            </a:rPr>
-                            <m:t>𝑝𝑜𝑠</m:t>
-                          </m:r>
-                        </m:sub>
-                      </m:sSub>
-                      <m:r>
-                        <a:rPr lang="de-DE" i="0">
-                          <a:latin typeface="Cambria Math" charset="0"/>
-                        </a:rPr>
-                        <m:t> :=  </m:t>
-                      </m:r>
-                      <m:m>
-                        <m:mPr>
-                          <m:plcHide m:val="on"/>
-                          <m:mcs>
-                            <m:mc>
-                              <m:mcPr>
-                                <m:count m:val="1"/>
-                                <m:mcJc m:val="center"/>
-                              </m:mcPr>
-                            </m:mc>
-                          </m:mcs>
-                          <m:ctrlPr>
-                            <a:rPr lang="de-DE" i="1">
-                              <a:latin typeface="Cambria Math" charset="0"/>
-                            </a:rPr>
-                          </m:ctrlPr>
-                        </m:mPr>
-                        <m:mr>
-                          <m:e>
-                            <m:r>
-                              <a:rPr lang="de-DE" i="0">
-                                <a:latin typeface="Cambria Math" charset="0"/>
-                              </a:rPr>
-                              <m:t>0:</m:t>
-                            </m:r>
-                            <m:d>
-                              <m:dPr>
-                                <m:begChr m:val="["/>
-                                <m:endChr m:val="]"/>
-                                <m:ctrlPr>
-                                  <a:rPr lang="de-DE" i="1">
-                                    <a:latin typeface="Cambria Math" charset="0"/>
-                                  </a:rPr>
-                                </m:ctrlPr>
-                              </m:dPr>
-                              <m:e>
-                                <m:r>
-                                  <a:rPr lang="de-DE" i="0">
-                                    <a:latin typeface="Cambria Math" charset="0"/>
-                                  </a:rPr>
-                                  <m:t>3</m:t>
-                                </m:r>
-                              </m:e>
-                            </m:d>
-                            <m:r>
-                              <a:rPr lang="de-DE" i="0">
-                                <a:latin typeface="Cambria Math" charset="0"/>
-                              </a:rPr>
-                              <m:t>    </m:t>
-                            </m:r>
-                          </m:e>
-                        </m:mr>
-                        <m:mr>
-                          <m:e>
-                            <m:r>
-                              <a:rPr lang="de-DE" i="0">
-                                <a:latin typeface="Cambria Math" charset="0"/>
-                              </a:rPr>
-                              <m:t>1:</m:t>
-                            </m:r>
-                            <m:d>
-                              <m:dPr>
-                                <m:begChr m:val="["/>
-                                <m:endChr m:val="]"/>
-                                <m:ctrlPr>
-                                  <a:rPr lang="de-DE" i="1">
-                                    <a:latin typeface="Cambria Math" charset="0"/>
-                                  </a:rPr>
-                                </m:ctrlPr>
-                              </m:dPr>
-                              <m:e>
-                                <m:r>
-                                  <a:rPr lang="de-DE" i="0">
-                                    <a:latin typeface="Cambria Math" charset="0"/>
-                                  </a:rPr>
-                                  <m:t>4</m:t>
-                                </m:r>
-                              </m:e>
-                            </m:d>
-                            <m:r>
-                              <a:rPr lang="de-DE" i="0">
-                                <a:latin typeface="Cambria Math" charset="0"/>
-                              </a:rPr>
-                              <m:t>    </m:t>
-                            </m:r>
-                          </m:e>
-                        </m:mr>
-                        <m:mr>
-                          <m:e>
-                            <m:r>
-                              <a:rPr lang="de-DE" i="0">
-                                <a:latin typeface="Cambria Math" charset="0"/>
-                              </a:rPr>
-                              <m:t>2:[]      </m:t>
-                            </m:r>
-                          </m:e>
-                        </m:mr>
-                        <m:mr>
-                          <m:e>
-                            <m:r>
-                              <a:rPr lang="de-DE" i="0">
-                                <a:latin typeface="Cambria Math" charset="0"/>
-                              </a:rPr>
-                              <m:t>3:</m:t>
-                            </m:r>
-                            <m:d>
-                              <m:dPr>
-                                <m:begChr m:val="["/>
-                                <m:endChr m:val="]"/>
-                                <m:ctrlPr>
-                                  <a:rPr lang="de-DE" i="1">
-                                    <a:latin typeface="Cambria Math" charset="0"/>
-                                  </a:rPr>
-                                </m:ctrlPr>
-                              </m:dPr>
-                              <m:e>
-                                <m:r>
-                                  <a:rPr lang="de-DE" i="0">
-                                    <a:latin typeface="Cambria Math" charset="0"/>
-                                  </a:rPr>
-                                  <m:t>0</m:t>
-                                </m:r>
-                              </m:e>
-                            </m:d>
-                            <m:r>
-                              <a:rPr lang="de-DE" i="0">
-                                <a:latin typeface="Cambria Math" charset="0"/>
-                              </a:rPr>
-                              <m:t>    </m:t>
-                            </m:r>
-                          </m:e>
-                        </m:mr>
-                        <m:mr>
-                          <m:e>
-                            <m:d>
-                              <m:dPr>
-                                <m:begChr m:val=""/>
-                                <m:endChr m:val="]"/>
-                                <m:ctrlPr>
-                                  <a:rPr lang="de-DE" i="1">
-                                    <a:latin typeface="Cambria Math" charset="0"/>
-                                  </a:rPr>
-                                </m:ctrlPr>
-                              </m:dPr>
-                              <m:e>
-                                <m:r>
-                                  <a:rPr lang="de-DE" i="0">
-                                    <a:latin typeface="Cambria Math" charset="0"/>
-                                  </a:rPr>
-                                  <m:t>4:[1, 5</m:t>
-                                </m:r>
-                              </m:e>
-                            </m:d>
-                          </m:e>
-                        </m:mr>
-                        <m:mr>
-                          <m:e>
-                            <m:r>
-                              <a:rPr lang="de-DE" i="0">
-                                <a:latin typeface="Cambria Math" charset="0"/>
-                              </a:rPr>
-                              <m:t>5:</m:t>
-                            </m:r>
-                            <m:d>
-                              <m:dPr>
-                                <m:begChr m:val="["/>
-                                <m:endChr m:val="]"/>
-                                <m:ctrlPr>
-                                  <a:rPr lang="de-DE" i="1">
-                                    <a:latin typeface="Cambria Math" charset="0"/>
-                                  </a:rPr>
-                                </m:ctrlPr>
-                              </m:dPr>
-                              <m:e>
-                                <m:r>
-                                  <a:rPr lang="de-DE" i="0">
-                                    <a:latin typeface="Cambria Math" charset="0"/>
-                                  </a:rPr>
-                                  <m:t>4</m:t>
-                                </m:r>
-                              </m:e>
-                            </m:d>
-                            <m:r>
-                              <a:rPr lang="de-DE" i="0">
-                                <a:latin typeface="Cambria Math" charset="0"/>
-                              </a:rPr>
-                              <m:t>    </m:t>
-                            </m:r>
-                          </m:e>
-                        </m:mr>
-                      </m:m>
-                    </m:oMath>
-                  </m:oMathPara>
-                </a14:m>
-                <a:endParaRPr lang="de-DE" dirty="0"/>
-              </a:p>
-            </p:txBody>
-          </p:sp>
-        </mc:Choice>
-        <mc:Fallback xmlns="">
-          <p:sp>
-            <p:nvSpPr>
-              <p:cNvPr id="5" name="Rechteck 4"/>
-              <p:cNvSpPr>
-                <a:spLocks noRot="1" noChangeAspect="1" noMove="1" noResize="1" noEditPoints="1" noAdjustHandles="1" noChangeArrowheads="1" noChangeShapeType="1" noTextEdit="1"/>
-              </p:cNvSpPr>
-              <p:nvPr/>
-            </p:nvSpPr>
-            <p:spPr>
-              <a:xfrm>
-                <a:off x="5810657" y="3362926"/>
-                <a:ext cx="1867050" cy="1793824"/>
-              </a:xfrm>
-              <a:prstGeom prst="rect">
-                <a:avLst/>
-              </a:prstGeom>
-              <a:blipFill rotWithShape="0">
-                <a:blip r:embed="rId3"/>
-                <a:stretch>
-                  <a:fillRect/>
-                </a:stretch>
-              </a:blipFill>
-            </p:spPr>
-            <p:txBody>
-              <a:bodyPr/>
-              <a:lstStyle/>
-              <a:p>
-                <a:r>
-                  <a:rPr lang="de-DE">
-                    <a:noFill/>
-                  </a:rPr>
-                  <a:t> </a:t>
-                </a:r>
-              </a:p>
-            </p:txBody>
-          </p:sp>
-        </mc:Fallback>
-      </mc:AlternateContent>
-      <mc:AlternateContent xmlns:mc="http://schemas.openxmlformats.org/markup-compatibility/2006" xmlns:a14="http://schemas.microsoft.com/office/drawing/2010/main">
-        <mc:Choice Requires="a14">
-          <p:sp>
-            <p:nvSpPr>
-              <p:cNvPr id="6" name="Rechteck 5"/>
-              <p:cNvSpPr/>
-              <p:nvPr/>
-            </p:nvSpPr>
-            <p:spPr>
-              <a:xfrm>
-                <a:off x="8137472" y="3413984"/>
-                <a:ext cx="2213683" cy="1783758"/>
-              </a:xfrm>
-              <a:prstGeom prst="rect">
-                <a:avLst/>
-              </a:prstGeom>
-            </p:spPr>
-            <p:txBody>
-              <a:bodyPr wrap="none">
-                <a:spAutoFit/>
-              </a:bodyPr>
-              <a:lstStyle/>
-              <a:p>
-                <a:pPr/>
-                <a14:m>
-                  <m:oMathPara xmlns:m="http://schemas.openxmlformats.org/officeDocument/2006/math">
-                    <m:oMathParaPr>
-                      <m:jc m:val="centerGroup"/>
-                    </m:oMathParaPr>
-                    <m:oMath xmlns:m="http://schemas.openxmlformats.org/officeDocument/2006/math">
-                      <m:r>
-                        <a:rPr lang="de-DE">
-                          <a:latin typeface="Cambria Math" charset="0"/>
-                        </a:rPr>
-                        <m:t> </m:t>
-                      </m:r>
-                      <m:sSub>
-                        <m:sSubPr>
-                          <m:ctrlPr>
-                            <a:rPr lang="de-DE" i="1">
-                              <a:latin typeface="Cambria Math" charset="0"/>
-                            </a:rPr>
-                          </m:ctrlPr>
-                        </m:sSubPr>
-                        <m:e>
-                          <m:r>
-                            <a:rPr lang="de-DE" i="1">
-                              <a:latin typeface="Cambria Math" charset="0"/>
-                            </a:rPr>
-                            <m:t>𝐿</m:t>
-                          </m:r>
-                        </m:e>
-                        <m:sub>
-                          <m:r>
-                            <a:rPr lang="de-DE" i="1">
-                              <a:latin typeface="Cambria Math" charset="0"/>
-                            </a:rPr>
-                            <m:t>𝑛𝑒𝑔</m:t>
-                          </m:r>
-                        </m:sub>
-                      </m:sSub>
-                      <m:r>
-                        <a:rPr lang="de-DE" i="0">
-                          <a:latin typeface="Cambria Math" charset="0"/>
-                        </a:rPr>
-                        <m:t> :=  </m:t>
-                      </m:r>
-                      <m:m>
-                        <m:mPr>
-                          <m:plcHide m:val="on"/>
-                          <m:mcs>
-                            <m:mc>
-                              <m:mcPr>
-                                <m:count m:val="1"/>
-                                <m:mcJc m:val="center"/>
-                              </m:mcPr>
-                            </m:mc>
-                          </m:mcs>
-                          <m:ctrlPr>
-                            <a:rPr lang="de-DE" i="1">
-                              <a:latin typeface="Cambria Math" charset="0"/>
-                            </a:rPr>
-                          </m:ctrlPr>
-                        </m:mPr>
-                        <m:mr>
-                          <m:e>
-                            <m:r>
-                              <a:rPr lang="de-DE" i="0">
-                                <a:latin typeface="Cambria Math" charset="0"/>
-                              </a:rPr>
-                              <m:t>0:</m:t>
-                            </m:r>
-                            <m:d>
-                              <m:dPr>
-                                <m:begChr m:val="["/>
-                                <m:endChr m:val="]"/>
-                                <m:ctrlPr>
-                                  <a:rPr lang="de-DE" i="1">
-                                    <a:latin typeface="Cambria Math" charset="0"/>
-                                  </a:rPr>
-                                </m:ctrlPr>
-                              </m:dPr>
-                              <m:e>
-                                <m:r>
-                                  <a:rPr lang="de-DE" i="0">
-                                    <a:latin typeface="Cambria Math" charset="0"/>
-                                  </a:rPr>
-                                  <m:t>1, 5</m:t>
-                                </m:r>
-                              </m:e>
-                            </m:d>
-                            <m:r>
-                              <a:rPr lang="de-DE" i="0">
-                                <a:latin typeface="Cambria Math" charset="0"/>
-                              </a:rPr>
-                              <m:t>    </m:t>
-                            </m:r>
-                          </m:e>
-                        </m:mr>
-                        <m:mr>
-                          <m:e>
-                            <m:r>
-                              <a:rPr lang="de-DE" i="0">
-                                <a:latin typeface="Cambria Math" charset="0"/>
-                              </a:rPr>
-                              <m:t>1:</m:t>
-                            </m:r>
-                            <m:d>
-                              <m:dPr>
-                                <m:begChr m:val="["/>
-                                <m:endChr m:val="]"/>
-                                <m:ctrlPr>
-                                  <a:rPr lang="de-DE" i="1">
-                                    <a:latin typeface="Cambria Math" charset="0"/>
-                                  </a:rPr>
-                                </m:ctrlPr>
-                              </m:dPr>
-                              <m:e>
-                                <m:r>
-                                  <a:rPr lang="de-DE" i="0">
-                                    <a:latin typeface="Cambria Math" charset="0"/>
-                                  </a:rPr>
-                                  <m:t>0, 2</m:t>
-                                </m:r>
-                              </m:e>
-                            </m:d>
-                            <m:r>
-                              <a:rPr lang="de-DE" i="0">
-                                <a:latin typeface="Cambria Math" charset="0"/>
-                              </a:rPr>
-                              <m:t>    </m:t>
-                            </m:r>
-                          </m:e>
-                        </m:mr>
-                        <m:mr>
-                          <m:e>
-                            <m:r>
-                              <a:rPr lang="de-DE" i="0">
-                                <a:latin typeface="Cambria Math" charset="0"/>
-                              </a:rPr>
-                              <m:t>2:[1, 3]     </m:t>
-                            </m:r>
-                          </m:e>
-                        </m:mr>
-                        <m:mr>
-                          <m:e>
-                            <m:r>
-                              <a:rPr lang="de-DE" i="0">
-                                <a:latin typeface="Cambria Math" charset="0"/>
-                              </a:rPr>
-                              <m:t>3:</m:t>
-                            </m:r>
-                            <m:d>
-                              <m:dPr>
-                                <m:begChr m:val="["/>
-                                <m:endChr m:val="]"/>
-                                <m:ctrlPr>
-                                  <a:rPr lang="de-DE" i="1">
-                                    <a:latin typeface="Cambria Math" charset="0"/>
-                                  </a:rPr>
-                                </m:ctrlPr>
-                              </m:dPr>
-                              <m:e>
-                                <m:r>
-                                  <a:rPr lang="de-DE" i="0">
-                                    <a:latin typeface="Cambria Math" charset="0"/>
-                                  </a:rPr>
-                                  <m:t>2</m:t>
-                                </m:r>
-                              </m:e>
-                            </m:d>
-                            <m:r>
-                              <a:rPr lang="de-DE" i="0">
-                                <a:latin typeface="Cambria Math" charset="0"/>
-                              </a:rPr>
-                              <m:t>         </m:t>
-                            </m:r>
-                          </m:e>
-                        </m:mr>
-                        <m:mr>
-                          <m:e>
-                            <m:r>
-                              <a:rPr lang="de-DE" i="0">
-                                <a:latin typeface="Cambria Math" charset="0"/>
-                              </a:rPr>
-                              <m:t>4:[]            </m:t>
-                            </m:r>
-                          </m:e>
-                        </m:mr>
-                        <m:mr>
-                          <m:e>
-                            <m:r>
-                              <a:rPr lang="de-DE" i="0">
-                                <a:latin typeface="Cambria Math" charset="0"/>
-                              </a:rPr>
-                              <m:t>5:</m:t>
-                            </m:r>
-                            <m:d>
-                              <m:dPr>
-                                <m:begChr m:val="["/>
-                                <m:endChr m:val="]"/>
-                                <m:ctrlPr>
-                                  <a:rPr lang="de-DE" i="1">
-                                    <a:latin typeface="Cambria Math" charset="0"/>
-                                  </a:rPr>
-                                </m:ctrlPr>
-                              </m:dPr>
-                              <m:e>
-                                <m:r>
-                                  <a:rPr lang="de-DE" i="0">
-                                    <a:latin typeface="Cambria Math" charset="0"/>
-                                  </a:rPr>
-                                  <m:t>0</m:t>
-                                </m:r>
-                              </m:e>
-                            </m:d>
-                            <m:r>
-                              <a:rPr lang="de-DE" i="0">
-                                <a:latin typeface="Cambria Math" charset="0"/>
-                              </a:rPr>
-                              <m:t>         </m:t>
-                            </m:r>
-                          </m:e>
-                        </m:mr>
-                      </m:m>
-                    </m:oMath>
-                  </m:oMathPara>
-                </a14:m>
-                <a:endParaRPr lang="de-DE" dirty="0"/>
-              </a:p>
-            </p:txBody>
-          </p:sp>
-        </mc:Choice>
-        <mc:Fallback xmlns="">
-          <p:sp>
-            <p:nvSpPr>
-              <p:cNvPr id="6" name="Rechteck 5"/>
-              <p:cNvSpPr>
-                <a:spLocks noRot="1" noChangeAspect="1" noMove="1" noResize="1" noEditPoints="1" noAdjustHandles="1" noChangeArrowheads="1" noChangeShapeType="1" noTextEdit="1"/>
-              </p:cNvSpPr>
-              <p:nvPr/>
-            </p:nvSpPr>
-            <p:spPr>
-              <a:xfrm>
-                <a:off x="8137472" y="3413984"/>
-                <a:ext cx="2213683" cy="1783758"/>
-              </a:xfrm>
-              <a:prstGeom prst="rect">
-                <a:avLst/>
-              </a:prstGeom>
-              <a:blipFill rotWithShape="0">
-                <a:blip r:embed="rId4"/>
-                <a:stretch>
-                  <a:fillRect/>
-                </a:stretch>
-              </a:blipFill>
-            </p:spPr>
-            <p:txBody>
-              <a:bodyPr/>
-              <a:lstStyle/>
-              <a:p>
-                <a:r>
-                  <a:rPr lang="de-DE">
-                    <a:noFill/>
-                  </a:rPr>
-                  <a:t> </a:t>
-                </a:r>
-              </a:p>
-            </p:txBody>
-          </p:sp>
-        </mc:Fallback>
-      </mc:AlternateContent>
-      <p:sp>
-        <p:nvSpPr>
-          <p:cNvPr id="7" name="Rechteck 6"/>
-          <p:cNvSpPr/>
-          <p:nvPr/>
-        </p:nvSpPr>
-        <p:spPr>
-          <a:xfrm>
-            <a:off x="4486338" y="4075172"/>
-            <a:ext cx="393056" cy="369332"/>
-          </a:xfrm>
-          <a:prstGeom prst="rect">
-            <a:avLst/>
-          </a:prstGeom>
-        </p:spPr>
-        <p:txBody>
-          <a:bodyPr wrap="none">
-            <a:spAutoFit/>
-          </a:bodyPr>
-          <a:lstStyle/>
-          <a:p>
-            <a:r>
-              <a:rPr lang="de-DE"/>
-              <a:t>→</a:t>
-            </a:r>
-          </a:p>
-        </p:txBody>
-      </p:sp>
-    </p:spTree>
-    <p:extLst>
-      <p:ext uri="{BB962C8B-B14F-4D97-AF65-F5344CB8AC3E}">
-        <p14:creationId xmlns:p14="http://schemas.microsoft.com/office/powerpoint/2010/main" val="163220764"/>
-      </p:ext>
-    </p:extLst>
-  </p:cSld>
-  <p:clrMapOvr>
-    <a:masterClrMapping/>
-  </p:clrMapOvr>
-  <p:timing>
-    <p:tnLst>
-      <p:par>
-        <p:cTn id="1" dur="indefinite" restart="never" nodeType="tmRoot"/>
-      </p:par>
-    </p:tnLst>
-  </p:timing>
-</p:sld>
-</file>
-
-<file path=ppt/slides/slide11.xml><?xml version="1.0" encoding="utf-8"?>
-<p:sld xmlns:a="http://schemas.openxmlformats.org/drawingml/2006/main" xmlns:r="http://schemas.openxmlformats.org/officeDocument/2006/relationships" xmlns:p="http://schemas.openxmlformats.org/presentationml/2006/main">
-  <p:cSld>
-    <p:spTree>
-      <p:nvGrpSpPr>
-        <p:cNvPr id="1" name=""/>
-        <p:cNvGrpSpPr/>
-        <p:nvPr/>
-      </p:nvGrpSpPr>
-      <p:grpSpPr>
-        <a:xfrm>
-          <a:off x="0" y="0"/>
-          <a:ext cx="0" cy="0"/>
-          <a:chOff x="0" y="0"/>
-          <a:chExt cx="0" cy="0"/>
-        </a:xfrm>
-      </p:grpSpPr>
-      <p:sp>
-        <p:nvSpPr>
-          <p:cNvPr id="2" name="Titel 1"/>
-          <p:cNvSpPr>
-            <a:spLocks noGrp="1"/>
-          </p:cNvSpPr>
-          <p:nvPr>
-            <p:ph type="title"/>
-          </p:nvPr>
-        </p:nvSpPr>
-        <p:spPr/>
-        <p:txBody>
-          <a:bodyPr/>
-          <a:lstStyle/>
-          <a:p>
-            <a:r>
-              <a:rPr lang="de-DE" dirty="0" smtClean="0"/>
-              <a:t>Zimmerverteilung / Umsetzung</a:t>
-            </a:r>
-            <a:endParaRPr lang="de-DE" dirty="0"/>
-          </a:p>
-        </p:txBody>
-      </p:sp>
-      <p:grpSp>
-        <p:nvGrpSpPr>
-          <p:cNvPr id="6" name="Gruppierung 5"/>
-          <p:cNvGrpSpPr/>
-          <p:nvPr/>
-        </p:nvGrpSpPr>
-        <p:grpSpPr>
-          <a:xfrm>
-            <a:off x="838200" y="2131085"/>
-            <a:ext cx="2827011" cy="1755400"/>
-            <a:chOff x="0" y="0"/>
-            <a:chExt cx="2286635" cy="1419860"/>
-          </a:xfrm>
-        </p:grpSpPr>
-        <p:sp>
-          <p:nvSpPr>
-            <p:cNvPr id="7" name="Rechteck 6"/>
-            <p:cNvSpPr/>
-            <p:nvPr/>
-          </p:nvSpPr>
-          <p:spPr>
-            <a:xfrm>
-              <a:off x="111760" y="0"/>
-              <a:ext cx="457835" cy="231140"/>
-            </a:xfrm>
-            <a:prstGeom prst="rect">
-              <a:avLst/>
-            </a:prstGeom>
-            <a:ln>
-              <a:tailEnd type="none"/>
-            </a:ln>
-          </p:spPr>
-          <p:style>
-            <a:lnRef idx="2">
-              <a:schemeClr val="dk1"/>
-            </a:lnRef>
-            <a:fillRef idx="1">
-              <a:schemeClr val="lt1"/>
-            </a:fillRef>
-            <a:effectRef idx="0">
-              <a:schemeClr val="dk1"/>
-            </a:effectRef>
-            <a:fontRef idx="minor">
-              <a:schemeClr val="dk1"/>
-            </a:fontRef>
-          </p:style>
-          <p:txBody>
-            <a:bodyPr rot="0" spcFirstLastPara="0" vert="horz" wrap="square" lIns="91440" tIns="45720" rIns="91440" bIns="45720" numCol="1" spcCol="0" rtlCol="0" fromWordArt="0" anchor="ctr" anchorCtr="0" forceAA="0" compatLnSpc="1">
-              <a:prstTxWarp prst="textNoShape">
-                <a:avLst/>
-              </a:prstTxWarp>
-              <a:noAutofit/>
-            </a:bodyPr>
-            <a:lstStyle/>
-            <a:p>
-              <a:pPr algn="ctr">
-                <a:spcAft>
-                  <a:spcPts val="0"/>
-                </a:spcAft>
-              </a:pPr>
-              <a:r>
-                <a:rPr lang="en-US" sz="1200" dirty="0">
-                  <a:effectLst/>
-                  <a:latin typeface="Calibri" charset="0"/>
-                  <a:ea typeface="Calibri" charset="0"/>
-                  <a:cs typeface="Calibri" charset="0"/>
-                </a:rPr>
-                <a:t>Alina</a:t>
-              </a:r>
-              <a:endParaRPr lang="de-DE" sz="1200" dirty="0">
-                <a:effectLst/>
-                <a:latin typeface="Calibri" charset="0"/>
-                <a:ea typeface="Calibri" charset="0"/>
-                <a:cs typeface="Calibri" charset="0"/>
-              </a:endParaRPr>
-            </a:p>
-          </p:txBody>
-        </p:sp>
-        <p:sp>
-          <p:nvSpPr>
-            <p:cNvPr id="8" name="Rechteck 7"/>
-            <p:cNvSpPr/>
-            <p:nvPr/>
-          </p:nvSpPr>
-          <p:spPr>
-            <a:xfrm>
-              <a:off x="1026160" y="40640"/>
-              <a:ext cx="457835" cy="231140"/>
-            </a:xfrm>
-            <a:prstGeom prst="rect">
-              <a:avLst/>
-            </a:prstGeom>
-            <a:ln>
-              <a:tailEnd type="none"/>
-            </a:ln>
-          </p:spPr>
-          <p:style>
-            <a:lnRef idx="2">
-              <a:schemeClr val="dk1"/>
-            </a:lnRef>
-            <a:fillRef idx="1">
-              <a:schemeClr val="lt1"/>
-            </a:fillRef>
-            <a:effectRef idx="0">
-              <a:schemeClr val="dk1"/>
-            </a:effectRef>
-            <a:fontRef idx="minor">
-              <a:schemeClr val="dk1"/>
-            </a:fontRef>
-          </p:style>
-          <p:txBody>
-            <a:bodyPr rot="0" spcFirstLastPara="0" vert="horz" wrap="square" lIns="91440" tIns="45720" rIns="91440" bIns="45720" numCol="1" spcCol="0" rtlCol="0" fromWordArt="0" anchor="ctr" anchorCtr="0" forceAA="0" compatLnSpc="1">
-              <a:prstTxWarp prst="textNoShape">
-                <a:avLst/>
-              </a:prstTxWarp>
-              <a:noAutofit/>
-            </a:bodyPr>
-            <a:lstStyle/>
-            <a:p>
-              <a:pPr algn="ctr">
-                <a:spcAft>
-                  <a:spcPts val="0"/>
-                </a:spcAft>
-              </a:pPr>
-              <a:r>
-                <a:rPr lang="en-US" sz="1200" dirty="0">
-                  <a:effectLst/>
-                  <a:latin typeface="Calibri" charset="0"/>
-                  <a:ea typeface="Calibri" charset="0"/>
-                  <a:cs typeface="Calibri" charset="0"/>
-                </a:rPr>
-                <a:t>Lilli</a:t>
-              </a:r>
-              <a:endParaRPr lang="de-DE" sz="1200" dirty="0">
-                <a:effectLst/>
-                <a:latin typeface="Calibri" charset="0"/>
-                <a:ea typeface="Calibri" charset="0"/>
-                <a:cs typeface="Calibri" charset="0"/>
-              </a:endParaRPr>
-            </a:p>
-          </p:txBody>
-        </p:sp>
-        <p:sp>
-          <p:nvSpPr>
-            <p:cNvPr id="9" name="Rechteck 8"/>
-            <p:cNvSpPr/>
-            <p:nvPr/>
-          </p:nvSpPr>
-          <p:spPr>
-            <a:xfrm>
-              <a:off x="0" y="609600"/>
-              <a:ext cx="572135" cy="231140"/>
-            </a:xfrm>
-            <a:prstGeom prst="rect">
-              <a:avLst/>
-            </a:prstGeom>
-            <a:ln>
-              <a:tailEnd type="none"/>
-            </a:ln>
-          </p:spPr>
-          <p:style>
-            <a:lnRef idx="2">
-              <a:schemeClr val="dk1"/>
-            </a:lnRef>
-            <a:fillRef idx="1">
-              <a:schemeClr val="lt1"/>
-            </a:fillRef>
-            <a:effectRef idx="0">
-              <a:schemeClr val="dk1"/>
-            </a:effectRef>
-            <a:fontRef idx="minor">
-              <a:schemeClr val="dk1"/>
-            </a:fontRef>
-          </p:style>
-          <p:txBody>
-            <a:bodyPr rot="0" spcFirstLastPara="0" vert="horz" wrap="square" lIns="91440" tIns="45720" rIns="91440" bIns="45720" numCol="1" spcCol="0" rtlCol="0" fromWordArt="0" anchor="ctr" anchorCtr="0" forceAA="0" compatLnSpc="1">
-              <a:prstTxWarp prst="textNoShape">
-                <a:avLst/>
-              </a:prstTxWarp>
-              <a:noAutofit/>
-            </a:bodyPr>
-            <a:lstStyle/>
-            <a:p>
-              <a:pPr algn="ctr">
-                <a:spcAft>
-                  <a:spcPts val="0"/>
-                </a:spcAft>
-              </a:pPr>
-              <a:r>
-                <a:rPr lang="en-US" sz="1200" dirty="0">
-                  <a:effectLst/>
-                  <a:latin typeface="Calibri" charset="0"/>
-                  <a:ea typeface="Calibri" charset="0"/>
-                  <a:cs typeface="Calibri" charset="0"/>
-                </a:rPr>
-                <a:t>Emma</a:t>
-              </a:r>
-              <a:endParaRPr lang="de-DE" sz="1200" dirty="0">
-                <a:effectLst/>
-                <a:latin typeface="Calibri" charset="0"/>
-                <a:ea typeface="Calibri" charset="0"/>
-                <a:cs typeface="Calibri" charset="0"/>
-              </a:endParaRPr>
-            </a:p>
-          </p:txBody>
-        </p:sp>
-        <p:sp>
-          <p:nvSpPr>
-            <p:cNvPr id="10" name="Rechteck 9"/>
-            <p:cNvSpPr/>
-            <p:nvPr/>
-          </p:nvSpPr>
-          <p:spPr>
-            <a:xfrm>
-              <a:off x="1249680" y="609600"/>
-              <a:ext cx="457835" cy="231140"/>
-            </a:xfrm>
-            <a:prstGeom prst="rect">
-              <a:avLst/>
-            </a:prstGeom>
-            <a:ln>
-              <a:tailEnd type="none"/>
-            </a:ln>
-          </p:spPr>
-          <p:style>
-            <a:lnRef idx="2">
-              <a:schemeClr val="dk1"/>
-            </a:lnRef>
-            <a:fillRef idx="1">
-              <a:schemeClr val="lt1"/>
-            </a:fillRef>
-            <a:effectRef idx="0">
-              <a:schemeClr val="dk1"/>
-            </a:effectRef>
-            <a:fontRef idx="minor">
-              <a:schemeClr val="dk1"/>
-            </a:fontRef>
-          </p:style>
-          <p:txBody>
-            <a:bodyPr rot="0" spcFirstLastPara="0" vert="horz" wrap="square" lIns="91440" tIns="45720" rIns="91440" bIns="45720" numCol="1" spcCol="0" rtlCol="0" fromWordArt="0" anchor="ctr" anchorCtr="0" forceAA="0" compatLnSpc="1">
-              <a:prstTxWarp prst="textNoShape">
-                <a:avLst/>
-              </a:prstTxWarp>
-              <a:noAutofit/>
-            </a:bodyPr>
-            <a:lstStyle/>
-            <a:p>
-              <a:pPr algn="ctr">
-                <a:spcAft>
-                  <a:spcPts val="0"/>
-                </a:spcAft>
-              </a:pPr>
-              <a:r>
-                <a:rPr lang="en-US" sz="1200" dirty="0" smtClean="0">
-                  <a:effectLst/>
-                  <a:latin typeface="Calibri" charset="0"/>
-                  <a:ea typeface="Calibri" charset="0"/>
-                  <a:cs typeface="Calibri" charset="0"/>
-                </a:rPr>
-                <a:t>Lara</a:t>
-              </a:r>
-              <a:r>
-                <a:rPr lang="en-US" sz="1200" dirty="0">
-                  <a:effectLst/>
-                  <a:latin typeface="Calibri" charset="0"/>
-                  <a:ea typeface="Calibri" charset="0"/>
-                  <a:cs typeface="Calibri" charset="0"/>
-                </a:rPr>
-                <a:t> </a:t>
-              </a:r>
-              <a:endParaRPr lang="de-DE" sz="1200" dirty="0">
-                <a:effectLst/>
-                <a:latin typeface="Calibri" charset="0"/>
-                <a:ea typeface="Calibri" charset="0"/>
-                <a:cs typeface="Calibri" charset="0"/>
-              </a:endParaRPr>
-            </a:p>
-          </p:txBody>
-        </p:sp>
-        <p:sp>
-          <p:nvSpPr>
-            <p:cNvPr id="11" name="Rechteck 10"/>
-            <p:cNvSpPr/>
-            <p:nvPr/>
-          </p:nvSpPr>
-          <p:spPr>
-            <a:xfrm>
-              <a:off x="680720" y="1188720"/>
-              <a:ext cx="457835" cy="231140"/>
-            </a:xfrm>
-            <a:prstGeom prst="rect">
-              <a:avLst/>
-            </a:prstGeom>
-            <a:ln>
-              <a:tailEnd type="none"/>
-            </a:ln>
-          </p:spPr>
-          <p:style>
-            <a:lnRef idx="2">
-              <a:schemeClr val="dk1"/>
-            </a:lnRef>
-            <a:fillRef idx="1">
-              <a:schemeClr val="lt1"/>
-            </a:fillRef>
-            <a:effectRef idx="0">
-              <a:schemeClr val="dk1"/>
-            </a:effectRef>
-            <a:fontRef idx="minor">
-              <a:schemeClr val="dk1"/>
-            </a:fontRef>
-          </p:style>
-          <p:txBody>
-            <a:bodyPr rot="0" spcFirstLastPara="0" vert="horz" wrap="square" lIns="91440" tIns="45720" rIns="91440" bIns="45720" numCol="1" spcCol="0" rtlCol="0" fromWordArt="0" anchor="ctr" anchorCtr="0" forceAA="0" compatLnSpc="1">
-              <a:prstTxWarp prst="textNoShape">
-                <a:avLst/>
-              </a:prstTxWarp>
-              <a:noAutofit/>
-            </a:bodyPr>
-            <a:lstStyle/>
-            <a:p>
-              <a:pPr algn="ctr">
-                <a:spcAft>
-                  <a:spcPts val="0"/>
-                </a:spcAft>
-              </a:pPr>
-              <a:r>
-                <a:rPr lang="en-US" sz="1200">
-                  <a:effectLst/>
-                  <a:latin typeface="Calibri" charset="0"/>
-                  <a:ea typeface="Calibri" charset="0"/>
-                  <a:cs typeface="Calibri" charset="0"/>
-                </a:rPr>
-                <a:t>Mia</a:t>
-              </a:r>
-              <a:endParaRPr lang="de-DE" sz="1200">
-                <a:effectLst/>
-                <a:latin typeface="Calibri" charset="0"/>
-                <a:ea typeface="Calibri" charset="0"/>
-                <a:cs typeface="Calibri" charset="0"/>
-              </a:endParaRPr>
-            </a:p>
-          </p:txBody>
-        </p:sp>
-        <p:sp>
-          <p:nvSpPr>
-            <p:cNvPr id="12" name="Rechteck 11"/>
-            <p:cNvSpPr/>
-            <p:nvPr/>
-          </p:nvSpPr>
-          <p:spPr>
-            <a:xfrm>
-              <a:off x="1828800" y="1066800"/>
-              <a:ext cx="457835" cy="231140"/>
-            </a:xfrm>
-            <a:prstGeom prst="rect">
-              <a:avLst/>
-            </a:prstGeom>
-            <a:ln>
-              <a:tailEnd type="none"/>
-            </a:ln>
-          </p:spPr>
-          <p:style>
-            <a:lnRef idx="2">
-              <a:schemeClr val="dk1"/>
-            </a:lnRef>
-            <a:fillRef idx="1">
-              <a:schemeClr val="lt1"/>
-            </a:fillRef>
-            <a:effectRef idx="0">
-              <a:schemeClr val="dk1"/>
-            </a:effectRef>
-            <a:fontRef idx="minor">
-              <a:schemeClr val="dk1"/>
-            </a:fontRef>
-          </p:style>
-          <p:txBody>
-            <a:bodyPr rot="0" spcFirstLastPara="0" vert="horz" wrap="square" lIns="91440" tIns="45720" rIns="91440" bIns="45720" numCol="1" spcCol="0" rtlCol="0" fromWordArt="0" anchor="ctr" anchorCtr="0" forceAA="0" compatLnSpc="1">
-              <a:prstTxWarp prst="textNoShape">
-                <a:avLst/>
-              </a:prstTxWarp>
-              <a:noAutofit/>
-            </a:bodyPr>
-            <a:lstStyle/>
-            <a:p>
-              <a:pPr algn="ctr">
-                <a:spcAft>
-                  <a:spcPts val="0"/>
-                </a:spcAft>
-              </a:pPr>
-              <a:r>
-                <a:rPr lang="en-US" sz="1200" dirty="0" smtClean="0">
-                  <a:effectLst/>
-                  <a:latin typeface="Calibri" charset="0"/>
-                  <a:ea typeface="Calibri" charset="0"/>
-                  <a:cs typeface="Calibri" charset="0"/>
-                </a:rPr>
-                <a:t>Zoe</a:t>
-              </a:r>
-              <a:r>
-                <a:rPr lang="en-US" sz="1200" dirty="0">
-                  <a:effectLst/>
-                  <a:latin typeface="Calibri" charset="0"/>
-                  <a:ea typeface="Calibri" charset="0"/>
-                  <a:cs typeface="Calibri" charset="0"/>
-                </a:rPr>
-                <a:t> </a:t>
-              </a:r>
-              <a:endParaRPr lang="de-DE" sz="1200" dirty="0">
-                <a:effectLst/>
-                <a:latin typeface="Calibri" charset="0"/>
-                <a:ea typeface="Calibri" charset="0"/>
-                <a:cs typeface="Calibri" charset="0"/>
-              </a:endParaRPr>
-            </a:p>
-          </p:txBody>
-        </p:sp>
-        <p:cxnSp>
-          <p:nvCxnSpPr>
-            <p:cNvPr id="13" name="Gerade Verbindung mit Pfeil 12"/>
-            <p:cNvCxnSpPr/>
-            <p:nvPr/>
-          </p:nvCxnSpPr>
-          <p:spPr>
-            <a:xfrm>
-              <a:off x="568960" y="111760"/>
-              <a:ext cx="447675" cy="45719"/>
-            </a:xfrm>
-            <a:prstGeom prst="straightConnector1">
-              <a:avLst/>
-            </a:prstGeom>
-            <a:ln w="25400">
-              <a:solidFill>
-                <a:srgbClr val="92D050"/>
-              </a:solidFill>
-              <a:tailEnd type="none"/>
-            </a:ln>
-          </p:spPr>
-          <p:style>
-            <a:lnRef idx="2">
-              <a:schemeClr val="dk1"/>
-            </a:lnRef>
-            <a:fillRef idx="1">
-              <a:schemeClr val="lt1"/>
-            </a:fillRef>
-            <a:effectRef idx="0">
-              <a:schemeClr val="dk1"/>
-            </a:effectRef>
-            <a:fontRef idx="minor">
-              <a:schemeClr val="dk1"/>
-            </a:fontRef>
-          </p:style>
-        </p:cxnSp>
-        <p:cxnSp>
-          <p:nvCxnSpPr>
-            <p:cNvPr id="14" name="Gerade Verbindung mit Pfeil 13"/>
-            <p:cNvCxnSpPr/>
-            <p:nvPr/>
-          </p:nvCxnSpPr>
-          <p:spPr>
-            <a:xfrm flipV="1">
-              <a:off x="1137920" y="1188720"/>
-              <a:ext cx="686435" cy="119380"/>
-            </a:xfrm>
-            <a:prstGeom prst="straightConnector1">
-              <a:avLst/>
-            </a:prstGeom>
-            <a:ln w="25400">
-              <a:solidFill>
-                <a:srgbClr val="92D050"/>
-              </a:solidFill>
-              <a:tailEnd type="none"/>
-            </a:ln>
-          </p:spPr>
-          <p:style>
-            <a:lnRef idx="2">
-              <a:schemeClr val="dk1"/>
-            </a:lnRef>
-            <a:fillRef idx="1">
-              <a:schemeClr val="lt1"/>
-            </a:fillRef>
-            <a:effectRef idx="0">
-              <a:schemeClr val="dk1"/>
-            </a:effectRef>
-            <a:fontRef idx="minor">
-              <a:schemeClr val="dk1"/>
-            </a:fontRef>
-          </p:style>
-        </p:cxnSp>
-        <p:cxnSp>
-          <p:nvCxnSpPr>
-            <p:cNvPr id="15" name="Gerade Verbindung mit Pfeil 14"/>
-            <p:cNvCxnSpPr/>
-            <p:nvPr/>
-          </p:nvCxnSpPr>
-          <p:spPr>
-            <a:xfrm flipH="1" flipV="1">
-              <a:off x="335280" y="833120"/>
-              <a:ext cx="575945" cy="340360"/>
-            </a:xfrm>
-            <a:prstGeom prst="straightConnector1">
-              <a:avLst/>
-            </a:prstGeom>
-            <a:ln w="25400">
-              <a:solidFill>
-                <a:srgbClr val="92D050"/>
-              </a:solidFill>
-              <a:tailEnd type="none"/>
-            </a:ln>
-          </p:spPr>
-          <p:style>
-            <a:lnRef idx="2">
-              <a:schemeClr val="dk1"/>
-            </a:lnRef>
-            <a:fillRef idx="1">
-              <a:schemeClr val="lt1"/>
-            </a:fillRef>
-            <a:effectRef idx="0">
-              <a:schemeClr val="dk1"/>
-            </a:effectRef>
-            <a:fontRef idx="minor">
-              <a:schemeClr val="dk1"/>
-            </a:fontRef>
-          </p:style>
-        </p:cxnSp>
-      </p:grpSp>
-      <mc:AlternateContent xmlns:mc="http://schemas.openxmlformats.org/markup-compatibility/2006" xmlns:a14="http://schemas.microsoft.com/office/drawing/2010/main">
-        <mc:Choice Requires="a14">
-          <p:sp>
-            <p:nvSpPr>
-              <p:cNvPr id="16" name="Rechteck 15"/>
-              <p:cNvSpPr/>
-              <p:nvPr/>
-            </p:nvSpPr>
-            <p:spPr>
-              <a:xfrm>
-                <a:off x="838200" y="4445451"/>
-                <a:ext cx="1867050" cy="1793824"/>
-              </a:xfrm>
-              <a:prstGeom prst="rect">
-                <a:avLst/>
-              </a:prstGeom>
-            </p:spPr>
-            <p:txBody>
-              <a:bodyPr wrap="none">
-                <a:spAutoFit/>
-              </a:bodyPr>
-              <a:lstStyle/>
-              <a:p>
-                <a:pPr/>
-                <a14:m>
-                  <m:oMathPara xmlns:m="http://schemas.openxmlformats.org/officeDocument/2006/math">
-                    <m:oMathParaPr>
-                      <m:jc m:val="centerGroup"/>
-                    </m:oMathParaPr>
-                    <m:oMath xmlns:m="http://schemas.openxmlformats.org/officeDocument/2006/math">
-                      <m:sSub>
-                        <m:sSubPr>
-                          <m:ctrlPr>
-                            <a:rPr lang="de-DE" i="1">
-                              <a:latin typeface="Cambria Math" charset="0"/>
-                            </a:rPr>
-                          </m:ctrlPr>
-                        </m:sSubPr>
-                        <m:e>
-                          <m:r>
-                            <a:rPr lang="de-DE" i="1">
-                              <a:latin typeface="Cambria Math" charset="0"/>
-                            </a:rPr>
-                            <m:t>𝐿</m:t>
-                          </m:r>
-                        </m:e>
-                        <m:sub>
-                          <m:r>
-                            <a:rPr lang="de-DE" i="1">
-                              <a:latin typeface="Cambria Math" charset="0"/>
-                            </a:rPr>
-                            <m:t>𝑝𝑜𝑠</m:t>
-                          </m:r>
-                        </m:sub>
-                      </m:sSub>
-                      <m:r>
-                        <a:rPr lang="de-DE" i="0">
-                          <a:latin typeface="Cambria Math" charset="0"/>
-                        </a:rPr>
-                        <m:t> :=  </m:t>
-                      </m:r>
-                      <m:m>
-                        <m:mPr>
-                          <m:plcHide m:val="on"/>
-                          <m:mcs>
-                            <m:mc>
-                              <m:mcPr>
-                                <m:count m:val="1"/>
-                                <m:mcJc m:val="center"/>
-                              </m:mcPr>
-                            </m:mc>
-                          </m:mcs>
-                          <m:ctrlPr>
-                            <a:rPr lang="de-DE" i="1">
-                              <a:latin typeface="Cambria Math" charset="0"/>
-                            </a:rPr>
-                          </m:ctrlPr>
-                        </m:mPr>
-                        <m:mr>
-                          <m:e>
-                            <m:r>
-                              <a:rPr lang="de-DE" i="0">
-                                <a:latin typeface="Cambria Math" charset="0"/>
-                              </a:rPr>
-                              <m:t>0:</m:t>
-                            </m:r>
-                            <m:d>
-                              <m:dPr>
-                                <m:begChr m:val="["/>
-                                <m:endChr m:val="]"/>
-                                <m:ctrlPr>
-                                  <a:rPr lang="de-DE" i="1">
-                                    <a:latin typeface="Cambria Math" charset="0"/>
-                                  </a:rPr>
-                                </m:ctrlPr>
-                              </m:dPr>
-                              <m:e>
-                                <m:r>
-                                  <a:rPr lang="de-DE" i="0">
-                                    <a:latin typeface="Cambria Math" charset="0"/>
-                                  </a:rPr>
-                                  <m:t>3</m:t>
-                                </m:r>
-                              </m:e>
-                            </m:d>
-                            <m:r>
-                              <a:rPr lang="de-DE" i="0">
-                                <a:latin typeface="Cambria Math" charset="0"/>
-                              </a:rPr>
-                              <m:t>    </m:t>
-                            </m:r>
-                          </m:e>
-                        </m:mr>
-                        <m:mr>
-                          <m:e>
-                            <m:r>
-                              <a:rPr lang="de-DE" i="0">
-                                <a:latin typeface="Cambria Math" charset="0"/>
-                              </a:rPr>
-                              <m:t>1:</m:t>
-                            </m:r>
-                            <m:d>
-                              <m:dPr>
-                                <m:begChr m:val="["/>
-                                <m:endChr m:val="]"/>
-                                <m:ctrlPr>
-                                  <a:rPr lang="de-DE" i="1">
-                                    <a:latin typeface="Cambria Math" charset="0"/>
-                                  </a:rPr>
-                                </m:ctrlPr>
-                              </m:dPr>
-                              <m:e>
-                                <m:r>
-                                  <a:rPr lang="de-DE" i="0">
-                                    <a:latin typeface="Cambria Math" charset="0"/>
-                                  </a:rPr>
-                                  <m:t>4</m:t>
-                                </m:r>
-                              </m:e>
-                            </m:d>
-                            <m:r>
-                              <a:rPr lang="de-DE" i="0">
-                                <a:latin typeface="Cambria Math" charset="0"/>
-                              </a:rPr>
-                              <m:t>    </m:t>
-                            </m:r>
-                          </m:e>
-                        </m:mr>
-                        <m:mr>
-                          <m:e>
-                            <m:r>
-                              <a:rPr lang="de-DE" i="0">
-                                <a:latin typeface="Cambria Math" charset="0"/>
-                              </a:rPr>
-                              <m:t>2:[]      </m:t>
-                            </m:r>
-                          </m:e>
-                        </m:mr>
-                        <m:mr>
-                          <m:e>
-                            <m:r>
-                              <a:rPr lang="de-DE" i="0">
-                                <a:latin typeface="Cambria Math" charset="0"/>
-                              </a:rPr>
-                              <m:t>3:</m:t>
-                            </m:r>
-                            <m:d>
-                              <m:dPr>
-                                <m:begChr m:val="["/>
-                                <m:endChr m:val="]"/>
-                                <m:ctrlPr>
-                                  <a:rPr lang="de-DE" i="1">
-                                    <a:latin typeface="Cambria Math" charset="0"/>
-                                  </a:rPr>
-                                </m:ctrlPr>
-                              </m:dPr>
-                              <m:e>
-                                <m:r>
-                                  <a:rPr lang="de-DE" i="0">
-                                    <a:latin typeface="Cambria Math" charset="0"/>
-                                  </a:rPr>
-                                  <m:t>0</m:t>
-                                </m:r>
-                              </m:e>
-                            </m:d>
-                            <m:r>
-                              <a:rPr lang="de-DE" i="0">
-                                <a:latin typeface="Cambria Math" charset="0"/>
-                              </a:rPr>
-                              <m:t>    </m:t>
-                            </m:r>
-                          </m:e>
-                        </m:mr>
-                        <m:mr>
-                          <m:e>
-                            <m:d>
-                              <m:dPr>
-                                <m:begChr m:val=""/>
-                                <m:endChr m:val="]"/>
-                                <m:ctrlPr>
-                                  <a:rPr lang="de-DE" i="1">
-                                    <a:latin typeface="Cambria Math" charset="0"/>
-                                  </a:rPr>
-                                </m:ctrlPr>
-                              </m:dPr>
-                              <m:e>
-                                <m:r>
-                                  <a:rPr lang="de-DE" i="0">
-                                    <a:latin typeface="Cambria Math" charset="0"/>
-                                  </a:rPr>
-                                  <m:t>4:[1, 5</m:t>
-                                </m:r>
-                              </m:e>
-                            </m:d>
-                          </m:e>
-                        </m:mr>
-                        <m:mr>
-                          <m:e>
-                            <m:r>
-                              <a:rPr lang="de-DE" i="0">
-                                <a:latin typeface="Cambria Math" charset="0"/>
-                              </a:rPr>
-                              <m:t>5:</m:t>
-                            </m:r>
-                            <m:d>
-                              <m:dPr>
-                                <m:begChr m:val="["/>
-                                <m:endChr m:val="]"/>
-                                <m:ctrlPr>
-                                  <a:rPr lang="de-DE" i="1">
-                                    <a:latin typeface="Cambria Math" charset="0"/>
-                                  </a:rPr>
-                                </m:ctrlPr>
-                              </m:dPr>
-                              <m:e>
-                                <m:r>
-                                  <a:rPr lang="de-DE" i="0">
-                                    <a:latin typeface="Cambria Math" charset="0"/>
-                                  </a:rPr>
-                                  <m:t>4</m:t>
-                                </m:r>
-                              </m:e>
-                            </m:d>
-                            <m:r>
-                              <a:rPr lang="de-DE" i="0">
-                                <a:latin typeface="Cambria Math" charset="0"/>
-                              </a:rPr>
-                              <m:t>    </m:t>
-                            </m:r>
-                          </m:e>
-                        </m:mr>
-                      </m:m>
-                    </m:oMath>
-                  </m:oMathPara>
-                </a14:m>
-                <a:endParaRPr lang="de-DE" dirty="0"/>
-              </a:p>
-            </p:txBody>
-          </p:sp>
-        </mc:Choice>
-        <mc:Fallback xmlns="">
-          <p:sp>
-            <p:nvSpPr>
-              <p:cNvPr id="16" name="Rechteck 15"/>
-              <p:cNvSpPr>
-                <a:spLocks noRot="1" noChangeAspect="1" noMove="1" noResize="1" noEditPoints="1" noAdjustHandles="1" noChangeArrowheads="1" noChangeShapeType="1" noTextEdit="1"/>
-              </p:cNvSpPr>
-              <p:nvPr/>
-            </p:nvSpPr>
-            <p:spPr>
-              <a:xfrm>
-                <a:off x="838200" y="4445451"/>
-                <a:ext cx="1867050" cy="1793824"/>
-              </a:xfrm>
-              <a:prstGeom prst="rect">
-                <a:avLst/>
-              </a:prstGeom>
-              <a:blipFill rotWithShape="0">
-                <a:blip r:embed="rId2"/>
-                <a:stretch>
-                  <a:fillRect/>
-                </a:stretch>
-              </a:blipFill>
-            </p:spPr>
-            <p:txBody>
-              <a:bodyPr/>
-              <a:lstStyle/>
-              <a:p>
-                <a:r>
-                  <a:rPr lang="de-DE">
-                    <a:noFill/>
-                  </a:rPr>
-                  <a:t> </a:t>
-                </a:r>
-              </a:p>
-            </p:txBody>
-          </p:sp>
-        </mc:Fallback>
-      </mc:AlternateContent>
-      <p:sp>
-        <p:nvSpPr>
-          <p:cNvPr id="19" name="Textfeld 18"/>
-          <p:cNvSpPr txBox="1"/>
-          <p:nvPr/>
-        </p:nvSpPr>
-        <p:spPr>
-          <a:xfrm>
-            <a:off x="5949385" y="2546191"/>
-            <a:ext cx="1325544" cy="338554"/>
-          </a:xfrm>
-          <a:prstGeom prst="rect">
-            <a:avLst/>
-          </a:prstGeom>
-          <a:noFill/>
-        </p:spPr>
-        <p:txBody>
-          <a:bodyPr wrap="square" rtlCol="0">
-            <a:spAutoFit/>
-          </a:bodyPr>
-          <a:lstStyle/>
-          <a:p>
-            <a:r>
-              <a:rPr lang="de-DE" sz="1600" dirty="0" err="1" smtClean="0">
-                <a:latin typeface="Menlo" charset="0"/>
-                <a:ea typeface="Menlo" charset="0"/>
-                <a:cs typeface="Menlo" charset="0"/>
-              </a:rPr>
-              <a:t>room</a:t>
-            </a:r>
-            <a:r>
-              <a:rPr lang="de-DE" sz="1600" dirty="0" smtClean="0">
-                <a:latin typeface="Menlo" charset="0"/>
-                <a:ea typeface="Menlo" charset="0"/>
-                <a:cs typeface="Menlo" charset="0"/>
-              </a:rPr>
-              <a:t> 	=</a:t>
-            </a:r>
-            <a:endParaRPr lang="de-DE" sz="1600" dirty="0">
-              <a:latin typeface="Menlo" charset="0"/>
-              <a:ea typeface="Menlo" charset="0"/>
-              <a:cs typeface="Menlo" charset="0"/>
-            </a:endParaRPr>
-          </a:p>
-        </p:txBody>
-      </p:sp>
-      <p:cxnSp>
-        <p:nvCxnSpPr>
-          <p:cNvPr id="25" name="Gerade Verbindung mit Pfeil 24"/>
-          <p:cNvCxnSpPr/>
-          <p:nvPr/>
-        </p:nvCxnSpPr>
-        <p:spPr>
-          <a:xfrm flipH="1" flipV="1">
-            <a:off x="2488557" y="4629874"/>
-            <a:ext cx="2581154" cy="544010"/>
-          </a:xfrm>
-          <a:prstGeom prst="straightConnector1">
-            <a:avLst/>
-          </a:prstGeom>
-          <a:ln w="25400">
-            <a:tailEnd type="triangle"/>
-          </a:ln>
-        </p:spPr>
-        <p:style>
-          <a:lnRef idx="1">
-            <a:schemeClr val="accent1"/>
-          </a:lnRef>
-          <a:fillRef idx="0">
-            <a:schemeClr val="accent1"/>
-          </a:fillRef>
-          <a:effectRef idx="0">
-            <a:schemeClr val="accent1"/>
-          </a:effectRef>
-          <a:fontRef idx="minor">
-            <a:schemeClr val="tx1"/>
-          </a:fontRef>
-        </p:style>
-      </p:cxnSp>
-      <p:sp>
-        <p:nvSpPr>
-          <p:cNvPr id="32" name="Textfeld 31"/>
-          <p:cNvSpPr txBox="1"/>
-          <p:nvPr/>
-        </p:nvSpPr>
-        <p:spPr>
-          <a:xfrm>
-            <a:off x="5949386" y="2016341"/>
-            <a:ext cx="1325542" cy="338554"/>
-          </a:xfrm>
-          <a:prstGeom prst="rect">
-            <a:avLst/>
-          </a:prstGeom>
-          <a:noFill/>
-        </p:spPr>
-        <p:txBody>
-          <a:bodyPr wrap="square" rtlCol="0">
-            <a:spAutoFit/>
-          </a:bodyPr>
-          <a:lstStyle/>
-          <a:p>
-            <a:r>
-              <a:rPr lang="de-DE" sz="1600" dirty="0" err="1" smtClean="0">
-                <a:latin typeface="Menlo" charset="0"/>
-                <a:ea typeface="Menlo" charset="0"/>
-                <a:cs typeface="Menlo" charset="0"/>
-              </a:rPr>
-              <a:t>queue</a:t>
-            </a:r>
-            <a:r>
-              <a:rPr lang="de-DE" sz="1600" dirty="0" smtClean="0">
-                <a:latin typeface="Menlo" charset="0"/>
-                <a:ea typeface="Menlo" charset="0"/>
-                <a:cs typeface="Menlo" charset="0"/>
-              </a:rPr>
-              <a:t>	= </a:t>
-            </a:r>
-            <a:endParaRPr lang="de-DE" sz="1600" dirty="0">
-              <a:latin typeface="Menlo" charset="0"/>
-              <a:ea typeface="Menlo" charset="0"/>
-              <a:cs typeface="Menlo" charset="0"/>
-            </a:endParaRPr>
-          </a:p>
-        </p:txBody>
-      </p:sp>
-      <p:sp>
-        <p:nvSpPr>
-          <p:cNvPr id="33" name="Textfeld 32"/>
-          <p:cNvSpPr txBox="1"/>
-          <p:nvPr/>
-        </p:nvSpPr>
-        <p:spPr>
-          <a:xfrm>
-            <a:off x="5949385" y="2546191"/>
-            <a:ext cx="1325544" cy="338554"/>
-          </a:xfrm>
-          <a:prstGeom prst="rect">
-            <a:avLst/>
-          </a:prstGeom>
-          <a:noFill/>
-        </p:spPr>
-        <p:txBody>
-          <a:bodyPr wrap="square" rtlCol="0">
-            <a:spAutoFit/>
-          </a:bodyPr>
-          <a:lstStyle/>
-          <a:p>
-            <a:r>
-              <a:rPr lang="de-DE" sz="1600" dirty="0" err="1" smtClean="0">
-                <a:latin typeface="Menlo" charset="0"/>
-                <a:ea typeface="Menlo" charset="0"/>
-                <a:cs typeface="Menlo" charset="0"/>
-              </a:rPr>
-              <a:t>room</a:t>
-            </a:r>
-            <a:r>
-              <a:rPr lang="de-DE" sz="1600" dirty="0" smtClean="0">
-                <a:latin typeface="Menlo" charset="0"/>
-                <a:ea typeface="Menlo" charset="0"/>
-                <a:cs typeface="Menlo" charset="0"/>
-              </a:rPr>
-              <a:t> 	=</a:t>
-            </a:r>
-            <a:endParaRPr lang="de-DE" sz="1600" dirty="0">
-              <a:latin typeface="Menlo" charset="0"/>
-              <a:ea typeface="Menlo" charset="0"/>
-              <a:cs typeface="Menlo" charset="0"/>
-            </a:endParaRPr>
-          </a:p>
-        </p:txBody>
-      </p:sp>
-      <p:sp>
-        <p:nvSpPr>
-          <p:cNvPr id="34" name="Rechteck 33"/>
-          <p:cNvSpPr/>
-          <p:nvPr/>
-        </p:nvSpPr>
-        <p:spPr>
-          <a:xfrm>
-            <a:off x="7274928" y="2038447"/>
-            <a:ext cx="566030" cy="285763"/>
-          </a:xfrm>
-          <a:prstGeom prst="rect">
-            <a:avLst/>
-          </a:prstGeom>
-          <a:ln>
-            <a:tailEnd type="none"/>
-          </a:ln>
-        </p:spPr>
-        <p:style>
-          <a:lnRef idx="2">
-            <a:schemeClr val="dk1"/>
-          </a:lnRef>
-          <a:fillRef idx="1">
-            <a:schemeClr val="lt1"/>
-          </a:fillRef>
-          <a:effectRef idx="0">
-            <a:schemeClr val="dk1"/>
-          </a:effectRef>
-          <a:fontRef idx="minor">
-            <a:schemeClr val="dk1"/>
-          </a:fontRef>
-        </p:style>
-        <p:txBody>
-          <a:bodyPr rot="0" spcFirstLastPara="0" vert="horz" wrap="square" lIns="91440" tIns="45720" rIns="91440" bIns="45720" numCol="1" spcCol="0" rtlCol="0" fromWordArt="0" anchor="ctr" anchorCtr="0" forceAA="0" compatLnSpc="1">
-            <a:prstTxWarp prst="textNoShape">
-              <a:avLst/>
-            </a:prstTxWarp>
-            <a:noAutofit/>
-          </a:bodyPr>
-          <a:lstStyle/>
-          <a:p>
-            <a:pPr algn="ctr">
-              <a:spcAft>
-                <a:spcPts val="0"/>
-              </a:spcAft>
-            </a:pPr>
-            <a:r>
-              <a:rPr lang="en-US" sz="1200" dirty="0">
-                <a:effectLst/>
-                <a:latin typeface="Calibri" charset="0"/>
-                <a:ea typeface="Calibri" charset="0"/>
-                <a:cs typeface="Calibri" charset="0"/>
-              </a:rPr>
-              <a:t>Alina</a:t>
-            </a:r>
-            <a:endParaRPr lang="de-DE" sz="1200" dirty="0">
-              <a:effectLst/>
-              <a:latin typeface="Calibri" charset="0"/>
-              <a:ea typeface="Calibri" charset="0"/>
-              <a:cs typeface="Calibri" charset="0"/>
-            </a:endParaRPr>
-          </a:p>
-        </p:txBody>
-      </p:sp>
-      <p:sp>
-        <p:nvSpPr>
-          <p:cNvPr id="35" name="Rechteck 34"/>
-          <p:cNvSpPr/>
-          <p:nvPr/>
-        </p:nvSpPr>
-        <p:spPr>
-          <a:xfrm>
-            <a:off x="7274928" y="2572586"/>
-            <a:ext cx="566030" cy="285763"/>
-          </a:xfrm>
-          <a:prstGeom prst="rect">
-            <a:avLst/>
-          </a:prstGeom>
-          <a:ln>
-            <a:tailEnd type="none"/>
-          </a:ln>
-        </p:spPr>
-        <p:style>
-          <a:lnRef idx="2">
-            <a:schemeClr val="dk1"/>
-          </a:lnRef>
-          <a:fillRef idx="1">
-            <a:schemeClr val="lt1"/>
-          </a:fillRef>
-          <a:effectRef idx="0">
-            <a:schemeClr val="dk1"/>
-          </a:effectRef>
-          <a:fontRef idx="minor">
-            <a:schemeClr val="dk1"/>
-          </a:fontRef>
-        </p:style>
-        <p:txBody>
-          <a:bodyPr rot="0" spcFirstLastPara="0" vert="horz" wrap="square" lIns="91440" tIns="45720" rIns="91440" bIns="45720" numCol="1" spcCol="0" rtlCol="0" fromWordArt="0" anchor="ctr" anchorCtr="0" forceAA="0" compatLnSpc="1">
-            <a:prstTxWarp prst="textNoShape">
-              <a:avLst/>
-            </a:prstTxWarp>
-            <a:noAutofit/>
-          </a:bodyPr>
-          <a:lstStyle/>
-          <a:p>
-            <a:pPr algn="ctr">
-              <a:spcAft>
-                <a:spcPts val="0"/>
-              </a:spcAft>
-            </a:pPr>
-            <a:r>
-              <a:rPr lang="en-US" sz="1200" dirty="0">
-                <a:effectLst/>
-                <a:latin typeface="Calibri" charset="0"/>
-                <a:ea typeface="Calibri" charset="0"/>
-                <a:cs typeface="Calibri" charset="0"/>
-              </a:rPr>
-              <a:t>Alina</a:t>
-            </a:r>
-            <a:endParaRPr lang="de-DE" sz="1200" dirty="0">
-              <a:effectLst/>
-              <a:latin typeface="Calibri" charset="0"/>
-              <a:ea typeface="Calibri" charset="0"/>
-              <a:cs typeface="Calibri" charset="0"/>
-            </a:endParaRPr>
-          </a:p>
-        </p:txBody>
-      </p:sp>
-    </p:spTree>
-    <p:extLst>
-      <p:ext uri="{BB962C8B-B14F-4D97-AF65-F5344CB8AC3E}">
-        <p14:creationId xmlns:p14="http://schemas.microsoft.com/office/powerpoint/2010/main" val="123784063"/>
-      </p:ext>
-    </p:extLst>
-  </p:cSld>
-  <p:clrMapOvr>
-    <a:masterClrMapping/>
-  </p:clrMapOvr>
-  <p:timing>
-    <p:tnLst>
-      <p:par>
-        <p:cTn id="1" dur="indefinite" restart="never" nodeType="tmRoot">
-          <p:childTnLst>
-            <p:seq concurrent="1" nextAc="seek">
-              <p:cTn id="2" dur="indefinite" nodeType="mainSeq">
-                <p:childTnLst>
-                  <p:par>
-                    <p:cTn id="3" fill="hold">
-                      <p:stCondLst>
-                        <p:cond delay="indefinite"/>
-                      </p:stCondLst>
-                      <p:childTnLst>
-                        <p:par>
-                          <p:cTn id="4" fill="hold">
-                            <p:stCondLst>
-                              <p:cond delay="0"/>
-                            </p:stCondLst>
-                            <p:childTnLst>
-                              <p:par>
-                                <p:cTn id="5" presetID="1" presetClass="entr" presetSubtype="0" fill="hold" grpId="0" nodeType="clickEffect">
-                                  <p:stCondLst>
-                                    <p:cond delay="0"/>
-                                  </p:stCondLst>
-                                  <p:childTnLst>
-                                    <p:set>
-                                      <p:cBhvr>
-                                        <p:cTn id="6" dur="1" fill="hold">
-                                          <p:stCondLst>
-                                            <p:cond delay="0"/>
-                                          </p:stCondLst>
-                                        </p:cTn>
-                                        <p:tgtEl>
-                                          <p:spTgt spid="34"/>
-                                        </p:tgtEl>
-                                        <p:attrNameLst>
-                                          <p:attrName>style.visibility</p:attrName>
-                                        </p:attrNameLst>
-                                      </p:cBhvr>
-                                      <p:to>
-                                        <p:strVal val="visible"/>
-                                      </p:to>
-                                    </p:set>
-                                  </p:childTnLst>
-                                </p:cTn>
-                              </p:par>
-                              <p:par>
-                                <p:cTn id="7" presetID="1" presetClass="entr" presetSubtype="0" fill="hold" grpId="0" nodeType="withEffect">
-                                  <p:stCondLst>
-                                    <p:cond delay="0"/>
-                                  </p:stCondLst>
-                                  <p:childTnLst>
-                                    <p:set>
-                                      <p:cBhvr>
-                                        <p:cTn id="8" dur="1" fill="hold">
-                                          <p:stCondLst>
-                                            <p:cond delay="0"/>
-                                          </p:stCondLst>
-                                        </p:cTn>
-                                        <p:tgtEl>
-                                          <p:spTgt spid="35"/>
-                                        </p:tgtEl>
-                                        <p:attrNameLst>
-                                          <p:attrName>style.visibility</p:attrName>
-                                        </p:attrNameLst>
-                                      </p:cBhvr>
-                                      <p:to>
-                                        <p:strVal val="visible"/>
-                                      </p:to>
-                                    </p:set>
-                                  </p:childTnLst>
-                                </p:cTn>
-                              </p:par>
-                              <p:par>
-                                <p:cTn id="9" presetID="1" presetClass="entr" presetSubtype="0" fill="hold" nodeType="withEffect">
-                                  <p:stCondLst>
-                                    <p:cond delay="0"/>
-                                  </p:stCondLst>
-                                  <p:childTnLst>
-                                    <p:set>
-                                      <p:cBhvr>
-                                        <p:cTn id="10" dur="1" fill="hold">
-                                          <p:stCondLst>
-                                            <p:cond delay="0"/>
-                                          </p:stCondLst>
-                                        </p:cTn>
-                                        <p:tgtEl>
-                                          <p:spTgt spid="25"/>
-                                        </p:tgtEl>
-                                        <p:attrNameLst>
-                                          <p:attrName>style.visibility</p:attrName>
-                                        </p:attrNameLst>
-                                      </p:cBhvr>
-                                      <p:to>
-                                        <p:strVal val="visible"/>
-                                      </p:to>
-                                    </p:set>
-                                  </p:childTnLst>
-                                </p:cTn>
-                              </p:par>
-                            </p:childTnLst>
-                          </p:cTn>
-                        </p:par>
-                      </p:childTnLst>
-                    </p:cTn>
-                  </p:par>
-                </p:childTnLst>
-              </p:cTn>
-              <p:prevCondLst>
-                <p:cond evt="onPrev" delay="0">
-                  <p:tgtEl>
-                    <p:sldTgt/>
-                  </p:tgtEl>
-                </p:cond>
-              </p:prevCondLst>
-              <p:nextCondLst>
-                <p:cond evt="onNext" delay="0">
-                  <p:tgtEl>
-                    <p:sldTgt/>
-                  </p:tgtEl>
-                </p:cond>
-              </p:nextCondLst>
-            </p:seq>
-          </p:childTnLst>
-        </p:cTn>
-      </p:par>
-    </p:tnLst>
-    <p:bldLst>
-      <p:bldP spid="34" grpId="0" animBg="1"/>
-      <p:bldP spid="35" grpId="0" animBg="1"/>
-    </p:bldLst>
-  </p:timing>
-</p:sld>
-</file>
-
-<file path=ppt/slides/slide12.xml><?xml version="1.0" encoding="utf-8"?>
 <p:sld xmlns:a="http://schemas.openxmlformats.org/drawingml/2006/main" xmlns:r="http://schemas.openxmlformats.org/officeDocument/2006/relationships" xmlns:p="http://schemas.openxmlformats.org/presentationml/2006/main">
   <p:cSld>
     <p:spTree>
@@ -7543,7 +5111,7 @@
 </p:sld>
 </file>
 
-<file path=ppt/slides/slide13.xml><?xml version="1.0" encoding="utf-8"?>
+<file path=ppt/slides/slide11.xml><?xml version="1.0" encoding="utf-8"?>
 <p:sld xmlns:a="http://schemas.openxmlformats.org/drawingml/2006/main" xmlns:r="http://schemas.openxmlformats.org/officeDocument/2006/relationships" xmlns:p="http://schemas.openxmlformats.org/presentationml/2006/main">
   <p:cSld>
     <p:spTree>
@@ -9190,7 +6758,7 @@
 </p:sld>
 </file>
 
-<file path=ppt/slides/slide14.xml><?xml version="1.0" encoding="utf-8"?>
+<file path=ppt/slides/slide12.xml><?xml version="1.0" encoding="utf-8"?>
 <p:sld xmlns:a="http://schemas.openxmlformats.org/drawingml/2006/main" xmlns:r="http://schemas.openxmlformats.org/officeDocument/2006/relationships" xmlns:p="http://schemas.openxmlformats.org/presentationml/2006/main">
   <p:cSld>
     <p:spTree>
@@ -10554,14 +8122,140 @@
   <p:timing>
     <p:tnLst>
       <p:par>
-        <p:cTn id="1" dur="indefinite" restart="never" nodeType="tmRoot"/>
+        <p:cTn id="1" dur="indefinite" restart="never" nodeType="tmRoot">
+          <p:childTnLst>
+            <p:seq concurrent="1" nextAc="seek">
+              <p:cTn id="2" dur="indefinite" nodeType="mainSeq">
+                <p:childTnLst>
+                  <p:par>
+                    <p:cTn id="3" fill="hold">
+                      <p:stCondLst>
+                        <p:cond delay="indefinite"/>
+                      </p:stCondLst>
+                      <p:childTnLst>
+                        <p:par>
+                          <p:cTn id="4" fill="hold">
+                            <p:stCondLst>
+                              <p:cond delay="0"/>
+                            </p:stCondLst>
+                            <p:childTnLst>
+                              <p:par>
+                                <p:cTn id="5" presetID="1" presetClass="entr" presetSubtype="0" fill="hold" grpId="0" nodeType="clickEffect">
+                                  <p:stCondLst>
+                                    <p:cond delay="0"/>
+                                  </p:stCondLst>
+                                  <p:childTnLst>
+                                    <p:set>
+                                      <p:cBhvr>
+                                        <p:cTn id="6" dur="1" fill="hold">
+                                          <p:stCondLst>
+                                            <p:cond delay="0"/>
+                                          </p:stCondLst>
+                                        </p:cTn>
+                                        <p:tgtEl>
+                                          <p:spTgt spid="31"/>
+                                        </p:tgtEl>
+                                        <p:attrNameLst>
+                                          <p:attrName>style.visibility</p:attrName>
+                                        </p:attrNameLst>
+                                      </p:cBhvr>
+                                      <p:to>
+                                        <p:strVal val="visible"/>
+                                      </p:to>
+                                    </p:set>
+                                  </p:childTnLst>
+                                </p:cTn>
+                              </p:par>
+                              <p:par>
+                                <p:cTn id="7" presetID="1" presetClass="entr" presetSubtype="0" fill="hold" grpId="0" nodeType="withEffect">
+                                  <p:stCondLst>
+                                    <p:cond delay="0"/>
+                                  </p:stCondLst>
+                                  <p:childTnLst>
+                                    <p:set>
+                                      <p:cBhvr>
+                                        <p:cTn id="8" dur="1" fill="hold">
+                                          <p:stCondLst>
+                                            <p:cond delay="0"/>
+                                          </p:stCondLst>
+                                        </p:cTn>
+                                        <p:tgtEl>
+                                          <p:spTgt spid="32"/>
+                                        </p:tgtEl>
+                                        <p:attrNameLst>
+                                          <p:attrName>style.visibility</p:attrName>
+                                        </p:attrNameLst>
+                                      </p:cBhvr>
+                                      <p:to>
+                                        <p:strVal val="visible"/>
+                                      </p:to>
+                                    </p:set>
+                                  </p:childTnLst>
+                                </p:cTn>
+                              </p:par>
+                              <p:par>
+                                <p:cTn id="9" presetID="1" presetClass="entr" presetSubtype="0" fill="hold" nodeType="withEffect">
+                                  <p:stCondLst>
+                                    <p:cond delay="0"/>
+                                  </p:stCondLst>
+                                  <p:childTnLst>
+                                    <p:set>
+                                      <p:cBhvr>
+                                        <p:cTn id="10" dur="1" fill="hold">
+                                          <p:stCondLst>
+                                            <p:cond delay="0"/>
+                                          </p:stCondLst>
+                                        </p:cTn>
+                                        <p:tgtEl>
+                                          <p:spTgt spid="30"/>
+                                        </p:tgtEl>
+                                        <p:attrNameLst>
+                                          <p:attrName>style.visibility</p:attrName>
+                                        </p:attrNameLst>
+                                      </p:cBhvr>
+                                      <p:to>
+                                        <p:strVal val="visible"/>
+                                      </p:to>
+                                    </p:set>
+                                  </p:childTnLst>
+                                </p:cTn>
+                              </p:par>
+                            </p:childTnLst>
+                          </p:cTn>
+                        </p:par>
+                      </p:childTnLst>
+                    </p:cTn>
+                  </p:par>
+                </p:childTnLst>
+              </p:cTn>
+              <p:prevCondLst>
+                <p:cond evt="onPrev" delay="0">
+                  <p:tgtEl>
+                    <p:sldTgt/>
+                  </p:tgtEl>
+                </p:cond>
+              </p:prevCondLst>
+              <p:nextCondLst>
+                <p:cond evt="onNext" delay="0">
+                  <p:tgtEl>
+                    <p:sldTgt/>
+                  </p:tgtEl>
+                </p:cond>
+              </p:nextCondLst>
+            </p:seq>
+          </p:childTnLst>
+        </p:cTn>
       </p:par>
     </p:tnLst>
+    <p:bldLst>
+      <p:bldP spid="31" grpId="0" animBg="1"/>
+      <p:bldP spid="32" grpId="0" animBg="1"/>
+    </p:bldLst>
   </p:timing>
 </p:sld>
 </file>
 
-<file path=ppt/slides/slide15.xml><?xml version="1.0" encoding="utf-8"?>
+<file path=ppt/slides/slide13.xml><?xml version="1.0" encoding="utf-8"?>
 <p:sld xmlns:a="http://schemas.openxmlformats.org/drawingml/2006/main" xmlns:r="http://schemas.openxmlformats.org/officeDocument/2006/relationships" xmlns:p="http://schemas.openxmlformats.org/presentationml/2006/main">
   <p:cSld>
     <p:spTree>
@@ -12361,7 +10055,7 @@
 </p:sld>
 </file>
 
-<file path=ppt/slides/slide16.xml><?xml version="1.0" encoding="utf-8"?>
+<file path=ppt/slides/slide14.xml><?xml version="1.0" encoding="utf-8"?>
 <p:sld xmlns:a="http://schemas.openxmlformats.org/drawingml/2006/main" xmlns:r="http://schemas.openxmlformats.org/officeDocument/2006/relationships" xmlns:p="http://schemas.openxmlformats.org/presentationml/2006/main">
   <p:cSld>
     <p:spTree>
@@ -14380,7 +12074,7 @@
 </p:sld>
 </file>
 
-<file path=ppt/slides/slide17.xml><?xml version="1.0" encoding="utf-8"?>
+<file path=ppt/slides/slide15.xml><?xml version="1.0" encoding="utf-8"?>
 <p:sld xmlns:a="http://schemas.openxmlformats.org/drawingml/2006/main" xmlns:r="http://schemas.openxmlformats.org/officeDocument/2006/relationships" xmlns:p="http://schemas.openxmlformats.org/presentationml/2006/main">
   <p:cSld>
     <p:spTree>
@@ -16305,7 +13999,7 @@
 </p:sld>
 </file>
 
-<file path=ppt/slides/slide18.xml><?xml version="1.0" encoding="utf-8"?>
+<file path=ppt/slides/slide16.xml><?xml version="1.0" encoding="utf-8"?>
 <p:sld xmlns:a="http://schemas.openxmlformats.org/drawingml/2006/main" xmlns:r="http://schemas.openxmlformats.org/officeDocument/2006/relationships" xmlns:p="http://schemas.openxmlformats.org/presentationml/2006/main">
   <p:cSld>
     <p:spTree>
@@ -18069,7 +15763,7 @@
 </p:sld>
 </file>
 
-<file path=ppt/slides/slide19.xml><?xml version="1.0" encoding="utf-8"?>
+<file path=ppt/slides/slide17.xml><?xml version="1.0" encoding="utf-8"?>
 <p:sld xmlns:a="http://schemas.openxmlformats.org/drawingml/2006/main" xmlns:r="http://schemas.openxmlformats.org/officeDocument/2006/relationships" xmlns:p="http://schemas.openxmlformats.org/presentationml/2006/main">
   <p:cSld>
     <p:spTree>
@@ -18129,7 +15823,7 @@
 </p:sld>
 </file>
 
-<file path=ppt/slides/slide2.xml><?xml version="1.0" encoding="utf-8"?>
+<file path=ppt/slides/slide18.xml><?xml version="1.0" encoding="utf-8"?>
 <p:sld xmlns:a="http://schemas.openxmlformats.org/drawingml/2006/main" xmlns:r="http://schemas.openxmlformats.org/officeDocument/2006/relationships" xmlns:p="http://schemas.openxmlformats.org/presentationml/2006/main">
   <p:cSld>
     <p:spTree>
@@ -18163,110 +15857,6 @@
           <a:p>
             <a:r>
               <a:rPr lang="de-DE" dirty="0" smtClean="0"/>
-              <a:t>Zimmerverteilung / Aufgabe</a:t>
-            </a:r>
-            <a:endParaRPr lang="de-DE" dirty="0"/>
-          </a:p>
-        </p:txBody>
-      </p:sp>
-      <p:sp>
-        <p:nvSpPr>
-          <p:cNvPr id="5" name="Rechteck 4"/>
-          <p:cNvSpPr/>
-          <p:nvPr/>
-        </p:nvSpPr>
-        <p:spPr>
-          <a:xfrm>
-            <a:off x="838200" y="1801833"/>
-            <a:ext cx="10515600" cy="1754326"/>
-          </a:xfrm>
-          <a:prstGeom prst="rect">
-            <a:avLst/>
-          </a:prstGeom>
-        </p:spPr>
-        <p:txBody>
-          <a:bodyPr wrap="square">
-            <a:spAutoFit/>
-          </a:bodyPr>
-          <a:lstStyle/>
-          <a:p>
-            <a:pPr algn="just"/>
-            <a:r>
-              <a:rPr lang="de-DE" dirty="0" smtClean="0"/>
-              <a:t>Schreibe </a:t>
-            </a:r>
-            <a:r>
-              <a:rPr lang="de-DE" dirty="0"/>
-              <a:t>ein Programm, das ermittelt, ob alle Wünsche erfüllt werden können, wenn es genug Zimmer jeder Größe gibt. Als Eingabe erhält es für jede Schülerin zwei Listen der Mitschülerinnen, mit denen sie auf jeden Fall (+) bzw. auf keinen Fall (–) ein Zimmer teilen möchte.</a:t>
-            </a:r>
-          </a:p>
-          <a:p>
-            <a:pPr algn="just"/>
-            <a:r>
-              <a:rPr lang="de-DE" dirty="0"/>
-              <a:t>Dein Programm soll ausgeben, ob eine Zimmerbelegung möglich ist, die alle Wünsche erfüllt. Falls ja, soll es zusätzlich eine solche Zimmerbelegung ausgeben. </a:t>
-            </a:r>
-          </a:p>
-          <a:p>
-            <a:pPr algn="just"/>
-            <a:endParaRPr lang="de-DE" dirty="0"/>
-          </a:p>
-        </p:txBody>
-      </p:sp>
-    </p:spTree>
-    <p:extLst>
-      <p:ext uri="{BB962C8B-B14F-4D97-AF65-F5344CB8AC3E}">
-        <p14:creationId xmlns:p14="http://schemas.microsoft.com/office/powerpoint/2010/main" val="544784250"/>
-      </p:ext>
-    </p:extLst>
-  </p:cSld>
-  <p:clrMapOvr>
-    <a:masterClrMapping/>
-  </p:clrMapOvr>
-  <p:timing>
-    <p:tnLst>
-      <p:par>
-        <p:cTn id="1" dur="indefinite" restart="never" nodeType="tmRoot"/>
-      </p:par>
-    </p:tnLst>
-  </p:timing>
-</p:sld>
-</file>
-
-<file path=ppt/slides/slide20.xml><?xml version="1.0" encoding="utf-8"?>
-<p:sld xmlns:a="http://schemas.openxmlformats.org/drawingml/2006/main" xmlns:r="http://schemas.openxmlformats.org/officeDocument/2006/relationships" xmlns:p="http://schemas.openxmlformats.org/presentationml/2006/main">
-  <p:cSld>
-    <p:spTree>
-      <p:nvGrpSpPr>
-        <p:cNvPr id="1" name=""/>
-        <p:cNvGrpSpPr/>
-        <p:nvPr/>
-      </p:nvGrpSpPr>
-      <p:grpSpPr>
-        <a:xfrm>
-          <a:off x="0" y="0"/>
-          <a:ext cx="0" cy="0"/>
-          <a:chOff x="0" y="0"/>
-          <a:chExt cx="0" cy="0"/>
-        </a:xfrm>
-      </p:grpSpPr>
-      <p:sp>
-        <p:nvSpPr>
-          <p:cNvPr id="2" name="Titel 1"/>
-          <p:cNvSpPr>
-            <a:spLocks noGrp="1"/>
-          </p:cNvSpPr>
-          <p:nvPr>
-            <p:ph type="title"/>
-          </p:nvPr>
-        </p:nvSpPr>
-        <p:spPr/>
-        <p:txBody>
-          <a:bodyPr/>
-          <a:lstStyle/>
-          <a:p>
-            <a:r>
-              <a:rPr lang="de-DE" dirty="0" smtClean="0"/>
               <a:t>Dreiecke / Aufgabe</a:t>
             </a:r>
             <a:endParaRPr lang="de-DE" dirty="0"/>
@@ -18332,7 +15922,7 @@
 </p:sld>
 </file>
 
-<file path=ppt/slides/slide21.xml><?xml version="1.0" encoding="utf-8"?>
+<file path=ppt/slides/slide19.xml><?xml version="1.0" encoding="utf-8"?>
 <p:sld xmlns:a="http://schemas.openxmlformats.org/drawingml/2006/main" xmlns:r="http://schemas.openxmlformats.org/officeDocument/2006/relationships" xmlns:p="http://schemas.openxmlformats.org/presentationml/2006/main">
   <p:cSld>
     <p:spTree>
@@ -18578,7 +16168,111 @@
 </p:sld>
 </file>
 
-<file path=ppt/slides/slide22.xml><?xml version="1.0" encoding="utf-8"?>
+<file path=ppt/slides/slide2.xml><?xml version="1.0" encoding="utf-8"?>
+<p:sld xmlns:a="http://schemas.openxmlformats.org/drawingml/2006/main" xmlns:r="http://schemas.openxmlformats.org/officeDocument/2006/relationships" xmlns:p="http://schemas.openxmlformats.org/presentationml/2006/main">
+  <p:cSld>
+    <p:spTree>
+      <p:nvGrpSpPr>
+        <p:cNvPr id="1" name=""/>
+        <p:cNvGrpSpPr/>
+        <p:nvPr/>
+      </p:nvGrpSpPr>
+      <p:grpSpPr>
+        <a:xfrm>
+          <a:off x="0" y="0"/>
+          <a:ext cx="0" cy="0"/>
+          <a:chOff x="0" y="0"/>
+          <a:chExt cx="0" cy="0"/>
+        </a:xfrm>
+      </p:grpSpPr>
+      <p:sp>
+        <p:nvSpPr>
+          <p:cNvPr id="2" name="Titel 1"/>
+          <p:cNvSpPr>
+            <a:spLocks noGrp="1"/>
+          </p:cNvSpPr>
+          <p:nvPr>
+            <p:ph type="title"/>
+          </p:nvPr>
+        </p:nvSpPr>
+        <p:spPr/>
+        <p:txBody>
+          <a:bodyPr/>
+          <a:lstStyle/>
+          <a:p>
+            <a:r>
+              <a:rPr lang="de-DE" dirty="0" smtClean="0"/>
+              <a:t>Zimmerverteilung / Aufgabe</a:t>
+            </a:r>
+            <a:endParaRPr lang="de-DE" dirty="0"/>
+          </a:p>
+        </p:txBody>
+      </p:sp>
+      <p:sp>
+        <p:nvSpPr>
+          <p:cNvPr id="5" name="Rechteck 4"/>
+          <p:cNvSpPr/>
+          <p:nvPr/>
+        </p:nvSpPr>
+        <p:spPr>
+          <a:xfrm>
+            <a:off x="838200" y="1801833"/>
+            <a:ext cx="10515600" cy="1754326"/>
+          </a:xfrm>
+          <a:prstGeom prst="rect">
+            <a:avLst/>
+          </a:prstGeom>
+        </p:spPr>
+        <p:txBody>
+          <a:bodyPr wrap="square">
+            <a:spAutoFit/>
+          </a:bodyPr>
+          <a:lstStyle/>
+          <a:p>
+            <a:pPr algn="just"/>
+            <a:r>
+              <a:rPr lang="de-DE" dirty="0" smtClean="0"/>
+              <a:t>Schreibe </a:t>
+            </a:r>
+            <a:r>
+              <a:rPr lang="de-DE" dirty="0"/>
+              <a:t>ein Programm, das ermittelt, ob alle Wünsche erfüllt werden können, wenn es genug Zimmer jeder Größe gibt. Als Eingabe erhält es für jede Schülerin zwei Listen der Mitschülerinnen, mit denen sie auf jeden Fall (+) bzw. auf keinen Fall (–) ein Zimmer teilen möchte.</a:t>
+            </a:r>
+          </a:p>
+          <a:p>
+            <a:pPr algn="just"/>
+            <a:r>
+              <a:rPr lang="de-DE" dirty="0"/>
+              <a:t>Dein Programm soll ausgeben, ob eine Zimmerbelegung möglich ist, die alle Wünsche erfüllt. Falls ja, soll es zusätzlich eine solche Zimmerbelegung ausgeben. </a:t>
+            </a:r>
+          </a:p>
+          <a:p>
+            <a:pPr algn="just"/>
+            <a:endParaRPr lang="de-DE" dirty="0"/>
+          </a:p>
+        </p:txBody>
+      </p:sp>
+    </p:spTree>
+    <p:extLst>
+      <p:ext uri="{BB962C8B-B14F-4D97-AF65-F5344CB8AC3E}">
+        <p14:creationId xmlns:p14="http://schemas.microsoft.com/office/powerpoint/2010/main" val="544784250"/>
+      </p:ext>
+    </p:extLst>
+  </p:cSld>
+  <p:clrMapOvr>
+    <a:masterClrMapping/>
+  </p:clrMapOvr>
+  <p:timing>
+    <p:tnLst>
+      <p:par>
+        <p:cTn id="1" dur="indefinite" restart="never" nodeType="tmRoot"/>
+      </p:par>
+    </p:tnLst>
+  </p:timing>
+</p:sld>
+</file>
+
+<file path=ppt/slides/slide20.xml><?xml version="1.0" encoding="utf-8"?>
 <p:sld xmlns:a="http://schemas.openxmlformats.org/drawingml/2006/main" xmlns:r="http://schemas.openxmlformats.org/officeDocument/2006/relationships" xmlns:p="http://schemas.openxmlformats.org/presentationml/2006/main">
   <p:cSld>
     <p:spTree>
@@ -20204,7 +17898,7 @@
 </p:sld>
 </file>
 
-<file path=ppt/slides/slide23.xml><?xml version="1.0" encoding="utf-8"?>
+<file path=ppt/slides/slide21.xml><?xml version="1.0" encoding="utf-8"?>
 <p:sld xmlns:a="http://schemas.openxmlformats.org/drawingml/2006/main" xmlns:r="http://schemas.openxmlformats.org/officeDocument/2006/relationships" xmlns:p="http://schemas.openxmlformats.org/presentationml/2006/main">
   <p:cSld>
     <p:spTree>
@@ -20334,6 +18028,189 @@
 </p:sld>
 </file>
 
+<file path=ppt/slides/slide22.xml><?xml version="1.0" encoding="utf-8"?>
+<p:sld xmlns:a="http://schemas.openxmlformats.org/drawingml/2006/main" xmlns:r="http://schemas.openxmlformats.org/officeDocument/2006/relationships" xmlns:p="http://schemas.openxmlformats.org/presentationml/2006/main">
+  <p:cSld>
+    <p:spTree>
+      <p:nvGrpSpPr>
+        <p:cNvPr id="1" name=""/>
+        <p:cNvGrpSpPr/>
+        <p:nvPr/>
+      </p:nvGrpSpPr>
+      <p:grpSpPr>
+        <a:xfrm>
+          <a:off x="0" y="0"/>
+          <a:ext cx="0" cy="0"/>
+          <a:chOff x="0" y="0"/>
+          <a:chExt cx="0" cy="0"/>
+        </a:xfrm>
+      </p:grpSpPr>
+      <p:sp>
+        <p:nvSpPr>
+          <p:cNvPr id="2" name="Titel 1"/>
+          <p:cNvSpPr>
+            <a:spLocks noGrp="1"/>
+          </p:cNvSpPr>
+          <p:nvPr>
+            <p:ph type="title"/>
+          </p:nvPr>
+        </p:nvSpPr>
+        <p:spPr/>
+        <p:txBody>
+          <a:bodyPr/>
+          <a:lstStyle/>
+          <a:p>
+            <a:r>
+              <a:rPr lang="de-DE" dirty="0" smtClean="0"/>
+              <a:t>Dreiecke / Beispiel</a:t>
+            </a:r>
+            <a:endParaRPr lang="de-DE" dirty="0"/>
+          </a:p>
+        </p:txBody>
+      </p:sp>
+    </p:spTree>
+    <p:extLst>
+      <p:ext uri="{BB962C8B-B14F-4D97-AF65-F5344CB8AC3E}">
+        <p14:creationId xmlns:p14="http://schemas.microsoft.com/office/powerpoint/2010/main" val="1369394193"/>
+      </p:ext>
+    </p:extLst>
+  </p:cSld>
+  <p:clrMapOvr>
+    <a:masterClrMapping/>
+  </p:clrMapOvr>
+  <p:timing>
+    <p:tnLst>
+      <p:par>
+        <p:cTn id="1" dur="indefinite" restart="never" nodeType="tmRoot"/>
+      </p:par>
+    </p:tnLst>
+  </p:timing>
+</p:sld>
+</file>
+
+<file path=ppt/slides/slide23.xml><?xml version="1.0" encoding="utf-8"?>
+<p:sld xmlns:a="http://schemas.openxmlformats.org/drawingml/2006/main" xmlns:r="http://schemas.openxmlformats.org/officeDocument/2006/relationships" xmlns:p="http://schemas.openxmlformats.org/presentationml/2006/main">
+  <p:cSld>
+    <p:spTree>
+      <p:nvGrpSpPr>
+        <p:cNvPr id="1" name=""/>
+        <p:cNvGrpSpPr/>
+        <p:nvPr/>
+      </p:nvGrpSpPr>
+      <p:grpSpPr>
+        <a:xfrm>
+          <a:off x="0" y="0"/>
+          <a:ext cx="0" cy="0"/>
+          <a:chOff x="0" y="0"/>
+          <a:chExt cx="0" cy="0"/>
+        </a:xfrm>
+      </p:grpSpPr>
+      <p:sp>
+        <p:nvSpPr>
+          <p:cNvPr id="2" name="Titel 1"/>
+          <p:cNvSpPr>
+            <a:spLocks noGrp="1"/>
+          </p:cNvSpPr>
+          <p:nvPr>
+            <p:ph type="title"/>
+          </p:nvPr>
+        </p:nvSpPr>
+        <p:spPr/>
+        <p:txBody>
+          <a:bodyPr/>
+          <a:lstStyle/>
+          <a:p>
+            <a:r>
+              <a:rPr lang="de-DE" dirty="0" smtClean="0"/>
+              <a:t>Bauernopfer / Aufgabe</a:t>
+            </a:r>
+            <a:endParaRPr lang="de-DE" dirty="0"/>
+          </a:p>
+        </p:txBody>
+      </p:sp>
+      <p:sp>
+        <p:nvSpPr>
+          <p:cNvPr id="3" name="Inhaltsplatzhalter 2"/>
+          <p:cNvSpPr>
+            <a:spLocks noGrp="1"/>
+          </p:cNvSpPr>
+          <p:nvPr>
+            <p:ph idx="1"/>
+          </p:nvPr>
+        </p:nvSpPr>
+        <p:spPr/>
+        <p:txBody>
+          <a:bodyPr/>
+          <a:lstStyle/>
+          <a:p>
+            <a:pPr marL="514350" marR="0" lvl="0" indent="-514350" defTabSz="914400" eaLnBrk="1" fontAlgn="auto" latinLnBrk="0" hangingPunct="1">
+              <a:lnSpc>
+                <a:spcPct val="100000"/>
+              </a:lnSpc>
+              <a:spcBef>
+                <a:spcPts val="0"/>
+              </a:spcBef>
+              <a:spcAft>
+                <a:spcPts val="0"/>
+              </a:spcAft>
+              <a:buClrTx/>
+              <a:buSzTx/>
+              <a:buFontTx/>
+              <a:buAutoNum type="arabicPeriod"/>
+              <a:tabLst/>
+              <a:defRPr/>
+            </a:pPr>
+            <a:r>
+              <a:rPr lang="de-DE" dirty="0" smtClean="0"/>
+              <a:t>Simuliere Spiel (8 Bauern gegen 1 Turm)</a:t>
+            </a:r>
+          </a:p>
+          <a:p>
+            <a:pPr marL="514350" marR="0" lvl="0" indent="-514350" defTabSz="914400" eaLnBrk="1" fontAlgn="auto" latinLnBrk="0" hangingPunct="1">
+              <a:lnSpc>
+                <a:spcPct val="100000"/>
+              </a:lnSpc>
+              <a:spcBef>
+                <a:spcPts val="0"/>
+              </a:spcBef>
+              <a:spcAft>
+                <a:spcPts val="0"/>
+              </a:spcAft>
+              <a:buClrTx/>
+              <a:buSzTx/>
+              <a:buFontTx/>
+              <a:buAutoNum type="arabicPeriod"/>
+              <a:tabLst/>
+              <a:defRPr/>
+            </a:pPr>
+            <a:r>
+              <a:rPr lang="de-DE" dirty="0" smtClean="0"/>
+              <a:t>Simuliere Spiel (7 Bauern gegen 1 Turm)</a:t>
+            </a:r>
+            <a:endParaRPr lang="de-DE" dirty="0"/>
+          </a:p>
+        </p:txBody>
+      </p:sp>
+    </p:spTree>
+    <p:extLst>
+      <p:ext uri="{BB962C8B-B14F-4D97-AF65-F5344CB8AC3E}">
+        <p14:creationId xmlns:p14="http://schemas.microsoft.com/office/powerpoint/2010/main" val="367878258"/>
+      </p:ext>
+    </p:extLst>
+  </p:cSld>
+  <p:clrMapOvr>
+    <a:masterClrMapping/>
+  </p:clrMapOvr>
+  <p:timing>
+    <p:tnLst>
+      <p:par>
+        <p:cTn id="1" dur="indefinite" restart="never" nodeType="tmRoot"/>
+      </p:par>
+    </p:tnLst>
+  </p:timing>
+</p:sld>
+</file>
+
 <file path=ppt/slides/slide24.xml><?xml version="1.0" encoding="utf-8"?>
 <p:sld xmlns:a="http://schemas.openxmlformats.org/drawingml/2006/main" xmlns:r="http://schemas.openxmlformats.org/officeDocument/2006/relationships" xmlns:p="http://schemas.openxmlformats.org/presentationml/2006/main">
   <p:cSld>
@@ -20368,16 +18245,275 @@
           <a:p>
             <a:r>
               <a:rPr lang="de-DE" dirty="0" smtClean="0"/>
-              <a:t>Dreiecke / Beispiel</a:t>
+              <a:t>Bauernopfer / Lösungsidee</a:t>
             </a:r>
             <a:endParaRPr lang="de-DE" dirty="0"/>
+          </a:p>
+        </p:txBody>
+      </p:sp>
+      <p:sp>
+        <p:nvSpPr>
+          <p:cNvPr id="4" name="Rechteck 3"/>
+          <p:cNvSpPr/>
+          <p:nvPr/>
+        </p:nvSpPr>
+        <p:spPr>
+          <a:xfrm>
+            <a:off x="7970520" y="2197299"/>
+            <a:ext cx="3383280" cy="3416320"/>
+          </a:xfrm>
+          <a:prstGeom prst="rect">
+            <a:avLst/>
+          </a:prstGeom>
+        </p:spPr>
+        <p:txBody>
+          <a:bodyPr wrap="square">
+            <a:spAutoFit/>
+          </a:bodyPr>
+          <a:lstStyle/>
+          <a:p>
+            <a:pPr>
+              <a:spcAft>
+                <a:spcPts val="0"/>
+              </a:spcAft>
+            </a:pPr>
+            <a:r>
+              <a:rPr lang="de-DE" sz="2400" dirty="0">
+                <a:solidFill>
+                  <a:srgbClr val="0D0D0D"/>
+                </a:solidFill>
+                <a:latin typeface="Menlo" charset="0"/>
+                <a:ea typeface="Menlo" charset="0"/>
+                <a:cs typeface="Menlo" charset="0"/>
+              </a:rPr>
+              <a:t>8 . . . . . . . ♜ </a:t>
+            </a:r>
+            <a:endParaRPr lang="de-DE" sz="2400" dirty="0">
+              <a:latin typeface="Menlo" charset="0"/>
+              <a:ea typeface="Menlo" charset="0"/>
+              <a:cs typeface="Menlo" charset="0"/>
+            </a:endParaRPr>
+          </a:p>
+          <a:p>
+            <a:pPr>
+              <a:spcAft>
+                <a:spcPts val="0"/>
+              </a:spcAft>
+            </a:pPr>
+            <a:r>
+              <a:rPr lang="de-DE" sz="2400" dirty="0">
+                <a:solidFill>
+                  <a:srgbClr val="0D0D0D"/>
+                </a:solidFill>
+                <a:latin typeface="Menlo" charset="0"/>
+                <a:ea typeface="Menlo" charset="0"/>
+                <a:cs typeface="Menlo" charset="0"/>
+              </a:rPr>
+              <a:t>7 . . . . . . . . </a:t>
+            </a:r>
+            <a:endParaRPr lang="de-DE" sz="2400" dirty="0">
+              <a:latin typeface="Menlo" charset="0"/>
+              <a:ea typeface="Menlo" charset="0"/>
+              <a:cs typeface="Menlo" charset="0"/>
+            </a:endParaRPr>
+          </a:p>
+          <a:p>
+            <a:pPr>
+              <a:spcAft>
+                <a:spcPts val="0"/>
+              </a:spcAft>
+            </a:pPr>
+            <a:r>
+              <a:rPr lang="de-DE" sz="2400" dirty="0">
+                <a:solidFill>
+                  <a:srgbClr val="0D0D0D"/>
+                </a:solidFill>
+                <a:latin typeface="Menlo" charset="0"/>
+                <a:ea typeface="Menlo" charset="0"/>
+                <a:cs typeface="Menlo" charset="0"/>
+              </a:rPr>
+              <a:t>6 . . . . . . . . </a:t>
+            </a:r>
+            <a:endParaRPr lang="de-DE" sz="2400" dirty="0">
+              <a:latin typeface="Menlo" charset="0"/>
+              <a:ea typeface="Menlo" charset="0"/>
+              <a:cs typeface="Menlo" charset="0"/>
+            </a:endParaRPr>
+          </a:p>
+          <a:p>
+            <a:pPr>
+              <a:spcAft>
+                <a:spcPts val="0"/>
+              </a:spcAft>
+            </a:pPr>
+            <a:r>
+              <a:rPr lang="de-DE" sz="2400" dirty="0">
+                <a:solidFill>
+                  <a:srgbClr val="0D0D0D"/>
+                </a:solidFill>
+                <a:latin typeface="Menlo" charset="0"/>
+                <a:ea typeface="Menlo" charset="0"/>
+                <a:cs typeface="Menlo" charset="0"/>
+              </a:rPr>
+              <a:t>5 . . . . . . . . </a:t>
+            </a:r>
+            <a:endParaRPr lang="de-DE" sz="2400" dirty="0">
+              <a:latin typeface="Menlo" charset="0"/>
+              <a:ea typeface="Menlo" charset="0"/>
+              <a:cs typeface="Menlo" charset="0"/>
+            </a:endParaRPr>
+          </a:p>
+          <a:p>
+            <a:pPr>
+              <a:spcAft>
+                <a:spcPts val="0"/>
+              </a:spcAft>
+            </a:pPr>
+            <a:r>
+              <a:rPr lang="de-DE" sz="2400" dirty="0">
+                <a:solidFill>
+                  <a:srgbClr val="0D0D0D"/>
+                </a:solidFill>
+                <a:latin typeface="Menlo" charset="0"/>
+                <a:ea typeface="Menlo" charset="0"/>
+                <a:cs typeface="Menlo" charset="0"/>
+              </a:rPr>
+              <a:t>4 ♙ ♙ ♙ ♙ ♙ ♙ ♙ ♙ </a:t>
+            </a:r>
+            <a:endParaRPr lang="de-DE" sz="2400" dirty="0">
+              <a:latin typeface="Menlo" charset="0"/>
+              <a:ea typeface="Menlo" charset="0"/>
+              <a:cs typeface="Menlo" charset="0"/>
+            </a:endParaRPr>
+          </a:p>
+          <a:p>
+            <a:pPr>
+              <a:spcAft>
+                <a:spcPts val="0"/>
+              </a:spcAft>
+            </a:pPr>
+            <a:r>
+              <a:rPr lang="de-DE" sz="2400" dirty="0">
+                <a:solidFill>
+                  <a:srgbClr val="0D0D0D"/>
+                </a:solidFill>
+                <a:latin typeface="Menlo" charset="0"/>
+                <a:ea typeface="Menlo" charset="0"/>
+                <a:cs typeface="Menlo" charset="0"/>
+              </a:rPr>
+              <a:t>3 . . . . . . . . </a:t>
+            </a:r>
+            <a:endParaRPr lang="de-DE" sz="2400" dirty="0">
+              <a:latin typeface="Menlo" charset="0"/>
+              <a:ea typeface="Menlo" charset="0"/>
+              <a:cs typeface="Menlo" charset="0"/>
+            </a:endParaRPr>
+          </a:p>
+          <a:p>
+            <a:pPr>
+              <a:spcAft>
+                <a:spcPts val="0"/>
+              </a:spcAft>
+            </a:pPr>
+            <a:r>
+              <a:rPr lang="de-DE" sz="2400" dirty="0">
+                <a:solidFill>
+                  <a:srgbClr val="0D0D0D"/>
+                </a:solidFill>
+                <a:latin typeface="Menlo" charset="0"/>
+                <a:ea typeface="Menlo" charset="0"/>
+                <a:cs typeface="Menlo" charset="0"/>
+              </a:rPr>
+              <a:t>2 . . . . . . . . </a:t>
+            </a:r>
+            <a:endParaRPr lang="de-DE" sz="2400" dirty="0">
+              <a:latin typeface="Menlo" charset="0"/>
+              <a:ea typeface="Menlo" charset="0"/>
+              <a:cs typeface="Menlo" charset="0"/>
+            </a:endParaRPr>
+          </a:p>
+          <a:p>
+            <a:pPr>
+              <a:spcAft>
+                <a:spcPts val="0"/>
+              </a:spcAft>
+            </a:pPr>
+            <a:r>
+              <a:rPr lang="de-DE" sz="2400" dirty="0">
+                <a:solidFill>
+                  <a:srgbClr val="0D0D0D"/>
+                </a:solidFill>
+                <a:latin typeface="Menlo" charset="0"/>
+                <a:ea typeface="Menlo" charset="0"/>
+                <a:cs typeface="Menlo" charset="0"/>
+              </a:rPr>
+              <a:t>1 . . . . . . . . </a:t>
+            </a:r>
+            <a:endParaRPr lang="de-DE" sz="2400" dirty="0">
+              <a:latin typeface="Menlo" charset="0"/>
+              <a:ea typeface="Menlo" charset="0"/>
+              <a:cs typeface="Menlo" charset="0"/>
+            </a:endParaRPr>
+          </a:p>
+          <a:p>
+            <a:pPr>
+              <a:spcAft>
+                <a:spcPts val="0"/>
+              </a:spcAft>
+            </a:pPr>
+            <a:r>
+              <a:rPr lang="de-DE" sz="2400" dirty="0">
+                <a:solidFill>
+                  <a:srgbClr val="0D0D0D"/>
+                </a:solidFill>
+                <a:latin typeface="Menlo" charset="0"/>
+                <a:ea typeface="Menlo" charset="0"/>
+                <a:cs typeface="Menlo" charset="0"/>
+              </a:rPr>
+              <a:t>  A B C D E F G H</a:t>
+            </a:r>
+            <a:endParaRPr lang="de-DE" sz="2400" dirty="0">
+              <a:effectLst/>
+              <a:latin typeface="Menlo" charset="0"/>
+              <a:ea typeface="Menlo" charset="0"/>
+              <a:cs typeface="Menlo" charset="0"/>
+            </a:endParaRPr>
+          </a:p>
+        </p:txBody>
+      </p:sp>
+      <p:sp>
+        <p:nvSpPr>
+          <p:cNvPr id="5" name="Textfeld 4"/>
+          <p:cNvSpPr txBox="1"/>
+          <p:nvPr/>
+        </p:nvSpPr>
+        <p:spPr>
+          <a:xfrm>
+            <a:off x="838200" y="2197299"/>
+            <a:ext cx="6355080" cy="369332"/>
+          </a:xfrm>
+          <a:prstGeom prst="rect">
+            <a:avLst/>
+          </a:prstGeom>
+          <a:noFill/>
+        </p:spPr>
+        <p:txBody>
+          <a:bodyPr wrap="square" rtlCol="0">
+            <a:spAutoFit/>
+          </a:bodyPr>
+          <a:lstStyle/>
+          <a:p>
+            <a:r>
+              <a:rPr lang="de-DE" dirty="0" smtClean="0"/>
+              <a:t>Bester Zug für Bauern:</a:t>
+            </a:r>
           </a:p>
         </p:txBody>
       </p:sp>
     </p:spTree>
     <p:extLst>
       <p:ext uri="{BB962C8B-B14F-4D97-AF65-F5344CB8AC3E}">
-        <p14:creationId xmlns:p14="http://schemas.microsoft.com/office/powerpoint/2010/main" val="1369394193"/>
+        <p14:creationId xmlns:p14="http://schemas.microsoft.com/office/powerpoint/2010/main" val="1536913683"/>
       </p:ext>
     </p:extLst>
   </p:cSld>
@@ -20413,7 +18549,7 @@
       </p:grpSpPr>
       <p:sp>
         <p:nvSpPr>
-          <p:cNvPr id="2" name="Titel 1"/>
+          <p:cNvPr id="5" name="Titel 1"/>
           <p:cNvSpPr>
             <a:spLocks noGrp="1"/>
           </p:cNvSpPr>
@@ -20421,14 +18557,19 @@
             <p:ph type="title"/>
           </p:nvPr>
         </p:nvSpPr>
-        <p:spPr/>
+        <p:spPr>
+          <a:xfrm>
+            <a:off x="838200" y="365125"/>
+            <a:ext cx="10515600" cy="1325563"/>
+          </a:xfrm>
+        </p:spPr>
         <p:txBody>
           <a:bodyPr/>
           <a:lstStyle/>
           <a:p>
             <a:r>
               <a:rPr lang="de-DE" dirty="0" smtClean="0"/>
-              <a:t>Bauernopfer / Aufgabe</a:t>
+              <a:t>Bauernopfer / Lösungsidee</a:t>
             </a:r>
             <a:endParaRPr lang="de-DE" dirty="0"/>
           </a:p>
@@ -20436,62 +18577,333 @@
       </p:sp>
       <p:sp>
         <p:nvSpPr>
-          <p:cNvPr id="3" name="Inhaltsplatzhalter 2"/>
-          <p:cNvSpPr>
-            <a:spLocks noGrp="1"/>
-          </p:cNvSpPr>
-          <p:nvPr>
-            <p:ph idx="1"/>
-          </p:nvPr>
+          <p:cNvPr id="6" name="Rechteck 5"/>
+          <p:cNvSpPr/>
+          <p:nvPr/>
         </p:nvSpPr>
-        <p:spPr/>
+        <p:spPr>
+          <a:xfrm>
+            <a:off x="7970520" y="2197299"/>
+            <a:ext cx="3383280" cy="3416320"/>
+          </a:xfrm>
+          <a:prstGeom prst="rect">
+            <a:avLst/>
+          </a:prstGeom>
+        </p:spPr>
         <p:txBody>
-          <a:bodyPr/>
+          <a:bodyPr wrap="square">
+            <a:spAutoFit/>
+          </a:bodyPr>
           <a:lstStyle/>
           <a:p>
-            <a:pPr marL="514350" marR="0" lvl="0" indent="-514350" defTabSz="914400" eaLnBrk="1" fontAlgn="auto" latinLnBrk="0" hangingPunct="1">
-              <a:lnSpc>
-                <a:spcPct val="100000"/>
-              </a:lnSpc>
-              <a:spcBef>
-                <a:spcPts val="0"/>
-              </a:spcBef>
+            <a:pPr>
               <a:spcAft>
                 <a:spcPts val="0"/>
               </a:spcAft>
-              <a:buClrTx/>
-              <a:buSzTx/>
-              <a:buFontTx/>
-              <a:buAutoNum type="arabicPeriod"/>
-              <a:tabLst/>
-              <a:defRPr/>
             </a:pPr>
             <a:r>
-              <a:rPr lang="de-DE" dirty="0" smtClean="0"/>
-              <a:t>Simuliere Spiel (8 Bauern gegen 1 Turm)</a:t>
-            </a:r>
-          </a:p>
-          <a:p>
-            <a:pPr marL="514350" marR="0" lvl="0" indent="-514350" defTabSz="914400" eaLnBrk="1" fontAlgn="auto" latinLnBrk="0" hangingPunct="1">
-              <a:lnSpc>
-                <a:spcPct val="100000"/>
-              </a:lnSpc>
-              <a:spcBef>
-                <a:spcPts val="0"/>
-              </a:spcBef>
+              <a:rPr lang="de-DE" sz="2400" dirty="0">
+                <a:solidFill>
+                  <a:srgbClr val="0D0D0D"/>
+                </a:solidFill>
+                <a:latin typeface="Menlo" charset="0"/>
+                <a:ea typeface="Menlo" charset="0"/>
+                <a:cs typeface="Menlo" charset="0"/>
+              </a:rPr>
+              <a:t>8 . . . . . . . ♜ </a:t>
+            </a:r>
+            <a:endParaRPr lang="de-DE" sz="2400" dirty="0">
+              <a:latin typeface="Menlo" charset="0"/>
+              <a:ea typeface="Menlo" charset="0"/>
+              <a:cs typeface="Menlo" charset="0"/>
+            </a:endParaRPr>
+          </a:p>
+          <a:p>
+            <a:pPr>
               <a:spcAft>
                 <a:spcPts val="0"/>
               </a:spcAft>
-              <a:buClrTx/>
-              <a:buSzTx/>
-              <a:buFontTx/>
-              <a:buAutoNum type="arabicPeriod"/>
-              <a:tabLst/>
-              <a:defRPr/>
             </a:pPr>
             <a:r>
+              <a:rPr lang="de-DE" sz="2400" dirty="0">
+                <a:solidFill>
+                  <a:srgbClr val="0D0D0D"/>
+                </a:solidFill>
+                <a:latin typeface="Menlo" charset="0"/>
+                <a:ea typeface="Menlo" charset="0"/>
+                <a:cs typeface="Menlo" charset="0"/>
+              </a:rPr>
+              <a:t>7 . . . . . . . . </a:t>
+            </a:r>
+            <a:endParaRPr lang="de-DE" sz="2400" dirty="0">
+              <a:latin typeface="Menlo" charset="0"/>
+              <a:ea typeface="Menlo" charset="0"/>
+              <a:cs typeface="Menlo" charset="0"/>
+            </a:endParaRPr>
+          </a:p>
+          <a:p>
+            <a:pPr>
+              <a:spcAft>
+                <a:spcPts val="0"/>
+              </a:spcAft>
+            </a:pPr>
+            <a:r>
+              <a:rPr lang="de-DE" sz="2400" dirty="0">
+                <a:solidFill>
+                  <a:srgbClr val="0D0D0D"/>
+                </a:solidFill>
+                <a:latin typeface="Menlo" charset="0"/>
+                <a:ea typeface="Menlo" charset="0"/>
+                <a:cs typeface="Menlo" charset="0"/>
+              </a:rPr>
+              <a:t>6 . . . . . . . . </a:t>
+            </a:r>
+            <a:endParaRPr lang="de-DE" sz="2400" dirty="0">
+              <a:latin typeface="Menlo" charset="0"/>
+              <a:ea typeface="Menlo" charset="0"/>
+              <a:cs typeface="Menlo" charset="0"/>
+            </a:endParaRPr>
+          </a:p>
+          <a:p>
+            <a:pPr>
+              <a:spcAft>
+                <a:spcPts val="0"/>
+              </a:spcAft>
+            </a:pPr>
+            <a:r>
+              <a:rPr lang="de-DE" sz="2400" dirty="0">
+                <a:solidFill>
+                  <a:srgbClr val="0D0D0D"/>
+                </a:solidFill>
+                <a:latin typeface="Menlo" charset="0"/>
+                <a:ea typeface="Menlo" charset="0"/>
+                <a:cs typeface="Menlo" charset="0"/>
+              </a:rPr>
+              <a:t>5 . . . . . . . ♙</a:t>
+            </a:r>
+            <a:r>
+              <a:rPr lang="de-DE" sz="2400" dirty="0" smtClean="0">
+                <a:solidFill>
+                  <a:srgbClr val="0D0D0D"/>
+                </a:solidFill>
+                <a:latin typeface="Menlo" charset="0"/>
+                <a:ea typeface="Menlo" charset="0"/>
+                <a:cs typeface="Menlo" charset="0"/>
+              </a:rPr>
+              <a:t> </a:t>
+            </a:r>
+            <a:endParaRPr lang="de-DE" sz="2400" dirty="0">
+              <a:latin typeface="Menlo" charset="0"/>
+              <a:ea typeface="Menlo" charset="0"/>
+              <a:cs typeface="Menlo" charset="0"/>
+            </a:endParaRPr>
+          </a:p>
+          <a:p>
+            <a:pPr>
+              <a:spcAft>
+                <a:spcPts val="0"/>
+              </a:spcAft>
+            </a:pPr>
+            <a:r>
+              <a:rPr lang="de-DE" sz="2400" dirty="0">
+                <a:solidFill>
+                  <a:srgbClr val="0D0D0D"/>
+                </a:solidFill>
+                <a:latin typeface="Menlo" charset="0"/>
+                <a:ea typeface="Menlo" charset="0"/>
+                <a:cs typeface="Menlo" charset="0"/>
+              </a:rPr>
+              <a:t>4 ♙ ♙ ♙ ♙ ♙ ♙ </a:t>
+            </a:r>
+            <a:r>
+              <a:rPr lang="de-DE" sz="2400" dirty="0" smtClean="0">
+                <a:solidFill>
+                  <a:srgbClr val="0D0D0D"/>
+                </a:solidFill>
+                <a:latin typeface="Menlo" charset="0"/>
+                <a:ea typeface="Menlo" charset="0"/>
+                <a:cs typeface="Menlo" charset="0"/>
+              </a:rPr>
+              <a:t>♙ .</a:t>
+            </a:r>
+            <a:endParaRPr lang="de-DE" sz="2400" dirty="0">
+              <a:latin typeface="Menlo" charset="0"/>
+              <a:ea typeface="Menlo" charset="0"/>
+              <a:cs typeface="Menlo" charset="0"/>
+            </a:endParaRPr>
+          </a:p>
+          <a:p>
+            <a:pPr>
+              <a:spcAft>
+                <a:spcPts val="0"/>
+              </a:spcAft>
+            </a:pPr>
+            <a:r>
+              <a:rPr lang="de-DE" sz="2400" dirty="0">
+                <a:solidFill>
+                  <a:srgbClr val="0D0D0D"/>
+                </a:solidFill>
+                <a:latin typeface="Menlo" charset="0"/>
+                <a:ea typeface="Menlo" charset="0"/>
+                <a:cs typeface="Menlo" charset="0"/>
+              </a:rPr>
+              <a:t>3 . . . . . . . . </a:t>
+            </a:r>
+            <a:endParaRPr lang="de-DE" sz="2400" dirty="0">
+              <a:latin typeface="Menlo" charset="0"/>
+              <a:ea typeface="Menlo" charset="0"/>
+              <a:cs typeface="Menlo" charset="0"/>
+            </a:endParaRPr>
+          </a:p>
+          <a:p>
+            <a:pPr>
+              <a:spcAft>
+                <a:spcPts val="0"/>
+              </a:spcAft>
+            </a:pPr>
+            <a:r>
+              <a:rPr lang="de-DE" sz="2400" dirty="0">
+                <a:solidFill>
+                  <a:srgbClr val="0D0D0D"/>
+                </a:solidFill>
+                <a:latin typeface="Menlo" charset="0"/>
+                <a:ea typeface="Menlo" charset="0"/>
+                <a:cs typeface="Menlo" charset="0"/>
+              </a:rPr>
+              <a:t>2 . . . . . . . . </a:t>
+            </a:r>
+            <a:endParaRPr lang="de-DE" sz="2400" dirty="0">
+              <a:latin typeface="Menlo" charset="0"/>
+              <a:ea typeface="Menlo" charset="0"/>
+              <a:cs typeface="Menlo" charset="0"/>
+            </a:endParaRPr>
+          </a:p>
+          <a:p>
+            <a:pPr>
+              <a:spcAft>
+                <a:spcPts val="0"/>
+              </a:spcAft>
+            </a:pPr>
+            <a:r>
+              <a:rPr lang="de-DE" sz="2400" dirty="0">
+                <a:solidFill>
+                  <a:srgbClr val="0D0D0D"/>
+                </a:solidFill>
+                <a:latin typeface="Menlo" charset="0"/>
+                <a:ea typeface="Menlo" charset="0"/>
+                <a:cs typeface="Menlo" charset="0"/>
+              </a:rPr>
+              <a:t>1 . . . . . . . . </a:t>
+            </a:r>
+            <a:endParaRPr lang="de-DE" sz="2400" dirty="0">
+              <a:latin typeface="Menlo" charset="0"/>
+              <a:ea typeface="Menlo" charset="0"/>
+              <a:cs typeface="Menlo" charset="0"/>
+            </a:endParaRPr>
+          </a:p>
+          <a:p>
+            <a:pPr>
+              <a:spcAft>
+                <a:spcPts val="0"/>
+              </a:spcAft>
+            </a:pPr>
+            <a:r>
+              <a:rPr lang="de-DE" sz="2400" dirty="0">
+                <a:solidFill>
+                  <a:srgbClr val="0D0D0D"/>
+                </a:solidFill>
+                <a:latin typeface="Menlo" charset="0"/>
+                <a:ea typeface="Menlo" charset="0"/>
+                <a:cs typeface="Menlo" charset="0"/>
+              </a:rPr>
+              <a:t>  A B C D E F G H</a:t>
+            </a:r>
+            <a:endParaRPr lang="de-DE" sz="2400" dirty="0">
+              <a:effectLst/>
+              <a:latin typeface="Menlo" charset="0"/>
+              <a:ea typeface="Menlo" charset="0"/>
+              <a:cs typeface="Menlo" charset="0"/>
+            </a:endParaRPr>
+          </a:p>
+        </p:txBody>
+      </p:sp>
+      <p:sp>
+        <p:nvSpPr>
+          <p:cNvPr id="7" name="Textfeld 6"/>
+          <p:cNvSpPr txBox="1"/>
+          <p:nvPr/>
+        </p:nvSpPr>
+        <p:spPr>
+          <a:xfrm>
+            <a:off x="838200" y="2197299"/>
+            <a:ext cx="6355080" cy="369332"/>
+          </a:xfrm>
+          <a:prstGeom prst="rect">
+            <a:avLst/>
+          </a:prstGeom>
+          <a:noFill/>
+        </p:spPr>
+        <p:txBody>
+          <a:bodyPr wrap="square" rtlCol="0">
+            <a:spAutoFit/>
+          </a:bodyPr>
+          <a:lstStyle/>
+          <a:p>
+            <a:r>
               <a:rPr lang="de-DE" dirty="0" smtClean="0"/>
-              <a:t>Simuliere Spiel (7 Bauern gegen 1 Turm)</a:t>
+              <a:t>Bester Zug für Bauern:</a:t>
+            </a:r>
+          </a:p>
+        </p:txBody>
+      </p:sp>
+      <p:sp>
+        <p:nvSpPr>
+          <p:cNvPr id="8" name="Rechteck 7"/>
+          <p:cNvSpPr/>
+          <p:nvPr/>
+        </p:nvSpPr>
+        <p:spPr>
+          <a:xfrm>
+            <a:off x="838200" y="2566631"/>
+            <a:ext cx="6548438" cy="923330"/>
+          </a:xfrm>
+          <a:prstGeom prst="rect">
+            <a:avLst/>
+          </a:prstGeom>
+        </p:spPr>
+        <p:txBody>
+          <a:bodyPr wrap="square">
+            <a:spAutoFit/>
+          </a:bodyPr>
+          <a:lstStyle/>
+          <a:p>
+            <a:r>
+              <a:rPr lang="de-DE" dirty="0"/>
+              <a:t>H4 </a:t>
+            </a:r>
+            <a:r>
+              <a:rPr lang="mr-IN" dirty="0"/>
+              <a:t>–</a:t>
+            </a:r>
+            <a:r>
+              <a:rPr lang="de-DE" dirty="0"/>
+              <a:t> H5 </a:t>
+            </a:r>
+          </a:p>
+          <a:p>
+            <a:r>
+              <a:rPr lang="de-DE" dirty="0"/>
+              <a:t>-&gt; Zugmöglichkeiten für Turm werden am stärksten </a:t>
+            </a:r>
+            <a:r>
+              <a:rPr lang="de-DE" dirty="0" smtClean="0"/>
+              <a:t>eingeschränkt</a:t>
+            </a:r>
+          </a:p>
+          <a:p>
+            <a:r>
+              <a:rPr lang="de-DE" dirty="0" smtClean="0"/>
+              <a:t>-&gt; Turm kann Bauern-Reihe nicht durchschreiten</a:t>
             </a:r>
             <a:endParaRPr lang="de-DE" dirty="0"/>
           </a:p>
@@ -20500,7 +18912,7 @@
     </p:spTree>
     <p:extLst>
       <p:ext uri="{BB962C8B-B14F-4D97-AF65-F5344CB8AC3E}">
-        <p14:creationId xmlns:p14="http://schemas.microsoft.com/office/powerpoint/2010/main" val="367878258"/>
+        <p14:creationId xmlns:p14="http://schemas.microsoft.com/office/powerpoint/2010/main" val="721921969"/>
       </p:ext>
     </p:extLst>
   </p:cSld>
@@ -20536,7 +18948,7 @@
       </p:grpSpPr>
       <p:sp>
         <p:nvSpPr>
-          <p:cNvPr id="2" name="Titel 1"/>
+          <p:cNvPr id="4" name="Titel 1"/>
           <p:cNvSpPr>
             <a:spLocks noGrp="1"/>
           </p:cNvSpPr>
@@ -20544,7 +18956,12 @@
             <p:ph type="title"/>
           </p:nvPr>
         </p:nvSpPr>
-        <p:spPr/>
+        <p:spPr>
+          <a:xfrm>
+            <a:off x="838200" y="365125"/>
+            <a:ext cx="10515600" cy="1325563"/>
+          </a:xfrm>
+        </p:spPr>
         <p:txBody>
           <a:bodyPr/>
           <a:lstStyle/>
@@ -20559,7 +18976,7 @@
       </p:sp>
       <p:sp>
         <p:nvSpPr>
-          <p:cNvPr id="4" name="Rechteck 3"/>
+          <p:cNvPr id="5" name="Rechteck 4"/>
           <p:cNvSpPr/>
           <p:nvPr/>
         </p:nvSpPr>
@@ -20661,7 +19078,18 @@
                 <a:ea typeface="Menlo" charset="0"/>
                 <a:cs typeface="Menlo" charset="0"/>
               </a:rPr>
-              <a:t>5 . . . . . . . . </a:t>
+              <a:t>5 . . . . . . . ♙</a:t>
+            </a:r>
+            <a:r>
+              <a:rPr lang="de-DE" sz="2400" dirty="0" smtClean="0">
+                <a:solidFill>
+                  <a:srgbClr val="0D0D0D"/>
+                </a:solidFill>
+                <a:latin typeface="Menlo" charset="0"/>
+                <a:ea typeface="Menlo" charset="0"/>
+                <a:cs typeface="Menlo" charset="0"/>
+              </a:rPr>
+              <a:t> </a:t>
             </a:r>
             <a:endParaRPr lang="de-DE" sz="2400" dirty="0">
               <a:latin typeface="Menlo" charset="0"/>
@@ -20684,7 +19112,18 @@
                 <a:ea typeface="Menlo" charset="0"/>
                 <a:cs typeface="Menlo" charset="0"/>
               </a:rPr>
-              <a:t>4 ♙ ♙ ♙ ♙ ♙ ♙ ♙ ♙ </a:t>
+              <a:t>4 ♙ ♙ ♙ ♙ ♙ ♙ </a:t>
+            </a:r>
+            <a:r>
+              <a:rPr lang="de-DE" sz="2400" dirty="0" smtClean="0">
+                <a:solidFill>
+                  <a:srgbClr val="0D0D0D"/>
+                </a:solidFill>
+                <a:latin typeface="Menlo" charset="0"/>
+                <a:ea typeface="Menlo" charset="0"/>
+                <a:cs typeface="Menlo" charset="0"/>
+              </a:rPr>
+              <a:t>♙ .</a:t>
             </a:r>
             <a:endParaRPr lang="de-DE" sz="2400" dirty="0">
               <a:latin typeface="Menlo" charset="0"/>
@@ -20789,7 +19228,7 @@
       </p:sp>
       <p:sp>
         <p:nvSpPr>
-          <p:cNvPr id="5" name="Textfeld 4"/>
+          <p:cNvPr id="6" name="Textfeld 5"/>
           <p:cNvSpPr txBox="1"/>
           <p:nvPr/>
         </p:nvSpPr>
@@ -20811,7 +19250,7 @@
           <a:p>
             <a:r>
               <a:rPr lang="de-DE" dirty="0" smtClean="0"/>
-              <a:t>Bester Zug für Bauern:</a:t>
+              <a:t>Bester Zug für Turm:</a:t>
             </a:r>
           </a:p>
         </p:txBody>
@@ -20819,7 +19258,7 @@
     </p:spTree>
     <p:extLst>
       <p:ext uri="{BB962C8B-B14F-4D97-AF65-F5344CB8AC3E}">
-        <p14:creationId xmlns:p14="http://schemas.microsoft.com/office/powerpoint/2010/main" val="1536913683"/>
+        <p14:creationId xmlns:p14="http://schemas.microsoft.com/office/powerpoint/2010/main" val="370064534"/>
       </p:ext>
     </p:extLst>
   </p:cSld>
@@ -20855,7 +19294,7 @@
       </p:grpSpPr>
       <p:sp>
         <p:nvSpPr>
-          <p:cNvPr id="5" name="Titel 1"/>
+          <p:cNvPr id="4" name="Titel 1"/>
           <p:cNvSpPr>
             <a:spLocks noGrp="1"/>
           </p:cNvSpPr>
@@ -20883,7 +19322,7 @@
       </p:sp>
       <p:sp>
         <p:nvSpPr>
-          <p:cNvPr id="6" name="Rechteck 5"/>
+          <p:cNvPr id="5" name="Rechteck 4"/>
           <p:cNvSpPr/>
           <p:nvPr/>
         </p:nvSpPr>
@@ -20916,7 +19355,40 @@
                 <a:ea typeface="Menlo" charset="0"/>
                 <a:cs typeface="Menlo" charset="0"/>
               </a:rPr>
-              <a:t>8 . . . . . . . ♜ </a:t>
+              <a:t>8 ♜</a:t>
+            </a:r>
+            <a:r>
+              <a:rPr lang="de-DE" sz="2400" dirty="0" smtClean="0">
+                <a:solidFill>
+                  <a:srgbClr val="0D0D0D"/>
+                </a:solidFill>
+                <a:latin typeface="Menlo" charset="0"/>
+                <a:ea typeface="Menlo" charset="0"/>
+                <a:cs typeface="Menlo" charset="0"/>
+              </a:rPr>
+              <a:t> </a:t>
+            </a:r>
+            <a:r>
+              <a:rPr lang="de-DE" sz="2400" dirty="0">
+                <a:solidFill>
+                  <a:srgbClr val="0D0D0D"/>
+                </a:solidFill>
+                <a:latin typeface="Menlo" charset="0"/>
+                <a:ea typeface="Menlo" charset="0"/>
+                <a:cs typeface="Menlo" charset="0"/>
+              </a:rPr>
+              <a:t>. . . . . . </a:t>
+            </a:r>
+            <a:r>
+              <a:rPr lang="de-DE" sz="2400" dirty="0" smtClean="0">
+                <a:solidFill>
+                  <a:srgbClr val="0D0D0D"/>
+                </a:solidFill>
+                <a:latin typeface="Menlo" charset="0"/>
+                <a:ea typeface="Menlo" charset="0"/>
+                <a:cs typeface="Menlo" charset="0"/>
+              </a:rPr>
+              <a:t>.</a:t>
             </a:r>
             <a:endParaRPr lang="de-DE" sz="2400" dirty="0">
               <a:latin typeface="Menlo" charset="0"/>
@@ -21135,7 +19607,7 @@
       </p:sp>
       <p:sp>
         <p:nvSpPr>
-          <p:cNvPr id="7" name="Textfeld 6"/>
+          <p:cNvPr id="6" name="Textfeld 5"/>
           <p:cNvSpPr txBox="1"/>
           <p:nvPr/>
         </p:nvSpPr>
@@ -21157,35 +19629,35 @@
           <a:p>
             <a:r>
               <a:rPr lang="de-DE" dirty="0" smtClean="0"/>
-              <a:t>Bester Zug für Bauern:</a:t>
+              <a:t>Bester Zug für Turm:</a:t>
             </a:r>
           </a:p>
         </p:txBody>
       </p:sp>
       <p:sp>
         <p:nvSpPr>
-          <p:cNvPr id="8" name="Rechteck 7"/>
+          <p:cNvPr id="7" name="Rechteck 6"/>
           <p:cNvSpPr/>
           <p:nvPr/>
         </p:nvSpPr>
         <p:spPr>
           <a:xfrm>
             <a:off x="838200" y="2566631"/>
-            <a:ext cx="6548438" cy="923330"/>
+            <a:ext cx="6096000" cy="923330"/>
           </a:xfrm>
           <a:prstGeom prst="rect">
             <a:avLst/>
           </a:prstGeom>
         </p:spPr>
         <p:txBody>
-          <a:bodyPr wrap="square">
+          <a:bodyPr>
             <a:spAutoFit/>
           </a:bodyPr>
           <a:lstStyle/>
           <a:p>
             <a:r>
-              <a:rPr lang="de-DE" dirty="0"/>
-              <a:t>H4 </a:t>
+              <a:rPr lang="de-DE" dirty="0" smtClean="0"/>
+              <a:t>H8 </a:t>
             </a:r>
             <a:r>
               <a:rPr lang="mr-IN" dirty="0"/>
@@ -21193,23 +19665,22 @@
             </a:r>
             <a:r>
               <a:rPr lang="de-DE" dirty="0"/>
-              <a:t> H5 </a:t>
-            </a:r>
+              <a:t> </a:t>
+            </a:r>
+            <a:r>
+              <a:rPr lang="de-DE" dirty="0" smtClean="0"/>
+              <a:t>(A8, B8, C8, D8, E8, F8, G8)</a:t>
+            </a:r>
+            <a:endParaRPr lang="de-DE" dirty="0"/>
           </a:p>
           <a:p>
             <a:r>
               <a:rPr lang="de-DE" dirty="0"/>
-              <a:t>-&gt; Zugmöglichkeiten für Turm werden am stärksten </a:t>
+              <a:t>-&gt; </a:t>
             </a:r>
             <a:r>
               <a:rPr lang="de-DE" dirty="0" smtClean="0"/>
-              <a:t>eingeschränkt</a:t>
-            </a:r>
-          </a:p>
-          <a:p>
-            <a:r>
-              <a:rPr lang="de-DE" dirty="0" smtClean="0"/>
-              <a:t>-&gt; Turm kann Bauern-Reihe nicht durchschreiten</a:t>
+              <a:t>Turm wählt Zug, der ihm möglichst viele Zugmöglichkeiten verschafft</a:t>
             </a:r>
             <a:endParaRPr lang="de-DE" dirty="0"/>
           </a:p>
@@ -21218,7 +19689,7 @@
     </p:spTree>
     <p:extLst>
       <p:ext uri="{BB962C8B-B14F-4D97-AF65-F5344CB8AC3E}">
-        <p14:creationId xmlns:p14="http://schemas.microsoft.com/office/powerpoint/2010/main" val="721921969"/>
+        <p14:creationId xmlns:p14="http://schemas.microsoft.com/office/powerpoint/2010/main" val="294974368"/>
       </p:ext>
     </p:extLst>
   </p:cSld>
@@ -21254,7 +19725,7 @@
       </p:grpSpPr>
       <p:sp>
         <p:nvSpPr>
-          <p:cNvPr id="4" name="Titel 1"/>
+          <p:cNvPr id="2" name="Titel 1"/>
           <p:cNvSpPr>
             <a:spLocks noGrp="1"/>
           </p:cNvSpPr>
@@ -21262,740 +19733,23 @@
             <p:ph type="title"/>
           </p:nvPr>
         </p:nvSpPr>
-        <p:spPr>
-          <a:xfrm>
-            <a:off x="838200" y="365125"/>
-            <a:ext cx="10515600" cy="1325563"/>
-          </a:xfrm>
-        </p:spPr>
+        <p:spPr/>
         <p:txBody>
           <a:bodyPr/>
           <a:lstStyle/>
           <a:p>
             <a:r>
               <a:rPr lang="de-DE" dirty="0" smtClean="0"/>
-              <a:t>Bauernopfer / Lösungsidee</a:t>
+              <a:t>Bauernopfer / Beispiel</a:t>
             </a:r>
             <a:endParaRPr lang="de-DE" dirty="0"/>
-          </a:p>
-        </p:txBody>
-      </p:sp>
-      <p:sp>
-        <p:nvSpPr>
-          <p:cNvPr id="5" name="Rechteck 4"/>
-          <p:cNvSpPr/>
-          <p:nvPr/>
-        </p:nvSpPr>
-        <p:spPr>
-          <a:xfrm>
-            <a:off x="7970520" y="2197299"/>
-            <a:ext cx="3383280" cy="3416320"/>
-          </a:xfrm>
-          <a:prstGeom prst="rect">
-            <a:avLst/>
-          </a:prstGeom>
-        </p:spPr>
-        <p:txBody>
-          <a:bodyPr wrap="square">
-            <a:spAutoFit/>
-          </a:bodyPr>
-          <a:lstStyle/>
-          <a:p>
-            <a:pPr>
-              <a:spcAft>
-                <a:spcPts val="0"/>
-              </a:spcAft>
-            </a:pPr>
-            <a:r>
-              <a:rPr lang="de-DE" sz="2400" dirty="0">
-                <a:solidFill>
-                  <a:srgbClr val="0D0D0D"/>
-                </a:solidFill>
-                <a:latin typeface="Menlo" charset="0"/>
-                <a:ea typeface="Menlo" charset="0"/>
-                <a:cs typeface="Menlo" charset="0"/>
-              </a:rPr>
-              <a:t>8 . . . . . . . ♜ </a:t>
-            </a:r>
-            <a:endParaRPr lang="de-DE" sz="2400" dirty="0">
-              <a:latin typeface="Menlo" charset="0"/>
-              <a:ea typeface="Menlo" charset="0"/>
-              <a:cs typeface="Menlo" charset="0"/>
-            </a:endParaRPr>
-          </a:p>
-          <a:p>
-            <a:pPr>
-              <a:spcAft>
-                <a:spcPts val="0"/>
-              </a:spcAft>
-            </a:pPr>
-            <a:r>
-              <a:rPr lang="de-DE" sz="2400" dirty="0">
-                <a:solidFill>
-                  <a:srgbClr val="0D0D0D"/>
-                </a:solidFill>
-                <a:latin typeface="Menlo" charset="0"/>
-                <a:ea typeface="Menlo" charset="0"/>
-                <a:cs typeface="Menlo" charset="0"/>
-              </a:rPr>
-              <a:t>7 . . . . . . . . </a:t>
-            </a:r>
-            <a:endParaRPr lang="de-DE" sz="2400" dirty="0">
-              <a:latin typeface="Menlo" charset="0"/>
-              <a:ea typeface="Menlo" charset="0"/>
-              <a:cs typeface="Menlo" charset="0"/>
-            </a:endParaRPr>
-          </a:p>
-          <a:p>
-            <a:pPr>
-              <a:spcAft>
-                <a:spcPts val="0"/>
-              </a:spcAft>
-            </a:pPr>
-            <a:r>
-              <a:rPr lang="de-DE" sz="2400" dirty="0">
-                <a:solidFill>
-                  <a:srgbClr val="0D0D0D"/>
-                </a:solidFill>
-                <a:latin typeface="Menlo" charset="0"/>
-                <a:ea typeface="Menlo" charset="0"/>
-                <a:cs typeface="Menlo" charset="0"/>
-              </a:rPr>
-              <a:t>6 . . . . . . . . </a:t>
-            </a:r>
-            <a:endParaRPr lang="de-DE" sz="2400" dirty="0">
-              <a:latin typeface="Menlo" charset="0"/>
-              <a:ea typeface="Menlo" charset="0"/>
-              <a:cs typeface="Menlo" charset="0"/>
-            </a:endParaRPr>
-          </a:p>
-          <a:p>
-            <a:pPr>
-              <a:spcAft>
-                <a:spcPts val="0"/>
-              </a:spcAft>
-            </a:pPr>
-            <a:r>
-              <a:rPr lang="de-DE" sz="2400" dirty="0">
-                <a:solidFill>
-                  <a:srgbClr val="0D0D0D"/>
-                </a:solidFill>
-                <a:latin typeface="Menlo" charset="0"/>
-                <a:ea typeface="Menlo" charset="0"/>
-                <a:cs typeface="Menlo" charset="0"/>
-              </a:rPr>
-              <a:t>5 . . . . . . . ♙</a:t>
-            </a:r>
-            <a:r>
-              <a:rPr lang="de-DE" sz="2400" dirty="0" smtClean="0">
-                <a:solidFill>
-                  <a:srgbClr val="0D0D0D"/>
-                </a:solidFill>
-                <a:latin typeface="Menlo" charset="0"/>
-                <a:ea typeface="Menlo" charset="0"/>
-                <a:cs typeface="Menlo" charset="0"/>
-              </a:rPr>
-              <a:t> </a:t>
-            </a:r>
-            <a:endParaRPr lang="de-DE" sz="2400" dirty="0">
-              <a:latin typeface="Menlo" charset="0"/>
-              <a:ea typeface="Menlo" charset="0"/>
-              <a:cs typeface="Menlo" charset="0"/>
-            </a:endParaRPr>
-          </a:p>
-          <a:p>
-            <a:pPr>
-              <a:spcAft>
-                <a:spcPts val="0"/>
-              </a:spcAft>
-            </a:pPr>
-            <a:r>
-              <a:rPr lang="de-DE" sz="2400" dirty="0">
-                <a:solidFill>
-                  <a:srgbClr val="0D0D0D"/>
-                </a:solidFill>
-                <a:latin typeface="Menlo" charset="0"/>
-                <a:ea typeface="Menlo" charset="0"/>
-                <a:cs typeface="Menlo" charset="0"/>
-              </a:rPr>
-              <a:t>4 ♙ ♙ ♙ ♙ ♙ ♙ </a:t>
-            </a:r>
-            <a:r>
-              <a:rPr lang="de-DE" sz="2400" dirty="0" smtClean="0">
-                <a:solidFill>
-                  <a:srgbClr val="0D0D0D"/>
-                </a:solidFill>
-                <a:latin typeface="Menlo" charset="0"/>
-                <a:ea typeface="Menlo" charset="0"/>
-                <a:cs typeface="Menlo" charset="0"/>
-              </a:rPr>
-              <a:t>♙ .</a:t>
-            </a:r>
-            <a:endParaRPr lang="de-DE" sz="2400" dirty="0">
-              <a:latin typeface="Menlo" charset="0"/>
-              <a:ea typeface="Menlo" charset="0"/>
-              <a:cs typeface="Menlo" charset="0"/>
-            </a:endParaRPr>
-          </a:p>
-          <a:p>
-            <a:pPr>
-              <a:spcAft>
-                <a:spcPts val="0"/>
-              </a:spcAft>
-            </a:pPr>
-            <a:r>
-              <a:rPr lang="de-DE" sz="2400" dirty="0">
-                <a:solidFill>
-                  <a:srgbClr val="0D0D0D"/>
-                </a:solidFill>
-                <a:latin typeface="Menlo" charset="0"/>
-                <a:ea typeface="Menlo" charset="0"/>
-                <a:cs typeface="Menlo" charset="0"/>
-              </a:rPr>
-              <a:t>3 . . . . . . . . </a:t>
-            </a:r>
-            <a:endParaRPr lang="de-DE" sz="2400" dirty="0">
-              <a:latin typeface="Menlo" charset="0"/>
-              <a:ea typeface="Menlo" charset="0"/>
-              <a:cs typeface="Menlo" charset="0"/>
-            </a:endParaRPr>
-          </a:p>
-          <a:p>
-            <a:pPr>
-              <a:spcAft>
-                <a:spcPts val="0"/>
-              </a:spcAft>
-            </a:pPr>
-            <a:r>
-              <a:rPr lang="de-DE" sz="2400" dirty="0">
-                <a:solidFill>
-                  <a:srgbClr val="0D0D0D"/>
-                </a:solidFill>
-                <a:latin typeface="Menlo" charset="0"/>
-                <a:ea typeface="Menlo" charset="0"/>
-                <a:cs typeface="Menlo" charset="0"/>
-              </a:rPr>
-              <a:t>2 . . . . . . . . </a:t>
-            </a:r>
-            <a:endParaRPr lang="de-DE" sz="2400" dirty="0">
-              <a:latin typeface="Menlo" charset="0"/>
-              <a:ea typeface="Menlo" charset="0"/>
-              <a:cs typeface="Menlo" charset="0"/>
-            </a:endParaRPr>
-          </a:p>
-          <a:p>
-            <a:pPr>
-              <a:spcAft>
-                <a:spcPts val="0"/>
-              </a:spcAft>
-            </a:pPr>
-            <a:r>
-              <a:rPr lang="de-DE" sz="2400" dirty="0">
-                <a:solidFill>
-                  <a:srgbClr val="0D0D0D"/>
-                </a:solidFill>
-                <a:latin typeface="Menlo" charset="0"/>
-                <a:ea typeface="Menlo" charset="0"/>
-                <a:cs typeface="Menlo" charset="0"/>
-              </a:rPr>
-              <a:t>1 . . . . . . . . </a:t>
-            </a:r>
-            <a:endParaRPr lang="de-DE" sz="2400" dirty="0">
-              <a:latin typeface="Menlo" charset="0"/>
-              <a:ea typeface="Menlo" charset="0"/>
-              <a:cs typeface="Menlo" charset="0"/>
-            </a:endParaRPr>
-          </a:p>
-          <a:p>
-            <a:pPr>
-              <a:spcAft>
-                <a:spcPts val="0"/>
-              </a:spcAft>
-            </a:pPr>
-            <a:r>
-              <a:rPr lang="de-DE" sz="2400" dirty="0">
-                <a:solidFill>
-                  <a:srgbClr val="0D0D0D"/>
-                </a:solidFill>
-                <a:latin typeface="Menlo" charset="0"/>
-                <a:ea typeface="Menlo" charset="0"/>
-                <a:cs typeface="Menlo" charset="0"/>
-              </a:rPr>
-              <a:t>  A B C D E F G H</a:t>
-            </a:r>
-            <a:endParaRPr lang="de-DE" sz="2400" dirty="0">
-              <a:effectLst/>
-              <a:latin typeface="Menlo" charset="0"/>
-              <a:ea typeface="Menlo" charset="0"/>
-              <a:cs typeface="Menlo" charset="0"/>
-            </a:endParaRPr>
-          </a:p>
-        </p:txBody>
-      </p:sp>
-      <p:sp>
-        <p:nvSpPr>
-          <p:cNvPr id="6" name="Textfeld 5"/>
-          <p:cNvSpPr txBox="1"/>
-          <p:nvPr/>
-        </p:nvSpPr>
-        <p:spPr>
-          <a:xfrm>
-            <a:off x="838200" y="2197299"/>
-            <a:ext cx="6355080" cy="369332"/>
-          </a:xfrm>
-          <a:prstGeom prst="rect">
-            <a:avLst/>
-          </a:prstGeom>
-          <a:noFill/>
-        </p:spPr>
-        <p:txBody>
-          <a:bodyPr wrap="square" rtlCol="0">
-            <a:spAutoFit/>
-          </a:bodyPr>
-          <a:lstStyle/>
-          <a:p>
-            <a:r>
-              <a:rPr lang="de-DE" dirty="0" smtClean="0"/>
-              <a:t>Bester Zug für Turm:</a:t>
-            </a:r>
           </a:p>
         </p:txBody>
       </p:sp>
     </p:spTree>
     <p:extLst>
       <p:ext uri="{BB962C8B-B14F-4D97-AF65-F5344CB8AC3E}">
-        <p14:creationId xmlns:p14="http://schemas.microsoft.com/office/powerpoint/2010/main" val="370064534"/>
-      </p:ext>
-    </p:extLst>
-  </p:cSld>
-  <p:clrMapOvr>
-    <a:masterClrMapping/>
-  </p:clrMapOvr>
-  <p:timing>
-    <p:tnLst>
-      <p:par>
-        <p:cTn id="1" dur="indefinite" restart="never" nodeType="tmRoot"/>
-      </p:par>
-    </p:tnLst>
-  </p:timing>
-</p:sld>
-</file>
-
-<file path=ppt/slides/slide29.xml><?xml version="1.0" encoding="utf-8"?>
-<p:sld xmlns:a="http://schemas.openxmlformats.org/drawingml/2006/main" xmlns:r="http://schemas.openxmlformats.org/officeDocument/2006/relationships" xmlns:p="http://schemas.openxmlformats.org/presentationml/2006/main">
-  <p:cSld>
-    <p:spTree>
-      <p:nvGrpSpPr>
-        <p:cNvPr id="1" name=""/>
-        <p:cNvGrpSpPr/>
-        <p:nvPr/>
-      </p:nvGrpSpPr>
-      <p:grpSpPr>
-        <a:xfrm>
-          <a:off x="0" y="0"/>
-          <a:ext cx="0" cy="0"/>
-          <a:chOff x="0" y="0"/>
-          <a:chExt cx="0" cy="0"/>
-        </a:xfrm>
-      </p:grpSpPr>
-      <p:sp>
-        <p:nvSpPr>
-          <p:cNvPr id="4" name="Titel 1"/>
-          <p:cNvSpPr>
-            <a:spLocks noGrp="1"/>
-          </p:cNvSpPr>
-          <p:nvPr>
-            <p:ph type="title"/>
-          </p:nvPr>
-        </p:nvSpPr>
-        <p:spPr>
-          <a:xfrm>
-            <a:off x="838200" y="365125"/>
-            <a:ext cx="10515600" cy="1325563"/>
-          </a:xfrm>
-        </p:spPr>
-        <p:txBody>
-          <a:bodyPr/>
-          <a:lstStyle/>
-          <a:p>
-            <a:r>
-              <a:rPr lang="de-DE" dirty="0" smtClean="0"/>
-              <a:t>Bauernopfer / Lösungsidee</a:t>
-            </a:r>
-            <a:endParaRPr lang="de-DE" dirty="0"/>
-          </a:p>
-        </p:txBody>
-      </p:sp>
-      <p:sp>
-        <p:nvSpPr>
-          <p:cNvPr id="5" name="Rechteck 4"/>
-          <p:cNvSpPr/>
-          <p:nvPr/>
-        </p:nvSpPr>
-        <p:spPr>
-          <a:xfrm>
-            <a:off x="7970520" y="2197299"/>
-            <a:ext cx="3383280" cy="3416320"/>
-          </a:xfrm>
-          <a:prstGeom prst="rect">
-            <a:avLst/>
-          </a:prstGeom>
-        </p:spPr>
-        <p:txBody>
-          <a:bodyPr wrap="square">
-            <a:spAutoFit/>
-          </a:bodyPr>
-          <a:lstStyle/>
-          <a:p>
-            <a:pPr>
-              <a:spcAft>
-                <a:spcPts val="0"/>
-              </a:spcAft>
-            </a:pPr>
-            <a:r>
-              <a:rPr lang="de-DE" sz="2400" dirty="0">
-                <a:solidFill>
-                  <a:srgbClr val="0D0D0D"/>
-                </a:solidFill>
-                <a:latin typeface="Menlo" charset="0"/>
-                <a:ea typeface="Menlo" charset="0"/>
-                <a:cs typeface="Menlo" charset="0"/>
-              </a:rPr>
-              <a:t>8 ♜</a:t>
-            </a:r>
-            <a:r>
-              <a:rPr lang="de-DE" sz="2400" dirty="0" smtClean="0">
-                <a:solidFill>
-                  <a:srgbClr val="0D0D0D"/>
-                </a:solidFill>
-                <a:latin typeface="Menlo" charset="0"/>
-                <a:ea typeface="Menlo" charset="0"/>
-                <a:cs typeface="Menlo" charset="0"/>
-              </a:rPr>
-              <a:t> </a:t>
-            </a:r>
-            <a:r>
-              <a:rPr lang="de-DE" sz="2400" dirty="0">
-                <a:solidFill>
-                  <a:srgbClr val="0D0D0D"/>
-                </a:solidFill>
-                <a:latin typeface="Menlo" charset="0"/>
-                <a:ea typeface="Menlo" charset="0"/>
-                <a:cs typeface="Menlo" charset="0"/>
-              </a:rPr>
-              <a:t>. . . . . . </a:t>
-            </a:r>
-            <a:r>
-              <a:rPr lang="de-DE" sz="2400" dirty="0" smtClean="0">
-                <a:solidFill>
-                  <a:srgbClr val="0D0D0D"/>
-                </a:solidFill>
-                <a:latin typeface="Menlo" charset="0"/>
-                <a:ea typeface="Menlo" charset="0"/>
-                <a:cs typeface="Menlo" charset="0"/>
-              </a:rPr>
-              <a:t>.</a:t>
-            </a:r>
-            <a:endParaRPr lang="de-DE" sz="2400" dirty="0">
-              <a:latin typeface="Menlo" charset="0"/>
-              <a:ea typeface="Menlo" charset="0"/>
-              <a:cs typeface="Menlo" charset="0"/>
-            </a:endParaRPr>
-          </a:p>
-          <a:p>
-            <a:pPr>
-              <a:spcAft>
-                <a:spcPts val="0"/>
-              </a:spcAft>
-            </a:pPr>
-            <a:r>
-              <a:rPr lang="de-DE" sz="2400" dirty="0">
-                <a:solidFill>
-                  <a:srgbClr val="0D0D0D"/>
-                </a:solidFill>
-                <a:latin typeface="Menlo" charset="0"/>
-                <a:ea typeface="Menlo" charset="0"/>
-                <a:cs typeface="Menlo" charset="0"/>
-              </a:rPr>
-              <a:t>7 . . . . . . . . </a:t>
-            </a:r>
-            <a:endParaRPr lang="de-DE" sz="2400" dirty="0">
-              <a:latin typeface="Menlo" charset="0"/>
-              <a:ea typeface="Menlo" charset="0"/>
-              <a:cs typeface="Menlo" charset="0"/>
-            </a:endParaRPr>
-          </a:p>
-          <a:p>
-            <a:pPr>
-              <a:spcAft>
-                <a:spcPts val="0"/>
-              </a:spcAft>
-            </a:pPr>
-            <a:r>
-              <a:rPr lang="de-DE" sz="2400" dirty="0">
-                <a:solidFill>
-                  <a:srgbClr val="0D0D0D"/>
-                </a:solidFill>
-                <a:latin typeface="Menlo" charset="0"/>
-                <a:ea typeface="Menlo" charset="0"/>
-                <a:cs typeface="Menlo" charset="0"/>
-              </a:rPr>
-              <a:t>6 . . . . . . . . </a:t>
-            </a:r>
-            <a:endParaRPr lang="de-DE" sz="2400" dirty="0">
-              <a:latin typeface="Menlo" charset="0"/>
-              <a:ea typeface="Menlo" charset="0"/>
-              <a:cs typeface="Menlo" charset="0"/>
-            </a:endParaRPr>
-          </a:p>
-          <a:p>
-            <a:pPr>
-              <a:spcAft>
-                <a:spcPts val="0"/>
-              </a:spcAft>
-            </a:pPr>
-            <a:r>
-              <a:rPr lang="de-DE" sz="2400" dirty="0">
-                <a:solidFill>
-                  <a:srgbClr val="0D0D0D"/>
-                </a:solidFill>
-                <a:latin typeface="Menlo" charset="0"/>
-                <a:ea typeface="Menlo" charset="0"/>
-                <a:cs typeface="Menlo" charset="0"/>
-              </a:rPr>
-              <a:t>5 . . . . . . . ♙</a:t>
-            </a:r>
-            <a:r>
-              <a:rPr lang="de-DE" sz="2400" dirty="0" smtClean="0">
-                <a:solidFill>
-                  <a:srgbClr val="0D0D0D"/>
-                </a:solidFill>
-                <a:latin typeface="Menlo" charset="0"/>
-                <a:ea typeface="Menlo" charset="0"/>
-                <a:cs typeface="Menlo" charset="0"/>
-              </a:rPr>
-              <a:t> </a:t>
-            </a:r>
-            <a:endParaRPr lang="de-DE" sz="2400" dirty="0">
-              <a:latin typeface="Menlo" charset="0"/>
-              <a:ea typeface="Menlo" charset="0"/>
-              <a:cs typeface="Menlo" charset="0"/>
-            </a:endParaRPr>
-          </a:p>
-          <a:p>
-            <a:pPr>
-              <a:spcAft>
-                <a:spcPts val="0"/>
-              </a:spcAft>
-            </a:pPr>
-            <a:r>
-              <a:rPr lang="de-DE" sz="2400" dirty="0">
-                <a:solidFill>
-                  <a:srgbClr val="0D0D0D"/>
-                </a:solidFill>
-                <a:latin typeface="Menlo" charset="0"/>
-                <a:ea typeface="Menlo" charset="0"/>
-                <a:cs typeface="Menlo" charset="0"/>
-              </a:rPr>
-              <a:t>4 ♙ ♙ ♙ ♙ ♙ ♙ </a:t>
-            </a:r>
-            <a:r>
-              <a:rPr lang="de-DE" sz="2400" dirty="0" smtClean="0">
-                <a:solidFill>
-                  <a:srgbClr val="0D0D0D"/>
-                </a:solidFill>
-                <a:latin typeface="Menlo" charset="0"/>
-                <a:ea typeface="Menlo" charset="0"/>
-                <a:cs typeface="Menlo" charset="0"/>
-              </a:rPr>
-              <a:t>♙ .</a:t>
-            </a:r>
-            <a:endParaRPr lang="de-DE" sz="2400" dirty="0">
-              <a:latin typeface="Menlo" charset="0"/>
-              <a:ea typeface="Menlo" charset="0"/>
-              <a:cs typeface="Menlo" charset="0"/>
-            </a:endParaRPr>
-          </a:p>
-          <a:p>
-            <a:pPr>
-              <a:spcAft>
-                <a:spcPts val="0"/>
-              </a:spcAft>
-            </a:pPr>
-            <a:r>
-              <a:rPr lang="de-DE" sz="2400" dirty="0">
-                <a:solidFill>
-                  <a:srgbClr val="0D0D0D"/>
-                </a:solidFill>
-                <a:latin typeface="Menlo" charset="0"/>
-                <a:ea typeface="Menlo" charset="0"/>
-                <a:cs typeface="Menlo" charset="0"/>
-              </a:rPr>
-              <a:t>3 . . . . . . . . </a:t>
-            </a:r>
-            <a:endParaRPr lang="de-DE" sz="2400" dirty="0">
-              <a:latin typeface="Menlo" charset="0"/>
-              <a:ea typeface="Menlo" charset="0"/>
-              <a:cs typeface="Menlo" charset="0"/>
-            </a:endParaRPr>
-          </a:p>
-          <a:p>
-            <a:pPr>
-              <a:spcAft>
-                <a:spcPts val="0"/>
-              </a:spcAft>
-            </a:pPr>
-            <a:r>
-              <a:rPr lang="de-DE" sz="2400" dirty="0">
-                <a:solidFill>
-                  <a:srgbClr val="0D0D0D"/>
-                </a:solidFill>
-                <a:latin typeface="Menlo" charset="0"/>
-                <a:ea typeface="Menlo" charset="0"/>
-                <a:cs typeface="Menlo" charset="0"/>
-              </a:rPr>
-              <a:t>2 . . . . . . . . </a:t>
-            </a:r>
-            <a:endParaRPr lang="de-DE" sz="2400" dirty="0">
-              <a:latin typeface="Menlo" charset="0"/>
-              <a:ea typeface="Menlo" charset="0"/>
-              <a:cs typeface="Menlo" charset="0"/>
-            </a:endParaRPr>
-          </a:p>
-          <a:p>
-            <a:pPr>
-              <a:spcAft>
-                <a:spcPts val="0"/>
-              </a:spcAft>
-            </a:pPr>
-            <a:r>
-              <a:rPr lang="de-DE" sz="2400" dirty="0">
-                <a:solidFill>
-                  <a:srgbClr val="0D0D0D"/>
-                </a:solidFill>
-                <a:latin typeface="Menlo" charset="0"/>
-                <a:ea typeface="Menlo" charset="0"/>
-                <a:cs typeface="Menlo" charset="0"/>
-              </a:rPr>
-              <a:t>1 . . . . . . . . </a:t>
-            </a:r>
-            <a:endParaRPr lang="de-DE" sz="2400" dirty="0">
-              <a:latin typeface="Menlo" charset="0"/>
-              <a:ea typeface="Menlo" charset="0"/>
-              <a:cs typeface="Menlo" charset="0"/>
-            </a:endParaRPr>
-          </a:p>
-          <a:p>
-            <a:pPr>
-              <a:spcAft>
-                <a:spcPts val="0"/>
-              </a:spcAft>
-            </a:pPr>
-            <a:r>
-              <a:rPr lang="de-DE" sz="2400" dirty="0">
-                <a:solidFill>
-                  <a:srgbClr val="0D0D0D"/>
-                </a:solidFill>
-                <a:latin typeface="Menlo" charset="0"/>
-                <a:ea typeface="Menlo" charset="0"/>
-                <a:cs typeface="Menlo" charset="0"/>
-              </a:rPr>
-              <a:t>  A B C D E F G H</a:t>
-            </a:r>
-            <a:endParaRPr lang="de-DE" sz="2400" dirty="0">
-              <a:effectLst/>
-              <a:latin typeface="Menlo" charset="0"/>
-              <a:ea typeface="Menlo" charset="0"/>
-              <a:cs typeface="Menlo" charset="0"/>
-            </a:endParaRPr>
-          </a:p>
-        </p:txBody>
-      </p:sp>
-      <p:sp>
-        <p:nvSpPr>
-          <p:cNvPr id="6" name="Textfeld 5"/>
-          <p:cNvSpPr txBox="1"/>
-          <p:nvPr/>
-        </p:nvSpPr>
-        <p:spPr>
-          <a:xfrm>
-            <a:off x="838200" y="2197299"/>
-            <a:ext cx="6355080" cy="369332"/>
-          </a:xfrm>
-          <a:prstGeom prst="rect">
-            <a:avLst/>
-          </a:prstGeom>
-          <a:noFill/>
-        </p:spPr>
-        <p:txBody>
-          <a:bodyPr wrap="square" rtlCol="0">
-            <a:spAutoFit/>
-          </a:bodyPr>
-          <a:lstStyle/>
-          <a:p>
-            <a:r>
-              <a:rPr lang="de-DE" dirty="0" smtClean="0"/>
-              <a:t>Bester Zug für Turm:</a:t>
-            </a:r>
-          </a:p>
-        </p:txBody>
-      </p:sp>
-      <p:sp>
-        <p:nvSpPr>
-          <p:cNvPr id="7" name="Rechteck 6"/>
-          <p:cNvSpPr/>
-          <p:nvPr/>
-        </p:nvSpPr>
-        <p:spPr>
-          <a:xfrm>
-            <a:off x="838200" y="2566631"/>
-            <a:ext cx="6096000" cy="923330"/>
-          </a:xfrm>
-          <a:prstGeom prst="rect">
-            <a:avLst/>
-          </a:prstGeom>
-        </p:spPr>
-        <p:txBody>
-          <a:bodyPr>
-            <a:spAutoFit/>
-          </a:bodyPr>
-          <a:lstStyle/>
-          <a:p>
-            <a:r>
-              <a:rPr lang="de-DE" dirty="0" smtClean="0"/>
-              <a:t>H8 </a:t>
-            </a:r>
-            <a:r>
-              <a:rPr lang="mr-IN" dirty="0"/>
-              <a:t>–</a:t>
-            </a:r>
-            <a:r>
-              <a:rPr lang="de-DE" dirty="0"/>
-              <a:t> </a:t>
-            </a:r>
-            <a:r>
-              <a:rPr lang="de-DE" dirty="0" smtClean="0"/>
-              <a:t>(A8, B8, C8, D8, E8, F8, G8)</a:t>
-            </a:r>
-            <a:endParaRPr lang="de-DE" dirty="0"/>
-          </a:p>
-          <a:p>
-            <a:r>
-              <a:rPr lang="de-DE" dirty="0"/>
-              <a:t>-&gt; </a:t>
-            </a:r>
-            <a:r>
-              <a:rPr lang="de-DE" dirty="0" smtClean="0"/>
-              <a:t>Turm wählt Zug, der ihm möglichst viele Zugmöglichkeiten verschafft</a:t>
-            </a:r>
-            <a:endParaRPr lang="de-DE" dirty="0"/>
-          </a:p>
-        </p:txBody>
-      </p:sp>
-    </p:spTree>
-    <p:extLst>
-      <p:ext uri="{BB962C8B-B14F-4D97-AF65-F5344CB8AC3E}">
-        <p14:creationId xmlns:p14="http://schemas.microsoft.com/office/powerpoint/2010/main" val="294974368"/>
+        <p14:creationId xmlns:p14="http://schemas.microsoft.com/office/powerpoint/2010/main" val="460849181"/>
       </p:ext>
     </p:extLst>
   </p:cSld>
@@ -22862,66 +20616,6 @@
     <p:extLst>
       <p:ext uri="{BB962C8B-B14F-4D97-AF65-F5344CB8AC3E}">
         <p14:creationId xmlns:p14="http://schemas.microsoft.com/office/powerpoint/2010/main" val="914072088"/>
-      </p:ext>
-    </p:extLst>
-  </p:cSld>
-  <p:clrMapOvr>
-    <a:masterClrMapping/>
-  </p:clrMapOvr>
-  <p:timing>
-    <p:tnLst>
-      <p:par>
-        <p:cTn id="1" dur="indefinite" restart="never" nodeType="tmRoot"/>
-      </p:par>
-    </p:tnLst>
-  </p:timing>
-</p:sld>
-</file>
-
-<file path=ppt/slides/slide30.xml><?xml version="1.0" encoding="utf-8"?>
-<p:sld xmlns:a="http://schemas.openxmlformats.org/drawingml/2006/main" xmlns:r="http://schemas.openxmlformats.org/officeDocument/2006/relationships" xmlns:p="http://schemas.openxmlformats.org/presentationml/2006/main">
-  <p:cSld>
-    <p:spTree>
-      <p:nvGrpSpPr>
-        <p:cNvPr id="1" name=""/>
-        <p:cNvGrpSpPr/>
-        <p:nvPr/>
-      </p:nvGrpSpPr>
-      <p:grpSpPr>
-        <a:xfrm>
-          <a:off x="0" y="0"/>
-          <a:ext cx="0" cy="0"/>
-          <a:chOff x="0" y="0"/>
-          <a:chExt cx="0" cy="0"/>
-        </a:xfrm>
-      </p:grpSpPr>
-      <p:sp>
-        <p:nvSpPr>
-          <p:cNvPr id="2" name="Titel 1"/>
-          <p:cNvSpPr>
-            <a:spLocks noGrp="1"/>
-          </p:cNvSpPr>
-          <p:nvPr>
-            <p:ph type="title"/>
-          </p:nvPr>
-        </p:nvSpPr>
-        <p:spPr/>
-        <p:txBody>
-          <a:bodyPr/>
-          <a:lstStyle/>
-          <a:p>
-            <a:r>
-              <a:rPr lang="de-DE" dirty="0" smtClean="0"/>
-              <a:t>Bauernopfer / Beispiel</a:t>
-            </a:r>
-            <a:endParaRPr lang="de-DE" dirty="0"/>
-          </a:p>
-        </p:txBody>
-      </p:sp>
-    </p:spTree>
-    <p:extLst>
-      <p:ext uri="{BB962C8B-B14F-4D97-AF65-F5344CB8AC3E}">
-        <p14:creationId xmlns:p14="http://schemas.microsoft.com/office/powerpoint/2010/main" val="460849181"/>
       </p:ext>
     </p:extLst>
   </p:cSld>
@@ -26673,1142 +24367,6 @@
       </p:sp>
       <p:sp>
         <p:nvSpPr>
-          <p:cNvPr id="4" name="Rechteck 3"/>
-          <p:cNvSpPr/>
-          <p:nvPr/>
-        </p:nvSpPr>
-        <p:spPr>
-          <a:xfrm>
-            <a:off x="838200" y="2230523"/>
-            <a:ext cx="10053577" cy="3693319"/>
-          </a:xfrm>
-          <a:prstGeom prst="rect">
-            <a:avLst/>
-          </a:prstGeom>
-        </p:spPr>
-        <p:txBody>
-          <a:bodyPr wrap="square">
-            <a:spAutoFit/>
-          </a:bodyPr>
-          <a:lstStyle/>
-          <a:p>
-            <a:r>
-              <a:rPr lang="mr-IN" b="1" dirty="0">
-                <a:solidFill>
-                  <a:srgbClr val="000080"/>
-                </a:solidFill>
-                <a:latin typeface="Menlo" charset="0"/>
-                <a:ea typeface="Menlo" charset="0"/>
-                <a:cs typeface="Menlo" charset="0"/>
-              </a:rPr>
-              <a:t>def </a:t>
-            </a:r>
-            <a:r>
-              <a:rPr lang="mr-IN" dirty="0" err="1" smtClean="0">
-                <a:latin typeface="Menlo" charset="0"/>
-                <a:ea typeface="Menlo" charset="0"/>
-                <a:cs typeface="Menlo" charset="0"/>
-              </a:rPr>
-              <a:t>create_matrix</a:t>
-            </a:r>
-            <a:r>
-              <a:rPr lang="mr-IN" dirty="0" smtClean="0">
-                <a:latin typeface="Menlo" charset="0"/>
-                <a:ea typeface="Menlo" charset="0"/>
-                <a:cs typeface="Menlo" charset="0"/>
-              </a:rPr>
-              <a:t>(</a:t>
-            </a:r>
-            <a:r>
-              <a:rPr lang="mr-IN" dirty="0" err="1" smtClean="0">
-                <a:latin typeface="Menlo" charset="0"/>
-                <a:ea typeface="Menlo" charset="0"/>
-                <a:cs typeface="Menlo" charset="0"/>
-              </a:rPr>
-              <a:t>l</a:t>
-            </a:r>
-            <a:r>
-              <a:rPr lang="en-US" dirty="0" err="1" smtClean="0">
-                <a:latin typeface="Menlo" charset="0"/>
-                <a:ea typeface="Menlo" charset="0"/>
-                <a:cs typeface="Menlo" charset="0"/>
-              </a:rPr>
-              <a:t>st</a:t>
-            </a:r>
-            <a:r>
-              <a:rPr lang="mr-IN" dirty="0" smtClean="0">
-                <a:latin typeface="Menlo" charset="0"/>
-                <a:ea typeface="Menlo" charset="0"/>
-                <a:cs typeface="Menlo" charset="0"/>
-              </a:rPr>
-              <a:t>, </a:t>
-            </a:r>
-            <a:r>
-              <a:rPr lang="mr-IN" dirty="0" err="1">
-                <a:latin typeface="Menlo" charset="0"/>
-                <a:ea typeface="Menlo" charset="0"/>
-                <a:cs typeface="Menlo" charset="0"/>
-              </a:rPr>
-              <a:t>names</a:t>
-            </a:r>
-            <a:r>
-              <a:rPr lang="mr-IN" dirty="0">
-                <a:latin typeface="Menlo" charset="0"/>
-                <a:ea typeface="Menlo" charset="0"/>
-                <a:cs typeface="Menlo" charset="0"/>
-              </a:rPr>
-              <a:t>):</a:t>
-            </a:r>
-            <a:br>
-              <a:rPr lang="mr-IN" dirty="0">
-                <a:latin typeface="Menlo" charset="0"/>
-                <a:ea typeface="Menlo" charset="0"/>
-                <a:cs typeface="Menlo" charset="0"/>
-              </a:rPr>
-            </a:br>
-            <a:r>
-              <a:rPr lang="mr-IN" dirty="0">
-                <a:latin typeface="Menlo" charset="0"/>
-                <a:ea typeface="Menlo" charset="0"/>
-                <a:cs typeface="Menlo" charset="0"/>
-              </a:rPr>
-              <a:t>    </a:t>
-            </a:r>
-            <a:r>
-              <a:rPr lang="mr-IN" dirty="0" smtClean="0">
-                <a:latin typeface="Menlo" charset="0"/>
-                <a:ea typeface="Menlo" charset="0"/>
-                <a:cs typeface="Menlo" charset="0"/>
-              </a:rPr>
-              <a:t>matrix </a:t>
-            </a:r>
-            <a:r>
-              <a:rPr lang="mr-IN" dirty="0">
-                <a:latin typeface="Menlo" charset="0"/>
-                <a:ea typeface="Menlo" charset="0"/>
-                <a:cs typeface="Menlo" charset="0"/>
-              </a:rPr>
-              <a:t>= </a:t>
-            </a:r>
-            <a:r>
-              <a:rPr lang="mr-IN" dirty="0" err="1">
-                <a:latin typeface="Menlo" charset="0"/>
-                <a:ea typeface="Menlo" charset="0"/>
-                <a:cs typeface="Menlo" charset="0"/>
-              </a:rPr>
-              <a:t>np.array</a:t>
-            </a:r>
-            <a:r>
-              <a:rPr lang="mr-IN" dirty="0">
-                <a:latin typeface="Menlo" charset="0"/>
-                <a:ea typeface="Menlo" charset="0"/>
-                <a:cs typeface="Menlo" charset="0"/>
-              </a:rPr>
-              <a:t>([[</a:t>
-            </a:r>
-            <a:r>
-              <a:rPr lang="mr-IN" dirty="0">
-                <a:solidFill>
-                  <a:srgbClr val="0000FF"/>
-                </a:solidFill>
-                <a:latin typeface="Menlo" charset="0"/>
-                <a:ea typeface="Menlo" charset="0"/>
-                <a:cs typeface="Menlo" charset="0"/>
-              </a:rPr>
-              <a:t>0</a:t>
-            </a:r>
-            <a:r>
-              <a:rPr lang="mr-IN" dirty="0">
-                <a:latin typeface="Menlo" charset="0"/>
-                <a:ea typeface="Menlo" charset="0"/>
-                <a:cs typeface="Menlo" charset="0"/>
-              </a:rPr>
-              <a:t>] * </a:t>
-            </a:r>
-            <a:r>
-              <a:rPr lang="mr-IN" dirty="0" err="1" smtClean="0">
-                <a:solidFill>
-                  <a:srgbClr val="000080"/>
-                </a:solidFill>
-                <a:latin typeface="Menlo" charset="0"/>
-                <a:ea typeface="Menlo" charset="0"/>
-                <a:cs typeface="Menlo" charset="0"/>
-              </a:rPr>
-              <a:t>len</a:t>
-            </a:r>
-            <a:r>
-              <a:rPr lang="mr-IN" dirty="0" smtClean="0">
-                <a:latin typeface="Menlo" charset="0"/>
-                <a:ea typeface="Menlo" charset="0"/>
-                <a:cs typeface="Menlo" charset="0"/>
-              </a:rPr>
-              <a:t>(</a:t>
-            </a:r>
-            <a:r>
-              <a:rPr lang="mr-IN" dirty="0" err="1" smtClean="0">
-                <a:latin typeface="Menlo" charset="0"/>
-                <a:ea typeface="Menlo" charset="0"/>
-                <a:cs typeface="Menlo" charset="0"/>
-              </a:rPr>
-              <a:t>l</a:t>
-            </a:r>
-            <a:r>
-              <a:rPr lang="en-US" dirty="0" err="1" smtClean="0">
-                <a:latin typeface="Menlo" charset="0"/>
-                <a:ea typeface="Menlo" charset="0"/>
-                <a:cs typeface="Menlo" charset="0"/>
-              </a:rPr>
-              <a:t>st</a:t>
-            </a:r>
-            <a:r>
-              <a:rPr lang="mr-IN" dirty="0" smtClean="0">
-                <a:latin typeface="Menlo" charset="0"/>
-                <a:ea typeface="Menlo" charset="0"/>
-                <a:cs typeface="Menlo" charset="0"/>
-              </a:rPr>
-              <a:t>) </a:t>
-            </a:r>
-            <a:r>
-              <a:rPr lang="mr-IN" b="1" dirty="0">
-                <a:solidFill>
-                  <a:srgbClr val="000080"/>
-                </a:solidFill>
-                <a:latin typeface="Menlo" charset="0"/>
-                <a:ea typeface="Menlo" charset="0"/>
-                <a:cs typeface="Menlo" charset="0"/>
-              </a:rPr>
-              <a:t>for </a:t>
-            </a:r>
-            <a:r>
-              <a:rPr lang="mr-IN" dirty="0">
-                <a:latin typeface="Menlo" charset="0"/>
-                <a:ea typeface="Menlo" charset="0"/>
-                <a:cs typeface="Menlo" charset="0"/>
-              </a:rPr>
-              <a:t>_ </a:t>
-            </a:r>
-            <a:r>
-              <a:rPr lang="mr-IN" b="1" dirty="0" err="1">
-                <a:solidFill>
-                  <a:srgbClr val="000080"/>
-                </a:solidFill>
-                <a:latin typeface="Menlo" charset="0"/>
-                <a:ea typeface="Menlo" charset="0"/>
-                <a:cs typeface="Menlo" charset="0"/>
-              </a:rPr>
-              <a:t>in</a:t>
-            </a:r>
-            <a:r>
-              <a:rPr lang="mr-IN" b="1" dirty="0">
-                <a:solidFill>
-                  <a:srgbClr val="000080"/>
-                </a:solidFill>
-                <a:latin typeface="Menlo" charset="0"/>
-                <a:ea typeface="Menlo" charset="0"/>
-                <a:cs typeface="Menlo" charset="0"/>
-              </a:rPr>
-              <a:t> </a:t>
-            </a:r>
-            <a:r>
-              <a:rPr lang="mr-IN" dirty="0" err="1">
-                <a:solidFill>
-                  <a:srgbClr val="000080"/>
-                </a:solidFill>
-                <a:latin typeface="Menlo" charset="0"/>
-                <a:ea typeface="Menlo" charset="0"/>
-                <a:cs typeface="Menlo" charset="0"/>
-              </a:rPr>
-              <a:t>range</a:t>
-            </a:r>
-            <a:r>
-              <a:rPr lang="mr-IN" dirty="0">
-                <a:latin typeface="Menlo" charset="0"/>
-                <a:ea typeface="Menlo" charset="0"/>
-                <a:cs typeface="Menlo" charset="0"/>
-              </a:rPr>
-              <a:t>(</a:t>
-            </a:r>
-            <a:r>
-              <a:rPr lang="mr-IN" dirty="0" err="1">
-                <a:solidFill>
-                  <a:srgbClr val="000080"/>
-                </a:solidFill>
-                <a:latin typeface="Menlo" charset="0"/>
-                <a:ea typeface="Menlo" charset="0"/>
-                <a:cs typeface="Menlo" charset="0"/>
-              </a:rPr>
-              <a:t>len</a:t>
-            </a:r>
-            <a:r>
-              <a:rPr lang="mr-IN" dirty="0">
-                <a:latin typeface="Menlo" charset="0"/>
-                <a:ea typeface="Menlo" charset="0"/>
-                <a:cs typeface="Menlo" charset="0"/>
-              </a:rPr>
-              <a:t>(</a:t>
-            </a:r>
-            <a:r>
-              <a:rPr lang="mr-IN" dirty="0" err="1">
-                <a:latin typeface="Menlo" charset="0"/>
-                <a:ea typeface="Menlo" charset="0"/>
-                <a:cs typeface="Menlo" charset="0"/>
-              </a:rPr>
-              <a:t>l</a:t>
-            </a:r>
-            <a:r>
-              <a:rPr lang="mr-IN" dirty="0">
-                <a:latin typeface="Menlo" charset="0"/>
-                <a:ea typeface="Menlo" charset="0"/>
-                <a:cs typeface="Menlo" charset="0"/>
-              </a:rPr>
-              <a:t>))])</a:t>
-            </a:r>
-            <a:br>
-              <a:rPr lang="mr-IN" dirty="0">
-                <a:latin typeface="Menlo" charset="0"/>
-                <a:ea typeface="Menlo" charset="0"/>
-                <a:cs typeface="Menlo" charset="0"/>
-              </a:rPr>
-            </a:br>
-            <a:r>
-              <a:rPr lang="mr-IN" dirty="0">
-                <a:latin typeface="Menlo" charset="0"/>
-                <a:ea typeface="Menlo" charset="0"/>
-                <a:cs typeface="Menlo" charset="0"/>
-              </a:rPr>
-              <a:t>    </a:t>
-            </a:r>
-            <a:r>
-              <a:rPr lang="mr-IN" b="1" dirty="0">
-                <a:solidFill>
-                  <a:srgbClr val="000080"/>
-                </a:solidFill>
-                <a:latin typeface="Menlo" charset="0"/>
-                <a:ea typeface="Menlo" charset="0"/>
-                <a:cs typeface="Menlo" charset="0"/>
-              </a:rPr>
-              <a:t>for </a:t>
-            </a:r>
-            <a:r>
-              <a:rPr lang="mr-IN" dirty="0" err="1">
-                <a:latin typeface="Menlo" charset="0"/>
-                <a:ea typeface="Menlo" charset="0"/>
-                <a:cs typeface="Menlo" charset="0"/>
-              </a:rPr>
-              <a:t>i</a:t>
-            </a:r>
-            <a:r>
-              <a:rPr lang="mr-IN" dirty="0">
-                <a:latin typeface="Menlo" charset="0"/>
-                <a:ea typeface="Menlo" charset="0"/>
-                <a:cs typeface="Menlo" charset="0"/>
-              </a:rPr>
-              <a:t> </a:t>
-            </a:r>
-            <a:r>
-              <a:rPr lang="mr-IN" b="1" dirty="0" err="1">
-                <a:solidFill>
-                  <a:srgbClr val="000080"/>
-                </a:solidFill>
-                <a:latin typeface="Menlo" charset="0"/>
-                <a:ea typeface="Menlo" charset="0"/>
-                <a:cs typeface="Menlo" charset="0"/>
-              </a:rPr>
-              <a:t>in</a:t>
-            </a:r>
-            <a:r>
-              <a:rPr lang="mr-IN" b="1" dirty="0">
-                <a:solidFill>
-                  <a:srgbClr val="000080"/>
-                </a:solidFill>
-                <a:latin typeface="Menlo" charset="0"/>
-                <a:ea typeface="Menlo" charset="0"/>
-                <a:cs typeface="Menlo" charset="0"/>
-              </a:rPr>
-              <a:t> </a:t>
-            </a:r>
-            <a:r>
-              <a:rPr lang="mr-IN" dirty="0" err="1" smtClean="0">
-                <a:solidFill>
-                  <a:srgbClr val="000080"/>
-                </a:solidFill>
-                <a:latin typeface="Menlo" charset="0"/>
-                <a:ea typeface="Menlo" charset="0"/>
-                <a:cs typeface="Menlo" charset="0"/>
-              </a:rPr>
-              <a:t>range</a:t>
-            </a:r>
-            <a:r>
-              <a:rPr lang="mr-IN" dirty="0" smtClean="0">
-                <a:latin typeface="Menlo" charset="0"/>
-                <a:ea typeface="Menlo" charset="0"/>
-                <a:cs typeface="Menlo" charset="0"/>
-              </a:rPr>
-              <a:t>(</a:t>
-            </a:r>
-            <a:r>
-              <a:rPr lang="mr-IN" dirty="0" err="1" smtClean="0">
-                <a:solidFill>
-                  <a:srgbClr val="000080"/>
-                </a:solidFill>
-                <a:latin typeface="Menlo" charset="0"/>
-                <a:ea typeface="Menlo" charset="0"/>
-                <a:cs typeface="Menlo" charset="0"/>
-              </a:rPr>
-              <a:t>len</a:t>
-            </a:r>
-            <a:r>
-              <a:rPr lang="mr-IN" dirty="0" smtClean="0">
-                <a:latin typeface="Menlo" charset="0"/>
-                <a:ea typeface="Menlo" charset="0"/>
-                <a:cs typeface="Menlo" charset="0"/>
-              </a:rPr>
-              <a:t>(</a:t>
-            </a:r>
-            <a:r>
-              <a:rPr lang="mr-IN" dirty="0" err="1" smtClean="0">
-                <a:latin typeface="Menlo" charset="0"/>
-                <a:ea typeface="Menlo" charset="0"/>
-                <a:cs typeface="Menlo" charset="0"/>
-              </a:rPr>
-              <a:t>l</a:t>
-            </a:r>
-            <a:r>
-              <a:rPr lang="en-US" dirty="0" err="1" smtClean="0">
-                <a:latin typeface="Menlo" charset="0"/>
-                <a:ea typeface="Menlo" charset="0"/>
-                <a:cs typeface="Menlo" charset="0"/>
-              </a:rPr>
-              <a:t>st</a:t>
-            </a:r>
-            <a:r>
-              <a:rPr lang="mr-IN" dirty="0" smtClean="0">
-                <a:latin typeface="Menlo" charset="0"/>
-                <a:ea typeface="Menlo" charset="0"/>
-                <a:cs typeface="Menlo" charset="0"/>
-              </a:rPr>
-              <a:t>)):</a:t>
-            </a:r>
-            <a:r>
-              <a:rPr lang="mr-IN" dirty="0">
-                <a:latin typeface="Menlo" charset="0"/>
-                <a:ea typeface="Menlo" charset="0"/>
-                <a:cs typeface="Menlo" charset="0"/>
-              </a:rPr>
-              <a:t/>
-            </a:r>
-            <a:br>
-              <a:rPr lang="mr-IN" dirty="0">
-                <a:latin typeface="Menlo" charset="0"/>
-                <a:ea typeface="Menlo" charset="0"/>
-                <a:cs typeface="Menlo" charset="0"/>
-              </a:rPr>
-            </a:br>
-            <a:r>
-              <a:rPr lang="mr-IN" dirty="0">
-                <a:latin typeface="Menlo" charset="0"/>
-                <a:ea typeface="Menlo" charset="0"/>
-                <a:cs typeface="Menlo" charset="0"/>
-              </a:rPr>
-              <a:t>        </a:t>
-            </a:r>
-            <a:r>
-              <a:rPr lang="mr-IN" dirty="0" err="1">
-                <a:latin typeface="Menlo" charset="0"/>
-                <a:ea typeface="Menlo" charset="0"/>
-                <a:cs typeface="Menlo" charset="0"/>
-              </a:rPr>
-              <a:t>pro</a:t>
-            </a:r>
-            <a:r>
-              <a:rPr lang="mr-IN" dirty="0">
-                <a:latin typeface="Menlo" charset="0"/>
-                <a:ea typeface="Menlo" charset="0"/>
-                <a:cs typeface="Menlo" charset="0"/>
-              </a:rPr>
-              <a:t> = </a:t>
-            </a:r>
-            <a:r>
-              <a:rPr lang="mr-IN" dirty="0" err="1" smtClean="0">
-                <a:latin typeface="Menlo" charset="0"/>
-                <a:ea typeface="Menlo" charset="0"/>
-                <a:cs typeface="Menlo" charset="0"/>
-              </a:rPr>
-              <a:t>l</a:t>
-            </a:r>
-            <a:r>
-              <a:rPr lang="en-US" dirty="0" err="1" smtClean="0">
-                <a:latin typeface="Menlo" charset="0"/>
-                <a:ea typeface="Menlo" charset="0"/>
-                <a:cs typeface="Menlo" charset="0"/>
-              </a:rPr>
-              <a:t>st</a:t>
-            </a:r>
-            <a:r>
-              <a:rPr lang="mr-IN" dirty="0" smtClean="0">
-                <a:latin typeface="Menlo" charset="0"/>
-                <a:ea typeface="Menlo" charset="0"/>
-                <a:cs typeface="Menlo" charset="0"/>
-              </a:rPr>
-              <a:t>[</a:t>
-            </a:r>
-            <a:r>
-              <a:rPr lang="mr-IN" dirty="0" err="1" smtClean="0">
-                <a:latin typeface="Menlo" charset="0"/>
-                <a:ea typeface="Menlo" charset="0"/>
-                <a:cs typeface="Menlo" charset="0"/>
-              </a:rPr>
-              <a:t>i</a:t>
-            </a:r>
-            <a:r>
-              <a:rPr lang="mr-IN" dirty="0">
-                <a:latin typeface="Menlo" charset="0"/>
-                <a:ea typeface="Menlo" charset="0"/>
-                <a:cs typeface="Menlo" charset="0"/>
-              </a:rPr>
-              <a:t>][</a:t>
-            </a:r>
-            <a:r>
-              <a:rPr lang="mr-IN" dirty="0">
-                <a:solidFill>
-                  <a:srgbClr val="0000FF"/>
-                </a:solidFill>
-                <a:latin typeface="Menlo" charset="0"/>
-                <a:ea typeface="Menlo" charset="0"/>
-                <a:cs typeface="Menlo" charset="0"/>
-              </a:rPr>
-              <a:t>1</a:t>
-            </a:r>
-            <a:r>
-              <a:rPr lang="mr-IN" dirty="0">
-                <a:latin typeface="Menlo" charset="0"/>
-                <a:ea typeface="Menlo" charset="0"/>
-                <a:cs typeface="Menlo" charset="0"/>
-              </a:rPr>
-              <a:t>]</a:t>
-            </a:r>
-            <a:br>
-              <a:rPr lang="mr-IN" dirty="0">
-                <a:latin typeface="Menlo" charset="0"/>
-                <a:ea typeface="Menlo" charset="0"/>
-                <a:cs typeface="Menlo" charset="0"/>
-              </a:rPr>
-            </a:br>
-            <a:r>
-              <a:rPr lang="mr-IN" dirty="0">
-                <a:latin typeface="Menlo" charset="0"/>
-                <a:ea typeface="Menlo" charset="0"/>
-                <a:cs typeface="Menlo" charset="0"/>
-              </a:rPr>
-              <a:t>        </a:t>
-            </a:r>
-            <a:r>
-              <a:rPr lang="mr-IN" dirty="0" err="1">
-                <a:latin typeface="Menlo" charset="0"/>
-                <a:ea typeface="Menlo" charset="0"/>
-                <a:cs typeface="Menlo" charset="0"/>
-              </a:rPr>
-              <a:t>con</a:t>
-            </a:r>
-            <a:r>
-              <a:rPr lang="mr-IN" dirty="0">
-                <a:latin typeface="Menlo" charset="0"/>
-                <a:ea typeface="Menlo" charset="0"/>
-                <a:cs typeface="Menlo" charset="0"/>
-              </a:rPr>
-              <a:t> = </a:t>
-            </a:r>
-            <a:r>
-              <a:rPr lang="mr-IN" dirty="0" err="1" smtClean="0">
-                <a:latin typeface="Menlo" charset="0"/>
-                <a:ea typeface="Menlo" charset="0"/>
-                <a:cs typeface="Menlo" charset="0"/>
-              </a:rPr>
-              <a:t>l</a:t>
-            </a:r>
-            <a:r>
-              <a:rPr lang="en-US" dirty="0" err="1" smtClean="0">
-                <a:latin typeface="Menlo" charset="0"/>
-                <a:ea typeface="Menlo" charset="0"/>
-                <a:cs typeface="Menlo" charset="0"/>
-              </a:rPr>
-              <a:t>st</a:t>
-            </a:r>
-            <a:r>
-              <a:rPr lang="mr-IN" dirty="0" smtClean="0">
-                <a:latin typeface="Menlo" charset="0"/>
-                <a:ea typeface="Menlo" charset="0"/>
-                <a:cs typeface="Menlo" charset="0"/>
-              </a:rPr>
-              <a:t>[</a:t>
-            </a:r>
-            <a:r>
-              <a:rPr lang="mr-IN" dirty="0" err="1" smtClean="0">
-                <a:latin typeface="Menlo" charset="0"/>
-                <a:ea typeface="Menlo" charset="0"/>
-                <a:cs typeface="Menlo" charset="0"/>
-              </a:rPr>
-              <a:t>i</a:t>
-            </a:r>
-            <a:r>
-              <a:rPr lang="mr-IN" dirty="0">
-                <a:latin typeface="Menlo" charset="0"/>
-                <a:ea typeface="Menlo" charset="0"/>
-                <a:cs typeface="Menlo" charset="0"/>
-              </a:rPr>
-              <a:t>][</a:t>
-            </a:r>
-            <a:r>
-              <a:rPr lang="mr-IN" dirty="0">
-                <a:solidFill>
-                  <a:srgbClr val="0000FF"/>
-                </a:solidFill>
-                <a:latin typeface="Menlo" charset="0"/>
-                <a:ea typeface="Menlo" charset="0"/>
-                <a:cs typeface="Menlo" charset="0"/>
-              </a:rPr>
-              <a:t>2</a:t>
-            </a:r>
-            <a:r>
-              <a:rPr lang="mr-IN" dirty="0">
-                <a:latin typeface="Menlo" charset="0"/>
-                <a:ea typeface="Menlo" charset="0"/>
-                <a:cs typeface="Menlo" charset="0"/>
-              </a:rPr>
-              <a:t>]</a:t>
-            </a:r>
-            <a:br>
-              <a:rPr lang="mr-IN" dirty="0">
-                <a:latin typeface="Menlo" charset="0"/>
-                <a:ea typeface="Menlo" charset="0"/>
-                <a:cs typeface="Menlo" charset="0"/>
-              </a:rPr>
-            </a:br>
-            <a:r>
-              <a:rPr lang="mr-IN" dirty="0">
-                <a:latin typeface="Menlo" charset="0"/>
-                <a:ea typeface="Menlo" charset="0"/>
-                <a:cs typeface="Menlo" charset="0"/>
-              </a:rPr>
-              <a:t>        </a:t>
-            </a:r>
-            <a:r>
-              <a:rPr lang="mr-IN" b="1" dirty="0">
-                <a:solidFill>
-                  <a:srgbClr val="000080"/>
-                </a:solidFill>
-                <a:latin typeface="Menlo" charset="0"/>
-                <a:ea typeface="Menlo" charset="0"/>
-                <a:cs typeface="Menlo" charset="0"/>
-              </a:rPr>
-              <a:t>for </a:t>
-            </a:r>
-            <a:r>
-              <a:rPr lang="mr-IN" dirty="0" err="1">
-                <a:latin typeface="Menlo" charset="0"/>
-                <a:ea typeface="Menlo" charset="0"/>
-                <a:cs typeface="Menlo" charset="0"/>
-              </a:rPr>
-              <a:t>p</a:t>
-            </a:r>
-            <a:r>
-              <a:rPr lang="mr-IN" dirty="0">
-                <a:latin typeface="Menlo" charset="0"/>
-                <a:ea typeface="Menlo" charset="0"/>
-                <a:cs typeface="Menlo" charset="0"/>
-              </a:rPr>
-              <a:t> </a:t>
-            </a:r>
-            <a:r>
-              <a:rPr lang="mr-IN" b="1" dirty="0" err="1">
-                <a:solidFill>
-                  <a:srgbClr val="000080"/>
-                </a:solidFill>
-                <a:latin typeface="Menlo" charset="0"/>
-                <a:ea typeface="Menlo" charset="0"/>
-                <a:cs typeface="Menlo" charset="0"/>
-              </a:rPr>
-              <a:t>in</a:t>
-            </a:r>
-            <a:r>
-              <a:rPr lang="mr-IN" b="1" dirty="0">
-                <a:solidFill>
-                  <a:srgbClr val="000080"/>
-                </a:solidFill>
-                <a:latin typeface="Menlo" charset="0"/>
-                <a:ea typeface="Menlo" charset="0"/>
-                <a:cs typeface="Menlo" charset="0"/>
-              </a:rPr>
-              <a:t> </a:t>
-            </a:r>
-            <a:r>
-              <a:rPr lang="mr-IN" dirty="0" err="1">
-                <a:latin typeface="Menlo" charset="0"/>
-                <a:ea typeface="Menlo" charset="0"/>
-                <a:cs typeface="Menlo" charset="0"/>
-              </a:rPr>
-              <a:t>pro</a:t>
-            </a:r>
-            <a:r>
-              <a:rPr lang="mr-IN" dirty="0">
-                <a:latin typeface="Menlo" charset="0"/>
-                <a:ea typeface="Menlo" charset="0"/>
-                <a:cs typeface="Menlo" charset="0"/>
-              </a:rPr>
-              <a:t>:</a:t>
-            </a:r>
-            <a:br>
-              <a:rPr lang="mr-IN" dirty="0">
-                <a:latin typeface="Menlo" charset="0"/>
-                <a:ea typeface="Menlo" charset="0"/>
-                <a:cs typeface="Menlo" charset="0"/>
-              </a:rPr>
-            </a:br>
-            <a:r>
-              <a:rPr lang="mr-IN" dirty="0">
-                <a:latin typeface="Menlo" charset="0"/>
-                <a:ea typeface="Menlo" charset="0"/>
-                <a:cs typeface="Menlo" charset="0"/>
-              </a:rPr>
-              <a:t>            </a:t>
-            </a:r>
-            <a:r>
-              <a:rPr lang="mr-IN" dirty="0" err="1">
-                <a:latin typeface="Menlo" charset="0"/>
-                <a:ea typeface="Menlo" charset="0"/>
-                <a:cs typeface="Menlo" charset="0"/>
-              </a:rPr>
-              <a:t>ind</a:t>
-            </a:r>
-            <a:r>
-              <a:rPr lang="mr-IN" dirty="0">
-                <a:latin typeface="Menlo" charset="0"/>
-                <a:ea typeface="Menlo" charset="0"/>
-                <a:cs typeface="Menlo" charset="0"/>
-              </a:rPr>
-              <a:t> = </a:t>
-            </a:r>
-            <a:r>
-              <a:rPr lang="mr-IN" dirty="0" err="1">
-                <a:latin typeface="Menlo" charset="0"/>
-                <a:ea typeface="Menlo" charset="0"/>
-                <a:cs typeface="Menlo" charset="0"/>
-              </a:rPr>
-              <a:t>names.index</a:t>
-            </a:r>
-            <a:r>
-              <a:rPr lang="mr-IN" dirty="0">
-                <a:latin typeface="Menlo" charset="0"/>
-                <a:ea typeface="Menlo" charset="0"/>
-                <a:cs typeface="Menlo" charset="0"/>
-              </a:rPr>
-              <a:t>(</a:t>
-            </a:r>
-            <a:r>
-              <a:rPr lang="mr-IN" dirty="0" err="1">
-                <a:latin typeface="Menlo" charset="0"/>
-                <a:ea typeface="Menlo" charset="0"/>
-                <a:cs typeface="Menlo" charset="0"/>
-              </a:rPr>
-              <a:t>p</a:t>
-            </a:r>
-            <a:r>
-              <a:rPr lang="mr-IN" dirty="0">
-                <a:latin typeface="Menlo" charset="0"/>
-                <a:ea typeface="Menlo" charset="0"/>
-                <a:cs typeface="Menlo" charset="0"/>
-              </a:rPr>
-              <a:t>)</a:t>
-            </a:r>
-            <a:br>
-              <a:rPr lang="mr-IN" dirty="0">
-                <a:latin typeface="Menlo" charset="0"/>
-                <a:ea typeface="Menlo" charset="0"/>
-                <a:cs typeface="Menlo" charset="0"/>
-              </a:rPr>
-            </a:br>
-            <a:r>
-              <a:rPr lang="mr-IN" dirty="0">
-                <a:latin typeface="Menlo" charset="0"/>
-                <a:ea typeface="Menlo" charset="0"/>
-                <a:cs typeface="Menlo" charset="0"/>
-              </a:rPr>
-              <a:t>            matrix[</a:t>
-            </a:r>
-            <a:r>
-              <a:rPr lang="mr-IN" dirty="0" err="1">
-                <a:latin typeface="Menlo" charset="0"/>
-                <a:ea typeface="Menlo" charset="0"/>
-                <a:cs typeface="Menlo" charset="0"/>
-              </a:rPr>
-              <a:t>i</a:t>
-            </a:r>
-            <a:r>
-              <a:rPr lang="mr-IN" dirty="0">
-                <a:latin typeface="Menlo" charset="0"/>
-                <a:ea typeface="Menlo" charset="0"/>
-                <a:cs typeface="Menlo" charset="0"/>
-              </a:rPr>
-              <a:t>][</a:t>
-            </a:r>
-            <a:r>
-              <a:rPr lang="mr-IN" dirty="0" err="1">
-                <a:latin typeface="Menlo" charset="0"/>
-                <a:ea typeface="Menlo" charset="0"/>
-                <a:cs typeface="Menlo" charset="0"/>
-              </a:rPr>
-              <a:t>ind</a:t>
-            </a:r>
-            <a:r>
-              <a:rPr lang="mr-IN" dirty="0">
-                <a:latin typeface="Menlo" charset="0"/>
-                <a:ea typeface="Menlo" charset="0"/>
-                <a:cs typeface="Menlo" charset="0"/>
-              </a:rPr>
-              <a:t>] = </a:t>
-            </a:r>
-            <a:r>
-              <a:rPr lang="mr-IN" dirty="0">
-                <a:solidFill>
-                  <a:srgbClr val="0000FF"/>
-                </a:solidFill>
-                <a:latin typeface="Menlo" charset="0"/>
-                <a:ea typeface="Menlo" charset="0"/>
-                <a:cs typeface="Menlo" charset="0"/>
-              </a:rPr>
-              <a:t>1</a:t>
-            </a:r>
-            <a:br>
-              <a:rPr lang="mr-IN" dirty="0">
-                <a:solidFill>
-                  <a:srgbClr val="0000FF"/>
-                </a:solidFill>
-                <a:latin typeface="Menlo" charset="0"/>
-                <a:ea typeface="Menlo" charset="0"/>
-                <a:cs typeface="Menlo" charset="0"/>
-              </a:rPr>
-            </a:br>
-            <a:r>
-              <a:rPr lang="mr-IN" dirty="0">
-                <a:solidFill>
-                  <a:srgbClr val="0000FF"/>
-                </a:solidFill>
-                <a:latin typeface="Menlo" charset="0"/>
-                <a:ea typeface="Menlo" charset="0"/>
-                <a:cs typeface="Menlo" charset="0"/>
-              </a:rPr>
-              <a:t>        </a:t>
-            </a:r>
-            <a:r>
-              <a:rPr lang="mr-IN" b="1" dirty="0">
-                <a:solidFill>
-                  <a:srgbClr val="000080"/>
-                </a:solidFill>
-                <a:latin typeface="Menlo" charset="0"/>
-                <a:ea typeface="Menlo" charset="0"/>
-                <a:cs typeface="Menlo" charset="0"/>
-              </a:rPr>
-              <a:t>for </a:t>
-            </a:r>
-            <a:r>
-              <a:rPr lang="mr-IN" dirty="0" err="1">
-                <a:latin typeface="Menlo" charset="0"/>
-                <a:ea typeface="Menlo" charset="0"/>
-                <a:cs typeface="Menlo" charset="0"/>
-              </a:rPr>
-              <a:t>p</a:t>
-            </a:r>
-            <a:r>
-              <a:rPr lang="mr-IN" dirty="0">
-                <a:latin typeface="Menlo" charset="0"/>
-                <a:ea typeface="Menlo" charset="0"/>
-                <a:cs typeface="Menlo" charset="0"/>
-              </a:rPr>
-              <a:t> </a:t>
-            </a:r>
-            <a:r>
-              <a:rPr lang="mr-IN" b="1" dirty="0" err="1">
-                <a:solidFill>
-                  <a:srgbClr val="000080"/>
-                </a:solidFill>
-                <a:latin typeface="Menlo" charset="0"/>
-                <a:ea typeface="Menlo" charset="0"/>
-                <a:cs typeface="Menlo" charset="0"/>
-              </a:rPr>
-              <a:t>in</a:t>
-            </a:r>
-            <a:r>
-              <a:rPr lang="mr-IN" b="1" dirty="0">
-                <a:solidFill>
-                  <a:srgbClr val="000080"/>
-                </a:solidFill>
-                <a:latin typeface="Menlo" charset="0"/>
-                <a:ea typeface="Menlo" charset="0"/>
-                <a:cs typeface="Menlo" charset="0"/>
-              </a:rPr>
-              <a:t> </a:t>
-            </a:r>
-            <a:r>
-              <a:rPr lang="mr-IN" dirty="0" err="1">
-                <a:latin typeface="Menlo" charset="0"/>
-                <a:ea typeface="Menlo" charset="0"/>
-                <a:cs typeface="Menlo" charset="0"/>
-              </a:rPr>
-              <a:t>con</a:t>
-            </a:r>
-            <a:r>
-              <a:rPr lang="mr-IN" dirty="0">
-                <a:latin typeface="Menlo" charset="0"/>
-                <a:ea typeface="Menlo" charset="0"/>
-                <a:cs typeface="Menlo" charset="0"/>
-              </a:rPr>
-              <a:t>:</a:t>
-            </a:r>
-            <a:br>
-              <a:rPr lang="mr-IN" dirty="0">
-                <a:latin typeface="Menlo" charset="0"/>
-                <a:ea typeface="Menlo" charset="0"/>
-                <a:cs typeface="Menlo" charset="0"/>
-              </a:rPr>
-            </a:br>
-            <a:r>
-              <a:rPr lang="mr-IN" dirty="0">
-                <a:latin typeface="Menlo" charset="0"/>
-                <a:ea typeface="Menlo" charset="0"/>
-                <a:cs typeface="Menlo" charset="0"/>
-              </a:rPr>
-              <a:t>            </a:t>
-            </a:r>
-            <a:r>
-              <a:rPr lang="mr-IN" dirty="0" err="1">
-                <a:latin typeface="Menlo" charset="0"/>
-                <a:ea typeface="Menlo" charset="0"/>
-                <a:cs typeface="Menlo" charset="0"/>
-              </a:rPr>
-              <a:t>ind</a:t>
-            </a:r>
-            <a:r>
-              <a:rPr lang="mr-IN" dirty="0">
-                <a:latin typeface="Menlo" charset="0"/>
-                <a:ea typeface="Menlo" charset="0"/>
-                <a:cs typeface="Menlo" charset="0"/>
-              </a:rPr>
-              <a:t> = </a:t>
-            </a:r>
-            <a:r>
-              <a:rPr lang="mr-IN" dirty="0" err="1">
-                <a:latin typeface="Menlo" charset="0"/>
-                <a:ea typeface="Menlo" charset="0"/>
-                <a:cs typeface="Menlo" charset="0"/>
-              </a:rPr>
-              <a:t>names.index</a:t>
-            </a:r>
-            <a:r>
-              <a:rPr lang="mr-IN" dirty="0">
-                <a:latin typeface="Menlo" charset="0"/>
-                <a:ea typeface="Menlo" charset="0"/>
-                <a:cs typeface="Menlo" charset="0"/>
-              </a:rPr>
-              <a:t>(</a:t>
-            </a:r>
-            <a:r>
-              <a:rPr lang="mr-IN" dirty="0" err="1">
-                <a:latin typeface="Menlo" charset="0"/>
-                <a:ea typeface="Menlo" charset="0"/>
-                <a:cs typeface="Menlo" charset="0"/>
-              </a:rPr>
-              <a:t>p</a:t>
-            </a:r>
-            <a:r>
-              <a:rPr lang="mr-IN" dirty="0">
-                <a:latin typeface="Menlo" charset="0"/>
-                <a:ea typeface="Menlo" charset="0"/>
-                <a:cs typeface="Menlo" charset="0"/>
-              </a:rPr>
-              <a:t>)</a:t>
-            </a:r>
-            <a:br>
-              <a:rPr lang="mr-IN" dirty="0">
-                <a:latin typeface="Menlo" charset="0"/>
-                <a:ea typeface="Menlo" charset="0"/>
-                <a:cs typeface="Menlo" charset="0"/>
-              </a:rPr>
-            </a:br>
-            <a:r>
-              <a:rPr lang="mr-IN" dirty="0">
-                <a:latin typeface="Menlo" charset="0"/>
-                <a:ea typeface="Menlo" charset="0"/>
-                <a:cs typeface="Menlo" charset="0"/>
-              </a:rPr>
-              <a:t>            matrix[</a:t>
-            </a:r>
-            <a:r>
-              <a:rPr lang="mr-IN" dirty="0" err="1">
-                <a:latin typeface="Menlo" charset="0"/>
-                <a:ea typeface="Menlo" charset="0"/>
-                <a:cs typeface="Menlo" charset="0"/>
-              </a:rPr>
-              <a:t>i</a:t>
-            </a:r>
-            <a:r>
-              <a:rPr lang="mr-IN" dirty="0">
-                <a:latin typeface="Menlo" charset="0"/>
-                <a:ea typeface="Menlo" charset="0"/>
-                <a:cs typeface="Menlo" charset="0"/>
-              </a:rPr>
-              <a:t>][</a:t>
-            </a:r>
-            <a:r>
-              <a:rPr lang="mr-IN" dirty="0" err="1">
-                <a:latin typeface="Menlo" charset="0"/>
-                <a:ea typeface="Menlo" charset="0"/>
-                <a:cs typeface="Menlo" charset="0"/>
-              </a:rPr>
-              <a:t>ind</a:t>
-            </a:r>
-            <a:r>
-              <a:rPr lang="mr-IN" dirty="0">
-                <a:latin typeface="Menlo" charset="0"/>
-                <a:ea typeface="Menlo" charset="0"/>
-                <a:cs typeface="Menlo" charset="0"/>
-              </a:rPr>
-              <a:t>] = -</a:t>
-            </a:r>
-            <a:r>
-              <a:rPr lang="mr-IN" dirty="0">
-                <a:solidFill>
-                  <a:srgbClr val="0000FF"/>
-                </a:solidFill>
-                <a:latin typeface="Menlo" charset="0"/>
-                <a:ea typeface="Menlo" charset="0"/>
-                <a:cs typeface="Menlo" charset="0"/>
-              </a:rPr>
-              <a:t>1</a:t>
-            </a:r>
-            <a:br>
-              <a:rPr lang="mr-IN" dirty="0">
-                <a:solidFill>
-                  <a:srgbClr val="0000FF"/>
-                </a:solidFill>
-                <a:latin typeface="Menlo" charset="0"/>
-                <a:ea typeface="Menlo" charset="0"/>
-                <a:cs typeface="Menlo" charset="0"/>
-              </a:rPr>
-            </a:br>
-            <a:r>
-              <a:rPr lang="mr-IN" dirty="0">
-                <a:solidFill>
-                  <a:srgbClr val="0000FF"/>
-                </a:solidFill>
-                <a:latin typeface="Menlo" charset="0"/>
-                <a:ea typeface="Menlo" charset="0"/>
-                <a:cs typeface="Menlo" charset="0"/>
-              </a:rPr>
-              <a:t>    </a:t>
-            </a:r>
-            <a:r>
-              <a:rPr lang="mr-IN" b="1" dirty="0" err="1">
-                <a:solidFill>
-                  <a:srgbClr val="000080"/>
-                </a:solidFill>
-                <a:latin typeface="Menlo" charset="0"/>
-                <a:ea typeface="Menlo" charset="0"/>
-                <a:cs typeface="Menlo" charset="0"/>
-              </a:rPr>
-              <a:t>return</a:t>
-            </a:r>
-            <a:r>
-              <a:rPr lang="mr-IN" b="1" dirty="0">
-                <a:solidFill>
-                  <a:srgbClr val="000080"/>
-                </a:solidFill>
-                <a:latin typeface="Menlo" charset="0"/>
-                <a:ea typeface="Menlo" charset="0"/>
-                <a:cs typeface="Menlo" charset="0"/>
-              </a:rPr>
-              <a:t> </a:t>
-            </a:r>
-            <a:r>
-              <a:rPr lang="mr-IN" dirty="0">
-                <a:latin typeface="Menlo" charset="0"/>
-                <a:ea typeface="Menlo" charset="0"/>
-                <a:cs typeface="Menlo" charset="0"/>
-              </a:rPr>
-              <a:t>matrix</a:t>
-            </a:r>
-            <a:r>
-              <a:rPr lang="mr-IN" dirty="0"/>
-              <a:t/>
-            </a:r>
-            <a:br>
-              <a:rPr lang="mr-IN" dirty="0"/>
-            </a:br>
-            <a:endParaRPr lang="de-DE" dirty="0"/>
-          </a:p>
-        </p:txBody>
-      </p:sp>
-    </p:spTree>
-    <p:extLst>
-      <p:ext uri="{BB962C8B-B14F-4D97-AF65-F5344CB8AC3E}">
-        <p14:creationId xmlns:p14="http://schemas.microsoft.com/office/powerpoint/2010/main" val="1123025975"/>
-      </p:ext>
-    </p:extLst>
-  </p:cSld>
-  <p:clrMapOvr>
-    <a:masterClrMapping/>
-  </p:clrMapOvr>
-  <p:timing>
-    <p:tnLst>
-      <p:par>
-        <p:cTn id="1" dur="indefinite" restart="never" nodeType="tmRoot"/>
-      </p:par>
-    </p:tnLst>
-  </p:timing>
-</p:sld>
-</file>
-
-<file path=ppt/slides/slide8.xml><?xml version="1.0" encoding="utf-8"?>
-<p:sld xmlns:a="http://schemas.openxmlformats.org/drawingml/2006/main" xmlns:r="http://schemas.openxmlformats.org/officeDocument/2006/relationships" xmlns:p="http://schemas.openxmlformats.org/presentationml/2006/main">
-  <p:cSld>
-    <p:spTree>
-      <p:nvGrpSpPr>
-        <p:cNvPr id="1" name=""/>
-        <p:cNvGrpSpPr/>
-        <p:nvPr/>
-      </p:nvGrpSpPr>
-      <p:grpSpPr>
-        <a:xfrm>
-          <a:off x="0" y="0"/>
-          <a:ext cx="0" cy="0"/>
-          <a:chOff x="0" y="0"/>
-          <a:chExt cx="0" cy="0"/>
-        </a:xfrm>
-      </p:grpSpPr>
-      <p:sp>
-        <p:nvSpPr>
-          <p:cNvPr id="2" name="Titel 1"/>
-          <p:cNvSpPr>
-            <a:spLocks noGrp="1"/>
-          </p:cNvSpPr>
-          <p:nvPr>
-            <p:ph type="title"/>
-          </p:nvPr>
-        </p:nvSpPr>
-        <p:spPr/>
-        <p:txBody>
-          <a:bodyPr/>
-          <a:lstStyle/>
-          <a:p>
-            <a:r>
-              <a:rPr lang="de-DE" dirty="0" smtClean="0"/>
-              <a:t>Zimmerverteilung / Umsetzung</a:t>
-            </a:r>
-            <a:endParaRPr lang="de-DE" dirty="0"/>
-          </a:p>
-        </p:txBody>
-      </p:sp>
-      <p:sp>
-        <p:nvSpPr>
           <p:cNvPr id="3" name="Inhaltsplatzhalter 2"/>
           <p:cNvSpPr>
             <a:spLocks noGrp="1"/>
@@ -29444,10 +26002,1161 @@
           </p:sp>
         </mc:Fallback>
       </mc:AlternateContent>
+      <p:cxnSp>
+        <p:nvCxnSpPr>
+          <p:cNvPr id="7" name="Gerade Verbindung 6"/>
+          <p:cNvCxnSpPr/>
+          <p:nvPr/>
+        </p:nvCxnSpPr>
+        <p:spPr>
+          <a:xfrm>
+            <a:off x="838200" y="2966171"/>
+            <a:ext cx="2842125" cy="1636858"/>
+          </a:xfrm>
+          <a:prstGeom prst="line">
+            <a:avLst/>
+          </a:prstGeom>
+        </p:spPr>
+        <p:style>
+          <a:lnRef idx="1">
+            <a:schemeClr val="accent1"/>
+          </a:lnRef>
+          <a:fillRef idx="0">
+            <a:schemeClr val="accent1"/>
+          </a:fillRef>
+          <a:effectRef idx="0">
+            <a:schemeClr val="accent1"/>
+          </a:effectRef>
+          <a:fontRef idx="minor">
+            <a:schemeClr val="tx1"/>
+          </a:fontRef>
+        </p:style>
+      </p:cxnSp>
     </p:spTree>
     <p:extLst>
       <p:ext uri="{BB962C8B-B14F-4D97-AF65-F5344CB8AC3E}">
         <p14:creationId xmlns:p14="http://schemas.microsoft.com/office/powerpoint/2010/main" val="1021987487"/>
+      </p:ext>
+    </p:extLst>
+  </p:cSld>
+  <p:clrMapOvr>
+    <a:masterClrMapping/>
+  </p:clrMapOvr>
+  <p:timing>
+    <p:tnLst>
+      <p:par>
+        <p:cTn id="1" dur="indefinite" restart="never" nodeType="tmRoot"/>
+      </p:par>
+    </p:tnLst>
+  </p:timing>
+</p:sld>
+</file>
+
+<file path=ppt/slides/slide8.xml><?xml version="1.0" encoding="utf-8"?>
+<p:sld xmlns:a="http://schemas.openxmlformats.org/drawingml/2006/main" xmlns:r="http://schemas.openxmlformats.org/officeDocument/2006/relationships" xmlns:p="http://schemas.openxmlformats.org/presentationml/2006/main">
+  <p:cSld>
+    <p:spTree>
+      <p:nvGrpSpPr>
+        <p:cNvPr id="1" name=""/>
+        <p:cNvGrpSpPr/>
+        <p:nvPr/>
+      </p:nvGrpSpPr>
+      <p:grpSpPr>
+        <a:xfrm>
+          <a:off x="0" y="0"/>
+          <a:ext cx="0" cy="0"/>
+          <a:chOff x="0" y="0"/>
+          <a:chExt cx="0" cy="0"/>
+        </a:xfrm>
+      </p:grpSpPr>
+      <p:sp>
+        <p:nvSpPr>
+          <p:cNvPr id="2" name="Titel 1"/>
+          <p:cNvSpPr>
+            <a:spLocks noGrp="1"/>
+          </p:cNvSpPr>
+          <p:nvPr>
+            <p:ph type="title"/>
+          </p:nvPr>
+        </p:nvSpPr>
+        <p:spPr/>
+        <p:txBody>
+          <a:bodyPr/>
+          <a:lstStyle/>
+          <a:p>
+            <a:r>
+              <a:rPr lang="de-DE" dirty="0" smtClean="0"/>
+              <a:t>Zimmerverteilung / Umsetzung</a:t>
+            </a:r>
+            <a:endParaRPr lang="de-DE" dirty="0"/>
+          </a:p>
+        </p:txBody>
+      </p:sp>
+      <p:sp>
+        <p:nvSpPr>
+          <p:cNvPr id="3" name="Inhaltsplatzhalter 2"/>
+          <p:cNvSpPr>
+            <a:spLocks noGrp="1"/>
+          </p:cNvSpPr>
+          <p:nvPr>
+            <p:ph idx="1"/>
+          </p:nvPr>
+        </p:nvSpPr>
+        <p:spPr>
+          <a:xfrm>
+            <a:off x="838200" y="1825625"/>
+            <a:ext cx="10515600" cy="419864"/>
+          </a:xfrm>
+        </p:spPr>
+        <p:txBody>
+          <a:bodyPr>
+            <a:normAutofit fontScale="92500" lnSpcReduction="10000"/>
+          </a:bodyPr>
+          <a:lstStyle/>
+          <a:p>
+            <a:r>
+              <a:rPr lang="de-DE" dirty="0" smtClean="0"/>
+              <a:t>Umwandlung der Matrix in zwei </a:t>
+            </a:r>
+            <a:r>
+              <a:rPr lang="de-DE" dirty="0" err="1" smtClean="0"/>
+              <a:t>Adjazenzlisten</a:t>
+            </a:r>
+            <a:endParaRPr lang="de-DE" dirty="0"/>
+          </a:p>
+        </p:txBody>
+      </p:sp>
+      <mc:AlternateContent xmlns:mc="http://schemas.openxmlformats.org/markup-compatibility/2006" xmlns:a14="http://schemas.microsoft.com/office/drawing/2010/main">
+        <mc:Choice Requires="a14">
+          <p:sp>
+            <p:nvSpPr>
+              <p:cNvPr id="4" name="Rechteck 3"/>
+              <p:cNvSpPr/>
+              <p:nvPr/>
+            </p:nvSpPr>
+            <p:spPr>
+              <a:xfrm>
+                <a:off x="838200" y="3362926"/>
+                <a:ext cx="3188373" cy="1636858"/>
+              </a:xfrm>
+              <a:prstGeom prst="rect">
+                <a:avLst/>
+              </a:prstGeom>
+            </p:spPr>
+            <p:txBody>
+              <a:bodyPr wrap="none">
+                <a:spAutoFit/>
+              </a:bodyPr>
+              <a:lstStyle/>
+              <a:p>
+                <a:pPr/>
+                <a14:m>
+                  <m:oMathPara xmlns:m="http://schemas.openxmlformats.org/officeDocument/2006/math">
+                    <m:oMathParaPr>
+                      <m:jc m:val="centerGroup"/>
+                    </m:oMathParaPr>
+                    <m:oMath xmlns:m="http://schemas.openxmlformats.org/officeDocument/2006/math">
+                      <m:d>
+                        <m:dPr>
+                          <m:begChr m:val="["/>
+                          <m:endChr m:val="]"/>
+                          <m:ctrlPr>
+                            <a:rPr lang="de-DE" i="1">
+                              <a:latin typeface="Cambria Math" charset="0"/>
+                            </a:rPr>
+                          </m:ctrlPr>
+                        </m:dPr>
+                        <m:e>
+                          <m:m>
+                            <m:mPr>
+                              <m:plcHide m:val="on"/>
+                              <m:mcs>
+                                <m:mc>
+                                  <m:mcPr>
+                                    <m:count m:val="6"/>
+                                    <m:mcJc m:val="center"/>
+                                  </m:mcPr>
+                                </m:mc>
+                              </m:mcs>
+                              <m:ctrlPr>
+                                <a:rPr lang="de-DE" i="1">
+                                  <a:latin typeface="Cambria Math" charset="0"/>
+                                </a:rPr>
+                              </m:ctrlPr>
+                            </m:mPr>
+                            <m:mr>
+                              <m:e>
+                                <m:r>
+                                  <a:rPr lang="de-DE">
+                                    <a:latin typeface="Cambria Math" charset="0"/>
+                                  </a:rPr>
+                                  <m:t>0</m:t>
+                                </m:r>
+                              </m:e>
+                              <m:e>
+                                <m:r>
+                                  <a:rPr lang="de-DE">
+                                    <a:latin typeface="Cambria Math" charset="0"/>
+                                  </a:rPr>
+                                  <m:t>−1</m:t>
+                                </m:r>
+                              </m:e>
+                              <m:e>
+                                <m:r>
+                                  <a:rPr lang="de-DE">
+                                    <a:latin typeface="Cambria Math" charset="0"/>
+                                  </a:rPr>
+                                  <m:t>0</m:t>
+                                </m:r>
+                              </m:e>
+                              <m:e>
+                                <m:r>
+                                  <a:rPr lang="de-DE">
+                                    <a:latin typeface="Cambria Math" charset="0"/>
+                                  </a:rPr>
+                                  <m:t>1</m:t>
+                                </m:r>
+                              </m:e>
+                              <m:e>
+                                <m:r>
+                                  <a:rPr lang="de-DE">
+                                    <a:latin typeface="Cambria Math" charset="0"/>
+                                  </a:rPr>
+                                  <m:t>0</m:t>
+                                </m:r>
+                              </m:e>
+                              <m:e>
+                                <m:r>
+                                  <a:rPr lang="de-DE">
+                                    <a:latin typeface="Cambria Math" charset="0"/>
+                                  </a:rPr>
+                                  <m:t>−1</m:t>
+                                </m:r>
+                              </m:e>
+                            </m:mr>
+                            <m:mr>
+                              <m:e>
+                                <m:r>
+                                  <a:rPr lang="de-DE">
+                                    <a:latin typeface="Cambria Math" charset="0"/>
+                                  </a:rPr>
+                                  <m:t>−1</m:t>
+                                </m:r>
+                              </m:e>
+                              <m:e>
+                                <m:r>
+                                  <a:rPr lang="de-DE">
+                                    <a:latin typeface="Cambria Math" charset="0"/>
+                                  </a:rPr>
+                                  <m:t>0</m:t>
+                                </m:r>
+                              </m:e>
+                              <m:e>
+                                <m:r>
+                                  <a:rPr lang="de-DE">
+                                    <a:latin typeface="Cambria Math" charset="0"/>
+                                  </a:rPr>
+                                  <m:t>−1</m:t>
+                                </m:r>
+                              </m:e>
+                              <m:e>
+                                <m:r>
+                                  <a:rPr lang="de-DE">
+                                    <a:latin typeface="Cambria Math" charset="0"/>
+                                  </a:rPr>
+                                  <m:t>0</m:t>
+                                </m:r>
+                              </m:e>
+                              <m:e>
+                                <m:r>
+                                  <a:rPr lang="de-DE">
+                                    <a:latin typeface="Cambria Math" charset="0"/>
+                                  </a:rPr>
+                                  <m:t>1</m:t>
+                                </m:r>
+                              </m:e>
+                              <m:e>
+                                <m:r>
+                                  <a:rPr lang="de-DE">
+                                    <a:latin typeface="Cambria Math" charset="0"/>
+                                  </a:rPr>
+                                  <m:t>0</m:t>
+                                </m:r>
+                              </m:e>
+                            </m:mr>
+                            <m:mr>
+                              <m:e>
+                                <m:r>
+                                  <a:rPr lang="de-DE">
+                                    <a:latin typeface="Cambria Math" charset="0"/>
+                                  </a:rPr>
+                                  <m:t>0</m:t>
+                                </m:r>
+                              </m:e>
+                              <m:e>
+                                <m:r>
+                                  <a:rPr lang="de-DE">
+                                    <a:latin typeface="Cambria Math" charset="0"/>
+                                  </a:rPr>
+                                  <m:t>−1</m:t>
+                                </m:r>
+                              </m:e>
+                              <m:e>
+                                <m:r>
+                                  <a:rPr lang="de-DE">
+                                    <a:latin typeface="Cambria Math" charset="0"/>
+                                  </a:rPr>
+                                  <m:t>0</m:t>
+                                </m:r>
+                              </m:e>
+                              <m:e>
+                                <m:r>
+                                  <a:rPr lang="de-DE">
+                                    <a:latin typeface="Cambria Math" charset="0"/>
+                                  </a:rPr>
+                                  <m:t>−1</m:t>
+                                </m:r>
+                              </m:e>
+                              <m:e>
+                                <m:r>
+                                  <a:rPr lang="de-DE">
+                                    <a:latin typeface="Cambria Math" charset="0"/>
+                                  </a:rPr>
+                                  <m:t>0</m:t>
+                                </m:r>
+                              </m:e>
+                              <m:e>
+                                <m:r>
+                                  <a:rPr lang="de-DE">
+                                    <a:latin typeface="Cambria Math" charset="0"/>
+                                  </a:rPr>
+                                  <m:t>0</m:t>
+                                </m:r>
+                              </m:e>
+                            </m:mr>
+                            <m:mr>
+                              <m:e>
+                                <m:r>
+                                  <a:rPr lang="de-DE">
+                                    <a:latin typeface="Cambria Math" charset="0"/>
+                                  </a:rPr>
+                                  <m:t>1</m:t>
+                                </m:r>
+                              </m:e>
+                              <m:e>
+                                <m:r>
+                                  <a:rPr lang="de-DE">
+                                    <a:latin typeface="Cambria Math" charset="0"/>
+                                  </a:rPr>
+                                  <m:t>0</m:t>
+                                </m:r>
+                              </m:e>
+                              <m:e>
+                                <m:r>
+                                  <a:rPr lang="de-DE">
+                                    <a:latin typeface="Cambria Math" charset="0"/>
+                                  </a:rPr>
+                                  <m:t>−1</m:t>
+                                </m:r>
+                              </m:e>
+                              <m:e>
+                                <m:r>
+                                  <a:rPr lang="de-DE">
+                                    <a:latin typeface="Cambria Math" charset="0"/>
+                                  </a:rPr>
+                                  <m:t>0</m:t>
+                                </m:r>
+                              </m:e>
+                              <m:e>
+                                <m:r>
+                                  <a:rPr lang="de-DE">
+                                    <a:latin typeface="Cambria Math" charset="0"/>
+                                  </a:rPr>
+                                  <m:t>0</m:t>
+                                </m:r>
+                              </m:e>
+                              <m:e>
+                                <m:r>
+                                  <a:rPr lang="de-DE">
+                                    <a:latin typeface="Cambria Math" charset="0"/>
+                                  </a:rPr>
+                                  <m:t>0</m:t>
+                                </m:r>
+                              </m:e>
+                            </m:mr>
+                            <m:mr>
+                              <m:e>
+                                <m:r>
+                                  <a:rPr lang="de-DE">
+                                    <a:latin typeface="Cambria Math" charset="0"/>
+                                  </a:rPr>
+                                  <m:t>0</m:t>
+                                </m:r>
+                              </m:e>
+                              <m:e>
+                                <m:r>
+                                  <a:rPr lang="de-DE">
+                                    <a:latin typeface="Cambria Math" charset="0"/>
+                                  </a:rPr>
+                                  <m:t>1</m:t>
+                                </m:r>
+                              </m:e>
+                              <m:e>
+                                <m:r>
+                                  <a:rPr lang="de-DE">
+                                    <a:latin typeface="Cambria Math" charset="0"/>
+                                  </a:rPr>
+                                  <m:t>0</m:t>
+                                </m:r>
+                              </m:e>
+                              <m:e>
+                                <m:r>
+                                  <a:rPr lang="de-DE">
+                                    <a:latin typeface="Cambria Math" charset="0"/>
+                                  </a:rPr>
+                                  <m:t>0</m:t>
+                                </m:r>
+                              </m:e>
+                              <m:e>
+                                <m:r>
+                                  <a:rPr lang="de-DE">
+                                    <a:latin typeface="Cambria Math" charset="0"/>
+                                  </a:rPr>
+                                  <m:t>0</m:t>
+                                </m:r>
+                              </m:e>
+                              <m:e>
+                                <m:r>
+                                  <a:rPr lang="de-DE">
+                                    <a:latin typeface="Cambria Math" charset="0"/>
+                                  </a:rPr>
+                                  <m:t>1</m:t>
+                                </m:r>
+                              </m:e>
+                            </m:mr>
+                            <m:mr>
+                              <m:e>
+                                <m:r>
+                                  <a:rPr lang="de-DE">
+                                    <a:latin typeface="Cambria Math" charset="0"/>
+                                  </a:rPr>
+                                  <m:t>−1</m:t>
+                                </m:r>
+                              </m:e>
+                              <m:e>
+                                <m:r>
+                                  <a:rPr lang="de-DE">
+                                    <a:latin typeface="Cambria Math" charset="0"/>
+                                  </a:rPr>
+                                  <m:t>0</m:t>
+                                </m:r>
+                              </m:e>
+                              <m:e>
+                                <m:r>
+                                  <a:rPr lang="de-DE">
+                                    <a:latin typeface="Cambria Math" charset="0"/>
+                                  </a:rPr>
+                                  <m:t>0</m:t>
+                                </m:r>
+                              </m:e>
+                              <m:e>
+                                <m:r>
+                                  <a:rPr lang="de-DE">
+                                    <a:latin typeface="Cambria Math" charset="0"/>
+                                  </a:rPr>
+                                  <m:t>0</m:t>
+                                </m:r>
+                              </m:e>
+                              <m:e>
+                                <m:r>
+                                  <a:rPr lang="de-DE">
+                                    <a:latin typeface="Cambria Math" charset="0"/>
+                                  </a:rPr>
+                                  <m:t>1</m:t>
+                                </m:r>
+                              </m:e>
+                              <m:e>
+                                <m:r>
+                                  <a:rPr lang="de-DE">
+                                    <a:latin typeface="Cambria Math" charset="0"/>
+                                  </a:rPr>
+                                  <m:t>0</m:t>
+                                </m:r>
+                              </m:e>
+                            </m:mr>
+                          </m:m>
+                        </m:e>
+                      </m:d>
+                    </m:oMath>
+                  </m:oMathPara>
+                </a14:m>
+                <a:endParaRPr lang="de-DE" dirty="0"/>
+              </a:p>
+            </p:txBody>
+          </p:sp>
+        </mc:Choice>
+        <mc:Fallback xmlns="">
+          <p:sp>
+            <p:nvSpPr>
+              <p:cNvPr id="4" name="Rechteck 3"/>
+              <p:cNvSpPr>
+                <a:spLocks noRot="1" noChangeAspect="1" noMove="1" noResize="1" noEditPoints="1" noAdjustHandles="1" noChangeArrowheads="1" noChangeShapeType="1" noTextEdit="1"/>
+              </p:cNvSpPr>
+              <p:nvPr/>
+            </p:nvSpPr>
+            <p:spPr>
+              <a:xfrm>
+                <a:off x="838200" y="3362926"/>
+                <a:ext cx="3188373" cy="1636858"/>
+              </a:xfrm>
+              <a:prstGeom prst="rect">
+                <a:avLst/>
+              </a:prstGeom>
+              <a:blipFill rotWithShape="0">
+                <a:blip r:embed="rId2"/>
+                <a:stretch>
+                  <a:fillRect/>
+                </a:stretch>
+              </a:blipFill>
+            </p:spPr>
+            <p:txBody>
+              <a:bodyPr/>
+              <a:lstStyle/>
+              <a:p>
+                <a:r>
+                  <a:rPr lang="de-DE">
+                    <a:noFill/>
+                  </a:rPr>
+                  <a:t> </a:t>
+                </a:r>
+              </a:p>
+            </p:txBody>
+          </p:sp>
+        </mc:Fallback>
+      </mc:AlternateContent>
+      <mc:AlternateContent xmlns:mc="http://schemas.openxmlformats.org/markup-compatibility/2006" xmlns:a14="http://schemas.microsoft.com/office/drawing/2010/main">
+        <mc:Choice Requires="a14">
+          <p:sp>
+            <p:nvSpPr>
+              <p:cNvPr id="5" name="Rechteck 4"/>
+              <p:cNvSpPr/>
+              <p:nvPr/>
+            </p:nvSpPr>
+            <p:spPr>
+              <a:xfrm>
+                <a:off x="5810657" y="3362926"/>
+                <a:ext cx="1867050" cy="1793824"/>
+              </a:xfrm>
+              <a:prstGeom prst="rect">
+                <a:avLst/>
+              </a:prstGeom>
+            </p:spPr>
+            <p:txBody>
+              <a:bodyPr wrap="none">
+                <a:spAutoFit/>
+              </a:bodyPr>
+              <a:lstStyle/>
+              <a:p>
+                <a:pPr/>
+                <a14:m>
+                  <m:oMathPara xmlns:m="http://schemas.openxmlformats.org/officeDocument/2006/math">
+                    <m:oMathParaPr>
+                      <m:jc m:val="centerGroup"/>
+                    </m:oMathParaPr>
+                    <m:oMath xmlns:m="http://schemas.openxmlformats.org/officeDocument/2006/math">
+                      <m:sSub>
+                        <m:sSubPr>
+                          <m:ctrlPr>
+                            <a:rPr lang="de-DE" i="1">
+                              <a:latin typeface="Cambria Math" charset="0"/>
+                            </a:rPr>
+                          </m:ctrlPr>
+                        </m:sSubPr>
+                        <m:e>
+                          <m:r>
+                            <a:rPr lang="de-DE" i="1">
+                              <a:latin typeface="Cambria Math" charset="0"/>
+                            </a:rPr>
+                            <m:t>𝐿</m:t>
+                          </m:r>
+                        </m:e>
+                        <m:sub>
+                          <m:r>
+                            <a:rPr lang="de-DE" i="1">
+                              <a:latin typeface="Cambria Math" charset="0"/>
+                            </a:rPr>
+                            <m:t>𝑝𝑜𝑠</m:t>
+                          </m:r>
+                        </m:sub>
+                      </m:sSub>
+                      <m:r>
+                        <a:rPr lang="de-DE" i="0">
+                          <a:latin typeface="Cambria Math" charset="0"/>
+                        </a:rPr>
+                        <m:t> :=  </m:t>
+                      </m:r>
+                      <m:m>
+                        <m:mPr>
+                          <m:plcHide m:val="on"/>
+                          <m:mcs>
+                            <m:mc>
+                              <m:mcPr>
+                                <m:count m:val="1"/>
+                                <m:mcJc m:val="center"/>
+                              </m:mcPr>
+                            </m:mc>
+                          </m:mcs>
+                          <m:ctrlPr>
+                            <a:rPr lang="de-DE" i="1">
+                              <a:latin typeface="Cambria Math" charset="0"/>
+                            </a:rPr>
+                          </m:ctrlPr>
+                        </m:mPr>
+                        <m:mr>
+                          <m:e>
+                            <m:r>
+                              <a:rPr lang="de-DE" i="0">
+                                <a:latin typeface="Cambria Math" charset="0"/>
+                              </a:rPr>
+                              <m:t>0:</m:t>
+                            </m:r>
+                            <m:d>
+                              <m:dPr>
+                                <m:begChr m:val="["/>
+                                <m:endChr m:val="]"/>
+                                <m:ctrlPr>
+                                  <a:rPr lang="de-DE" i="1">
+                                    <a:latin typeface="Cambria Math" charset="0"/>
+                                  </a:rPr>
+                                </m:ctrlPr>
+                              </m:dPr>
+                              <m:e>
+                                <m:r>
+                                  <a:rPr lang="de-DE" i="0">
+                                    <a:latin typeface="Cambria Math" charset="0"/>
+                                  </a:rPr>
+                                  <m:t>3</m:t>
+                                </m:r>
+                              </m:e>
+                            </m:d>
+                            <m:r>
+                              <a:rPr lang="de-DE" i="0">
+                                <a:latin typeface="Cambria Math" charset="0"/>
+                              </a:rPr>
+                              <m:t>    </m:t>
+                            </m:r>
+                          </m:e>
+                        </m:mr>
+                        <m:mr>
+                          <m:e>
+                            <m:r>
+                              <a:rPr lang="de-DE" i="0">
+                                <a:latin typeface="Cambria Math" charset="0"/>
+                              </a:rPr>
+                              <m:t>1:</m:t>
+                            </m:r>
+                            <m:d>
+                              <m:dPr>
+                                <m:begChr m:val="["/>
+                                <m:endChr m:val="]"/>
+                                <m:ctrlPr>
+                                  <a:rPr lang="de-DE" i="1">
+                                    <a:latin typeface="Cambria Math" charset="0"/>
+                                  </a:rPr>
+                                </m:ctrlPr>
+                              </m:dPr>
+                              <m:e>
+                                <m:r>
+                                  <a:rPr lang="de-DE" i="0">
+                                    <a:latin typeface="Cambria Math" charset="0"/>
+                                  </a:rPr>
+                                  <m:t>4</m:t>
+                                </m:r>
+                              </m:e>
+                            </m:d>
+                            <m:r>
+                              <a:rPr lang="de-DE" i="0">
+                                <a:latin typeface="Cambria Math" charset="0"/>
+                              </a:rPr>
+                              <m:t>    </m:t>
+                            </m:r>
+                          </m:e>
+                        </m:mr>
+                        <m:mr>
+                          <m:e>
+                            <m:r>
+                              <a:rPr lang="de-DE" i="0">
+                                <a:latin typeface="Cambria Math" charset="0"/>
+                              </a:rPr>
+                              <m:t>2:[]      </m:t>
+                            </m:r>
+                          </m:e>
+                        </m:mr>
+                        <m:mr>
+                          <m:e>
+                            <m:r>
+                              <a:rPr lang="de-DE" i="0">
+                                <a:latin typeface="Cambria Math" charset="0"/>
+                              </a:rPr>
+                              <m:t>3:</m:t>
+                            </m:r>
+                            <m:d>
+                              <m:dPr>
+                                <m:begChr m:val="["/>
+                                <m:endChr m:val="]"/>
+                                <m:ctrlPr>
+                                  <a:rPr lang="de-DE" i="1">
+                                    <a:latin typeface="Cambria Math" charset="0"/>
+                                  </a:rPr>
+                                </m:ctrlPr>
+                              </m:dPr>
+                              <m:e>
+                                <m:r>
+                                  <a:rPr lang="de-DE" i="0">
+                                    <a:latin typeface="Cambria Math" charset="0"/>
+                                  </a:rPr>
+                                  <m:t>0</m:t>
+                                </m:r>
+                              </m:e>
+                            </m:d>
+                            <m:r>
+                              <a:rPr lang="de-DE" i="0">
+                                <a:latin typeface="Cambria Math" charset="0"/>
+                              </a:rPr>
+                              <m:t>    </m:t>
+                            </m:r>
+                          </m:e>
+                        </m:mr>
+                        <m:mr>
+                          <m:e>
+                            <m:d>
+                              <m:dPr>
+                                <m:begChr m:val=""/>
+                                <m:endChr m:val="]"/>
+                                <m:ctrlPr>
+                                  <a:rPr lang="de-DE" i="1">
+                                    <a:latin typeface="Cambria Math" charset="0"/>
+                                  </a:rPr>
+                                </m:ctrlPr>
+                              </m:dPr>
+                              <m:e>
+                                <m:r>
+                                  <a:rPr lang="de-DE" i="0">
+                                    <a:latin typeface="Cambria Math" charset="0"/>
+                                  </a:rPr>
+                                  <m:t>4:[1, 5</m:t>
+                                </m:r>
+                              </m:e>
+                            </m:d>
+                          </m:e>
+                        </m:mr>
+                        <m:mr>
+                          <m:e>
+                            <m:r>
+                              <a:rPr lang="de-DE" i="0">
+                                <a:latin typeface="Cambria Math" charset="0"/>
+                              </a:rPr>
+                              <m:t>5:</m:t>
+                            </m:r>
+                            <m:d>
+                              <m:dPr>
+                                <m:begChr m:val="["/>
+                                <m:endChr m:val="]"/>
+                                <m:ctrlPr>
+                                  <a:rPr lang="de-DE" i="1">
+                                    <a:latin typeface="Cambria Math" charset="0"/>
+                                  </a:rPr>
+                                </m:ctrlPr>
+                              </m:dPr>
+                              <m:e>
+                                <m:r>
+                                  <a:rPr lang="de-DE" i="0">
+                                    <a:latin typeface="Cambria Math" charset="0"/>
+                                  </a:rPr>
+                                  <m:t>4</m:t>
+                                </m:r>
+                              </m:e>
+                            </m:d>
+                            <m:r>
+                              <a:rPr lang="de-DE" i="0">
+                                <a:latin typeface="Cambria Math" charset="0"/>
+                              </a:rPr>
+                              <m:t>    </m:t>
+                            </m:r>
+                          </m:e>
+                        </m:mr>
+                      </m:m>
+                    </m:oMath>
+                  </m:oMathPara>
+                </a14:m>
+                <a:endParaRPr lang="de-DE" dirty="0"/>
+              </a:p>
+            </p:txBody>
+          </p:sp>
+        </mc:Choice>
+        <mc:Fallback xmlns="">
+          <p:sp>
+            <p:nvSpPr>
+              <p:cNvPr id="5" name="Rechteck 4"/>
+              <p:cNvSpPr>
+                <a:spLocks noRot="1" noChangeAspect="1" noMove="1" noResize="1" noEditPoints="1" noAdjustHandles="1" noChangeArrowheads="1" noChangeShapeType="1" noTextEdit="1"/>
+              </p:cNvSpPr>
+              <p:nvPr/>
+            </p:nvSpPr>
+            <p:spPr>
+              <a:xfrm>
+                <a:off x="5810657" y="3362926"/>
+                <a:ext cx="1867050" cy="1793824"/>
+              </a:xfrm>
+              <a:prstGeom prst="rect">
+                <a:avLst/>
+              </a:prstGeom>
+              <a:blipFill rotWithShape="0">
+                <a:blip r:embed="rId3"/>
+                <a:stretch>
+                  <a:fillRect/>
+                </a:stretch>
+              </a:blipFill>
+            </p:spPr>
+            <p:txBody>
+              <a:bodyPr/>
+              <a:lstStyle/>
+              <a:p>
+                <a:r>
+                  <a:rPr lang="de-DE">
+                    <a:noFill/>
+                  </a:rPr>
+                  <a:t> </a:t>
+                </a:r>
+              </a:p>
+            </p:txBody>
+          </p:sp>
+        </mc:Fallback>
+      </mc:AlternateContent>
+      <mc:AlternateContent xmlns:mc="http://schemas.openxmlformats.org/markup-compatibility/2006" xmlns:a14="http://schemas.microsoft.com/office/drawing/2010/main">
+        <mc:Choice Requires="a14">
+          <p:sp>
+            <p:nvSpPr>
+              <p:cNvPr id="6" name="Rechteck 5"/>
+              <p:cNvSpPr/>
+              <p:nvPr/>
+            </p:nvSpPr>
+            <p:spPr>
+              <a:xfrm>
+                <a:off x="8137472" y="3413984"/>
+                <a:ext cx="2213683" cy="1783758"/>
+              </a:xfrm>
+              <a:prstGeom prst="rect">
+                <a:avLst/>
+              </a:prstGeom>
+            </p:spPr>
+            <p:txBody>
+              <a:bodyPr wrap="none">
+                <a:spAutoFit/>
+              </a:bodyPr>
+              <a:lstStyle/>
+              <a:p>
+                <a:pPr/>
+                <a14:m>
+                  <m:oMathPara xmlns:m="http://schemas.openxmlformats.org/officeDocument/2006/math">
+                    <m:oMathParaPr>
+                      <m:jc m:val="centerGroup"/>
+                    </m:oMathParaPr>
+                    <m:oMath xmlns:m="http://schemas.openxmlformats.org/officeDocument/2006/math">
+                      <m:r>
+                        <a:rPr lang="de-DE">
+                          <a:latin typeface="Cambria Math" charset="0"/>
+                        </a:rPr>
+                        <m:t> </m:t>
+                      </m:r>
+                      <m:sSub>
+                        <m:sSubPr>
+                          <m:ctrlPr>
+                            <a:rPr lang="de-DE" i="1">
+                              <a:latin typeface="Cambria Math" charset="0"/>
+                            </a:rPr>
+                          </m:ctrlPr>
+                        </m:sSubPr>
+                        <m:e>
+                          <m:r>
+                            <a:rPr lang="de-DE" i="1">
+                              <a:latin typeface="Cambria Math" charset="0"/>
+                            </a:rPr>
+                            <m:t>𝐿</m:t>
+                          </m:r>
+                        </m:e>
+                        <m:sub>
+                          <m:r>
+                            <a:rPr lang="de-DE" i="1">
+                              <a:latin typeface="Cambria Math" charset="0"/>
+                            </a:rPr>
+                            <m:t>𝑛𝑒𝑔</m:t>
+                          </m:r>
+                        </m:sub>
+                      </m:sSub>
+                      <m:r>
+                        <a:rPr lang="de-DE" i="0">
+                          <a:latin typeface="Cambria Math" charset="0"/>
+                        </a:rPr>
+                        <m:t> :=  </m:t>
+                      </m:r>
+                      <m:m>
+                        <m:mPr>
+                          <m:plcHide m:val="on"/>
+                          <m:mcs>
+                            <m:mc>
+                              <m:mcPr>
+                                <m:count m:val="1"/>
+                                <m:mcJc m:val="center"/>
+                              </m:mcPr>
+                            </m:mc>
+                          </m:mcs>
+                          <m:ctrlPr>
+                            <a:rPr lang="de-DE" i="1">
+                              <a:latin typeface="Cambria Math" charset="0"/>
+                            </a:rPr>
+                          </m:ctrlPr>
+                        </m:mPr>
+                        <m:mr>
+                          <m:e>
+                            <m:r>
+                              <a:rPr lang="de-DE" i="0">
+                                <a:latin typeface="Cambria Math" charset="0"/>
+                              </a:rPr>
+                              <m:t>0:</m:t>
+                            </m:r>
+                            <m:d>
+                              <m:dPr>
+                                <m:begChr m:val="["/>
+                                <m:endChr m:val="]"/>
+                                <m:ctrlPr>
+                                  <a:rPr lang="de-DE" i="1">
+                                    <a:latin typeface="Cambria Math" charset="0"/>
+                                  </a:rPr>
+                                </m:ctrlPr>
+                              </m:dPr>
+                              <m:e>
+                                <m:r>
+                                  <a:rPr lang="de-DE" i="0">
+                                    <a:latin typeface="Cambria Math" charset="0"/>
+                                  </a:rPr>
+                                  <m:t>1, 5</m:t>
+                                </m:r>
+                              </m:e>
+                            </m:d>
+                            <m:r>
+                              <a:rPr lang="de-DE" i="0">
+                                <a:latin typeface="Cambria Math" charset="0"/>
+                              </a:rPr>
+                              <m:t>    </m:t>
+                            </m:r>
+                          </m:e>
+                        </m:mr>
+                        <m:mr>
+                          <m:e>
+                            <m:r>
+                              <a:rPr lang="de-DE" i="0">
+                                <a:latin typeface="Cambria Math" charset="0"/>
+                              </a:rPr>
+                              <m:t>1:</m:t>
+                            </m:r>
+                            <m:d>
+                              <m:dPr>
+                                <m:begChr m:val="["/>
+                                <m:endChr m:val="]"/>
+                                <m:ctrlPr>
+                                  <a:rPr lang="de-DE" i="1">
+                                    <a:latin typeface="Cambria Math" charset="0"/>
+                                  </a:rPr>
+                                </m:ctrlPr>
+                              </m:dPr>
+                              <m:e>
+                                <m:r>
+                                  <a:rPr lang="de-DE" i="0">
+                                    <a:latin typeface="Cambria Math" charset="0"/>
+                                  </a:rPr>
+                                  <m:t>0, 2</m:t>
+                                </m:r>
+                              </m:e>
+                            </m:d>
+                            <m:r>
+                              <a:rPr lang="de-DE" i="0">
+                                <a:latin typeface="Cambria Math" charset="0"/>
+                              </a:rPr>
+                              <m:t>    </m:t>
+                            </m:r>
+                          </m:e>
+                        </m:mr>
+                        <m:mr>
+                          <m:e>
+                            <m:r>
+                              <a:rPr lang="de-DE" i="0">
+                                <a:latin typeface="Cambria Math" charset="0"/>
+                              </a:rPr>
+                              <m:t>2:[1, 3]     </m:t>
+                            </m:r>
+                          </m:e>
+                        </m:mr>
+                        <m:mr>
+                          <m:e>
+                            <m:r>
+                              <a:rPr lang="de-DE" i="0">
+                                <a:latin typeface="Cambria Math" charset="0"/>
+                              </a:rPr>
+                              <m:t>3:</m:t>
+                            </m:r>
+                            <m:d>
+                              <m:dPr>
+                                <m:begChr m:val="["/>
+                                <m:endChr m:val="]"/>
+                                <m:ctrlPr>
+                                  <a:rPr lang="de-DE" i="1">
+                                    <a:latin typeface="Cambria Math" charset="0"/>
+                                  </a:rPr>
+                                </m:ctrlPr>
+                              </m:dPr>
+                              <m:e>
+                                <m:r>
+                                  <a:rPr lang="de-DE" i="0">
+                                    <a:latin typeface="Cambria Math" charset="0"/>
+                                  </a:rPr>
+                                  <m:t>2</m:t>
+                                </m:r>
+                              </m:e>
+                            </m:d>
+                            <m:r>
+                              <a:rPr lang="de-DE" i="0">
+                                <a:latin typeface="Cambria Math" charset="0"/>
+                              </a:rPr>
+                              <m:t>         </m:t>
+                            </m:r>
+                          </m:e>
+                        </m:mr>
+                        <m:mr>
+                          <m:e>
+                            <m:r>
+                              <a:rPr lang="de-DE" i="0">
+                                <a:latin typeface="Cambria Math" charset="0"/>
+                              </a:rPr>
+                              <m:t>4:[]            </m:t>
+                            </m:r>
+                          </m:e>
+                        </m:mr>
+                        <m:mr>
+                          <m:e>
+                            <m:r>
+                              <a:rPr lang="de-DE" i="0">
+                                <a:latin typeface="Cambria Math" charset="0"/>
+                              </a:rPr>
+                              <m:t>5:</m:t>
+                            </m:r>
+                            <m:d>
+                              <m:dPr>
+                                <m:begChr m:val="["/>
+                                <m:endChr m:val="]"/>
+                                <m:ctrlPr>
+                                  <a:rPr lang="de-DE" i="1">
+                                    <a:latin typeface="Cambria Math" charset="0"/>
+                                  </a:rPr>
+                                </m:ctrlPr>
+                              </m:dPr>
+                              <m:e>
+                                <m:r>
+                                  <a:rPr lang="de-DE" i="0">
+                                    <a:latin typeface="Cambria Math" charset="0"/>
+                                  </a:rPr>
+                                  <m:t>0</m:t>
+                                </m:r>
+                              </m:e>
+                            </m:d>
+                            <m:r>
+                              <a:rPr lang="de-DE" i="0">
+                                <a:latin typeface="Cambria Math" charset="0"/>
+                              </a:rPr>
+                              <m:t>         </m:t>
+                            </m:r>
+                          </m:e>
+                        </m:mr>
+                      </m:m>
+                    </m:oMath>
+                  </m:oMathPara>
+                </a14:m>
+                <a:endParaRPr lang="de-DE" dirty="0"/>
+              </a:p>
+            </p:txBody>
+          </p:sp>
+        </mc:Choice>
+        <mc:Fallback xmlns="">
+          <p:sp>
+            <p:nvSpPr>
+              <p:cNvPr id="6" name="Rechteck 5"/>
+              <p:cNvSpPr>
+                <a:spLocks noRot="1" noChangeAspect="1" noMove="1" noResize="1" noEditPoints="1" noAdjustHandles="1" noChangeArrowheads="1" noChangeShapeType="1" noTextEdit="1"/>
+              </p:cNvSpPr>
+              <p:nvPr/>
+            </p:nvSpPr>
+            <p:spPr>
+              <a:xfrm>
+                <a:off x="8137472" y="3413984"/>
+                <a:ext cx="2213683" cy="1783758"/>
+              </a:xfrm>
+              <a:prstGeom prst="rect">
+                <a:avLst/>
+              </a:prstGeom>
+              <a:blipFill rotWithShape="0">
+                <a:blip r:embed="rId4"/>
+                <a:stretch>
+                  <a:fillRect/>
+                </a:stretch>
+              </a:blipFill>
+            </p:spPr>
+            <p:txBody>
+              <a:bodyPr/>
+              <a:lstStyle/>
+              <a:p>
+                <a:r>
+                  <a:rPr lang="de-DE">
+                    <a:noFill/>
+                  </a:rPr>
+                  <a:t> </a:t>
+                </a:r>
+              </a:p>
+            </p:txBody>
+          </p:sp>
+        </mc:Fallback>
+      </mc:AlternateContent>
+      <p:sp>
+        <p:nvSpPr>
+          <p:cNvPr id="7" name="Rechteck 6"/>
+          <p:cNvSpPr/>
+          <p:nvPr/>
+        </p:nvSpPr>
+        <p:spPr>
+          <a:xfrm>
+            <a:off x="4486338" y="4075172"/>
+            <a:ext cx="393056" cy="369332"/>
+          </a:xfrm>
+          <a:prstGeom prst="rect">
+            <a:avLst/>
+          </a:prstGeom>
+        </p:spPr>
+        <p:txBody>
+          <a:bodyPr wrap="none">
+            <a:spAutoFit/>
+          </a:bodyPr>
+          <a:lstStyle/>
+          <a:p>
+            <a:r>
+              <a:rPr lang="de-DE"/>
+              <a:t>→</a:t>
+            </a:r>
+          </a:p>
+        </p:txBody>
+      </p:sp>
+    </p:spTree>
+    <p:extLst>
+      <p:ext uri="{BB962C8B-B14F-4D97-AF65-F5344CB8AC3E}">
+        <p14:creationId xmlns:p14="http://schemas.microsoft.com/office/powerpoint/2010/main" val="163220764"/>
       </p:ext>
     </p:extLst>
   </p:cSld>
@@ -29504,924 +27213,1125 @@
           </a:p>
         </p:txBody>
       </p:sp>
+      <p:grpSp>
+        <p:nvGrpSpPr>
+          <p:cNvPr id="6" name="Gruppierung 5"/>
+          <p:cNvGrpSpPr/>
+          <p:nvPr/>
+        </p:nvGrpSpPr>
+        <p:grpSpPr>
+          <a:xfrm>
+            <a:off x="838200" y="2131085"/>
+            <a:ext cx="2827011" cy="1755400"/>
+            <a:chOff x="0" y="0"/>
+            <a:chExt cx="2286635" cy="1419860"/>
+          </a:xfrm>
+        </p:grpSpPr>
+        <p:sp>
+          <p:nvSpPr>
+            <p:cNvPr id="7" name="Rechteck 6"/>
+            <p:cNvSpPr/>
+            <p:nvPr/>
+          </p:nvSpPr>
+          <p:spPr>
+            <a:xfrm>
+              <a:off x="111760" y="0"/>
+              <a:ext cx="457835" cy="231140"/>
+            </a:xfrm>
+            <a:prstGeom prst="rect">
+              <a:avLst/>
+            </a:prstGeom>
+            <a:ln>
+              <a:tailEnd type="none"/>
+            </a:ln>
+          </p:spPr>
+          <p:style>
+            <a:lnRef idx="2">
+              <a:schemeClr val="dk1"/>
+            </a:lnRef>
+            <a:fillRef idx="1">
+              <a:schemeClr val="lt1"/>
+            </a:fillRef>
+            <a:effectRef idx="0">
+              <a:schemeClr val="dk1"/>
+            </a:effectRef>
+            <a:fontRef idx="minor">
+              <a:schemeClr val="dk1"/>
+            </a:fontRef>
+          </p:style>
+          <p:txBody>
+            <a:bodyPr rot="0" spcFirstLastPara="0" vert="horz" wrap="square" lIns="91440" tIns="45720" rIns="91440" bIns="45720" numCol="1" spcCol="0" rtlCol="0" fromWordArt="0" anchor="ctr" anchorCtr="0" forceAA="0" compatLnSpc="1">
+              <a:prstTxWarp prst="textNoShape">
+                <a:avLst/>
+              </a:prstTxWarp>
+              <a:noAutofit/>
+            </a:bodyPr>
+            <a:lstStyle/>
+            <a:p>
+              <a:pPr algn="ctr">
+                <a:spcAft>
+                  <a:spcPts val="0"/>
+                </a:spcAft>
+              </a:pPr>
+              <a:r>
+                <a:rPr lang="en-US" sz="1200" dirty="0">
+                  <a:effectLst/>
+                  <a:latin typeface="Calibri" charset="0"/>
+                  <a:ea typeface="Calibri" charset="0"/>
+                  <a:cs typeface="Calibri" charset="0"/>
+                </a:rPr>
+                <a:t>Alina</a:t>
+              </a:r>
+              <a:endParaRPr lang="de-DE" sz="1200" dirty="0">
+                <a:effectLst/>
+                <a:latin typeface="Calibri" charset="0"/>
+                <a:ea typeface="Calibri" charset="0"/>
+                <a:cs typeface="Calibri" charset="0"/>
+              </a:endParaRPr>
+            </a:p>
+          </p:txBody>
+        </p:sp>
+        <p:sp>
+          <p:nvSpPr>
+            <p:cNvPr id="8" name="Rechteck 7"/>
+            <p:cNvSpPr/>
+            <p:nvPr/>
+          </p:nvSpPr>
+          <p:spPr>
+            <a:xfrm>
+              <a:off x="1026160" y="40640"/>
+              <a:ext cx="457835" cy="231140"/>
+            </a:xfrm>
+            <a:prstGeom prst="rect">
+              <a:avLst/>
+            </a:prstGeom>
+            <a:ln>
+              <a:tailEnd type="none"/>
+            </a:ln>
+          </p:spPr>
+          <p:style>
+            <a:lnRef idx="2">
+              <a:schemeClr val="dk1"/>
+            </a:lnRef>
+            <a:fillRef idx="1">
+              <a:schemeClr val="lt1"/>
+            </a:fillRef>
+            <a:effectRef idx="0">
+              <a:schemeClr val="dk1"/>
+            </a:effectRef>
+            <a:fontRef idx="minor">
+              <a:schemeClr val="dk1"/>
+            </a:fontRef>
+          </p:style>
+          <p:txBody>
+            <a:bodyPr rot="0" spcFirstLastPara="0" vert="horz" wrap="square" lIns="91440" tIns="45720" rIns="91440" bIns="45720" numCol="1" spcCol="0" rtlCol="0" fromWordArt="0" anchor="ctr" anchorCtr="0" forceAA="0" compatLnSpc="1">
+              <a:prstTxWarp prst="textNoShape">
+                <a:avLst/>
+              </a:prstTxWarp>
+              <a:noAutofit/>
+            </a:bodyPr>
+            <a:lstStyle/>
+            <a:p>
+              <a:pPr algn="ctr">
+                <a:spcAft>
+                  <a:spcPts val="0"/>
+                </a:spcAft>
+              </a:pPr>
+              <a:r>
+                <a:rPr lang="en-US" sz="1200" dirty="0">
+                  <a:effectLst/>
+                  <a:latin typeface="Calibri" charset="0"/>
+                  <a:ea typeface="Calibri" charset="0"/>
+                  <a:cs typeface="Calibri" charset="0"/>
+                </a:rPr>
+                <a:t>Lilli</a:t>
+              </a:r>
+              <a:endParaRPr lang="de-DE" sz="1200" dirty="0">
+                <a:effectLst/>
+                <a:latin typeface="Calibri" charset="0"/>
+                <a:ea typeface="Calibri" charset="0"/>
+                <a:cs typeface="Calibri" charset="0"/>
+              </a:endParaRPr>
+            </a:p>
+          </p:txBody>
+        </p:sp>
+        <p:sp>
+          <p:nvSpPr>
+            <p:cNvPr id="9" name="Rechteck 8"/>
+            <p:cNvSpPr/>
+            <p:nvPr/>
+          </p:nvSpPr>
+          <p:spPr>
+            <a:xfrm>
+              <a:off x="0" y="609600"/>
+              <a:ext cx="572135" cy="231140"/>
+            </a:xfrm>
+            <a:prstGeom prst="rect">
+              <a:avLst/>
+            </a:prstGeom>
+            <a:ln>
+              <a:tailEnd type="none"/>
+            </a:ln>
+          </p:spPr>
+          <p:style>
+            <a:lnRef idx="2">
+              <a:schemeClr val="dk1"/>
+            </a:lnRef>
+            <a:fillRef idx="1">
+              <a:schemeClr val="lt1"/>
+            </a:fillRef>
+            <a:effectRef idx="0">
+              <a:schemeClr val="dk1"/>
+            </a:effectRef>
+            <a:fontRef idx="minor">
+              <a:schemeClr val="dk1"/>
+            </a:fontRef>
+          </p:style>
+          <p:txBody>
+            <a:bodyPr rot="0" spcFirstLastPara="0" vert="horz" wrap="square" lIns="91440" tIns="45720" rIns="91440" bIns="45720" numCol="1" spcCol="0" rtlCol="0" fromWordArt="0" anchor="ctr" anchorCtr="0" forceAA="0" compatLnSpc="1">
+              <a:prstTxWarp prst="textNoShape">
+                <a:avLst/>
+              </a:prstTxWarp>
+              <a:noAutofit/>
+            </a:bodyPr>
+            <a:lstStyle/>
+            <a:p>
+              <a:pPr algn="ctr">
+                <a:spcAft>
+                  <a:spcPts val="0"/>
+                </a:spcAft>
+              </a:pPr>
+              <a:r>
+                <a:rPr lang="en-US" sz="1200" dirty="0">
+                  <a:effectLst/>
+                  <a:latin typeface="Calibri" charset="0"/>
+                  <a:ea typeface="Calibri" charset="0"/>
+                  <a:cs typeface="Calibri" charset="0"/>
+                </a:rPr>
+                <a:t>Emma</a:t>
+              </a:r>
+              <a:endParaRPr lang="de-DE" sz="1200" dirty="0">
+                <a:effectLst/>
+                <a:latin typeface="Calibri" charset="0"/>
+                <a:ea typeface="Calibri" charset="0"/>
+                <a:cs typeface="Calibri" charset="0"/>
+              </a:endParaRPr>
+            </a:p>
+          </p:txBody>
+        </p:sp>
+        <p:sp>
+          <p:nvSpPr>
+            <p:cNvPr id="10" name="Rechteck 9"/>
+            <p:cNvSpPr/>
+            <p:nvPr/>
+          </p:nvSpPr>
+          <p:spPr>
+            <a:xfrm>
+              <a:off x="1249680" y="609600"/>
+              <a:ext cx="457835" cy="231140"/>
+            </a:xfrm>
+            <a:prstGeom prst="rect">
+              <a:avLst/>
+            </a:prstGeom>
+            <a:ln>
+              <a:tailEnd type="none"/>
+            </a:ln>
+          </p:spPr>
+          <p:style>
+            <a:lnRef idx="2">
+              <a:schemeClr val="dk1"/>
+            </a:lnRef>
+            <a:fillRef idx="1">
+              <a:schemeClr val="lt1"/>
+            </a:fillRef>
+            <a:effectRef idx="0">
+              <a:schemeClr val="dk1"/>
+            </a:effectRef>
+            <a:fontRef idx="minor">
+              <a:schemeClr val="dk1"/>
+            </a:fontRef>
+          </p:style>
+          <p:txBody>
+            <a:bodyPr rot="0" spcFirstLastPara="0" vert="horz" wrap="square" lIns="91440" tIns="45720" rIns="91440" bIns="45720" numCol="1" spcCol="0" rtlCol="0" fromWordArt="0" anchor="ctr" anchorCtr="0" forceAA="0" compatLnSpc="1">
+              <a:prstTxWarp prst="textNoShape">
+                <a:avLst/>
+              </a:prstTxWarp>
+              <a:noAutofit/>
+            </a:bodyPr>
+            <a:lstStyle/>
+            <a:p>
+              <a:pPr algn="ctr">
+                <a:spcAft>
+                  <a:spcPts val="0"/>
+                </a:spcAft>
+              </a:pPr>
+              <a:r>
+                <a:rPr lang="en-US" sz="1200" dirty="0" smtClean="0">
+                  <a:effectLst/>
+                  <a:latin typeface="Calibri" charset="0"/>
+                  <a:ea typeface="Calibri" charset="0"/>
+                  <a:cs typeface="Calibri" charset="0"/>
+                </a:rPr>
+                <a:t>Lara</a:t>
+              </a:r>
+              <a:r>
+                <a:rPr lang="en-US" sz="1200" dirty="0">
+                  <a:effectLst/>
+                  <a:latin typeface="Calibri" charset="0"/>
+                  <a:ea typeface="Calibri" charset="0"/>
+                  <a:cs typeface="Calibri" charset="0"/>
+                </a:rPr>
+                <a:t> </a:t>
+              </a:r>
+              <a:endParaRPr lang="de-DE" sz="1200" dirty="0">
+                <a:effectLst/>
+                <a:latin typeface="Calibri" charset="0"/>
+                <a:ea typeface="Calibri" charset="0"/>
+                <a:cs typeface="Calibri" charset="0"/>
+              </a:endParaRPr>
+            </a:p>
+          </p:txBody>
+        </p:sp>
+        <p:sp>
+          <p:nvSpPr>
+            <p:cNvPr id="11" name="Rechteck 10"/>
+            <p:cNvSpPr/>
+            <p:nvPr/>
+          </p:nvSpPr>
+          <p:spPr>
+            <a:xfrm>
+              <a:off x="680720" y="1188720"/>
+              <a:ext cx="457835" cy="231140"/>
+            </a:xfrm>
+            <a:prstGeom prst="rect">
+              <a:avLst/>
+            </a:prstGeom>
+            <a:ln>
+              <a:tailEnd type="none"/>
+            </a:ln>
+          </p:spPr>
+          <p:style>
+            <a:lnRef idx="2">
+              <a:schemeClr val="dk1"/>
+            </a:lnRef>
+            <a:fillRef idx="1">
+              <a:schemeClr val="lt1"/>
+            </a:fillRef>
+            <a:effectRef idx="0">
+              <a:schemeClr val="dk1"/>
+            </a:effectRef>
+            <a:fontRef idx="minor">
+              <a:schemeClr val="dk1"/>
+            </a:fontRef>
+          </p:style>
+          <p:txBody>
+            <a:bodyPr rot="0" spcFirstLastPara="0" vert="horz" wrap="square" lIns="91440" tIns="45720" rIns="91440" bIns="45720" numCol="1" spcCol="0" rtlCol="0" fromWordArt="0" anchor="ctr" anchorCtr="0" forceAA="0" compatLnSpc="1">
+              <a:prstTxWarp prst="textNoShape">
+                <a:avLst/>
+              </a:prstTxWarp>
+              <a:noAutofit/>
+            </a:bodyPr>
+            <a:lstStyle/>
+            <a:p>
+              <a:pPr algn="ctr">
+                <a:spcAft>
+                  <a:spcPts val="0"/>
+                </a:spcAft>
+              </a:pPr>
+              <a:r>
+                <a:rPr lang="en-US" sz="1200">
+                  <a:effectLst/>
+                  <a:latin typeface="Calibri" charset="0"/>
+                  <a:ea typeface="Calibri" charset="0"/>
+                  <a:cs typeface="Calibri" charset="0"/>
+                </a:rPr>
+                <a:t>Mia</a:t>
+              </a:r>
+              <a:endParaRPr lang="de-DE" sz="1200">
+                <a:effectLst/>
+                <a:latin typeface="Calibri" charset="0"/>
+                <a:ea typeface="Calibri" charset="0"/>
+                <a:cs typeface="Calibri" charset="0"/>
+              </a:endParaRPr>
+            </a:p>
+          </p:txBody>
+        </p:sp>
+        <p:sp>
+          <p:nvSpPr>
+            <p:cNvPr id="12" name="Rechteck 11"/>
+            <p:cNvSpPr/>
+            <p:nvPr/>
+          </p:nvSpPr>
+          <p:spPr>
+            <a:xfrm>
+              <a:off x="1828800" y="1066800"/>
+              <a:ext cx="457835" cy="231140"/>
+            </a:xfrm>
+            <a:prstGeom prst="rect">
+              <a:avLst/>
+            </a:prstGeom>
+            <a:ln>
+              <a:tailEnd type="none"/>
+            </a:ln>
+          </p:spPr>
+          <p:style>
+            <a:lnRef idx="2">
+              <a:schemeClr val="dk1"/>
+            </a:lnRef>
+            <a:fillRef idx="1">
+              <a:schemeClr val="lt1"/>
+            </a:fillRef>
+            <a:effectRef idx="0">
+              <a:schemeClr val="dk1"/>
+            </a:effectRef>
+            <a:fontRef idx="minor">
+              <a:schemeClr val="dk1"/>
+            </a:fontRef>
+          </p:style>
+          <p:txBody>
+            <a:bodyPr rot="0" spcFirstLastPara="0" vert="horz" wrap="square" lIns="91440" tIns="45720" rIns="91440" bIns="45720" numCol="1" spcCol="0" rtlCol="0" fromWordArt="0" anchor="ctr" anchorCtr="0" forceAA="0" compatLnSpc="1">
+              <a:prstTxWarp prst="textNoShape">
+                <a:avLst/>
+              </a:prstTxWarp>
+              <a:noAutofit/>
+            </a:bodyPr>
+            <a:lstStyle/>
+            <a:p>
+              <a:pPr algn="ctr">
+                <a:spcAft>
+                  <a:spcPts val="0"/>
+                </a:spcAft>
+              </a:pPr>
+              <a:r>
+                <a:rPr lang="en-US" sz="1200" dirty="0" smtClean="0">
+                  <a:effectLst/>
+                  <a:latin typeface="Calibri" charset="0"/>
+                  <a:ea typeface="Calibri" charset="0"/>
+                  <a:cs typeface="Calibri" charset="0"/>
+                </a:rPr>
+                <a:t>Zoe</a:t>
+              </a:r>
+              <a:r>
+                <a:rPr lang="en-US" sz="1200" dirty="0">
+                  <a:effectLst/>
+                  <a:latin typeface="Calibri" charset="0"/>
+                  <a:ea typeface="Calibri" charset="0"/>
+                  <a:cs typeface="Calibri" charset="0"/>
+                </a:rPr>
+                <a:t> </a:t>
+              </a:r>
+              <a:endParaRPr lang="de-DE" sz="1200" dirty="0">
+                <a:effectLst/>
+                <a:latin typeface="Calibri" charset="0"/>
+                <a:ea typeface="Calibri" charset="0"/>
+                <a:cs typeface="Calibri" charset="0"/>
+              </a:endParaRPr>
+            </a:p>
+          </p:txBody>
+        </p:sp>
+        <p:cxnSp>
+          <p:nvCxnSpPr>
+            <p:cNvPr id="13" name="Gerade Verbindung mit Pfeil 12"/>
+            <p:cNvCxnSpPr/>
+            <p:nvPr/>
+          </p:nvCxnSpPr>
+          <p:spPr>
+            <a:xfrm>
+              <a:off x="568960" y="111760"/>
+              <a:ext cx="447675" cy="45719"/>
+            </a:xfrm>
+            <a:prstGeom prst="straightConnector1">
+              <a:avLst/>
+            </a:prstGeom>
+            <a:ln w="25400">
+              <a:solidFill>
+                <a:srgbClr val="92D050"/>
+              </a:solidFill>
+              <a:tailEnd type="none"/>
+            </a:ln>
+          </p:spPr>
+          <p:style>
+            <a:lnRef idx="2">
+              <a:schemeClr val="dk1"/>
+            </a:lnRef>
+            <a:fillRef idx="1">
+              <a:schemeClr val="lt1"/>
+            </a:fillRef>
+            <a:effectRef idx="0">
+              <a:schemeClr val="dk1"/>
+            </a:effectRef>
+            <a:fontRef idx="minor">
+              <a:schemeClr val="dk1"/>
+            </a:fontRef>
+          </p:style>
+        </p:cxnSp>
+        <p:cxnSp>
+          <p:nvCxnSpPr>
+            <p:cNvPr id="14" name="Gerade Verbindung mit Pfeil 13"/>
+            <p:cNvCxnSpPr/>
+            <p:nvPr/>
+          </p:nvCxnSpPr>
+          <p:spPr>
+            <a:xfrm flipV="1">
+              <a:off x="1137920" y="1188720"/>
+              <a:ext cx="686435" cy="119380"/>
+            </a:xfrm>
+            <a:prstGeom prst="straightConnector1">
+              <a:avLst/>
+            </a:prstGeom>
+            <a:ln w="25400">
+              <a:solidFill>
+                <a:srgbClr val="92D050"/>
+              </a:solidFill>
+              <a:tailEnd type="none"/>
+            </a:ln>
+          </p:spPr>
+          <p:style>
+            <a:lnRef idx="2">
+              <a:schemeClr val="dk1"/>
+            </a:lnRef>
+            <a:fillRef idx="1">
+              <a:schemeClr val="lt1"/>
+            </a:fillRef>
+            <a:effectRef idx="0">
+              <a:schemeClr val="dk1"/>
+            </a:effectRef>
+            <a:fontRef idx="minor">
+              <a:schemeClr val="dk1"/>
+            </a:fontRef>
+          </p:style>
+        </p:cxnSp>
+        <p:cxnSp>
+          <p:nvCxnSpPr>
+            <p:cNvPr id="15" name="Gerade Verbindung mit Pfeil 14"/>
+            <p:cNvCxnSpPr/>
+            <p:nvPr/>
+          </p:nvCxnSpPr>
+          <p:spPr>
+            <a:xfrm flipH="1" flipV="1">
+              <a:off x="335280" y="833120"/>
+              <a:ext cx="575945" cy="340360"/>
+            </a:xfrm>
+            <a:prstGeom prst="straightConnector1">
+              <a:avLst/>
+            </a:prstGeom>
+            <a:ln w="25400">
+              <a:solidFill>
+                <a:srgbClr val="92D050"/>
+              </a:solidFill>
+              <a:tailEnd type="none"/>
+            </a:ln>
+          </p:spPr>
+          <p:style>
+            <a:lnRef idx="2">
+              <a:schemeClr val="dk1"/>
+            </a:lnRef>
+            <a:fillRef idx="1">
+              <a:schemeClr val="lt1"/>
+            </a:fillRef>
+            <a:effectRef idx="0">
+              <a:schemeClr val="dk1"/>
+            </a:effectRef>
+            <a:fontRef idx="minor">
+              <a:schemeClr val="dk1"/>
+            </a:fontRef>
+          </p:style>
+        </p:cxnSp>
+      </p:grpSp>
+      <mc:AlternateContent xmlns:mc="http://schemas.openxmlformats.org/markup-compatibility/2006" xmlns:a14="http://schemas.microsoft.com/office/drawing/2010/main">
+        <mc:Choice Requires="a14">
+          <p:sp>
+            <p:nvSpPr>
+              <p:cNvPr id="16" name="Rechteck 15"/>
+              <p:cNvSpPr/>
+              <p:nvPr/>
+            </p:nvSpPr>
+            <p:spPr>
+              <a:xfrm>
+                <a:off x="838200" y="4445451"/>
+                <a:ext cx="1867050" cy="1793824"/>
+              </a:xfrm>
+              <a:prstGeom prst="rect">
+                <a:avLst/>
+              </a:prstGeom>
+            </p:spPr>
+            <p:txBody>
+              <a:bodyPr wrap="none">
+                <a:spAutoFit/>
+              </a:bodyPr>
+              <a:lstStyle/>
+              <a:p>
+                <a:pPr/>
+                <a14:m>
+                  <m:oMathPara xmlns:m="http://schemas.openxmlformats.org/officeDocument/2006/math">
+                    <m:oMathParaPr>
+                      <m:jc m:val="centerGroup"/>
+                    </m:oMathParaPr>
+                    <m:oMath xmlns:m="http://schemas.openxmlformats.org/officeDocument/2006/math">
+                      <m:sSub>
+                        <m:sSubPr>
+                          <m:ctrlPr>
+                            <a:rPr lang="de-DE" i="1">
+                              <a:latin typeface="Cambria Math" charset="0"/>
+                            </a:rPr>
+                          </m:ctrlPr>
+                        </m:sSubPr>
+                        <m:e>
+                          <m:r>
+                            <a:rPr lang="de-DE" i="1">
+                              <a:latin typeface="Cambria Math" charset="0"/>
+                            </a:rPr>
+                            <m:t>𝐿</m:t>
+                          </m:r>
+                        </m:e>
+                        <m:sub>
+                          <m:r>
+                            <a:rPr lang="de-DE" i="1">
+                              <a:latin typeface="Cambria Math" charset="0"/>
+                            </a:rPr>
+                            <m:t>𝑝𝑜𝑠</m:t>
+                          </m:r>
+                        </m:sub>
+                      </m:sSub>
+                      <m:r>
+                        <a:rPr lang="de-DE" i="0">
+                          <a:latin typeface="Cambria Math" charset="0"/>
+                        </a:rPr>
+                        <m:t> :=  </m:t>
+                      </m:r>
+                      <m:m>
+                        <m:mPr>
+                          <m:plcHide m:val="on"/>
+                          <m:mcs>
+                            <m:mc>
+                              <m:mcPr>
+                                <m:count m:val="1"/>
+                                <m:mcJc m:val="center"/>
+                              </m:mcPr>
+                            </m:mc>
+                          </m:mcs>
+                          <m:ctrlPr>
+                            <a:rPr lang="de-DE" i="1">
+                              <a:latin typeface="Cambria Math" charset="0"/>
+                            </a:rPr>
+                          </m:ctrlPr>
+                        </m:mPr>
+                        <m:mr>
+                          <m:e>
+                            <m:r>
+                              <a:rPr lang="de-DE" i="0">
+                                <a:latin typeface="Cambria Math" charset="0"/>
+                              </a:rPr>
+                              <m:t>0:</m:t>
+                            </m:r>
+                            <m:d>
+                              <m:dPr>
+                                <m:begChr m:val="["/>
+                                <m:endChr m:val="]"/>
+                                <m:ctrlPr>
+                                  <a:rPr lang="de-DE" i="1">
+                                    <a:latin typeface="Cambria Math" charset="0"/>
+                                  </a:rPr>
+                                </m:ctrlPr>
+                              </m:dPr>
+                              <m:e>
+                                <m:r>
+                                  <a:rPr lang="de-DE" i="0">
+                                    <a:latin typeface="Cambria Math" charset="0"/>
+                                  </a:rPr>
+                                  <m:t>3</m:t>
+                                </m:r>
+                              </m:e>
+                            </m:d>
+                            <m:r>
+                              <a:rPr lang="de-DE" i="0">
+                                <a:latin typeface="Cambria Math" charset="0"/>
+                              </a:rPr>
+                              <m:t>    </m:t>
+                            </m:r>
+                          </m:e>
+                        </m:mr>
+                        <m:mr>
+                          <m:e>
+                            <m:r>
+                              <a:rPr lang="de-DE" i="0">
+                                <a:latin typeface="Cambria Math" charset="0"/>
+                              </a:rPr>
+                              <m:t>1:</m:t>
+                            </m:r>
+                            <m:d>
+                              <m:dPr>
+                                <m:begChr m:val="["/>
+                                <m:endChr m:val="]"/>
+                                <m:ctrlPr>
+                                  <a:rPr lang="de-DE" i="1">
+                                    <a:latin typeface="Cambria Math" charset="0"/>
+                                  </a:rPr>
+                                </m:ctrlPr>
+                              </m:dPr>
+                              <m:e>
+                                <m:r>
+                                  <a:rPr lang="de-DE" i="0">
+                                    <a:latin typeface="Cambria Math" charset="0"/>
+                                  </a:rPr>
+                                  <m:t>4</m:t>
+                                </m:r>
+                              </m:e>
+                            </m:d>
+                            <m:r>
+                              <a:rPr lang="de-DE" i="0">
+                                <a:latin typeface="Cambria Math" charset="0"/>
+                              </a:rPr>
+                              <m:t>    </m:t>
+                            </m:r>
+                          </m:e>
+                        </m:mr>
+                        <m:mr>
+                          <m:e>
+                            <m:r>
+                              <a:rPr lang="de-DE" i="0">
+                                <a:latin typeface="Cambria Math" charset="0"/>
+                              </a:rPr>
+                              <m:t>2:[]      </m:t>
+                            </m:r>
+                          </m:e>
+                        </m:mr>
+                        <m:mr>
+                          <m:e>
+                            <m:r>
+                              <a:rPr lang="de-DE" i="0">
+                                <a:latin typeface="Cambria Math" charset="0"/>
+                              </a:rPr>
+                              <m:t>3:</m:t>
+                            </m:r>
+                            <m:d>
+                              <m:dPr>
+                                <m:begChr m:val="["/>
+                                <m:endChr m:val="]"/>
+                                <m:ctrlPr>
+                                  <a:rPr lang="de-DE" i="1">
+                                    <a:latin typeface="Cambria Math" charset="0"/>
+                                  </a:rPr>
+                                </m:ctrlPr>
+                              </m:dPr>
+                              <m:e>
+                                <m:r>
+                                  <a:rPr lang="de-DE" i="0">
+                                    <a:latin typeface="Cambria Math" charset="0"/>
+                                  </a:rPr>
+                                  <m:t>0</m:t>
+                                </m:r>
+                              </m:e>
+                            </m:d>
+                            <m:r>
+                              <a:rPr lang="de-DE" i="0">
+                                <a:latin typeface="Cambria Math" charset="0"/>
+                              </a:rPr>
+                              <m:t>    </m:t>
+                            </m:r>
+                          </m:e>
+                        </m:mr>
+                        <m:mr>
+                          <m:e>
+                            <m:d>
+                              <m:dPr>
+                                <m:begChr m:val=""/>
+                                <m:endChr m:val="]"/>
+                                <m:ctrlPr>
+                                  <a:rPr lang="de-DE" i="1">
+                                    <a:latin typeface="Cambria Math" charset="0"/>
+                                  </a:rPr>
+                                </m:ctrlPr>
+                              </m:dPr>
+                              <m:e>
+                                <m:r>
+                                  <a:rPr lang="de-DE" i="0">
+                                    <a:latin typeface="Cambria Math" charset="0"/>
+                                  </a:rPr>
+                                  <m:t>4:[1, 5</m:t>
+                                </m:r>
+                              </m:e>
+                            </m:d>
+                          </m:e>
+                        </m:mr>
+                        <m:mr>
+                          <m:e>
+                            <m:r>
+                              <a:rPr lang="de-DE" i="0">
+                                <a:latin typeface="Cambria Math" charset="0"/>
+                              </a:rPr>
+                              <m:t>5:</m:t>
+                            </m:r>
+                            <m:d>
+                              <m:dPr>
+                                <m:begChr m:val="["/>
+                                <m:endChr m:val="]"/>
+                                <m:ctrlPr>
+                                  <a:rPr lang="de-DE" i="1">
+                                    <a:latin typeface="Cambria Math" charset="0"/>
+                                  </a:rPr>
+                                </m:ctrlPr>
+                              </m:dPr>
+                              <m:e>
+                                <m:r>
+                                  <a:rPr lang="de-DE" i="0">
+                                    <a:latin typeface="Cambria Math" charset="0"/>
+                                  </a:rPr>
+                                  <m:t>4</m:t>
+                                </m:r>
+                              </m:e>
+                            </m:d>
+                            <m:r>
+                              <a:rPr lang="de-DE" i="0">
+                                <a:latin typeface="Cambria Math" charset="0"/>
+                              </a:rPr>
+                              <m:t>    </m:t>
+                            </m:r>
+                          </m:e>
+                        </m:mr>
+                      </m:m>
+                    </m:oMath>
+                  </m:oMathPara>
+                </a14:m>
+                <a:endParaRPr lang="de-DE" dirty="0"/>
+              </a:p>
+            </p:txBody>
+          </p:sp>
+        </mc:Choice>
+        <mc:Fallback xmlns="">
+          <p:sp>
+            <p:nvSpPr>
+              <p:cNvPr id="16" name="Rechteck 15"/>
+              <p:cNvSpPr>
+                <a:spLocks noRot="1" noChangeAspect="1" noMove="1" noResize="1" noEditPoints="1" noAdjustHandles="1" noChangeArrowheads="1" noChangeShapeType="1" noTextEdit="1"/>
+              </p:cNvSpPr>
+              <p:nvPr/>
+            </p:nvSpPr>
+            <p:spPr>
+              <a:xfrm>
+                <a:off x="838200" y="4445451"/>
+                <a:ext cx="1867050" cy="1793824"/>
+              </a:xfrm>
+              <a:prstGeom prst="rect">
+                <a:avLst/>
+              </a:prstGeom>
+              <a:blipFill rotWithShape="0">
+                <a:blip r:embed="rId2"/>
+                <a:stretch>
+                  <a:fillRect/>
+                </a:stretch>
+              </a:blipFill>
+            </p:spPr>
+            <p:txBody>
+              <a:bodyPr/>
+              <a:lstStyle/>
+              <a:p>
+                <a:r>
+                  <a:rPr lang="de-DE">
+                    <a:noFill/>
+                  </a:rPr>
+                  <a:t> </a:t>
+                </a:r>
+              </a:p>
+            </p:txBody>
+          </p:sp>
+        </mc:Fallback>
+      </mc:AlternateContent>
       <p:sp>
         <p:nvSpPr>
-          <p:cNvPr id="4" name="Rechteck 3"/>
+          <p:cNvPr id="19" name="Textfeld 18"/>
+          <p:cNvSpPr txBox="1"/>
+          <p:nvPr/>
+        </p:nvSpPr>
+        <p:spPr>
+          <a:xfrm>
+            <a:off x="5949385" y="2546191"/>
+            <a:ext cx="1325544" cy="338554"/>
+          </a:xfrm>
+          <a:prstGeom prst="rect">
+            <a:avLst/>
+          </a:prstGeom>
+          <a:noFill/>
+        </p:spPr>
+        <p:txBody>
+          <a:bodyPr wrap="square" rtlCol="0">
+            <a:spAutoFit/>
+          </a:bodyPr>
+          <a:lstStyle/>
+          <a:p>
+            <a:r>
+              <a:rPr lang="de-DE" sz="1600" dirty="0" err="1" smtClean="0">
+                <a:latin typeface="Menlo" charset="0"/>
+                <a:ea typeface="Menlo" charset="0"/>
+                <a:cs typeface="Menlo" charset="0"/>
+              </a:rPr>
+              <a:t>room</a:t>
+            </a:r>
+            <a:r>
+              <a:rPr lang="de-DE" sz="1600" dirty="0" smtClean="0">
+                <a:latin typeface="Menlo" charset="0"/>
+                <a:ea typeface="Menlo" charset="0"/>
+                <a:cs typeface="Menlo" charset="0"/>
+              </a:rPr>
+              <a:t> 	=</a:t>
+            </a:r>
+            <a:endParaRPr lang="de-DE" sz="1600" dirty="0">
+              <a:latin typeface="Menlo" charset="0"/>
+              <a:ea typeface="Menlo" charset="0"/>
+              <a:cs typeface="Menlo" charset="0"/>
+            </a:endParaRPr>
+          </a:p>
+        </p:txBody>
+      </p:sp>
+      <p:cxnSp>
+        <p:nvCxnSpPr>
+          <p:cNvPr id="25" name="Gerade Verbindung mit Pfeil 24"/>
+          <p:cNvCxnSpPr/>
+          <p:nvPr/>
+        </p:nvCxnSpPr>
+        <p:spPr>
+          <a:xfrm flipH="1" flipV="1">
+            <a:off x="2488557" y="4629874"/>
+            <a:ext cx="2581154" cy="544010"/>
+          </a:xfrm>
+          <a:prstGeom prst="straightConnector1">
+            <a:avLst/>
+          </a:prstGeom>
+          <a:ln w="25400">
+            <a:tailEnd type="triangle"/>
+          </a:ln>
+        </p:spPr>
+        <p:style>
+          <a:lnRef idx="1">
+            <a:schemeClr val="accent1"/>
+          </a:lnRef>
+          <a:fillRef idx="0">
+            <a:schemeClr val="accent1"/>
+          </a:fillRef>
+          <a:effectRef idx="0">
+            <a:schemeClr val="accent1"/>
+          </a:effectRef>
+          <a:fontRef idx="minor">
+            <a:schemeClr val="tx1"/>
+          </a:fontRef>
+        </p:style>
+      </p:cxnSp>
+      <p:sp>
+        <p:nvSpPr>
+          <p:cNvPr id="32" name="Textfeld 31"/>
+          <p:cNvSpPr txBox="1"/>
+          <p:nvPr/>
+        </p:nvSpPr>
+        <p:spPr>
+          <a:xfrm>
+            <a:off x="5949386" y="2016341"/>
+            <a:ext cx="1325542" cy="338554"/>
+          </a:xfrm>
+          <a:prstGeom prst="rect">
+            <a:avLst/>
+          </a:prstGeom>
+          <a:noFill/>
+        </p:spPr>
+        <p:txBody>
+          <a:bodyPr wrap="square" rtlCol="0">
+            <a:spAutoFit/>
+          </a:bodyPr>
+          <a:lstStyle/>
+          <a:p>
+            <a:r>
+              <a:rPr lang="de-DE" sz="1600" dirty="0" err="1" smtClean="0">
+                <a:latin typeface="Menlo" charset="0"/>
+                <a:ea typeface="Menlo" charset="0"/>
+                <a:cs typeface="Menlo" charset="0"/>
+              </a:rPr>
+              <a:t>queue</a:t>
+            </a:r>
+            <a:r>
+              <a:rPr lang="de-DE" sz="1600" dirty="0" smtClean="0">
+                <a:latin typeface="Menlo" charset="0"/>
+                <a:ea typeface="Menlo" charset="0"/>
+                <a:cs typeface="Menlo" charset="0"/>
+              </a:rPr>
+              <a:t>	= </a:t>
+            </a:r>
+            <a:endParaRPr lang="de-DE" sz="1600" dirty="0">
+              <a:latin typeface="Menlo" charset="0"/>
+              <a:ea typeface="Menlo" charset="0"/>
+              <a:cs typeface="Menlo" charset="0"/>
+            </a:endParaRPr>
+          </a:p>
+        </p:txBody>
+      </p:sp>
+      <p:sp>
+        <p:nvSpPr>
+          <p:cNvPr id="33" name="Textfeld 32"/>
+          <p:cNvSpPr txBox="1"/>
+          <p:nvPr/>
+        </p:nvSpPr>
+        <p:spPr>
+          <a:xfrm>
+            <a:off x="5949385" y="2546191"/>
+            <a:ext cx="1325544" cy="338554"/>
+          </a:xfrm>
+          <a:prstGeom prst="rect">
+            <a:avLst/>
+          </a:prstGeom>
+          <a:noFill/>
+        </p:spPr>
+        <p:txBody>
+          <a:bodyPr wrap="square" rtlCol="0">
+            <a:spAutoFit/>
+          </a:bodyPr>
+          <a:lstStyle/>
+          <a:p>
+            <a:r>
+              <a:rPr lang="de-DE" sz="1600" dirty="0" err="1" smtClean="0">
+                <a:latin typeface="Menlo" charset="0"/>
+                <a:ea typeface="Menlo" charset="0"/>
+                <a:cs typeface="Menlo" charset="0"/>
+              </a:rPr>
+              <a:t>room</a:t>
+            </a:r>
+            <a:r>
+              <a:rPr lang="de-DE" sz="1600" dirty="0" smtClean="0">
+                <a:latin typeface="Menlo" charset="0"/>
+                <a:ea typeface="Menlo" charset="0"/>
+                <a:cs typeface="Menlo" charset="0"/>
+              </a:rPr>
+              <a:t> 	=</a:t>
+            </a:r>
+            <a:endParaRPr lang="de-DE" sz="1600" dirty="0">
+              <a:latin typeface="Menlo" charset="0"/>
+              <a:ea typeface="Menlo" charset="0"/>
+              <a:cs typeface="Menlo" charset="0"/>
+            </a:endParaRPr>
+          </a:p>
+        </p:txBody>
+      </p:sp>
+      <p:sp>
+        <p:nvSpPr>
+          <p:cNvPr id="34" name="Rechteck 33"/>
           <p:cNvSpPr/>
           <p:nvPr/>
         </p:nvSpPr>
         <p:spPr>
           <a:xfrm>
-            <a:off x="838200" y="2253275"/>
-            <a:ext cx="10515600" cy="3416320"/>
+            <a:off x="7274928" y="2038447"/>
+            <a:ext cx="566030" cy="285763"/>
           </a:xfrm>
           <a:prstGeom prst="rect">
             <a:avLst/>
           </a:prstGeom>
+          <a:ln>
+            <a:tailEnd type="none"/>
+          </a:ln>
         </p:spPr>
+        <p:style>
+          <a:lnRef idx="2">
+            <a:schemeClr val="dk1"/>
+          </a:lnRef>
+          <a:fillRef idx="1">
+            <a:schemeClr val="lt1"/>
+          </a:fillRef>
+          <a:effectRef idx="0">
+            <a:schemeClr val="dk1"/>
+          </a:effectRef>
+          <a:fontRef idx="minor">
+            <a:schemeClr val="dk1"/>
+          </a:fontRef>
+        </p:style>
         <p:txBody>
-          <a:bodyPr wrap="square">
-            <a:spAutoFit/>
+          <a:bodyPr rot="0" spcFirstLastPara="0" vert="horz" wrap="square" lIns="91440" tIns="45720" rIns="91440" bIns="45720" numCol="1" spcCol="0" rtlCol="0" fromWordArt="0" anchor="ctr" anchorCtr="0" forceAA="0" compatLnSpc="1">
+            <a:prstTxWarp prst="textNoShape">
+              <a:avLst/>
+            </a:prstTxWarp>
+            <a:noAutofit/>
           </a:bodyPr>
           <a:lstStyle/>
           <a:p>
-            <a:r>
-              <a:rPr lang="mr-IN" b="1" dirty="0">
-                <a:solidFill>
-                  <a:srgbClr val="000080"/>
-                </a:solidFill>
-                <a:latin typeface="Menlo" charset="0"/>
-                <a:ea typeface="Menlo" charset="0"/>
-                <a:cs typeface="Menlo" charset="0"/>
+            <a:pPr algn="ctr">
+              <a:spcAft>
+                <a:spcPts val="0"/>
+              </a:spcAft>
+            </a:pPr>
+            <a:r>
+              <a:rPr lang="en-US" sz="1200" dirty="0">
+                <a:effectLst/>
+                <a:latin typeface="Calibri" charset="0"/>
+                <a:ea typeface="Calibri" charset="0"/>
+                <a:cs typeface="Calibri" charset="0"/>
               </a:rPr>
-              <a:t>def </a:t>
-            </a:r>
-            <a:r>
-              <a:rPr lang="mr-IN" dirty="0" err="1">
-                <a:latin typeface="Menlo" charset="0"/>
-                <a:ea typeface="Menlo" charset="0"/>
-                <a:cs typeface="Menlo" charset="0"/>
+              <a:t>Alina</a:t>
+            </a:r>
+            <a:endParaRPr lang="de-DE" sz="1200" dirty="0">
+              <a:effectLst/>
+              <a:latin typeface="Calibri" charset="0"/>
+              <a:ea typeface="Calibri" charset="0"/>
+              <a:cs typeface="Calibri" charset="0"/>
+            </a:endParaRPr>
+          </a:p>
+        </p:txBody>
+      </p:sp>
+      <p:sp>
+        <p:nvSpPr>
+          <p:cNvPr id="35" name="Rechteck 34"/>
+          <p:cNvSpPr/>
+          <p:nvPr/>
+        </p:nvSpPr>
+        <p:spPr>
+          <a:xfrm>
+            <a:off x="7274928" y="2572586"/>
+            <a:ext cx="566030" cy="285763"/>
+          </a:xfrm>
+          <a:prstGeom prst="rect">
+            <a:avLst/>
+          </a:prstGeom>
+          <a:ln>
+            <a:tailEnd type="none"/>
+          </a:ln>
+        </p:spPr>
+        <p:style>
+          <a:lnRef idx="2">
+            <a:schemeClr val="dk1"/>
+          </a:lnRef>
+          <a:fillRef idx="1">
+            <a:schemeClr val="lt1"/>
+          </a:fillRef>
+          <a:effectRef idx="0">
+            <a:schemeClr val="dk1"/>
+          </a:effectRef>
+          <a:fontRef idx="minor">
+            <a:schemeClr val="dk1"/>
+          </a:fontRef>
+        </p:style>
+        <p:txBody>
+          <a:bodyPr rot="0" spcFirstLastPara="0" vert="horz" wrap="square" lIns="91440" tIns="45720" rIns="91440" bIns="45720" numCol="1" spcCol="0" rtlCol="0" fromWordArt="0" anchor="ctr" anchorCtr="0" forceAA="0" compatLnSpc="1">
+            <a:prstTxWarp prst="textNoShape">
+              <a:avLst/>
+            </a:prstTxWarp>
+            <a:noAutofit/>
+          </a:bodyPr>
+          <a:lstStyle/>
+          <a:p>
+            <a:pPr algn="ctr">
+              <a:spcAft>
+                <a:spcPts val="0"/>
+              </a:spcAft>
+            </a:pPr>
+            <a:r>
+              <a:rPr lang="en-US" sz="1200" dirty="0">
+                <a:effectLst/>
+                <a:latin typeface="Calibri" charset="0"/>
+                <a:ea typeface="Calibri" charset="0"/>
+                <a:cs typeface="Calibri" charset="0"/>
               </a:rPr>
-              <a:t>operate_on_matrix</a:t>
-            </a:r>
-            <a:r>
-              <a:rPr lang="mr-IN" dirty="0">
-                <a:latin typeface="Menlo" charset="0"/>
-                <a:ea typeface="Menlo" charset="0"/>
-                <a:cs typeface="Menlo" charset="0"/>
-              </a:rPr>
-              <a:t>(matrix):</a:t>
-            </a:r>
-            <a:br>
-              <a:rPr lang="mr-IN" dirty="0">
-                <a:latin typeface="Menlo" charset="0"/>
-                <a:ea typeface="Menlo" charset="0"/>
-                <a:cs typeface="Menlo" charset="0"/>
-              </a:rPr>
-            </a:br>
-            <a:r>
-              <a:rPr lang="mr-IN" dirty="0">
-                <a:latin typeface="Menlo" charset="0"/>
-                <a:ea typeface="Menlo" charset="0"/>
-                <a:cs typeface="Menlo" charset="0"/>
-              </a:rPr>
-              <a:t>    </a:t>
-            </a:r>
-            <a:r>
-              <a:rPr lang="mr-IN" dirty="0" err="1">
-                <a:latin typeface="Menlo" charset="0"/>
-                <a:ea typeface="Menlo" charset="0"/>
-                <a:cs typeface="Menlo" charset="0"/>
-              </a:rPr>
-              <a:t>size</a:t>
-            </a:r>
-            <a:r>
-              <a:rPr lang="mr-IN" dirty="0">
-                <a:latin typeface="Menlo" charset="0"/>
-                <a:ea typeface="Menlo" charset="0"/>
-                <a:cs typeface="Menlo" charset="0"/>
-              </a:rPr>
-              <a:t> = </a:t>
-            </a:r>
-            <a:r>
-              <a:rPr lang="mr-IN" dirty="0" err="1">
-                <a:solidFill>
-                  <a:srgbClr val="000080"/>
-                </a:solidFill>
-                <a:latin typeface="Menlo" charset="0"/>
-                <a:ea typeface="Menlo" charset="0"/>
-                <a:cs typeface="Menlo" charset="0"/>
-              </a:rPr>
-              <a:t>len</a:t>
-            </a:r>
-            <a:r>
-              <a:rPr lang="mr-IN" dirty="0">
-                <a:latin typeface="Menlo" charset="0"/>
-                <a:ea typeface="Menlo" charset="0"/>
-                <a:cs typeface="Menlo" charset="0"/>
-              </a:rPr>
-              <a:t>(matrix)</a:t>
-            </a:r>
-            <a:br>
-              <a:rPr lang="mr-IN" dirty="0">
-                <a:latin typeface="Menlo" charset="0"/>
-                <a:ea typeface="Menlo" charset="0"/>
-                <a:cs typeface="Menlo" charset="0"/>
-              </a:rPr>
-            </a:br>
-            <a:r>
-              <a:rPr lang="mr-IN" dirty="0">
-                <a:latin typeface="Menlo" charset="0"/>
-                <a:ea typeface="Menlo" charset="0"/>
-                <a:cs typeface="Menlo" charset="0"/>
-              </a:rPr>
-              <a:t>    </a:t>
-            </a:r>
-            <a:r>
-              <a:rPr lang="mr-IN" b="1" dirty="0">
-                <a:solidFill>
-                  <a:srgbClr val="000080"/>
-                </a:solidFill>
-                <a:latin typeface="Menlo" charset="0"/>
-                <a:ea typeface="Menlo" charset="0"/>
-                <a:cs typeface="Menlo" charset="0"/>
-              </a:rPr>
-              <a:t>for </a:t>
-            </a:r>
-            <a:r>
-              <a:rPr lang="mr-IN" dirty="0" err="1">
-                <a:latin typeface="Menlo" charset="0"/>
-                <a:ea typeface="Menlo" charset="0"/>
-                <a:cs typeface="Menlo" charset="0"/>
-              </a:rPr>
-              <a:t>y</a:t>
-            </a:r>
-            <a:r>
-              <a:rPr lang="mr-IN" dirty="0">
-                <a:latin typeface="Menlo" charset="0"/>
-                <a:ea typeface="Menlo" charset="0"/>
-                <a:cs typeface="Menlo" charset="0"/>
-              </a:rPr>
-              <a:t> </a:t>
-            </a:r>
-            <a:r>
-              <a:rPr lang="mr-IN" b="1" dirty="0" err="1">
-                <a:solidFill>
-                  <a:srgbClr val="000080"/>
-                </a:solidFill>
-                <a:latin typeface="Menlo" charset="0"/>
-                <a:ea typeface="Menlo" charset="0"/>
-                <a:cs typeface="Menlo" charset="0"/>
-              </a:rPr>
-              <a:t>in</a:t>
-            </a:r>
-            <a:r>
-              <a:rPr lang="mr-IN" b="1" dirty="0">
-                <a:solidFill>
-                  <a:srgbClr val="000080"/>
-                </a:solidFill>
-                <a:latin typeface="Menlo" charset="0"/>
-                <a:ea typeface="Menlo" charset="0"/>
-                <a:cs typeface="Menlo" charset="0"/>
-              </a:rPr>
-              <a:t> </a:t>
-            </a:r>
-            <a:r>
-              <a:rPr lang="mr-IN" dirty="0" err="1">
-                <a:solidFill>
-                  <a:srgbClr val="000080"/>
-                </a:solidFill>
-                <a:latin typeface="Menlo" charset="0"/>
-                <a:ea typeface="Menlo" charset="0"/>
-                <a:cs typeface="Menlo" charset="0"/>
-              </a:rPr>
-              <a:t>range</a:t>
-            </a:r>
-            <a:r>
-              <a:rPr lang="mr-IN" dirty="0">
-                <a:latin typeface="Menlo" charset="0"/>
-                <a:ea typeface="Menlo" charset="0"/>
-                <a:cs typeface="Menlo" charset="0"/>
-              </a:rPr>
-              <a:t>(</a:t>
-            </a:r>
-            <a:r>
-              <a:rPr lang="mr-IN" dirty="0" err="1">
-                <a:latin typeface="Menlo" charset="0"/>
-                <a:ea typeface="Menlo" charset="0"/>
-                <a:cs typeface="Menlo" charset="0"/>
-              </a:rPr>
-              <a:t>size</a:t>
-            </a:r>
-            <a:r>
-              <a:rPr lang="mr-IN" dirty="0">
-                <a:latin typeface="Menlo" charset="0"/>
-                <a:ea typeface="Menlo" charset="0"/>
-                <a:cs typeface="Menlo" charset="0"/>
-              </a:rPr>
-              <a:t>):</a:t>
-            </a:r>
-            <a:br>
-              <a:rPr lang="mr-IN" dirty="0">
-                <a:latin typeface="Menlo" charset="0"/>
-                <a:ea typeface="Menlo" charset="0"/>
-                <a:cs typeface="Menlo" charset="0"/>
-              </a:rPr>
-            </a:br>
-            <a:r>
-              <a:rPr lang="mr-IN" dirty="0">
-                <a:latin typeface="Menlo" charset="0"/>
-                <a:ea typeface="Menlo" charset="0"/>
-                <a:cs typeface="Menlo" charset="0"/>
-              </a:rPr>
-              <a:t>        </a:t>
-            </a:r>
-            <a:r>
-              <a:rPr lang="mr-IN" b="1" dirty="0">
-                <a:solidFill>
-                  <a:srgbClr val="000080"/>
-                </a:solidFill>
-                <a:latin typeface="Menlo" charset="0"/>
-                <a:ea typeface="Menlo" charset="0"/>
-                <a:cs typeface="Menlo" charset="0"/>
-              </a:rPr>
-              <a:t>for </a:t>
-            </a:r>
-            <a:r>
-              <a:rPr lang="mr-IN" dirty="0" err="1">
-                <a:latin typeface="Menlo" charset="0"/>
-                <a:ea typeface="Menlo" charset="0"/>
-                <a:cs typeface="Menlo" charset="0"/>
-              </a:rPr>
-              <a:t>x</a:t>
-            </a:r>
-            <a:r>
-              <a:rPr lang="mr-IN" dirty="0">
-                <a:latin typeface="Menlo" charset="0"/>
-                <a:ea typeface="Menlo" charset="0"/>
-                <a:cs typeface="Menlo" charset="0"/>
-              </a:rPr>
-              <a:t> </a:t>
-            </a:r>
-            <a:r>
-              <a:rPr lang="mr-IN" b="1" dirty="0" err="1">
-                <a:solidFill>
-                  <a:srgbClr val="000080"/>
-                </a:solidFill>
-                <a:latin typeface="Menlo" charset="0"/>
-                <a:ea typeface="Menlo" charset="0"/>
-                <a:cs typeface="Menlo" charset="0"/>
-              </a:rPr>
-              <a:t>in</a:t>
-            </a:r>
-            <a:r>
-              <a:rPr lang="mr-IN" b="1" dirty="0">
-                <a:solidFill>
-                  <a:srgbClr val="000080"/>
-                </a:solidFill>
-                <a:latin typeface="Menlo" charset="0"/>
-                <a:ea typeface="Menlo" charset="0"/>
-                <a:cs typeface="Menlo" charset="0"/>
-              </a:rPr>
-              <a:t> </a:t>
-            </a:r>
-            <a:r>
-              <a:rPr lang="mr-IN" dirty="0" err="1">
-                <a:solidFill>
-                  <a:srgbClr val="000080"/>
-                </a:solidFill>
-                <a:latin typeface="Menlo" charset="0"/>
-                <a:ea typeface="Menlo" charset="0"/>
-                <a:cs typeface="Menlo" charset="0"/>
-              </a:rPr>
-              <a:t>range</a:t>
-            </a:r>
-            <a:r>
-              <a:rPr lang="mr-IN" dirty="0">
-                <a:latin typeface="Menlo" charset="0"/>
-                <a:ea typeface="Menlo" charset="0"/>
-                <a:cs typeface="Menlo" charset="0"/>
-              </a:rPr>
-              <a:t>(</a:t>
-            </a:r>
-            <a:r>
-              <a:rPr lang="mr-IN" dirty="0" err="1">
-                <a:latin typeface="Menlo" charset="0"/>
-                <a:ea typeface="Menlo" charset="0"/>
-                <a:cs typeface="Menlo" charset="0"/>
-              </a:rPr>
-              <a:t>size</a:t>
-            </a:r>
-            <a:r>
-              <a:rPr lang="mr-IN" dirty="0">
-                <a:latin typeface="Menlo" charset="0"/>
-                <a:ea typeface="Menlo" charset="0"/>
-                <a:cs typeface="Menlo" charset="0"/>
-              </a:rPr>
-              <a:t>):</a:t>
-            </a:r>
-            <a:br>
-              <a:rPr lang="mr-IN" dirty="0">
-                <a:latin typeface="Menlo" charset="0"/>
-                <a:ea typeface="Menlo" charset="0"/>
-                <a:cs typeface="Menlo" charset="0"/>
-              </a:rPr>
-            </a:br>
-            <a:r>
-              <a:rPr lang="mr-IN" dirty="0">
-                <a:latin typeface="Menlo" charset="0"/>
-                <a:ea typeface="Menlo" charset="0"/>
-                <a:cs typeface="Menlo" charset="0"/>
-              </a:rPr>
-              <a:t>            </a:t>
-            </a:r>
-            <a:r>
-              <a:rPr lang="mr-IN" b="1" dirty="0">
-                <a:solidFill>
-                  <a:srgbClr val="000080"/>
-                </a:solidFill>
-                <a:latin typeface="Menlo" charset="0"/>
-                <a:ea typeface="Menlo" charset="0"/>
-                <a:cs typeface="Menlo" charset="0"/>
-              </a:rPr>
-              <a:t>if </a:t>
-            </a:r>
-            <a:r>
-              <a:rPr lang="mr-IN" dirty="0">
-                <a:latin typeface="Menlo" charset="0"/>
-                <a:ea typeface="Menlo" charset="0"/>
-                <a:cs typeface="Menlo" charset="0"/>
-              </a:rPr>
-              <a:t>matrix[</a:t>
-            </a:r>
-            <a:r>
-              <a:rPr lang="mr-IN" dirty="0" err="1">
-                <a:latin typeface="Menlo" charset="0"/>
-                <a:ea typeface="Menlo" charset="0"/>
-                <a:cs typeface="Menlo" charset="0"/>
-              </a:rPr>
-              <a:t>y</a:t>
-            </a:r>
-            <a:r>
-              <a:rPr lang="mr-IN" dirty="0">
-                <a:latin typeface="Menlo" charset="0"/>
-                <a:ea typeface="Menlo" charset="0"/>
-                <a:cs typeface="Menlo" charset="0"/>
-              </a:rPr>
-              <a:t>][</a:t>
-            </a:r>
-            <a:r>
-              <a:rPr lang="mr-IN" dirty="0" err="1">
-                <a:latin typeface="Menlo" charset="0"/>
-                <a:ea typeface="Menlo" charset="0"/>
-                <a:cs typeface="Menlo" charset="0"/>
-              </a:rPr>
-              <a:t>x</a:t>
-            </a:r>
-            <a:r>
-              <a:rPr lang="mr-IN" dirty="0">
-                <a:latin typeface="Menlo" charset="0"/>
-                <a:ea typeface="Menlo" charset="0"/>
-                <a:cs typeface="Menlo" charset="0"/>
-              </a:rPr>
-              <a:t>] == </a:t>
-            </a:r>
-            <a:r>
-              <a:rPr lang="mr-IN" dirty="0">
-                <a:solidFill>
-                  <a:srgbClr val="0000FF"/>
-                </a:solidFill>
-                <a:latin typeface="Menlo" charset="0"/>
-                <a:ea typeface="Menlo" charset="0"/>
-                <a:cs typeface="Menlo" charset="0"/>
-              </a:rPr>
-              <a:t>1 </a:t>
-            </a:r>
-            <a:r>
-              <a:rPr lang="mr-IN" b="1" dirty="0">
-                <a:solidFill>
-                  <a:srgbClr val="000080"/>
-                </a:solidFill>
-                <a:latin typeface="Menlo" charset="0"/>
-                <a:ea typeface="Menlo" charset="0"/>
-                <a:cs typeface="Menlo" charset="0"/>
-              </a:rPr>
-              <a:t>and </a:t>
-            </a:r>
-            <a:r>
-              <a:rPr lang="mr-IN" dirty="0">
-                <a:latin typeface="Menlo" charset="0"/>
-                <a:ea typeface="Menlo" charset="0"/>
-                <a:cs typeface="Menlo" charset="0"/>
-              </a:rPr>
-              <a:t>matrix[</a:t>
-            </a:r>
-            <a:r>
-              <a:rPr lang="mr-IN" dirty="0" err="1">
-                <a:latin typeface="Menlo" charset="0"/>
-                <a:ea typeface="Menlo" charset="0"/>
-                <a:cs typeface="Menlo" charset="0"/>
-              </a:rPr>
-              <a:t>x</a:t>
-            </a:r>
-            <a:r>
-              <a:rPr lang="mr-IN" dirty="0">
-                <a:latin typeface="Menlo" charset="0"/>
-                <a:ea typeface="Menlo" charset="0"/>
-                <a:cs typeface="Menlo" charset="0"/>
-              </a:rPr>
-              <a:t>][</a:t>
-            </a:r>
-            <a:r>
-              <a:rPr lang="mr-IN" dirty="0" err="1">
-                <a:latin typeface="Menlo" charset="0"/>
-                <a:ea typeface="Menlo" charset="0"/>
-                <a:cs typeface="Menlo" charset="0"/>
-              </a:rPr>
-              <a:t>y</a:t>
-            </a:r>
-            <a:r>
-              <a:rPr lang="mr-IN" dirty="0">
-                <a:latin typeface="Menlo" charset="0"/>
-                <a:ea typeface="Menlo" charset="0"/>
-                <a:cs typeface="Menlo" charset="0"/>
-              </a:rPr>
-              <a:t>] == -</a:t>
-            </a:r>
-            <a:r>
-              <a:rPr lang="mr-IN" dirty="0">
-                <a:solidFill>
-                  <a:srgbClr val="0000FF"/>
-                </a:solidFill>
-                <a:latin typeface="Menlo" charset="0"/>
-                <a:ea typeface="Menlo" charset="0"/>
-                <a:cs typeface="Menlo" charset="0"/>
-              </a:rPr>
-              <a:t>1</a:t>
-            </a:r>
-            <a:r>
-              <a:rPr lang="mr-IN" dirty="0">
-                <a:latin typeface="Menlo" charset="0"/>
-                <a:ea typeface="Menlo" charset="0"/>
-                <a:cs typeface="Menlo" charset="0"/>
-              </a:rPr>
-              <a:t>:</a:t>
-            </a:r>
-            <a:br>
-              <a:rPr lang="mr-IN" dirty="0">
-                <a:latin typeface="Menlo" charset="0"/>
-                <a:ea typeface="Menlo" charset="0"/>
-                <a:cs typeface="Menlo" charset="0"/>
-              </a:rPr>
-            </a:br>
-            <a:r>
-              <a:rPr lang="mr-IN" dirty="0">
-                <a:latin typeface="Menlo" charset="0"/>
-                <a:ea typeface="Menlo" charset="0"/>
-                <a:cs typeface="Menlo" charset="0"/>
-              </a:rPr>
-              <a:t>                </a:t>
-            </a:r>
-            <a:r>
-              <a:rPr lang="mr-IN" dirty="0" err="1">
-                <a:solidFill>
-                  <a:srgbClr val="000080"/>
-                </a:solidFill>
-                <a:latin typeface="Menlo" charset="0"/>
-                <a:ea typeface="Menlo" charset="0"/>
-                <a:cs typeface="Menlo" charset="0"/>
-              </a:rPr>
-              <a:t>print</a:t>
-            </a:r>
-            <a:r>
-              <a:rPr lang="mr-IN" dirty="0">
-                <a:latin typeface="Menlo" charset="0"/>
-                <a:ea typeface="Menlo" charset="0"/>
-                <a:cs typeface="Menlo" charset="0"/>
-              </a:rPr>
-              <a:t>(</a:t>
-            </a:r>
-            <a:r>
-              <a:rPr lang="mr-IN" b="1" dirty="0">
-                <a:solidFill>
-                  <a:srgbClr val="008080"/>
-                </a:solidFill>
-                <a:latin typeface="Menlo" charset="0"/>
-                <a:ea typeface="Menlo" charset="0"/>
-                <a:cs typeface="Menlo" charset="0"/>
-              </a:rPr>
-              <a:t>"</a:t>
-            </a:r>
-            <a:r>
-              <a:rPr lang="mr-IN" b="1" dirty="0" err="1">
-                <a:solidFill>
-                  <a:srgbClr val="008080"/>
-                </a:solidFill>
-                <a:latin typeface="Menlo" charset="0"/>
-                <a:ea typeface="Menlo" charset="0"/>
-                <a:cs typeface="Menlo" charset="0"/>
-              </a:rPr>
-              <a:t>Zimmerverteilung</a:t>
-            </a:r>
-            <a:r>
-              <a:rPr lang="mr-IN" b="1" dirty="0">
-                <a:solidFill>
-                  <a:srgbClr val="008080"/>
-                </a:solidFill>
-                <a:latin typeface="Menlo" charset="0"/>
-                <a:ea typeface="Menlo" charset="0"/>
-                <a:cs typeface="Menlo" charset="0"/>
-              </a:rPr>
-              <a:t> </a:t>
-            </a:r>
-            <a:r>
-              <a:rPr lang="mr-IN" b="1" dirty="0" err="1">
-                <a:solidFill>
-                  <a:srgbClr val="008080"/>
-                </a:solidFill>
-                <a:latin typeface="Menlo" charset="0"/>
-                <a:ea typeface="Menlo" charset="0"/>
-                <a:cs typeface="Menlo" charset="0"/>
-              </a:rPr>
-              <a:t>nicht</a:t>
-            </a:r>
-            <a:r>
-              <a:rPr lang="mr-IN" b="1" dirty="0">
-                <a:solidFill>
-                  <a:srgbClr val="008080"/>
-                </a:solidFill>
-                <a:latin typeface="Menlo" charset="0"/>
-                <a:ea typeface="Menlo" charset="0"/>
-                <a:cs typeface="Menlo" charset="0"/>
-              </a:rPr>
-              <a:t> </a:t>
-            </a:r>
-            <a:r>
-              <a:rPr lang="mr-IN" b="1" dirty="0" err="1">
-                <a:solidFill>
-                  <a:srgbClr val="008080"/>
-                </a:solidFill>
-                <a:latin typeface="Menlo" charset="0"/>
-                <a:ea typeface="Menlo" charset="0"/>
-                <a:cs typeface="Menlo" charset="0"/>
-              </a:rPr>
-              <a:t>möglich</a:t>
-            </a:r>
-            <a:r>
-              <a:rPr lang="mr-IN" b="1" dirty="0">
-                <a:solidFill>
-                  <a:srgbClr val="008080"/>
-                </a:solidFill>
-                <a:latin typeface="Menlo" charset="0"/>
-                <a:ea typeface="Menlo" charset="0"/>
-                <a:cs typeface="Menlo" charset="0"/>
-              </a:rPr>
-              <a:t>!"</a:t>
-            </a:r>
-            <a:r>
-              <a:rPr lang="mr-IN" dirty="0">
-                <a:latin typeface="Menlo" charset="0"/>
-                <a:ea typeface="Menlo" charset="0"/>
-                <a:cs typeface="Menlo" charset="0"/>
-              </a:rPr>
-              <a:t>)</a:t>
-            </a:r>
-            <a:br>
-              <a:rPr lang="mr-IN" dirty="0">
-                <a:latin typeface="Menlo" charset="0"/>
-                <a:ea typeface="Menlo" charset="0"/>
-                <a:cs typeface="Menlo" charset="0"/>
-              </a:rPr>
-            </a:br>
-            <a:r>
-              <a:rPr lang="mr-IN" dirty="0">
-                <a:latin typeface="Menlo" charset="0"/>
-                <a:ea typeface="Menlo" charset="0"/>
-                <a:cs typeface="Menlo" charset="0"/>
-              </a:rPr>
-              <a:t>                </a:t>
-            </a:r>
-            <a:r>
-              <a:rPr lang="mr-IN" dirty="0" err="1">
-                <a:latin typeface="Menlo" charset="0"/>
-                <a:ea typeface="Menlo" charset="0"/>
-                <a:cs typeface="Menlo" charset="0"/>
-              </a:rPr>
-              <a:t>sys.exit</a:t>
-            </a:r>
-            <a:r>
-              <a:rPr lang="mr-IN" dirty="0">
-                <a:latin typeface="Menlo" charset="0"/>
-                <a:ea typeface="Menlo" charset="0"/>
-                <a:cs typeface="Menlo" charset="0"/>
-              </a:rPr>
-              <a:t>(</a:t>
-            </a:r>
-            <a:r>
-              <a:rPr lang="mr-IN" dirty="0">
-                <a:solidFill>
-                  <a:srgbClr val="0000FF"/>
-                </a:solidFill>
-                <a:latin typeface="Menlo" charset="0"/>
-                <a:ea typeface="Menlo" charset="0"/>
-                <a:cs typeface="Menlo" charset="0"/>
-              </a:rPr>
-              <a:t>0</a:t>
-            </a:r>
-            <a:r>
-              <a:rPr lang="mr-IN" dirty="0">
-                <a:latin typeface="Menlo" charset="0"/>
-                <a:ea typeface="Menlo" charset="0"/>
-                <a:cs typeface="Menlo" charset="0"/>
-              </a:rPr>
-              <a:t>)</a:t>
-            </a:r>
-            <a:br>
-              <a:rPr lang="mr-IN" dirty="0">
-                <a:latin typeface="Menlo" charset="0"/>
-                <a:ea typeface="Menlo" charset="0"/>
-                <a:cs typeface="Menlo" charset="0"/>
-              </a:rPr>
-            </a:br>
-            <a:r>
-              <a:rPr lang="mr-IN" dirty="0">
-                <a:latin typeface="Menlo" charset="0"/>
-                <a:ea typeface="Menlo" charset="0"/>
-                <a:cs typeface="Menlo" charset="0"/>
-              </a:rPr>
-              <a:t>            </a:t>
-            </a:r>
-            <a:r>
-              <a:rPr lang="mr-IN" b="1" dirty="0">
-                <a:solidFill>
-                  <a:srgbClr val="000080"/>
-                </a:solidFill>
-                <a:latin typeface="Menlo" charset="0"/>
-                <a:ea typeface="Menlo" charset="0"/>
-                <a:cs typeface="Menlo" charset="0"/>
-              </a:rPr>
-              <a:t>if </a:t>
-            </a:r>
-            <a:r>
-              <a:rPr lang="mr-IN" dirty="0">
-                <a:latin typeface="Menlo" charset="0"/>
-                <a:ea typeface="Menlo" charset="0"/>
-                <a:cs typeface="Menlo" charset="0"/>
-              </a:rPr>
-              <a:t>matrix[</a:t>
-            </a:r>
-            <a:r>
-              <a:rPr lang="mr-IN" dirty="0" err="1">
-                <a:latin typeface="Menlo" charset="0"/>
-                <a:ea typeface="Menlo" charset="0"/>
-                <a:cs typeface="Menlo" charset="0"/>
-              </a:rPr>
-              <a:t>y</a:t>
-            </a:r>
-            <a:r>
-              <a:rPr lang="mr-IN" dirty="0">
-                <a:latin typeface="Menlo" charset="0"/>
-                <a:ea typeface="Menlo" charset="0"/>
-                <a:cs typeface="Menlo" charset="0"/>
-              </a:rPr>
-              <a:t>][</a:t>
-            </a:r>
-            <a:r>
-              <a:rPr lang="mr-IN" dirty="0" err="1">
-                <a:latin typeface="Menlo" charset="0"/>
-                <a:ea typeface="Menlo" charset="0"/>
-                <a:cs typeface="Menlo" charset="0"/>
-              </a:rPr>
-              <a:t>x</a:t>
-            </a:r>
-            <a:r>
-              <a:rPr lang="mr-IN" dirty="0">
-                <a:latin typeface="Menlo" charset="0"/>
-                <a:ea typeface="Menlo" charset="0"/>
-                <a:cs typeface="Menlo" charset="0"/>
-              </a:rPr>
-              <a:t>] == </a:t>
-            </a:r>
-            <a:r>
-              <a:rPr lang="mr-IN" dirty="0">
-                <a:solidFill>
-                  <a:srgbClr val="0000FF"/>
-                </a:solidFill>
-                <a:latin typeface="Menlo" charset="0"/>
-                <a:ea typeface="Menlo" charset="0"/>
-                <a:cs typeface="Menlo" charset="0"/>
-              </a:rPr>
-              <a:t>1</a:t>
-            </a:r>
-            <a:r>
-              <a:rPr lang="mr-IN" dirty="0">
-                <a:latin typeface="Menlo" charset="0"/>
-                <a:ea typeface="Menlo" charset="0"/>
-                <a:cs typeface="Menlo" charset="0"/>
-              </a:rPr>
-              <a:t>:</a:t>
-            </a:r>
-            <a:br>
-              <a:rPr lang="mr-IN" dirty="0">
-                <a:latin typeface="Menlo" charset="0"/>
-                <a:ea typeface="Menlo" charset="0"/>
-                <a:cs typeface="Menlo" charset="0"/>
-              </a:rPr>
-            </a:br>
-            <a:r>
-              <a:rPr lang="mr-IN" dirty="0">
-                <a:latin typeface="Menlo" charset="0"/>
-                <a:ea typeface="Menlo" charset="0"/>
-                <a:cs typeface="Menlo" charset="0"/>
-              </a:rPr>
-              <a:t>                matrix[</a:t>
-            </a:r>
-            <a:r>
-              <a:rPr lang="mr-IN" dirty="0" err="1">
-                <a:latin typeface="Menlo" charset="0"/>
-                <a:ea typeface="Menlo" charset="0"/>
-                <a:cs typeface="Menlo" charset="0"/>
-              </a:rPr>
-              <a:t>x</a:t>
-            </a:r>
-            <a:r>
-              <a:rPr lang="mr-IN" dirty="0">
-                <a:latin typeface="Menlo" charset="0"/>
-                <a:ea typeface="Menlo" charset="0"/>
-                <a:cs typeface="Menlo" charset="0"/>
-              </a:rPr>
-              <a:t>][</a:t>
-            </a:r>
-            <a:r>
-              <a:rPr lang="mr-IN" dirty="0" err="1">
-                <a:latin typeface="Menlo" charset="0"/>
-                <a:ea typeface="Menlo" charset="0"/>
-                <a:cs typeface="Menlo" charset="0"/>
-              </a:rPr>
-              <a:t>y</a:t>
-            </a:r>
-            <a:r>
-              <a:rPr lang="mr-IN" dirty="0">
-                <a:latin typeface="Menlo" charset="0"/>
-                <a:ea typeface="Menlo" charset="0"/>
-                <a:cs typeface="Menlo" charset="0"/>
-              </a:rPr>
-              <a:t>] = </a:t>
-            </a:r>
-            <a:r>
-              <a:rPr lang="mr-IN" dirty="0">
-                <a:solidFill>
-                  <a:srgbClr val="0000FF"/>
-                </a:solidFill>
-                <a:latin typeface="Menlo" charset="0"/>
-                <a:ea typeface="Menlo" charset="0"/>
-                <a:cs typeface="Menlo" charset="0"/>
-              </a:rPr>
-              <a:t>1</a:t>
-            </a:r>
-            <a:br>
-              <a:rPr lang="mr-IN" dirty="0">
-                <a:solidFill>
-                  <a:srgbClr val="0000FF"/>
-                </a:solidFill>
-                <a:latin typeface="Menlo" charset="0"/>
-                <a:ea typeface="Menlo" charset="0"/>
-                <a:cs typeface="Menlo" charset="0"/>
-              </a:rPr>
-            </a:br>
-            <a:r>
-              <a:rPr lang="mr-IN" dirty="0">
-                <a:solidFill>
-                  <a:srgbClr val="0000FF"/>
-                </a:solidFill>
-                <a:latin typeface="Menlo" charset="0"/>
-                <a:ea typeface="Menlo" charset="0"/>
-                <a:cs typeface="Menlo" charset="0"/>
-              </a:rPr>
-              <a:t>            </a:t>
-            </a:r>
-            <a:r>
-              <a:rPr lang="mr-IN" b="1" dirty="0">
-                <a:solidFill>
-                  <a:srgbClr val="000080"/>
-                </a:solidFill>
-                <a:latin typeface="Menlo" charset="0"/>
-                <a:ea typeface="Menlo" charset="0"/>
-                <a:cs typeface="Menlo" charset="0"/>
-              </a:rPr>
-              <a:t>if </a:t>
-            </a:r>
-            <a:r>
-              <a:rPr lang="mr-IN" dirty="0">
-                <a:latin typeface="Menlo" charset="0"/>
-                <a:ea typeface="Menlo" charset="0"/>
-                <a:cs typeface="Menlo" charset="0"/>
-              </a:rPr>
-              <a:t>matrix[</a:t>
-            </a:r>
-            <a:r>
-              <a:rPr lang="mr-IN" dirty="0" err="1">
-                <a:latin typeface="Menlo" charset="0"/>
-                <a:ea typeface="Menlo" charset="0"/>
-                <a:cs typeface="Menlo" charset="0"/>
-              </a:rPr>
-              <a:t>y</a:t>
-            </a:r>
-            <a:r>
-              <a:rPr lang="mr-IN" dirty="0">
-                <a:latin typeface="Menlo" charset="0"/>
-                <a:ea typeface="Menlo" charset="0"/>
-                <a:cs typeface="Menlo" charset="0"/>
-              </a:rPr>
-              <a:t>][</a:t>
-            </a:r>
-            <a:r>
-              <a:rPr lang="mr-IN" dirty="0" err="1">
-                <a:latin typeface="Menlo" charset="0"/>
-                <a:ea typeface="Menlo" charset="0"/>
-                <a:cs typeface="Menlo" charset="0"/>
-              </a:rPr>
-              <a:t>x</a:t>
-            </a:r>
-            <a:r>
-              <a:rPr lang="mr-IN" dirty="0">
-                <a:latin typeface="Menlo" charset="0"/>
-                <a:ea typeface="Menlo" charset="0"/>
-                <a:cs typeface="Menlo" charset="0"/>
-              </a:rPr>
-              <a:t>] == -</a:t>
-            </a:r>
-            <a:r>
-              <a:rPr lang="mr-IN" dirty="0">
-                <a:solidFill>
-                  <a:srgbClr val="0000FF"/>
-                </a:solidFill>
-                <a:latin typeface="Menlo" charset="0"/>
-                <a:ea typeface="Menlo" charset="0"/>
-                <a:cs typeface="Menlo" charset="0"/>
-              </a:rPr>
-              <a:t>1</a:t>
-            </a:r>
-            <a:r>
-              <a:rPr lang="mr-IN" dirty="0">
-                <a:latin typeface="Menlo" charset="0"/>
-                <a:ea typeface="Menlo" charset="0"/>
-                <a:cs typeface="Menlo" charset="0"/>
-              </a:rPr>
-              <a:t>:</a:t>
-            </a:r>
-            <a:br>
-              <a:rPr lang="mr-IN" dirty="0">
-                <a:latin typeface="Menlo" charset="0"/>
-                <a:ea typeface="Menlo" charset="0"/>
-                <a:cs typeface="Menlo" charset="0"/>
-              </a:rPr>
-            </a:br>
-            <a:r>
-              <a:rPr lang="mr-IN" dirty="0">
-                <a:latin typeface="Menlo" charset="0"/>
-                <a:ea typeface="Menlo" charset="0"/>
-                <a:cs typeface="Menlo" charset="0"/>
-              </a:rPr>
-              <a:t>                matrix[</a:t>
-            </a:r>
-            <a:r>
-              <a:rPr lang="mr-IN" dirty="0" err="1">
-                <a:latin typeface="Menlo" charset="0"/>
-                <a:ea typeface="Menlo" charset="0"/>
-                <a:cs typeface="Menlo" charset="0"/>
-              </a:rPr>
-              <a:t>x</a:t>
-            </a:r>
-            <a:r>
-              <a:rPr lang="mr-IN" dirty="0">
-                <a:latin typeface="Menlo" charset="0"/>
-                <a:ea typeface="Menlo" charset="0"/>
-                <a:cs typeface="Menlo" charset="0"/>
-              </a:rPr>
-              <a:t>][</a:t>
-            </a:r>
-            <a:r>
-              <a:rPr lang="mr-IN" dirty="0" err="1">
-                <a:latin typeface="Menlo" charset="0"/>
-                <a:ea typeface="Menlo" charset="0"/>
-                <a:cs typeface="Menlo" charset="0"/>
-              </a:rPr>
-              <a:t>y</a:t>
-            </a:r>
-            <a:r>
-              <a:rPr lang="mr-IN" dirty="0">
-                <a:latin typeface="Menlo" charset="0"/>
-                <a:ea typeface="Menlo" charset="0"/>
-                <a:cs typeface="Menlo" charset="0"/>
-              </a:rPr>
-              <a:t>] = -</a:t>
-            </a:r>
-            <a:r>
-              <a:rPr lang="mr-IN" dirty="0">
-                <a:solidFill>
-                  <a:srgbClr val="0000FF"/>
-                </a:solidFill>
-                <a:latin typeface="Menlo" charset="0"/>
-                <a:ea typeface="Menlo" charset="0"/>
-                <a:cs typeface="Menlo" charset="0"/>
-              </a:rPr>
-              <a:t>1</a:t>
-            </a:r>
-            <a:br>
-              <a:rPr lang="mr-IN" dirty="0">
-                <a:solidFill>
-                  <a:srgbClr val="0000FF"/>
-                </a:solidFill>
-                <a:latin typeface="Menlo" charset="0"/>
-                <a:ea typeface="Menlo" charset="0"/>
-                <a:cs typeface="Menlo" charset="0"/>
-              </a:rPr>
-            </a:br>
-            <a:endParaRPr lang="de-DE" dirty="0">
-              <a:latin typeface="Menlo" charset="0"/>
-              <a:ea typeface="Menlo" charset="0"/>
-              <a:cs typeface="Menlo" charset="0"/>
+              <a:t>Alina</a:t>
+            </a:r>
+            <a:endParaRPr lang="de-DE" sz="1200" dirty="0">
+              <a:effectLst/>
+              <a:latin typeface="Calibri" charset="0"/>
+              <a:ea typeface="Calibri" charset="0"/>
+              <a:cs typeface="Calibri" charset="0"/>
             </a:endParaRPr>
           </a:p>
         </p:txBody>
@@ -30429,7 +28339,7 @@
     </p:spTree>
     <p:extLst>
       <p:ext uri="{BB962C8B-B14F-4D97-AF65-F5344CB8AC3E}">
-        <p14:creationId xmlns:p14="http://schemas.microsoft.com/office/powerpoint/2010/main" val="375538728"/>
+        <p14:creationId xmlns:p14="http://schemas.microsoft.com/office/powerpoint/2010/main" val="123784063"/>
       </p:ext>
     </p:extLst>
   </p:cSld>
@@ -30439,9 +28349,135 @@
   <p:timing>
     <p:tnLst>
       <p:par>
-        <p:cTn id="1" dur="indefinite" restart="never" nodeType="tmRoot"/>
+        <p:cTn id="1" dur="indefinite" restart="never" nodeType="tmRoot">
+          <p:childTnLst>
+            <p:seq concurrent="1" nextAc="seek">
+              <p:cTn id="2" dur="indefinite" nodeType="mainSeq">
+                <p:childTnLst>
+                  <p:par>
+                    <p:cTn id="3" fill="hold">
+                      <p:stCondLst>
+                        <p:cond delay="indefinite"/>
+                      </p:stCondLst>
+                      <p:childTnLst>
+                        <p:par>
+                          <p:cTn id="4" fill="hold">
+                            <p:stCondLst>
+                              <p:cond delay="0"/>
+                            </p:stCondLst>
+                            <p:childTnLst>
+                              <p:par>
+                                <p:cTn id="5" presetID="1" presetClass="entr" presetSubtype="0" fill="hold" grpId="0" nodeType="clickEffect">
+                                  <p:stCondLst>
+                                    <p:cond delay="0"/>
+                                  </p:stCondLst>
+                                  <p:childTnLst>
+                                    <p:set>
+                                      <p:cBhvr>
+                                        <p:cTn id="6" dur="1" fill="hold">
+                                          <p:stCondLst>
+                                            <p:cond delay="0"/>
+                                          </p:stCondLst>
+                                        </p:cTn>
+                                        <p:tgtEl>
+                                          <p:spTgt spid="34"/>
+                                        </p:tgtEl>
+                                        <p:attrNameLst>
+                                          <p:attrName>style.visibility</p:attrName>
+                                        </p:attrNameLst>
+                                      </p:cBhvr>
+                                      <p:to>
+                                        <p:strVal val="visible"/>
+                                      </p:to>
+                                    </p:set>
+                                  </p:childTnLst>
+                                </p:cTn>
+                              </p:par>
+                              <p:par>
+                                <p:cTn id="7" presetID="1" presetClass="entr" presetSubtype="0" fill="hold" grpId="0" nodeType="withEffect">
+                                  <p:stCondLst>
+                                    <p:cond delay="0"/>
+                                  </p:stCondLst>
+                                  <p:childTnLst>
+                                    <p:set>
+                                      <p:cBhvr>
+                                        <p:cTn id="8" dur="1" fill="hold">
+                                          <p:stCondLst>
+                                            <p:cond delay="0"/>
+                                          </p:stCondLst>
+                                        </p:cTn>
+                                        <p:tgtEl>
+                                          <p:spTgt spid="35"/>
+                                        </p:tgtEl>
+                                        <p:attrNameLst>
+                                          <p:attrName>style.visibility</p:attrName>
+                                        </p:attrNameLst>
+                                      </p:cBhvr>
+                                      <p:to>
+                                        <p:strVal val="visible"/>
+                                      </p:to>
+                                    </p:set>
+                                  </p:childTnLst>
+                                </p:cTn>
+                              </p:par>
+                              <p:par>
+                                <p:cTn id="9" presetID="1" presetClass="entr" presetSubtype="0" fill="hold" nodeType="withEffect">
+                                  <p:stCondLst>
+                                    <p:cond delay="0"/>
+                                  </p:stCondLst>
+                                  <p:childTnLst>
+                                    <p:set>
+                                      <p:cBhvr>
+                                        <p:cTn id="10" dur="1" fill="hold">
+                                          <p:stCondLst>
+                                            <p:cond delay="0"/>
+                                          </p:stCondLst>
+                                        </p:cTn>
+                                        <p:tgtEl>
+                                          <p:spTgt spid="25"/>
+                                        </p:tgtEl>
+                                        <p:attrNameLst>
+                                          <p:attrName>style.visibility</p:attrName>
+                                        </p:attrNameLst>
+                                      </p:cBhvr>
+                                      <p:to>
+                                        <p:strVal val="visible"/>
+                                      </p:to>
+                                    </p:set>
+                                  </p:childTnLst>
+                                </p:cTn>
+                              </p:par>
+                            </p:childTnLst>
+                          </p:cTn>
+                        </p:par>
+                      </p:childTnLst>
+                    </p:cTn>
+                  </p:par>
+                </p:childTnLst>
+              </p:cTn>
+              <p:prevCondLst>
+                <p:cond evt="onPrev" delay="0">
+                  <p:tgtEl>
+                    <p:sldTgt/>
+                  </p:tgtEl>
+                </p:cond>
+              </p:prevCondLst>
+              <p:nextCondLst>
+                <p:cond evt="onNext" delay="0">
+                  <p:tgtEl>
+                    <p:sldTgt/>
+                  </p:tgtEl>
+                </p:cond>
+              </p:nextCondLst>
+            </p:seq>
+          </p:childTnLst>
+        </p:cTn>
       </p:par>
     </p:tnLst>
+    <p:bldLst>
+      <p:bldP spid="34" grpId="0" animBg="1"/>
+      <p:bldP spid="35" grpId="0" animBg="1"/>
+    </p:bldLst>
   </p:timing>
 </p:sld>
 </file>
